--- a/Resources/WSN localization with Senseless framework.pptx
+++ b/Resources/WSN localization with Senseless framework.pptx
@@ -5,7 +5,7 @@
     <p:sldMasterId id="2147483672" r:id="rId1"/>
   </p:sldMasterIdLst>
   <p:notesMasterIdLst>
-    <p:notesMasterId r:id="rId44"/>
+    <p:notesMasterId r:id="rId60"/>
   </p:notesMasterIdLst>
   <p:sldIdLst>
     <p:sldId id="256" r:id="rId2"/>
@@ -37,19 +37,35 @@
     <p:sldId id="285" r:id="rId28"/>
     <p:sldId id="286" r:id="rId29"/>
     <p:sldId id="287" r:id="rId30"/>
-    <p:sldId id="260" r:id="rId31"/>
-    <p:sldId id="261" r:id="rId32"/>
-    <p:sldId id="265" r:id="rId33"/>
-    <p:sldId id="262" r:id="rId34"/>
-    <p:sldId id="266" r:id="rId35"/>
-    <p:sldId id="258" r:id="rId36"/>
-    <p:sldId id="259" r:id="rId37"/>
-    <p:sldId id="288" r:id="rId38"/>
-    <p:sldId id="291" r:id="rId39"/>
-    <p:sldId id="292" r:id="rId40"/>
-    <p:sldId id="293" r:id="rId41"/>
-    <p:sldId id="294" r:id="rId42"/>
-    <p:sldId id="297" r:id="rId43"/>
+    <p:sldId id="302" r:id="rId31"/>
+    <p:sldId id="303" r:id="rId32"/>
+    <p:sldId id="261" r:id="rId33"/>
+    <p:sldId id="260" r:id="rId34"/>
+    <p:sldId id="304" r:id="rId35"/>
+    <p:sldId id="306" r:id="rId36"/>
+    <p:sldId id="307" r:id="rId37"/>
+    <p:sldId id="314" r:id="rId38"/>
+    <p:sldId id="312" r:id="rId39"/>
+    <p:sldId id="311" r:id="rId40"/>
+    <p:sldId id="315" r:id="rId41"/>
+    <p:sldId id="313" r:id="rId42"/>
+    <p:sldId id="308" r:id="rId43"/>
+    <p:sldId id="310" r:id="rId44"/>
+    <p:sldId id="309" r:id="rId45"/>
+    <p:sldId id="266" r:id="rId46"/>
+    <p:sldId id="299" r:id="rId47"/>
+    <p:sldId id="305" r:id="rId48"/>
+    <p:sldId id="300" r:id="rId49"/>
+    <p:sldId id="301" r:id="rId50"/>
+    <p:sldId id="288" r:id="rId51"/>
+    <p:sldId id="258" r:id="rId52"/>
+    <p:sldId id="259" r:id="rId53"/>
+    <p:sldId id="291" r:id="rId54"/>
+    <p:sldId id="292" r:id="rId55"/>
+    <p:sldId id="293" r:id="rId56"/>
+    <p:sldId id="294" r:id="rId57"/>
+    <p:sldId id="297" r:id="rId58"/>
+    <p:sldId id="298" r:id="rId59"/>
   </p:sldIdLst>
   <p:sldSz cx="9144000" cy="6858000" type="screen4x3"/>
   <p:notesSz cx="6858000" cy="9144000"/>
@@ -1611,6 +1627,87 @@
             <a:fld id="{83B4AC57-DCFC-4C3B-82CD-1D4FB8B65D24}" type="slidenum">
               <a:rPr lang="nl-BE" smtClean="0"/>
               <a:t>18</a:t>
+            </a:fld>
+            <a:endParaRPr lang="nl-BE"/>
+          </a:p>
+        </p:txBody>
+      </p:sp>
+    </p:spTree>
+  </p:cSld>
+  <p:clrMapOvr>
+    <a:masterClrMapping/>
+  </p:clrMapOvr>
+</p:notes>
+</file>
+
+<file path=ppt/notesSlides/notesSlide3.xml><?xml version="1.0" encoding="utf-8"?>
+<p:notes xmlns:a="http://schemas.openxmlformats.org/drawingml/2006/main" xmlns:r="http://schemas.openxmlformats.org/officeDocument/2006/relationships" xmlns:p="http://schemas.openxmlformats.org/presentationml/2006/main">
+  <p:cSld>
+    <p:spTree>
+      <p:nvGrpSpPr>
+        <p:cNvPr id="1" name=""/>
+        <p:cNvGrpSpPr/>
+        <p:nvPr/>
+      </p:nvGrpSpPr>
+      <p:grpSpPr>
+        <a:xfrm>
+          <a:off x="0" y="0"/>
+          <a:ext cx="0" cy="0"/>
+          <a:chOff x="0" y="0"/>
+          <a:chExt cx="0" cy="0"/>
+        </a:xfrm>
+      </p:grpSpPr>
+      <p:sp>
+        <p:nvSpPr>
+          <p:cNvPr id="2" name="Tijdelijke aanduiding voor dia-afbeelding 1"/>
+          <p:cNvSpPr>
+            <a:spLocks noGrp="1" noRot="1" noChangeAspect="1"/>
+          </p:cNvSpPr>
+          <p:nvPr>
+            <p:ph type="sldImg"/>
+          </p:nvPr>
+        </p:nvSpPr>
+        <p:spPr/>
+      </p:sp>
+      <p:sp>
+        <p:nvSpPr>
+          <p:cNvPr id="3" name="Tijdelijke aanduiding voor notities 2"/>
+          <p:cNvSpPr>
+            <a:spLocks noGrp="1"/>
+          </p:cNvSpPr>
+          <p:nvPr>
+            <p:ph type="body" idx="1"/>
+          </p:nvPr>
+        </p:nvSpPr>
+        <p:spPr/>
+        <p:txBody>
+          <a:bodyPr>
+            <a:normAutofit/>
+          </a:bodyPr>
+          <a:lstStyle/>
+          <a:p>
+            <a:endParaRPr lang="en-GB" noProof="0" dirty="0"/>
+          </a:p>
+        </p:txBody>
+      </p:sp>
+      <p:sp>
+        <p:nvSpPr>
+          <p:cNvPr id="4" name="Tijdelijke aanduiding voor dianummer 3"/>
+          <p:cNvSpPr>
+            <a:spLocks noGrp="1"/>
+          </p:cNvSpPr>
+          <p:nvPr>
+            <p:ph type="sldNum" sz="quarter" idx="10"/>
+          </p:nvPr>
+        </p:nvSpPr>
+        <p:spPr/>
+        <p:txBody>
+          <a:bodyPr/>
+          <a:lstStyle/>
+          <a:p>
+            <a:fld id="{83B4AC57-DCFC-4C3B-82CD-1D4FB8B65D24}" type="slidenum">
+              <a:rPr lang="nl-BE" smtClean="0"/>
+              <a:t>58</a:t>
             </a:fld>
             <a:endParaRPr lang="nl-BE"/>
           </a:p>
@@ -9390,10 +9487,10 @@
           <a:lstStyle/>
           <a:p>
             <a:r>
-              <a:rPr lang="nl-BE" dirty="0" smtClean="0"/>
-              <a:t>SOA</a:t>
-            </a:r>
-            <a:endParaRPr lang="nl-BE" dirty="0"/>
+              <a:rPr lang="en-GB" dirty="0" smtClean="0"/>
+              <a:t>Senseless</a:t>
+            </a:r>
+            <a:endParaRPr lang="en-GB" dirty="0"/>
           </a:p>
         </p:txBody>
       </p:sp>
@@ -9409,48 +9506,42 @@
         </p:nvSpPr>
         <p:spPr/>
         <p:txBody>
-          <a:bodyPr/>
-          <a:lstStyle/>
-          <a:p>
-            <a:r>
-              <a:rPr lang="nl-BE" dirty="0" smtClean="0"/>
-              <a:t>Voordelen:</a:t>
-            </a:r>
-          </a:p>
-          <a:p>
-            <a:endParaRPr lang="nl-BE" dirty="0" smtClean="0"/>
-          </a:p>
-          <a:p>
-            <a:pPr lvl="1"/>
-            <a:r>
-              <a:rPr lang="nl-BE" dirty="0" err="1" smtClean="0"/>
-              <a:t>Modulariteit</a:t>
-            </a:r>
-            <a:r>
-              <a:rPr lang="nl-BE" dirty="0" smtClean="0"/>
-              <a:t> en flexibiliteit</a:t>
-            </a:r>
-          </a:p>
-          <a:p>
-            <a:pPr lvl="1"/>
-            <a:r>
-              <a:rPr lang="nl-BE" dirty="0" err="1" smtClean="0"/>
-              <a:t>Scalable</a:t>
-            </a:r>
-            <a:r>
-              <a:rPr lang="nl-BE" dirty="0" smtClean="0"/>
-              <a:t> </a:t>
-            </a:r>
-          </a:p>
-          <a:p>
-            <a:pPr lvl="1"/>
-            <a:r>
-              <a:rPr lang="nl-BE" dirty="0" smtClean="0"/>
-              <a:t>Hergebruik</a:t>
-            </a:r>
-          </a:p>
-          <a:p>
-            <a:endParaRPr lang="nl-BE" dirty="0"/>
+          <a:bodyPr>
+            <a:normAutofit/>
+          </a:bodyPr>
+          <a:lstStyle/>
+          <a:p>
+            <a:r>
+              <a:rPr lang="en-US" dirty="0" smtClean="0"/>
+              <a:t>Software framework</a:t>
+            </a:r>
+          </a:p>
+          <a:p>
+            <a:r>
+              <a:rPr lang="en-US" dirty="0" smtClean="0"/>
+              <a:t>Data interface to the WSNs and GUIs</a:t>
+            </a:r>
+          </a:p>
+          <a:p>
+            <a:r>
+              <a:rPr lang="en-US" dirty="0" smtClean="0"/>
+              <a:t>Dataflow in database</a:t>
+            </a:r>
+          </a:p>
+          <a:p>
+            <a:r>
+              <a:rPr lang="en-US" dirty="0" smtClean="0"/>
+              <a:t>Localization algorithms</a:t>
+            </a:r>
+          </a:p>
+          <a:p>
+            <a:r>
+              <a:rPr lang="en-US" dirty="0" smtClean="0"/>
+              <a:t>in pluggable</a:t>
+            </a:r>
+          </a:p>
+          <a:p>
+            <a:endParaRPr lang="en-GB" dirty="0"/>
           </a:p>
         </p:txBody>
       </p:sp>
@@ -9459,13 +9550,6 @@
   <p:clrMapOvr>
     <a:masterClrMapping/>
   </p:clrMapOvr>
-  <p:timing>
-    <p:tnLst>
-      <p:par>
-        <p:cTn id="1" dur="indefinite" restart="never" nodeType="tmRoot"/>
-      </p:par>
-    </p:tnLst>
-  </p:timing>
 </p:sld>
 </file>
 
@@ -9502,10 +9586,10 @@
           <a:lstStyle/>
           <a:p>
             <a:r>
-              <a:rPr lang="nl-BE" dirty="0" smtClean="0"/>
+              <a:rPr lang="en-GB" dirty="0" smtClean="0"/>
               <a:t>MVC</a:t>
             </a:r>
-            <a:endParaRPr lang="nl-BE" dirty="0"/>
+            <a:endParaRPr lang="en-GB" dirty="0"/>
           </a:p>
         </p:txBody>
       </p:sp>
@@ -9525,44 +9609,44 @@
           <a:lstStyle/>
           <a:p>
             <a:r>
-              <a:rPr lang="nl-BE" dirty="0" smtClean="0"/>
-              <a:t>Voordelen:</a:t>
-            </a:r>
-          </a:p>
-          <a:p>
-            <a:endParaRPr lang="nl-BE" dirty="0" smtClean="0"/>
-          </a:p>
-          <a:p>
-            <a:pPr lvl="1"/>
-            <a:r>
-              <a:rPr lang="nl-BE" dirty="0" smtClean="0"/>
-              <a:t>Toevoegen van Views en Models</a:t>
-            </a:r>
-          </a:p>
-          <a:p>
-            <a:pPr lvl="1"/>
-            <a:r>
-              <a:rPr lang="nl-BE" dirty="0" smtClean="0"/>
-              <a:t>Onafhankelijkheid</a:t>
-            </a:r>
-          </a:p>
-          <a:p>
-            <a:endParaRPr lang="nl-BE" dirty="0"/>
-          </a:p>
-        </p:txBody>
-      </p:sp>
+              <a:rPr lang="en-GB" dirty="0" smtClean="0"/>
+              <a:t>Model View Controller design</a:t>
+            </a:r>
+            <a:endParaRPr lang="en-GB" dirty="0"/>
+          </a:p>
+        </p:txBody>
+      </p:sp>
+      <p:pic>
+        <p:nvPicPr>
+          <p:cNvPr id="19458" name="Picture 2" descr="C:\Users\Poseidon\Desktop\MAP SVN\LateX\Images\mvc.jpg"/>
+          <p:cNvPicPr>
+            <a:picLocks noChangeAspect="1" noChangeArrowheads="1"/>
+          </p:cNvPicPr>
+          <p:nvPr/>
+        </p:nvPicPr>
+        <p:blipFill>
+          <a:blip r:embed="rId2" cstate="print"/>
+          <a:srcRect/>
+          <a:stretch>
+            <a:fillRect/>
+          </a:stretch>
+        </p:blipFill>
+        <p:spPr bwMode="auto">
+          <a:xfrm>
+            <a:off x="0" y="2928934"/>
+            <a:ext cx="9144000" cy="3324239"/>
+          </a:xfrm>
+          <a:prstGeom prst="rect">
+            <a:avLst/>
+          </a:prstGeom>
+          <a:noFill/>
+        </p:spPr>
+      </p:pic>
     </p:spTree>
   </p:cSld>
   <p:clrMapOvr>
     <a:masterClrMapping/>
   </p:clrMapOvr>
-  <p:timing>
-    <p:tnLst>
-      <p:par>
-        <p:cTn id="1" dur="indefinite" restart="never" nodeType="tmRoot"/>
-      </p:par>
-    </p:tnLst>
-  </p:timing>
 </p:sld>
 </file>
 
@@ -9598,7 +9682,11 @@
           <a:bodyPr/>
           <a:lstStyle/>
           <a:p>
-            <a:endParaRPr lang="nl-BE"/>
+            <a:r>
+              <a:rPr lang="nl-BE" dirty="0" smtClean="0"/>
+              <a:t>MVC</a:t>
+            </a:r>
+            <a:endParaRPr lang="nl-BE" dirty="0"/>
           </a:p>
         </p:txBody>
       </p:sp>
@@ -9617,43 +9705,59 @@
           <a:bodyPr/>
           <a:lstStyle/>
           <a:p>
-            <a:endParaRPr lang="nl-BE"/>
-          </a:p>
-        </p:txBody>
-      </p:sp>
-      <p:pic>
-        <p:nvPicPr>
-          <p:cNvPr id="4" name="Picture 2"/>
-          <p:cNvPicPr>
-            <a:picLocks noChangeAspect="1" noChangeArrowheads="1"/>
-          </p:cNvPicPr>
-          <p:nvPr/>
-        </p:nvPicPr>
-        <p:blipFill>
-          <a:blip r:embed="rId2" cstate="print"/>
-          <a:srcRect/>
-          <a:stretch>
-            <a:fillRect/>
-          </a:stretch>
-        </p:blipFill>
-        <p:spPr bwMode="auto">
-          <a:xfrm>
-            <a:off x="0" y="1895595"/>
-            <a:ext cx="8786842" cy="4962405"/>
-          </a:xfrm>
-          <a:prstGeom prst="rect">
-            <a:avLst/>
-          </a:prstGeom>
-          <a:noFill/>
-          <a:ln w="9525">
-            <a:noFill/>
-            <a:miter lim="800000"/>
-            <a:headEnd/>
-            <a:tailEnd/>
-          </a:ln>
-          <a:effectLst/>
-        </p:spPr>
-      </p:pic>
+            <a:r>
+              <a:rPr lang="nl-BE" dirty="0" err="1" smtClean="0"/>
+              <a:t>Advantages</a:t>
+            </a:r>
+            <a:r>
+              <a:rPr lang="nl-BE" dirty="0" smtClean="0"/>
+              <a:t>:</a:t>
+            </a:r>
+            <a:endParaRPr lang="nl-BE" dirty="0" smtClean="0"/>
+          </a:p>
+          <a:p>
+            <a:endParaRPr lang="nl-BE" dirty="0" smtClean="0"/>
+          </a:p>
+          <a:p>
+            <a:pPr lvl="1"/>
+            <a:r>
+              <a:rPr lang="nl-BE" dirty="0" smtClean="0"/>
+              <a:t>The </a:t>
+            </a:r>
+            <a:r>
+              <a:rPr lang="nl-BE" dirty="0" err="1" smtClean="0"/>
+              <a:t>adding</a:t>
+            </a:r>
+            <a:r>
+              <a:rPr lang="nl-BE" dirty="0" smtClean="0"/>
+              <a:t> of </a:t>
+            </a:r>
+            <a:r>
+              <a:rPr lang="nl-BE" dirty="0" err="1" smtClean="0"/>
+              <a:t>new</a:t>
+            </a:r>
+            <a:r>
+              <a:rPr lang="nl-BE" dirty="0" smtClean="0"/>
+              <a:t> </a:t>
+            </a:r>
+            <a:r>
+              <a:rPr lang="nl-BE" dirty="0" smtClean="0"/>
+              <a:t>Views en Models</a:t>
+            </a:r>
+          </a:p>
+          <a:p>
+            <a:pPr lvl="1"/>
+            <a:r>
+              <a:rPr lang="nl-BE" dirty="0" err="1" smtClean="0"/>
+              <a:t>Independance</a:t>
+            </a:r>
+            <a:endParaRPr lang="nl-BE" dirty="0" smtClean="0"/>
+          </a:p>
+          <a:p>
+            <a:endParaRPr lang="nl-BE" dirty="0"/>
+          </a:p>
+        </p:txBody>
+      </p:sp>
     </p:spTree>
   </p:cSld>
   <p:clrMapOvr>
@@ -9702,8 +9806,8 @@
           <a:lstStyle/>
           <a:p>
             <a:r>
-              <a:rPr lang="nl-BE" dirty="0" err="1" smtClean="0"/>
-              <a:t>Communication</a:t>
+              <a:rPr lang="nl-BE" dirty="0" smtClean="0"/>
+              <a:t>SOA</a:t>
             </a:r>
             <a:endParaRPr lang="nl-BE" dirty="0"/>
           </a:p>
@@ -9725,23 +9829,43 @@
           <a:lstStyle/>
           <a:p>
             <a:r>
-              <a:rPr lang="nl-BE" dirty="0" smtClean="0"/>
-              <a:t>Status</a:t>
-            </a:r>
-          </a:p>
-          <a:p>
-            <a:r>
-              <a:rPr lang="nl-BE" dirty="0" err="1" smtClean="0"/>
-              <a:t>Location</a:t>
-            </a:r>
-            <a:endParaRPr lang="nl-BE" dirty="0" smtClean="0"/>
-          </a:p>
-          <a:p>
-            <a:r>
-              <a:rPr lang="nl-BE" dirty="0" smtClean="0"/>
-              <a:t>Sensor</a:t>
-            </a:r>
-            <a:endParaRPr lang="nl-BE" dirty="0"/>
+              <a:rPr lang="en-GB" dirty="0" smtClean="0"/>
+              <a:t>Service Oriented Architecture</a:t>
+            </a:r>
+          </a:p>
+          <a:p>
+            <a:r>
+              <a:rPr lang="en-GB" dirty="0" smtClean="0"/>
+              <a:t>Advantages:</a:t>
+            </a:r>
+          </a:p>
+          <a:p>
+            <a:endParaRPr lang="en-GB" dirty="0" smtClean="0"/>
+          </a:p>
+          <a:p>
+            <a:pPr lvl="1"/>
+            <a:r>
+              <a:rPr lang="en-GB" dirty="0" smtClean="0"/>
+              <a:t>Modularity and flexibility</a:t>
+            </a:r>
+          </a:p>
+          <a:p>
+            <a:pPr lvl="1"/>
+            <a:r>
+              <a:rPr lang="en-GB" dirty="0" smtClean="0"/>
+              <a:t>Scalability</a:t>
+            </a:r>
+          </a:p>
+          <a:p>
+            <a:pPr lvl="1"/>
+            <a:r>
+              <a:rPr lang="en-GB" dirty="0" err="1" smtClean="0"/>
+              <a:t>Reusage</a:t>
+            </a:r>
+            <a:endParaRPr lang="en-GB" dirty="0" smtClean="0"/>
+          </a:p>
+          <a:p>
+            <a:endParaRPr lang="en-GB" dirty="0"/>
           </a:p>
         </p:txBody>
       </p:sp>
@@ -9793,10 +9917,10 @@
           <a:lstStyle/>
           <a:p>
             <a:r>
-              <a:rPr lang="nl-BE" dirty="0" err="1" smtClean="0"/>
-              <a:t>Localization</a:t>
-            </a:r>
-            <a:endParaRPr lang="nl-BE" dirty="0"/>
+              <a:rPr lang="en-GB" dirty="0" smtClean="0"/>
+              <a:t>Functionality</a:t>
+            </a:r>
+            <a:endParaRPr lang="en-GB" dirty="0"/>
           </a:p>
         </p:txBody>
       </p:sp>
@@ -9815,7 +9939,29 @@
           <a:bodyPr/>
           <a:lstStyle/>
           <a:p>
-            <a:endParaRPr lang="nl-BE" dirty="0"/>
+            <a:r>
+              <a:rPr lang="en-GB" dirty="0" smtClean="0"/>
+              <a:t>WSN</a:t>
+            </a:r>
+          </a:p>
+          <a:p>
+            <a:r>
+              <a:rPr lang="en-GB" dirty="0" smtClean="0"/>
+              <a:t> Database</a:t>
+            </a:r>
+          </a:p>
+          <a:p>
+            <a:r>
+              <a:rPr lang="en-GB" dirty="0" smtClean="0"/>
+              <a:t> Graphical Unit Interface (GUI)</a:t>
+            </a:r>
+          </a:p>
+          <a:p>
+            <a:r>
+              <a:rPr lang="en-GB" dirty="0" smtClean="0"/>
+              <a:t> Controller</a:t>
+            </a:r>
+            <a:endParaRPr lang="en-GB" dirty="0"/>
           </a:p>
         </p:txBody>
       </p:sp>
@@ -9824,13 +9970,6 @@
   <p:clrMapOvr>
     <a:masterClrMapping/>
   </p:clrMapOvr>
-  <p:timing>
-    <p:tnLst>
-      <p:par>
-        <p:cTn id="1" dur="indefinite" restart="never" nodeType="tmRoot"/>
-      </p:par>
-    </p:tnLst>
-  </p:timing>
 </p:sld>
 </file>
 
@@ -9867,14 +10006,10 @@
           <a:lstStyle/>
           <a:p>
             <a:r>
-              <a:rPr lang="nl-BE" dirty="0" err="1" smtClean="0"/>
-              <a:t>Calibration</a:t>
-            </a:r>
-            <a:r>
-              <a:rPr lang="nl-BE" dirty="0" smtClean="0"/>
-              <a:t>(1)</a:t>
-            </a:r>
-            <a:endParaRPr lang="nl-BE" dirty="0"/>
+              <a:rPr lang="en-GB" dirty="0" smtClean="0"/>
+              <a:t>WSN</a:t>
+            </a:r>
+            <a:endParaRPr lang="en-GB" dirty="0"/>
           </a:p>
         </p:txBody>
       </p:sp>
@@ -9894,172 +10029,77 @@
           <a:lstStyle/>
           <a:p>
             <a:r>
-              <a:rPr lang="nl-BE" dirty="0" smtClean="0"/>
-              <a:t>RSS(d) = - P(d0) – 10 n log(d / d0)</a:t>
+              <a:rPr lang="en-GB" dirty="0" smtClean="0"/>
+              <a:t>Three different roles:</a:t>
             </a:r>
           </a:p>
           <a:p>
             <a:pPr lvl="1"/>
             <a:r>
-              <a:rPr lang="nl-BE" dirty="0" smtClean="0"/>
-              <a:t>RSS	</a:t>
-            </a:r>
-            <a:r>
-              <a:rPr lang="nl-BE" dirty="0" err="1" smtClean="0"/>
-              <a:t>Received</a:t>
-            </a:r>
-            <a:r>
-              <a:rPr lang="nl-BE" dirty="0" smtClean="0"/>
-              <a:t> </a:t>
-            </a:r>
-            <a:r>
-              <a:rPr lang="nl-BE" dirty="0" err="1" smtClean="0"/>
-              <a:t>Signal</a:t>
-            </a:r>
-            <a:r>
-              <a:rPr lang="nl-BE" dirty="0" smtClean="0"/>
-              <a:t> </a:t>
-            </a:r>
-            <a:r>
-              <a:rPr lang="nl-BE" dirty="0" err="1" smtClean="0"/>
-              <a:t>Strength</a:t>
-            </a:r>
-            <a:r>
-              <a:rPr lang="nl-BE" dirty="0" smtClean="0"/>
-              <a:t>[</a:t>
-            </a:r>
-            <a:r>
-              <a:rPr lang="nl-BE" dirty="0" err="1" smtClean="0"/>
-              <a:t>dBm</a:t>
-            </a:r>
-            <a:r>
-              <a:rPr lang="nl-BE" dirty="0" smtClean="0"/>
-              <a:t>]</a:t>
+              <a:rPr lang="en-GB" dirty="0" smtClean="0"/>
+              <a:t>Root Node</a:t>
             </a:r>
           </a:p>
           <a:p>
             <a:pPr lvl="1"/>
             <a:r>
-              <a:rPr lang="nl-BE" dirty="0" smtClean="0"/>
-              <a:t>P(d0)	</a:t>
-            </a:r>
-            <a:r>
-              <a:rPr lang="nl-BE" dirty="0" err="1" smtClean="0"/>
-              <a:t>Path</a:t>
-            </a:r>
-            <a:r>
-              <a:rPr lang="nl-BE" dirty="0" smtClean="0"/>
-              <a:t> loss in </a:t>
-            </a:r>
-            <a:r>
-              <a:rPr lang="nl-BE" dirty="0" err="1" smtClean="0"/>
-              <a:t>dBm</a:t>
-            </a:r>
-            <a:r>
-              <a:rPr lang="nl-BE" dirty="0" smtClean="0"/>
-              <a:t> at a </a:t>
-            </a:r>
-            <a:r>
-              <a:rPr lang="nl-BE" dirty="0" err="1" smtClean="0"/>
-              <a:t>distance</a:t>
-            </a:r>
-            <a:r>
-              <a:rPr lang="nl-BE" dirty="0" smtClean="0"/>
-              <a:t> of d0</a:t>
+              <a:rPr lang="en-GB" dirty="0" smtClean="0"/>
+              <a:t>Anchor Node</a:t>
             </a:r>
           </a:p>
           <a:p>
             <a:pPr lvl="1"/>
             <a:r>
-              <a:rPr lang="nl-BE" dirty="0" smtClean="0"/>
-              <a:t>n	</a:t>
-            </a:r>
-            <a:r>
-              <a:rPr lang="nl-BE" dirty="0" err="1" smtClean="0"/>
-              <a:t>Path</a:t>
-            </a:r>
-            <a:r>
-              <a:rPr lang="nl-BE" dirty="0" smtClean="0"/>
-              <a:t> loss exponent</a:t>
-            </a:r>
-          </a:p>
-          <a:p>
-            <a:pPr lvl="1"/>
-            <a:r>
-              <a:rPr lang="nl-BE" dirty="0" smtClean="0"/>
-              <a:t>d	</a:t>
-            </a:r>
-            <a:r>
-              <a:rPr lang="nl-BE" dirty="0" err="1" smtClean="0"/>
-              <a:t>Distance</a:t>
-            </a:r>
-            <a:r>
-              <a:rPr lang="nl-BE" dirty="0" smtClean="0"/>
-              <a:t> </a:t>
-            </a:r>
-            <a:r>
-              <a:rPr lang="nl-BE" dirty="0" err="1" smtClean="0"/>
-              <a:t>between</a:t>
-            </a:r>
-            <a:r>
-              <a:rPr lang="nl-BE" dirty="0" smtClean="0"/>
-              <a:t> </a:t>
-            </a:r>
-            <a:r>
-              <a:rPr lang="nl-BE" dirty="0" err="1" smtClean="0"/>
-              <a:t>two</a:t>
-            </a:r>
-            <a:r>
-              <a:rPr lang="nl-BE" dirty="0" smtClean="0"/>
-              <a:t> </a:t>
-            </a:r>
-            <a:r>
-              <a:rPr lang="nl-BE" dirty="0" err="1" smtClean="0"/>
-              <a:t>nodes</a:t>
-            </a:r>
-            <a:r>
-              <a:rPr lang="nl-BE" dirty="0" smtClean="0"/>
-              <a:t>[m]</a:t>
-            </a:r>
-          </a:p>
-          <a:p>
-            <a:pPr lvl="1"/>
-            <a:r>
-              <a:rPr lang="nl-BE" dirty="0" smtClean="0"/>
-              <a:t>d(0)	</a:t>
-            </a:r>
-            <a:r>
-              <a:rPr lang="nl-BE" dirty="0" err="1" smtClean="0"/>
-              <a:t>Reference</a:t>
-            </a:r>
-            <a:r>
-              <a:rPr lang="nl-BE" dirty="0" smtClean="0"/>
-              <a:t> </a:t>
-            </a:r>
-            <a:r>
-              <a:rPr lang="nl-BE" dirty="0" err="1" smtClean="0"/>
-              <a:t>distance</a:t>
-            </a:r>
-            <a:r>
-              <a:rPr lang="nl-BE" dirty="0" smtClean="0"/>
-              <a:t>[m]: 1m</a:t>
-            </a:r>
-            <a:endParaRPr lang="nl-BE" dirty="0"/>
-          </a:p>
-        </p:txBody>
-      </p:sp>
+              <a:rPr lang="en-GB" dirty="0" smtClean="0"/>
+              <a:t>Blind Node</a:t>
+            </a:r>
+            <a:endParaRPr lang="en-GB" dirty="0"/>
+          </a:p>
+        </p:txBody>
+      </p:sp>
+      <p:pic>
+        <p:nvPicPr>
+          <p:cNvPr id="4" name="Afbeelding 3" descr="Untitled-1.png"/>
+          <p:cNvPicPr>
+            <a:picLocks noChangeAspect="1"/>
+          </p:cNvPicPr>
+          <p:nvPr/>
+        </p:nvPicPr>
+        <p:blipFill>
+          <a:blip r:embed="rId2" cstate="print"/>
+          <a:srcRect l="7407" t="11111" r="7407" b="11111"/>
+          <a:stretch>
+            <a:fillRect/>
+          </a:stretch>
+        </p:blipFill>
+        <p:spPr>
+          <a:xfrm>
+            <a:off x="5072066" y="3214686"/>
+            <a:ext cx="3051423" cy="1857388"/>
+          </a:xfrm>
+          <a:prstGeom prst="rect">
+            <a:avLst/>
+          </a:prstGeom>
+          <a:ln>
+            <a:noFill/>
+          </a:ln>
+          <a:effectLst>
+            <a:reflection blurRad="6350" stA="52000" endA="300" endPos="35000" dir="5400000" sy="-100000" algn="bl" rotWithShape="0"/>
+            <a:softEdge rad="31750"/>
+          </a:effectLst>
+          <a:scene3d>
+            <a:camera prst="perspectiveContrastingLeftFacing">
+              <a:rot lat="300000" lon="1800000" rev="0"/>
+            </a:camera>
+            <a:lightRig rig="threePt" dir="t"/>
+          </a:scene3d>
+        </p:spPr>
+      </p:pic>
     </p:spTree>
   </p:cSld>
   <p:clrMapOvr>
     <a:masterClrMapping/>
   </p:clrMapOvr>
-  <p:timing>
-    <p:tnLst>
-      <p:par>
-        <p:cTn id="1" dur="indefinite" restart="never" nodeType="tmRoot"/>
-      </p:par>
-    </p:tnLst>
-  </p:timing>
 </p:sld>
 </file>
 
@@ -10096,20 +10136,127 @@
           <a:lstStyle/>
           <a:p>
             <a:r>
-              <a:rPr lang="nl-BE" dirty="0" err="1" smtClean="0"/>
-              <a:t>Calibration</a:t>
-            </a:r>
-            <a:r>
-              <a:rPr lang="nl-BE" dirty="0" smtClean="0"/>
-              <a:t>(2)</a:t>
-            </a:r>
-            <a:endParaRPr lang="nl-BE" dirty="0"/>
+              <a:rPr lang="en-GB" dirty="0" smtClean="0"/>
+              <a:t>WSN</a:t>
+            </a:r>
+            <a:endParaRPr lang="en-GB" dirty="0"/>
+          </a:p>
+        </p:txBody>
+      </p:sp>
+      <p:sp>
+        <p:nvSpPr>
+          <p:cNvPr id="3" name="Tijdelijke aanduiding voor inhoud 2"/>
+          <p:cNvSpPr>
+            <a:spLocks noGrp="1"/>
+          </p:cNvSpPr>
+          <p:nvPr>
+            <p:ph idx="1"/>
+          </p:nvPr>
+        </p:nvSpPr>
+        <p:spPr/>
+        <p:txBody>
+          <a:bodyPr/>
+          <a:lstStyle/>
+          <a:p>
+            <a:r>
+              <a:rPr lang="en-GB" dirty="0" smtClean="0"/>
+              <a:t>Three different messages:</a:t>
+            </a:r>
+          </a:p>
+          <a:p>
+            <a:pPr lvl="1"/>
+            <a:r>
+              <a:rPr lang="en-GB" dirty="0" smtClean="0"/>
+              <a:t>Sensor</a:t>
+            </a:r>
+          </a:p>
+          <a:p>
+            <a:pPr lvl="1"/>
+            <a:r>
+              <a:rPr lang="en-GB" dirty="0" smtClean="0"/>
+              <a:t>Location</a:t>
+            </a:r>
+          </a:p>
+          <a:p>
+            <a:pPr lvl="1"/>
+            <a:r>
+              <a:rPr lang="en-GB" dirty="0" smtClean="0"/>
+              <a:t>Status</a:t>
+            </a:r>
+            <a:endParaRPr lang="en-GB" dirty="0"/>
+          </a:p>
+        </p:txBody>
+      </p:sp>
+    </p:spTree>
+  </p:cSld>
+  <p:clrMapOvr>
+    <a:masterClrMapping/>
+  </p:clrMapOvr>
+</p:sld>
+</file>
+
+<file path=ppt/slides/slide37.xml><?xml version="1.0" encoding="utf-8"?>
+<p:sld xmlns:a="http://schemas.openxmlformats.org/drawingml/2006/main" xmlns:r="http://schemas.openxmlformats.org/officeDocument/2006/relationships" xmlns:p="http://schemas.openxmlformats.org/presentationml/2006/main">
+  <p:cSld>
+    <p:spTree>
+      <p:nvGrpSpPr>
+        <p:cNvPr id="1" name=""/>
+        <p:cNvGrpSpPr/>
+        <p:nvPr/>
+      </p:nvGrpSpPr>
+      <p:grpSpPr>
+        <a:xfrm>
+          <a:off x="0" y="0"/>
+          <a:ext cx="0" cy="0"/>
+          <a:chOff x="0" y="0"/>
+          <a:chExt cx="0" cy="0"/>
+        </a:xfrm>
+      </p:grpSpPr>
+      <p:sp>
+        <p:nvSpPr>
+          <p:cNvPr id="2" name="Titel 1"/>
+          <p:cNvSpPr>
+            <a:spLocks noGrp="1"/>
+          </p:cNvSpPr>
+          <p:nvPr>
+            <p:ph type="title"/>
+          </p:nvPr>
+        </p:nvSpPr>
+        <p:spPr/>
+        <p:txBody>
+          <a:bodyPr/>
+          <a:lstStyle/>
+          <a:p>
+            <a:r>
+              <a:rPr lang="en-GB" dirty="0" smtClean="0"/>
+              <a:t>WSN (Parser)</a:t>
+            </a:r>
+            <a:endParaRPr lang="en-GB" dirty="0"/>
+          </a:p>
+        </p:txBody>
+      </p:sp>
+      <p:sp>
+        <p:nvSpPr>
+          <p:cNvPr id="3" name="Tijdelijke aanduiding voor inhoud 2"/>
+          <p:cNvSpPr>
+            <a:spLocks noGrp="1"/>
+          </p:cNvSpPr>
+          <p:nvPr>
+            <p:ph idx="1"/>
+          </p:nvPr>
+        </p:nvSpPr>
+        <p:spPr/>
+        <p:txBody>
+          <a:bodyPr/>
+          <a:lstStyle/>
+          <a:p>
+            <a:endParaRPr lang="en-GB"/>
           </a:p>
         </p:txBody>
       </p:sp>
       <p:pic>
         <p:nvPicPr>
-          <p:cNvPr id="1028" name="Picture 4"/>
+          <p:cNvPr id="20482" name="Picture 2"/>
           <p:cNvPicPr>
             <a:picLocks noChangeAspect="1" noChangeArrowheads="1"/>
           </p:cNvPicPr>
@@ -10124,42 +10271,8 @@
         </p:blipFill>
         <p:spPr bwMode="auto">
           <a:xfrm>
-            <a:off x="1643042" y="2000240"/>
-            <a:ext cx="6048375" cy="3314700"/>
-          </a:xfrm>
-          <a:prstGeom prst="rect">
-            <a:avLst/>
-          </a:prstGeom>
-          <a:noFill/>
-          <a:ln w="9525">
-            <a:noFill/>
-            <a:miter lim="800000"/>
-            <a:headEnd/>
-            <a:tailEnd/>
-          </a:ln>
-        </p:spPr>
-      </p:pic>
-      <p:pic>
-        <p:nvPicPr>
-          <p:cNvPr id="1029" name="Picture 5"/>
-          <p:cNvPicPr>
-            <a:picLocks noGrp="1" noChangeAspect="1" noChangeArrowheads="1"/>
-          </p:cNvPicPr>
-          <p:nvPr>
-            <p:ph idx="1"/>
-          </p:nvPr>
-        </p:nvPicPr>
-        <p:blipFill>
-          <a:blip r:embed="rId3" cstate="print"/>
-          <a:srcRect/>
-          <a:stretch>
-            <a:fillRect/>
-          </a:stretch>
-        </p:blipFill>
-        <p:spPr bwMode="auto">
-          <a:xfrm>
-            <a:off x="2571736" y="5643578"/>
-            <a:ext cx="4276725" cy="638175"/>
+            <a:off x="1142976" y="2000240"/>
+            <a:ext cx="3986232" cy="3290223"/>
           </a:xfrm>
           <a:prstGeom prst="rect">
             <a:avLst/>
@@ -10178,6 +10291,354 @@
   <p:clrMapOvr>
     <a:masterClrMapping/>
   </p:clrMapOvr>
+</p:sld>
+</file>
+
+<file path=ppt/slides/slide38.xml><?xml version="1.0" encoding="utf-8"?>
+<p:sld xmlns:a="http://schemas.openxmlformats.org/drawingml/2006/main" xmlns:r="http://schemas.openxmlformats.org/officeDocument/2006/relationships" xmlns:p="http://schemas.openxmlformats.org/presentationml/2006/main">
+  <p:cSld>
+    <p:spTree>
+      <p:nvGrpSpPr>
+        <p:cNvPr id="1" name=""/>
+        <p:cNvGrpSpPr/>
+        <p:nvPr/>
+      </p:nvGrpSpPr>
+      <p:grpSpPr>
+        <a:xfrm>
+          <a:off x="0" y="0"/>
+          <a:ext cx="0" cy="0"/>
+          <a:chOff x="0" y="0"/>
+          <a:chExt cx="0" cy="0"/>
+        </a:xfrm>
+      </p:grpSpPr>
+      <p:sp>
+        <p:nvSpPr>
+          <p:cNvPr id="2" name="Titel 1"/>
+          <p:cNvSpPr>
+            <a:spLocks noGrp="1"/>
+          </p:cNvSpPr>
+          <p:nvPr>
+            <p:ph type="title"/>
+          </p:nvPr>
+        </p:nvSpPr>
+        <p:spPr/>
+        <p:txBody>
+          <a:bodyPr/>
+          <a:lstStyle/>
+          <a:p>
+            <a:r>
+              <a:rPr lang="en-GB" dirty="0" smtClean="0"/>
+              <a:t>Database</a:t>
+            </a:r>
+            <a:endParaRPr lang="en-GB" dirty="0"/>
+          </a:p>
+        </p:txBody>
+      </p:sp>
+      <p:sp>
+        <p:nvSpPr>
+          <p:cNvPr id="3" name="Tijdelijke aanduiding voor inhoud 2"/>
+          <p:cNvSpPr>
+            <a:spLocks noGrp="1"/>
+          </p:cNvSpPr>
+          <p:nvPr>
+            <p:ph idx="1"/>
+          </p:nvPr>
+        </p:nvSpPr>
+        <p:spPr/>
+        <p:txBody>
+          <a:bodyPr/>
+          <a:lstStyle/>
+          <a:p>
+            <a:r>
+              <a:rPr lang="en-GB" dirty="0" err="1" smtClean="0"/>
+              <a:t>MySQL</a:t>
+            </a:r>
+            <a:r>
+              <a:rPr lang="en-GB" dirty="0" smtClean="0"/>
+              <a:t> 5.0 database</a:t>
+            </a:r>
+            <a:endParaRPr lang="en-GB" dirty="0"/>
+          </a:p>
+        </p:txBody>
+      </p:sp>
+    </p:spTree>
+  </p:cSld>
+  <p:clrMapOvr>
+    <a:masterClrMapping/>
+  </p:clrMapOvr>
+</p:sld>
+</file>
+
+<file path=ppt/slides/slide39.xml><?xml version="1.0" encoding="utf-8"?>
+<p:sld xmlns:a="http://schemas.openxmlformats.org/drawingml/2006/main" xmlns:r="http://schemas.openxmlformats.org/officeDocument/2006/relationships" xmlns:p="http://schemas.openxmlformats.org/presentationml/2006/main">
+  <p:cSld>
+    <p:spTree>
+      <p:nvGrpSpPr>
+        <p:cNvPr id="1" name=""/>
+        <p:cNvGrpSpPr/>
+        <p:nvPr/>
+      </p:nvGrpSpPr>
+      <p:grpSpPr>
+        <a:xfrm>
+          <a:off x="0" y="0"/>
+          <a:ext cx="0" cy="0"/>
+          <a:chOff x="0" y="0"/>
+          <a:chExt cx="0" cy="0"/>
+        </a:xfrm>
+      </p:grpSpPr>
+      <p:sp>
+        <p:nvSpPr>
+          <p:cNvPr id="2" name="Titel 1"/>
+          <p:cNvSpPr>
+            <a:spLocks noGrp="1"/>
+          </p:cNvSpPr>
+          <p:nvPr>
+            <p:ph type="title"/>
+          </p:nvPr>
+        </p:nvSpPr>
+        <p:spPr/>
+        <p:txBody>
+          <a:bodyPr/>
+          <a:lstStyle/>
+          <a:p>
+            <a:r>
+              <a:rPr lang="en-GB" dirty="0" smtClean="0"/>
+              <a:t>Controller</a:t>
+            </a:r>
+            <a:endParaRPr lang="en-GB" dirty="0"/>
+          </a:p>
+        </p:txBody>
+      </p:sp>
+      <p:sp>
+        <p:nvSpPr>
+          <p:cNvPr id="3" name="Tijdelijke aanduiding voor inhoud 2"/>
+          <p:cNvSpPr>
+            <a:spLocks noGrp="1"/>
+          </p:cNvSpPr>
+          <p:nvPr>
+            <p:ph idx="1"/>
+          </p:nvPr>
+        </p:nvSpPr>
+        <p:spPr/>
+        <p:txBody>
+          <a:bodyPr/>
+          <a:lstStyle/>
+          <a:p>
+            <a:r>
+              <a:rPr lang="en-GB" dirty="0" smtClean="0"/>
+              <a:t>Core of the system</a:t>
+            </a:r>
+          </a:p>
+          <a:p>
+            <a:r>
+              <a:rPr lang="en-GB" dirty="0" smtClean="0"/>
+              <a:t>Gatekeeper to the database</a:t>
+            </a:r>
+          </a:p>
+          <a:p>
+            <a:r>
+              <a:rPr lang="en-GB" dirty="0" smtClean="0"/>
+              <a:t>Central gathering point</a:t>
+            </a:r>
+          </a:p>
+          <a:p>
+            <a:r>
+              <a:rPr lang="en-GB" dirty="0" smtClean="0"/>
+              <a:t>Interface to SCALA</a:t>
+            </a:r>
+          </a:p>
+          <a:p>
+            <a:endParaRPr lang="en-GB" dirty="0"/>
+          </a:p>
+        </p:txBody>
+      </p:sp>
+    </p:spTree>
+  </p:cSld>
+  <p:clrMapOvr>
+    <a:masterClrMapping/>
+  </p:clrMapOvr>
+</p:sld>
+</file>
+
+<file path=ppt/slides/slide4.xml><?xml version="1.0" encoding="utf-8"?>
+<p:sld xmlns:a="http://schemas.openxmlformats.org/drawingml/2006/main" xmlns:r="http://schemas.openxmlformats.org/officeDocument/2006/relationships" xmlns:p="http://schemas.openxmlformats.org/presentationml/2006/main">
+  <p:cSld>
+    <p:spTree>
+      <p:nvGrpSpPr>
+        <p:cNvPr id="1" name=""/>
+        <p:cNvGrpSpPr/>
+        <p:nvPr/>
+      </p:nvGrpSpPr>
+      <p:grpSpPr>
+        <a:xfrm>
+          <a:off x="0" y="0"/>
+          <a:ext cx="0" cy="0"/>
+          <a:chOff x="0" y="0"/>
+          <a:chExt cx="0" cy="0"/>
+        </a:xfrm>
+      </p:grpSpPr>
+      <p:sp>
+        <p:nvSpPr>
+          <p:cNvPr id="2" name="Titel 1"/>
+          <p:cNvSpPr>
+            <a:spLocks noGrp="1"/>
+          </p:cNvSpPr>
+          <p:nvPr>
+            <p:ph type="title"/>
+          </p:nvPr>
+        </p:nvSpPr>
+        <p:spPr/>
+        <p:txBody>
+          <a:bodyPr/>
+          <a:lstStyle/>
+          <a:p>
+            <a:r>
+              <a:rPr lang="nl-BE" dirty="0" err="1" smtClean="0"/>
+              <a:t>Overview</a:t>
+            </a:r>
+            <a:endParaRPr lang="nl-BE" dirty="0"/>
+          </a:p>
+        </p:txBody>
+      </p:sp>
+      <p:sp>
+        <p:nvSpPr>
+          <p:cNvPr id="3" name="Tijdelijke aanduiding voor inhoud 2"/>
+          <p:cNvSpPr>
+            <a:spLocks noGrp="1"/>
+          </p:cNvSpPr>
+          <p:nvPr>
+            <p:ph idx="1"/>
+          </p:nvPr>
+        </p:nvSpPr>
+        <p:spPr/>
+        <p:txBody>
+          <a:bodyPr/>
+          <a:lstStyle/>
+          <a:p>
+            <a:r>
+              <a:rPr lang="nl-BE" sz="2800" dirty="0" err="1" smtClean="0"/>
+              <a:t>Motivation</a:t>
+            </a:r>
+            <a:endParaRPr lang="nl-BE" sz="2800" dirty="0" smtClean="0"/>
+          </a:p>
+          <a:p>
+            <a:r>
+              <a:rPr lang="nl-BE" sz="2800" dirty="0" err="1" smtClean="0">
+                <a:solidFill>
+                  <a:schemeClr val="accent1"/>
+                </a:solidFill>
+              </a:rPr>
+              <a:t>Applications</a:t>
+            </a:r>
+            <a:endParaRPr lang="nl-BE" sz="2800" dirty="0" smtClean="0">
+              <a:solidFill>
+                <a:schemeClr val="accent1"/>
+              </a:solidFill>
+            </a:endParaRPr>
+          </a:p>
+          <a:p>
+            <a:r>
+              <a:rPr lang="nl-BE" sz="2800" dirty="0" smtClean="0"/>
+              <a:t>WSN as </a:t>
+            </a:r>
+            <a:r>
+              <a:rPr lang="nl-BE" sz="2800" dirty="0" err="1" smtClean="0"/>
+              <a:t>an</a:t>
+            </a:r>
+            <a:r>
+              <a:rPr lang="nl-BE" sz="2800" dirty="0" smtClean="0"/>
+              <a:t> RTLS</a:t>
+            </a:r>
+          </a:p>
+          <a:p>
+            <a:r>
+              <a:rPr lang="nl-BE" sz="2800" dirty="0" err="1" smtClean="0"/>
+              <a:t>Framework</a:t>
+            </a:r>
+            <a:endParaRPr lang="nl-BE" sz="2800" dirty="0" smtClean="0"/>
+          </a:p>
+          <a:p>
+            <a:r>
+              <a:rPr lang="nl-BE" sz="2800" dirty="0" smtClean="0"/>
+              <a:t> </a:t>
+            </a:r>
+            <a:r>
+              <a:rPr lang="nl-BE" sz="2800" dirty="0" err="1" smtClean="0"/>
+              <a:t>Algorithms</a:t>
+            </a:r>
+            <a:endParaRPr lang="nl-BE" sz="2800" dirty="0" smtClean="0"/>
+          </a:p>
+          <a:p>
+            <a:r>
+              <a:rPr lang="nl-BE" sz="2800" dirty="0" err="1" smtClean="0"/>
+              <a:t>Conclusion</a:t>
+            </a:r>
+            <a:r>
+              <a:rPr lang="nl-BE" sz="2800" dirty="0" smtClean="0"/>
+              <a:t>  </a:t>
+            </a:r>
+          </a:p>
+          <a:p>
+            <a:r>
+              <a:rPr lang="nl-BE" sz="2800" dirty="0" smtClean="0"/>
+              <a:t>Q&amp;A</a:t>
+            </a:r>
+          </a:p>
+          <a:p>
+            <a:pPr>
+              <a:buNone/>
+            </a:pPr>
+            <a:endParaRPr lang="nl-BE" dirty="0" smtClean="0"/>
+          </a:p>
+        </p:txBody>
+      </p:sp>
+      <p:pic>
+        <p:nvPicPr>
+          <p:cNvPr id="3078" name="Picture 6" descr="C:\Users\Poseidon\Documents\wsn logo high.gif"/>
+          <p:cNvPicPr>
+            <a:picLocks noChangeAspect="1" noChangeArrowheads="1"/>
+          </p:cNvPicPr>
+          <p:nvPr/>
+        </p:nvPicPr>
+        <p:blipFill>
+          <a:blip r:embed="rId2" cstate="print"/>
+          <a:srcRect/>
+          <a:stretch>
+            <a:fillRect/>
+          </a:stretch>
+        </p:blipFill>
+        <p:spPr bwMode="auto">
+          <a:xfrm>
+            <a:off x="285720" y="5572140"/>
+            <a:ext cx="1071538" cy="1069034"/>
+          </a:xfrm>
+          <a:prstGeom prst="rect">
+            <a:avLst/>
+          </a:prstGeom>
+          <a:ln>
+            <a:noFill/>
+          </a:ln>
+          <a:effectLst>
+            <a:reflection blurRad="12700" stA="30000" endPos="30000" dist="5000" dir="5400000" sy="-100000" algn="bl" rotWithShape="0"/>
+          </a:effectLst>
+          <a:scene3d>
+            <a:camera prst="perspectiveContrastingLeftFacing">
+              <a:rot lat="300000" lon="19800000" rev="0"/>
+            </a:camera>
+            <a:lightRig rig="threePt" dir="t">
+              <a:rot lat="0" lon="0" rev="2700000"/>
+            </a:lightRig>
+          </a:scene3d>
+          <a:sp3d>
+            <a:bevelT w="63500" h="50800"/>
+          </a:sp3d>
+        </p:spPr>
+      </p:pic>
+    </p:spTree>
+  </p:cSld>
+  <p:clrMapOvr>
+    <a:masterClrMapping/>
+  </p:clrMapOvr>
   <p:timing>
     <p:tnLst>
       <p:par>
@@ -10188,7 +10649,3011 @@
 </p:sld>
 </file>
 
-<file path=ppt/slides/slide37.xml><?xml version="1.0" encoding="utf-8"?>
+<file path=ppt/slides/slide40.xml><?xml version="1.0" encoding="utf-8"?>
+<p:sld xmlns:a="http://schemas.openxmlformats.org/drawingml/2006/main" xmlns:r="http://schemas.openxmlformats.org/officeDocument/2006/relationships" xmlns:p="http://schemas.openxmlformats.org/presentationml/2006/main">
+  <p:cSld>
+    <p:spTree>
+      <p:nvGrpSpPr>
+        <p:cNvPr id="1" name=""/>
+        <p:cNvGrpSpPr/>
+        <p:nvPr/>
+      </p:nvGrpSpPr>
+      <p:grpSpPr>
+        <a:xfrm>
+          <a:off x="0" y="0"/>
+          <a:ext cx="0" cy="0"/>
+          <a:chOff x="0" y="0"/>
+          <a:chExt cx="0" cy="0"/>
+        </a:xfrm>
+      </p:grpSpPr>
+      <p:sp>
+        <p:nvSpPr>
+          <p:cNvPr id="2" name="Titel 1"/>
+          <p:cNvSpPr>
+            <a:spLocks noGrp="1"/>
+          </p:cNvSpPr>
+          <p:nvPr>
+            <p:ph type="title"/>
+          </p:nvPr>
+        </p:nvSpPr>
+        <p:spPr/>
+        <p:txBody>
+          <a:bodyPr/>
+          <a:lstStyle/>
+          <a:p>
+            <a:r>
+              <a:rPr lang="en-GB" dirty="0" smtClean="0"/>
+              <a:t>SCALA</a:t>
+            </a:r>
+            <a:endParaRPr lang="en-GB" dirty="0"/>
+          </a:p>
+        </p:txBody>
+      </p:sp>
+      <p:sp>
+        <p:nvSpPr>
+          <p:cNvPr id="3" name="Tijdelijke aanduiding voor inhoud 2"/>
+          <p:cNvSpPr>
+            <a:spLocks noGrp="1"/>
+          </p:cNvSpPr>
+          <p:nvPr>
+            <p:ph idx="1"/>
+          </p:nvPr>
+        </p:nvSpPr>
+        <p:spPr/>
+        <p:txBody>
+          <a:bodyPr/>
+          <a:lstStyle/>
+          <a:p>
+            <a:endParaRPr lang="en-GB"/>
+          </a:p>
+        </p:txBody>
+      </p:sp>
+    </p:spTree>
+  </p:cSld>
+  <p:clrMapOvr>
+    <a:masterClrMapping/>
+  </p:clrMapOvr>
+</p:sld>
+</file>
+
+<file path=ppt/slides/slide41.xml><?xml version="1.0" encoding="utf-8"?>
+<p:sld xmlns:a="http://schemas.openxmlformats.org/drawingml/2006/main" xmlns:r="http://schemas.openxmlformats.org/officeDocument/2006/relationships" xmlns:p="http://schemas.openxmlformats.org/presentationml/2006/main">
+  <p:cSld>
+    <p:spTree>
+      <p:nvGrpSpPr>
+        <p:cNvPr id="1" name=""/>
+        <p:cNvGrpSpPr/>
+        <p:nvPr/>
+      </p:nvGrpSpPr>
+      <p:grpSpPr>
+        <a:xfrm>
+          <a:off x="0" y="0"/>
+          <a:ext cx="0" cy="0"/>
+          <a:chOff x="0" y="0"/>
+          <a:chExt cx="0" cy="0"/>
+        </a:xfrm>
+      </p:grpSpPr>
+      <p:sp>
+        <p:nvSpPr>
+          <p:cNvPr id="2" name="Titel 1"/>
+          <p:cNvSpPr>
+            <a:spLocks noGrp="1"/>
+          </p:cNvSpPr>
+          <p:nvPr>
+            <p:ph type="title"/>
+          </p:nvPr>
+        </p:nvSpPr>
+        <p:spPr/>
+        <p:txBody>
+          <a:bodyPr/>
+          <a:lstStyle/>
+          <a:p>
+            <a:r>
+              <a:rPr lang="en-GB" dirty="0" smtClean="0"/>
+              <a:t>GUI	</a:t>
+            </a:r>
+            <a:endParaRPr lang="en-GB" dirty="0"/>
+          </a:p>
+        </p:txBody>
+      </p:sp>
+      <p:sp>
+        <p:nvSpPr>
+          <p:cNvPr id="3" name="Tijdelijke aanduiding voor inhoud 2"/>
+          <p:cNvSpPr>
+            <a:spLocks noGrp="1"/>
+          </p:cNvSpPr>
+          <p:nvPr>
+            <p:ph idx="1"/>
+          </p:nvPr>
+        </p:nvSpPr>
+        <p:spPr/>
+        <p:txBody>
+          <a:bodyPr/>
+          <a:lstStyle/>
+          <a:p>
+            <a:r>
+              <a:rPr lang="en-GB" dirty="0" smtClean="0"/>
+              <a:t>Monitoring</a:t>
+            </a:r>
+          </a:p>
+          <a:p>
+            <a:r>
+              <a:rPr lang="en-GB" dirty="0" smtClean="0"/>
+              <a:t>Controlling the WSN:</a:t>
+            </a:r>
+          </a:p>
+          <a:p>
+            <a:pPr lvl="1"/>
+            <a:r>
+              <a:rPr lang="en-GB" dirty="0" smtClean="0"/>
+              <a:t>Active</a:t>
+            </a:r>
+          </a:p>
+          <a:p>
+            <a:pPr lvl="1"/>
+            <a:r>
+              <a:rPr lang="en-GB" dirty="0" smtClean="0"/>
+              <a:t>Anchor node</a:t>
+            </a:r>
+          </a:p>
+          <a:p>
+            <a:pPr lvl="1"/>
+            <a:r>
+              <a:rPr lang="en-GB" dirty="0" smtClean="0"/>
+              <a:t>Coordinates</a:t>
+            </a:r>
+          </a:p>
+          <a:p>
+            <a:pPr lvl="1"/>
+            <a:r>
+              <a:rPr lang="en-GB" dirty="0" smtClean="0"/>
+              <a:t>Sample rate of location and sensor message</a:t>
+            </a:r>
+          </a:p>
+          <a:p>
+            <a:pPr lvl="1"/>
+            <a:r>
+              <a:rPr lang="en-GB" dirty="0" err="1" smtClean="0"/>
+              <a:t>Leds</a:t>
+            </a:r>
+            <a:endParaRPr lang="en-GB" dirty="0" smtClean="0"/>
+          </a:p>
+          <a:p>
+            <a:pPr lvl="1"/>
+            <a:endParaRPr lang="en-GB" dirty="0" smtClean="0"/>
+          </a:p>
+          <a:p>
+            <a:endParaRPr lang="en-GB" dirty="0"/>
+          </a:p>
+        </p:txBody>
+      </p:sp>
+    </p:spTree>
+  </p:cSld>
+  <p:clrMapOvr>
+    <a:masterClrMapping/>
+  </p:clrMapOvr>
+</p:sld>
+</file>
+
+<file path=ppt/slides/slide42.xml><?xml version="1.0" encoding="utf-8"?>
+<p:sld xmlns:a="http://schemas.openxmlformats.org/drawingml/2006/main" xmlns:r="http://schemas.openxmlformats.org/officeDocument/2006/relationships" xmlns:p="http://schemas.openxmlformats.org/presentationml/2006/main">
+  <p:cSld>
+    <p:spTree>
+      <p:nvGrpSpPr>
+        <p:cNvPr id="1" name=""/>
+        <p:cNvGrpSpPr/>
+        <p:nvPr/>
+      </p:nvGrpSpPr>
+      <p:grpSpPr>
+        <a:xfrm>
+          <a:off x="0" y="0"/>
+          <a:ext cx="0" cy="0"/>
+          <a:chOff x="0" y="0"/>
+          <a:chExt cx="0" cy="0"/>
+        </a:xfrm>
+      </p:grpSpPr>
+      <p:sp>
+        <p:nvSpPr>
+          <p:cNvPr id="2" name="Titel 1"/>
+          <p:cNvSpPr>
+            <a:spLocks noGrp="1"/>
+          </p:cNvSpPr>
+          <p:nvPr>
+            <p:ph type="title"/>
+          </p:nvPr>
+        </p:nvSpPr>
+        <p:spPr/>
+        <p:txBody>
+          <a:bodyPr/>
+          <a:lstStyle/>
+          <a:p>
+            <a:r>
+              <a:rPr lang="en-GB" dirty="0" smtClean="0"/>
+              <a:t>Sensor message</a:t>
+            </a:r>
+            <a:endParaRPr lang="en-GB" dirty="0"/>
+          </a:p>
+        </p:txBody>
+      </p:sp>
+      <p:sp>
+        <p:nvSpPr>
+          <p:cNvPr id="3" name="Tijdelijke aanduiding voor inhoud 2"/>
+          <p:cNvSpPr>
+            <a:spLocks noGrp="1"/>
+          </p:cNvSpPr>
+          <p:nvPr>
+            <p:ph idx="1"/>
+          </p:nvPr>
+        </p:nvSpPr>
+        <p:spPr/>
+        <p:txBody>
+          <a:bodyPr/>
+          <a:lstStyle/>
+          <a:p>
+            <a:r>
+              <a:rPr lang="en-US" dirty="0" smtClean="0"/>
+              <a:t>Battery (voltage)	</a:t>
+            </a:r>
+            <a:endParaRPr lang="nl-BE" dirty="0" smtClean="0"/>
+          </a:p>
+          <a:p>
+            <a:r>
+              <a:rPr lang="en-US" dirty="0" smtClean="0"/>
+              <a:t>Light</a:t>
+            </a:r>
+            <a:endParaRPr lang="nl-BE" dirty="0" smtClean="0"/>
+          </a:p>
+          <a:p>
+            <a:r>
+              <a:rPr lang="en-US" dirty="0" smtClean="0"/>
+              <a:t>Humidity</a:t>
+            </a:r>
+            <a:endParaRPr lang="nl-BE" dirty="0" smtClean="0"/>
+          </a:p>
+          <a:p>
+            <a:r>
+              <a:rPr lang="en-US" dirty="0" smtClean="0"/>
+              <a:t>Temperature</a:t>
+            </a:r>
+            <a:endParaRPr lang="nl-BE" dirty="0" smtClean="0"/>
+          </a:p>
+          <a:p>
+            <a:r>
+              <a:rPr lang="en-US" dirty="0" smtClean="0"/>
+              <a:t>Button </a:t>
+            </a:r>
+            <a:r>
+              <a:rPr lang="en-US" dirty="0" smtClean="0"/>
+              <a:t>pressed</a:t>
+            </a:r>
+            <a:endParaRPr lang="nl-BE" dirty="0" smtClean="0"/>
+          </a:p>
+          <a:p>
+            <a:r>
+              <a:rPr lang="en-US" dirty="0" smtClean="0"/>
+              <a:t>Mote ID</a:t>
+            </a:r>
+            <a:endParaRPr lang="nl-BE" dirty="0" smtClean="0"/>
+          </a:p>
+          <a:p>
+            <a:endParaRPr lang="en-GB" dirty="0"/>
+          </a:p>
+        </p:txBody>
+      </p:sp>
+    </p:spTree>
+  </p:cSld>
+  <p:clrMapOvr>
+    <a:masterClrMapping/>
+  </p:clrMapOvr>
+</p:sld>
+</file>
+
+<file path=ppt/slides/slide43.xml><?xml version="1.0" encoding="utf-8"?>
+<p:sld xmlns:a="http://schemas.openxmlformats.org/drawingml/2006/main" xmlns:r="http://schemas.openxmlformats.org/officeDocument/2006/relationships" xmlns:p="http://schemas.openxmlformats.org/presentationml/2006/main">
+  <p:cSld>
+    <p:spTree>
+      <p:nvGrpSpPr>
+        <p:cNvPr id="1" name=""/>
+        <p:cNvGrpSpPr/>
+        <p:nvPr/>
+      </p:nvGrpSpPr>
+      <p:grpSpPr>
+        <a:xfrm>
+          <a:off x="0" y="0"/>
+          <a:ext cx="0" cy="0"/>
+          <a:chOff x="0" y="0"/>
+          <a:chExt cx="0" cy="0"/>
+        </a:xfrm>
+      </p:grpSpPr>
+      <p:sp>
+        <p:nvSpPr>
+          <p:cNvPr id="2" name="Titel 1"/>
+          <p:cNvSpPr>
+            <a:spLocks noGrp="1"/>
+          </p:cNvSpPr>
+          <p:nvPr>
+            <p:ph type="title"/>
+          </p:nvPr>
+        </p:nvSpPr>
+        <p:spPr/>
+        <p:txBody>
+          <a:bodyPr/>
+          <a:lstStyle/>
+          <a:p>
+            <a:r>
+              <a:rPr lang="en-GB" dirty="0" smtClean="0"/>
+              <a:t>Location message</a:t>
+            </a:r>
+            <a:endParaRPr lang="en-GB" dirty="0"/>
+          </a:p>
+        </p:txBody>
+      </p:sp>
+      <p:sp>
+        <p:nvSpPr>
+          <p:cNvPr id="3" name="Tijdelijke aanduiding voor inhoud 2"/>
+          <p:cNvSpPr>
+            <a:spLocks noGrp="1"/>
+          </p:cNvSpPr>
+          <p:nvPr>
+            <p:ph idx="1"/>
+          </p:nvPr>
+        </p:nvSpPr>
+        <p:spPr/>
+        <p:txBody>
+          <a:bodyPr/>
+          <a:lstStyle/>
+          <a:p>
+            <a:r>
+              <a:rPr lang="en-US" dirty="0" smtClean="0"/>
+              <a:t>Mote id</a:t>
+            </a:r>
+            <a:endParaRPr lang="nl-BE" dirty="0" smtClean="0"/>
+          </a:p>
+          <a:p>
+            <a:r>
+              <a:rPr lang="en-US" dirty="0" err="1" smtClean="0"/>
+              <a:t>Anmoteid</a:t>
+            </a:r>
+            <a:endParaRPr lang="en-US" dirty="0" smtClean="0"/>
+          </a:p>
+          <a:p>
+            <a:r>
+              <a:rPr lang="en-US" dirty="0" smtClean="0"/>
+              <a:t>VANs</a:t>
+            </a:r>
+          </a:p>
+          <a:p>
+            <a:r>
+              <a:rPr lang="en-US" dirty="0" err="1" smtClean="0"/>
+              <a:t>VANr</a:t>
+            </a:r>
+            <a:endParaRPr lang="en-US" dirty="0" smtClean="0"/>
+          </a:p>
+          <a:p>
+            <a:r>
+              <a:rPr lang="en-US" dirty="0" smtClean="0"/>
+              <a:t>Hop count</a:t>
+            </a:r>
+            <a:endParaRPr lang="nl-BE" dirty="0" smtClean="0"/>
+          </a:p>
+          <a:p>
+            <a:r>
+              <a:rPr lang="en-US" dirty="0" smtClean="0"/>
+              <a:t>RSSI</a:t>
+            </a:r>
+            <a:endParaRPr lang="nl-BE" dirty="0" smtClean="0"/>
+          </a:p>
+          <a:p>
+            <a:endParaRPr lang="en-GB" dirty="0"/>
+          </a:p>
+        </p:txBody>
+      </p:sp>
+    </p:spTree>
+  </p:cSld>
+  <p:clrMapOvr>
+    <a:masterClrMapping/>
+  </p:clrMapOvr>
+</p:sld>
+</file>
+
+<file path=ppt/slides/slide44.xml><?xml version="1.0" encoding="utf-8"?>
+<p:sld xmlns:a="http://schemas.openxmlformats.org/drawingml/2006/main" xmlns:r="http://schemas.openxmlformats.org/officeDocument/2006/relationships" xmlns:p="http://schemas.openxmlformats.org/presentationml/2006/main">
+  <p:cSld>
+    <p:spTree>
+      <p:nvGrpSpPr>
+        <p:cNvPr id="1" name=""/>
+        <p:cNvGrpSpPr/>
+        <p:nvPr/>
+      </p:nvGrpSpPr>
+      <p:grpSpPr>
+        <a:xfrm>
+          <a:off x="0" y="0"/>
+          <a:ext cx="0" cy="0"/>
+          <a:chOff x="0" y="0"/>
+          <a:chExt cx="0" cy="0"/>
+        </a:xfrm>
+      </p:grpSpPr>
+      <p:sp>
+        <p:nvSpPr>
+          <p:cNvPr id="2" name="Titel 1"/>
+          <p:cNvSpPr>
+            <a:spLocks noGrp="1"/>
+          </p:cNvSpPr>
+          <p:nvPr>
+            <p:ph type="title"/>
+          </p:nvPr>
+        </p:nvSpPr>
+        <p:spPr/>
+        <p:txBody>
+          <a:bodyPr/>
+          <a:lstStyle/>
+          <a:p>
+            <a:r>
+              <a:rPr lang="en-GB" dirty="0" smtClean="0"/>
+              <a:t>Status message</a:t>
+            </a:r>
+            <a:endParaRPr lang="en-GB" dirty="0"/>
+          </a:p>
+        </p:txBody>
+      </p:sp>
+      <p:sp>
+        <p:nvSpPr>
+          <p:cNvPr id="3" name="Tijdelijke aanduiding voor inhoud 2"/>
+          <p:cNvSpPr>
+            <a:spLocks noGrp="1"/>
+          </p:cNvSpPr>
+          <p:nvPr>
+            <p:ph idx="1"/>
+          </p:nvPr>
+        </p:nvSpPr>
+        <p:spPr/>
+        <p:txBody>
+          <a:bodyPr>
+            <a:normAutofit fontScale="92500" lnSpcReduction="20000"/>
+          </a:bodyPr>
+          <a:lstStyle/>
+          <a:p>
+            <a:r>
+              <a:rPr lang="en-US" dirty="0" smtClean="0"/>
+              <a:t>Mote </a:t>
+            </a:r>
+            <a:r>
+              <a:rPr lang="en-US" dirty="0" smtClean="0"/>
+              <a:t>id</a:t>
+            </a:r>
+            <a:endParaRPr lang="nl-BE" dirty="0" smtClean="0"/>
+          </a:p>
+          <a:p>
+            <a:r>
+              <a:rPr lang="en-US" dirty="0" smtClean="0"/>
+              <a:t>Active </a:t>
+            </a:r>
+            <a:endParaRPr lang="nl-BE" dirty="0" smtClean="0"/>
+          </a:p>
+          <a:p>
+            <a:r>
+              <a:rPr lang="en-US" dirty="0" smtClean="0"/>
+              <a:t>AN</a:t>
+            </a:r>
+            <a:endParaRPr lang="nl-BE" dirty="0" smtClean="0"/>
+          </a:p>
+          <a:p>
+            <a:r>
+              <a:rPr lang="en-US" dirty="0" err="1" smtClean="0"/>
+              <a:t>Posx</a:t>
+            </a:r>
+            <a:endParaRPr lang="nl-BE" dirty="0" smtClean="0"/>
+          </a:p>
+          <a:p>
+            <a:r>
+              <a:rPr lang="en-US" dirty="0" smtClean="0"/>
+              <a:t>Posy</a:t>
+            </a:r>
+            <a:endParaRPr lang="nl-BE" dirty="0" smtClean="0"/>
+          </a:p>
+          <a:p>
+            <a:r>
+              <a:rPr lang="en-US" dirty="0" err="1" smtClean="0"/>
+              <a:t>Samplerate</a:t>
+            </a:r>
+            <a:endParaRPr lang="nl-BE" dirty="0" smtClean="0"/>
+          </a:p>
+          <a:p>
+            <a:r>
+              <a:rPr lang="en-US" dirty="0" err="1" smtClean="0"/>
+              <a:t>locRate</a:t>
+            </a:r>
+            <a:endParaRPr lang="nl-BE" dirty="0" smtClean="0"/>
+          </a:p>
+          <a:p>
+            <a:r>
+              <a:rPr lang="en-US" dirty="0" err="1" smtClean="0"/>
+              <a:t>leds</a:t>
+            </a:r>
+            <a:endParaRPr lang="nl-BE" dirty="0" smtClean="0"/>
+          </a:p>
+          <a:p>
+            <a:r>
+              <a:rPr lang="en-US" dirty="0" smtClean="0"/>
+              <a:t>power</a:t>
+            </a:r>
+            <a:endParaRPr lang="nl-BE" dirty="0" smtClean="0"/>
+          </a:p>
+          <a:p>
+            <a:r>
+              <a:rPr lang="en-US" dirty="0" smtClean="0"/>
+              <a:t>frequency</a:t>
+            </a:r>
+            <a:endParaRPr lang="nl-BE" dirty="0" smtClean="0"/>
+          </a:p>
+          <a:p>
+            <a:endParaRPr lang="en-GB" dirty="0"/>
+          </a:p>
+        </p:txBody>
+      </p:sp>
+    </p:spTree>
+  </p:cSld>
+  <p:clrMapOvr>
+    <a:masterClrMapping/>
+  </p:clrMapOvr>
+</p:sld>
+</file>
+
+<file path=ppt/slides/slide45.xml><?xml version="1.0" encoding="utf-8"?>
+<p:sld xmlns:a="http://schemas.openxmlformats.org/drawingml/2006/main" xmlns:r="http://schemas.openxmlformats.org/officeDocument/2006/relationships" xmlns:p="http://schemas.openxmlformats.org/presentationml/2006/main">
+  <p:cSld>
+    <p:spTree>
+      <p:nvGrpSpPr>
+        <p:cNvPr id="1" name=""/>
+        <p:cNvGrpSpPr/>
+        <p:nvPr/>
+      </p:nvGrpSpPr>
+      <p:grpSpPr>
+        <a:xfrm>
+          <a:off x="0" y="0"/>
+          <a:ext cx="0" cy="0"/>
+          <a:chOff x="0" y="0"/>
+          <a:chExt cx="0" cy="0"/>
+        </a:xfrm>
+      </p:grpSpPr>
+      <p:sp>
+        <p:nvSpPr>
+          <p:cNvPr id="2" name="Titel 1"/>
+          <p:cNvSpPr>
+            <a:spLocks noGrp="1"/>
+          </p:cNvSpPr>
+          <p:nvPr>
+            <p:ph type="title"/>
+          </p:nvPr>
+        </p:nvSpPr>
+        <p:spPr/>
+        <p:txBody>
+          <a:bodyPr/>
+          <a:lstStyle/>
+          <a:p>
+            <a:r>
+              <a:rPr lang="nl-BE" dirty="0" err="1" smtClean="0"/>
+              <a:t>Localization</a:t>
+            </a:r>
+            <a:endParaRPr lang="nl-BE" dirty="0"/>
+          </a:p>
+        </p:txBody>
+      </p:sp>
+      <p:sp>
+        <p:nvSpPr>
+          <p:cNvPr id="3" name="Tijdelijke aanduiding voor inhoud 2"/>
+          <p:cNvSpPr>
+            <a:spLocks noGrp="1"/>
+          </p:cNvSpPr>
+          <p:nvPr>
+            <p:ph idx="1"/>
+          </p:nvPr>
+        </p:nvSpPr>
+        <p:spPr/>
+        <p:txBody>
+          <a:bodyPr/>
+          <a:lstStyle/>
+          <a:p>
+            <a:endParaRPr lang="nl-BE" dirty="0"/>
+          </a:p>
+        </p:txBody>
+      </p:sp>
+    </p:spTree>
+  </p:cSld>
+  <p:clrMapOvr>
+    <a:masterClrMapping/>
+  </p:clrMapOvr>
+  <p:timing>
+    <p:tnLst>
+      <p:par>
+        <p:cTn id="1" dur="indefinite" restart="never" nodeType="tmRoot"/>
+      </p:par>
+    </p:tnLst>
+  </p:timing>
+</p:sld>
+</file>
+
+<file path=ppt/slides/slide46.xml><?xml version="1.0" encoding="utf-8"?>
+<p:sld xmlns:a="http://schemas.openxmlformats.org/drawingml/2006/main" xmlns:r="http://schemas.openxmlformats.org/officeDocument/2006/relationships" xmlns:p="http://schemas.openxmlformats.org/presentationml/2006/main">
+  <p:cSld>
+    <p:spTree>
+      <p:nvGrpSpPr>
+        <p:cNvPr id="1" name=""/>
+        <p:cNvGrpSpPr/>
+        <p:nvPr/>
+      </p:nvGrpSpPr>
+      <p:grpSpPr>
+        <a:xfrm>
+          <a:off x="0" y="0"/>
+          <a:ext cx="0" cy="0"/>
+          <a:chOff x="0" y="0"/>
+          <a:chExt cx="0" cy="0"/>
+        </a:xfrm>
+      </p:grpSpPr>
+      <p:sp>
+        <p:nvSpPr>
+          <p:cNvPr id="2" name="Titel 1"/>
+          <p:cNvSpPr>
+            <a:spLocks noGrp="1"/>
+          </p:cNvSpPr>
+          <p:nvPr>
+            <p:ph type="title"/>
+          </p:nvPr>
+        </p:nvSpPr>
+        <p:spPr/>
+        <p:txBody>
+          <a:bodyPr/>
+          <a:lstStyle/>
+          <a:p>
+            <a:r>
+              <a:rPr lang="nl-BE" dirty="0" err="1" smtClean="0"/>
+              <a:t>Workflow</a:t>
+            </a:r>
+            <a:endParaRPr lang="nl-BE" dirty="0"/>
+          </a:p>
+        </p:txBody>
+      </p:sp>
+      <p:sp>
+        <p:nvSpPr>
+          <p:cNvPr id="4" name="Rectangle 4"/>
+          <p:cNvSpPr>
+            <a:spLocks noChangeArrowheads="1"/>
+          </p:cNvSpPr>
+          <p:nvPr/>
+        </p:nvSpPr>
+        <p:spPr bwMode="auto">
+          <a:xfrm>
+            <a:off x="1214414" y="3214686"/>
+            <a:ext cx="1524000" cy="914400"/>
+          </a:xfrm>
+          <a:prstGeom prst="rect">
+            <a:avLst/>
+          </a:prstGeom>
+          <a:noFill/>
+          <a:ln w="9525">
+            <a:solidFill>
+              <a:schemeClr val="tx1"/>
+            </a:solidFill>
+            <a:miter lim="800000"/>
+            <a:headEnd/>
+            <a:tailEnd/>
+          </a:ln>
+          <a:effectLst/>
+        </p:spPr>
+        <p:txBody>
+          <a:bodyPr wrap="none" anchor="ctr"/>
+          <a:lstStyle/>
+          <a:p>
+            <a:pPr algn="ctr"/>
+            <a:r>
+              <a:rPr lang="en-US" dirty="0">
+                <a:latin typeface="Tahoma" pitchFamily="34" charset="0"/>
+              </a:rPr>
+              <a:t>Base Mote </a:t>
+            </a:r>
+          </a:p>
+          <a:p>
+            <a:pPr algn="ctr"/>
+            <a:r>
+              <a:rPr lang="en-US" dirty="0">
+                <a:latin typeface="Tahoma" pitchFamily="34" charset="0"/>
+              </a:rPr>
+              <a:t>attached to PC</a:t>
+            </a:r>
+          </a:p>
+        </p:txBody>
+      </p:sp>
+      <p:sp>
+        <p:nvSpPr>
+          <p:cNvPr id="5" name="Rectangle 5"/>
+          <p:cNvSpPr>
+            <a:spLocks noChangeArrowheads="1"/>
+          </p:cNvSpPr>
+          <p:nvPr/>
+        </p:nvSpPr>
+        <p:spPr bwMode="auto">
+          <a:xfrm>
+            <a:off x="7143768" y="3286124"/>
+            <a:ext cx="990600" cy="533400"/>
+          </a:xfrm>
+          <a:prstGeom prst="rect">
+            <a:avLst/>
+          </a:prstGeom>
+          <a:noFill/>
+          <a:ln w="9525">
+            <a:solidFill>
+              <a:schemeClr val="tx1"/>
+            </a:solidFill>
+            <a:miter lim="800000"/>
+            <a:headEnd/>
+            <a:tailEnd/>
+          </a:ln>
+          <a:effectLst/>
+        </p:spPr>
+        <p:txBody>
+          <a:bodyPr wrap="none" anchor="ctr"/>
+          <a:lstStyle/>
+          <a:p>
+            <a:pPr algn="ctr"/>
+            <a:r>
+              <a:rPr lang="en-US" dirty="0" smtClean="0">
+                <a:latin typeface="Tahoma" pitchFamily="34" charset="0"/>
+              </a:rPr>
+              <a:t>Anchor</a:t>
+            </a:r>
+            <a:r>
+              <a:rPr lang="en-US" dirty="0" smtClean="0">
+                <a:latin typeface="Tahoma" pitchFamily="34" charset="0"/>
+              </a:rPr>
+              <a:t> </a:t>
+            </a:r>
+            <a:r>
+              <a:rPr lang="en-US" dirty="0">
+                <a:latin typeface="Tahoma" pitchFamily="34" charset="0"/>
+              </a:rPr>
+              <a:t>1</a:t>
+            </a:r>
+          </a:p>
+        </p:txBody>
+      </p:sp>
+      <p:sp>
+        <p:nvSpPr>
+          <p:cNvPr id="6" name="Rectangle 6"/>
+          <p:cNvSpPr>
+            <a:spLocks noChangeArrowheads="1"/>
+          </p:cNvSpPr>
+          <p:nvPr/>
+        </p:nvSpPr>
+        <p:spPr bwMode="auto">
+          <a:xfrm>
+            <a:off x="7215206" y="6143644"/>
+            <a:ext cx="990600" cy="533400"/>
+          </a:xfrm>
+          <a:prstGeom prst="rect">
+            <a:avLst/>
+          </a:prstGeom>
+          <a:noFill/>
+          <a:ln w="9525">
+            <a:solidFill>
+              <a:schemeClr val="tx1"/>
+            </a:solidFill>
+            <a:miter lim="800000"/>
+            <a:headEnd/>
+            <a:tailEnd/>
+          </a:ln>
+          <a:effectLst/>
+        </p:spPr>
+        <p:txBody>
+          <a:bodyPr wrap="none" anchor="ctr"/>
+          <a:lstStyle/>
+          <a:p>
+            <a:pPr algn="ctr"/>
+            <a:r>
+              <a:rPr lang="en-US" dirty="0" smtClean="0">
+                <a:latin typeface="Tahoma" pitchFamily="34" charset="0"/>
+              </a:rPr>
+              <a:t>Anchor2</a:t>
+            </a:r>
+            <a:endParaRPr lang="en-US" dirty="0">
+              <a:latin typeface="Tahoma" pitchFamily="34" charset="0"/>
+            </a:endParaRPr>
+          </a:p>
+        </p:txBody>
+      </p:sp>
+      <p:sp>
+        <p:nvSpPr>
+          <p:cNvPr id="7" name="Rectangle 7"/>
+          <p:cNvSpPr>
+            <a:spLocks noChangeArrowheads="1"/>
+          </p:cNvSpPr>
+          <p:nvPr/>
+        </p:nvSpPr>
+        <p:spPr bwMode="auto">
+          <a:xfrm>
+            <a:off x="1357290" y="5786454"/>
+            <a:ext cx="990600" cy="533400"/>
+          </a:xfrm>
+          <a:prstGeom prst="rect">
+            <a:avLst/>
+          </a:prstGeom>
+          <a:noFill/>
+          <a:ln w="9525">
+            <a:solidFill>
+              <a:schemeClr val="tx1"/>
+            </a:solidFill>
+            <a:miter lim="800000"/>
+            <a:headEnd/>
+            <a:tailEnd/>
+          </a:ln>
+          <a:effectLst/>
+        </p:spPr>
+        <p:txBody>
+          <a:bodyPr wrap="none" anchor="ctr"/>
+          <a:lstStyle/>
+          <a:p>
+            <a:pPr algn="ctr"/>
+            <a:r>
+              <a:rPr lang="en-US" dirty="0" smtClean="0">
+                <a:latin typeface="Tahoma" pitchFamily="34" charset="0"/>
+              </a:rPr>
+              <a:t>Anchor </a:t>
+            </a:r>
+            <a:r>
+              <a:rPr lang="en-US" dirty="0">
+                <a:latin typeface="Tahoma" pitchFamily="34" charset="0"/>
+              </a:rPr>
+              <a:t>3</a:t>
+            </a:r>
+          </a:p>
+        </p:txBody>
+      </p:sp>
+      <p:cxnSp>
+        <p:nvCxnSpPr>
+          <p:cNvPr id="9" name="AutoShape 20"/>
+          <p:cNvCxnSpPr>
+            <a:cxnSpLocks noChangeShapeType="1"/>
+            <a:stCxn id="4" idx="3"/>
+            <a:endCxn id="5" idx="1"/>
+          </p:cNvCxnSpPr>
+          <p:nvPr/>
+        </p:nvCxnSpPr>
+        <p:spPr bwMode="auto">
+          <a:xfrm flipV="1">
+            <a:off x="2738414" y="3552824"/>
+            <a:ext cx="4405354" cy="119062"/>
+          </a:xfrm>
+          <a:prstGeom prst="straightConnector1">
+            <a:avLst/>
+          </a:prstGeom>
+          <a:noFill/>
+          <a:ln w="9525">
+            <a:solidFill>
+              <a:schemeClr val="tx1"/>
+            </a:solidFill>
+            <a:round/>
+            <a:headEnd/>
+            <a:tailEnd type="triangle" w="med" len="med"/>
+          </a:ln>
+          <a:effectLst/>
+        </p:spPr>
+      </p:cxnSp>
+      <p:cxnSp>
+        <p:nvCxnSpPr>
+          <p:cNvPr id="11" name="AutoShape 20"/>
+          <p:cNvCxnSpPr>
+            <a:cxnSpLocks noChangeShapeType="1"/>
+            <a:stCxn id="4" idx="3"/>
+            <a:endCxn id="6" idx="1"/>
+          </p:cNvCxnSpPr>
+          <p:nvPr/>
+        </p:nvCxnSpPr>
+        <p:spPr bwMode="auto">
+          <a:xfrm>
+            <a:off x="2738414" y="3671886"/>
+            <a:ext cx="4476792" cy="2738458"/>
+          </a:xfrm>
+          <a:prstGeom prst="straightConnector1">
+            <a:avLst/>
+          </a:prstGeom>
+          <a:noFill/>
+          <a:ln w="9525">
+            <a:solidFill>
+              <a:schemeClr val="tx1"/>
+            </a:solidFill>
+            <a:round/>
+            <a:headEnd/>
+            <a:tailEnd type="triangle" w="med" len="med"/>
+          </a:ln>
+          <a:effectLst/>
+        </p:spPr>
+      </p:cxnSp>
+      <p:cxnSp>
+        <p:nvCxnSpPr>
+          <p:cNvPr id="16" name="AutoShape 20"/>
+          <p:cNvCxnSpPr>
+            <a:cxnSpLocks noChangeShapeType="1"/>
+            <a:stCxn id="4" idx="2"/>
+            <a:endCxn id="7" idx="0"/>
+          </p:cNvCxnSpPr>
+          <p:nvPr/>
+        </p:nvCxnSpPr>
+        <p:spPr bwMode="auto">
+          <a:xfrm rot="5400000">
+            <a:off x="1085818" y="4895858"/>
+            <a:ext cx="1657368" cy="123824"/>
+          </a:xfrm>
+          <a:prstGeom prst="straightConnector1">
+            <a:avLst/>
+          </a:prstGeom>
+          <a:noFill/>
+          <a:ln w="9525">
+            <a:solidFill>
+              <a:schemeClr val="tx1"/>
+            </a:solidFill>
+            <a:round/>
+            <a:headEnd/>
+            <a:tailEnd type="triangle" w="med" len="med"/>
+          </a:ln>
+          <a:effectLst/>
+        </p:spPr>
+      </p:cxnSp>
+      <p:sp>
+        <p:nvSpPr>
+          <p:cNvPr id="21" name="Tijdelijke aanduiding voor inhoud 2"/>
+          <p:cNvSpPr>
+            <a:spLocks noGrp="1"/>
+          </p:cNvSpPr>
+          <p:nvPr>
+            <p:ph idx="1"/>
+          </p:nvPr>
+        </p:nvSpPr>
+        <p:spPr>
+          <a:xfrm>
+            <a:off x="457200" y="1882808"/>
+            <a:ext cx="8686800" cy="4572000"/>
+          </a:xfrm>
+        </p:spPr>
+        <p:txBody>
+          <a:bodyPr/>
+          <a:lstStyle/>
+          <a:p>
+            <a:r>
+              <a:rPr lang="nl-BE" dirty="0" err="1" smtClean="0"/>
+              <a:t>Configure</a:t>
+            </a:r>
+            <a:r>
+              <a:rPr lang="nl-BE" dirty="0" smtClean="0"/>
+              <a:t> anchor </a:t>
+            </a:r>
+            <a:r>
+              <a:rPr lang="nl-BE" dirty="0" err="1" smtClean="0"/>
+              <a:t>nodes</a:t>
+            </a:r>
+            <a:r>
+              <a:rPr lang="nl-BE" dirty="0" smtClean="0"/>
+              <a:t> </a:t>
+            </a:r>
+            <a:r>
+              <a:rPr lang="nl-BE" dirty="0" err="1" smtClean="0"/>
+              <a:t>with</a:t>
+            </a:r>
+            <a:r>
+              <a:rPr lang="nl-BE" dirty="0" smtClean="0"/>
+              <a:t> </a:t>
+            </a:r>
+            <a:r>
+              <a:rPr lang="nl-BE" dirty="0" err="1" smtClean="0"/>
+              <a:t>dissemination</a:t>
+            </a:r>
+            <a:r>
+              <a:rPr lang="nl-BE" dirty="0" smtClean="0"/>
+              <a:t> protocol</a:t>
+            </a:r>
+          </a:p>
+        </p:txBody>
+      </p:sp>
+      <p:sp>
+        <p:nvSpPr>
+          <p:cNvPr id="28" name="Rectangle 7"/>
+          <p:cNvSpPr>
+            <a:spLocks noChangeArrowheads="1"/>
+          </p:cNvSpPr>
+          <p:nvPr/>
+        </p:nvSpPr>
+        <p:spPr bwMode="auto">
+          <a:xfrm>
+            <a:off x="6000760" y="4786322"/>
+            <a:ext cx="990600" cy="533400"/>
+          </a:xfrm>
+          <a:prstGeom prst="rect">
+            <a:avLst/>
+          </a:prstGeom>
+          <a:noFill/>
+          <a:ln w="9525">
+            <a:solidFill>
+              <a:schemeClr val="tx1"/>
+            </a:solidFill>
+            <a:miter lim="800000"/>
+            <a:headEnd/>
+            <a:tailEnd/>
+          </a:ln>
+          <a:effectLst/>
+        </p:spPr>
+        <p:txBody>
+          <a:bodyPr wrap="none" anchor="ctr"/>
+          <a:lstStyle/>
+          <a:p>
+            <a:pPr algn="ctr"/>
+            <a:r>
+              <a:rPr lang="en-US" dirty="0" smtClean="0">
+                <a:latin typeface="Tahoma" pitchFamily="34" charset="0"/>
+              </a:rPr>
+              <a:t>Blind</a:t>
+            </a:r>
+            <a:endParaRPr lang="en-US" dirty="0">
+              <a:latin typeface="Tahoma" pitchFamily="34" charset="0"/>
+            </a:endParaRPr>
+          </a:p>
+        </p:txBody>
+      </p:sp>
+    </p:spTree>
+  </p:cSld>
+  <p:clrMapOvr>
+    <a:masterClrMapping/>
+  </p:clrMapOvr>
+  <p:timing>
+    <p:tnLst>
+      <p:par>
+        <p:cTn id="1" dur="indefinite" restart="never" nodeType="tmRoot"/>
+      </p:par>
+    </p:tnLst>
+  </p:timing>
+</p:sld>
+</file>
+
+<file path=ppt/slides/slide47.xml><?xml version="1.0" encoding="utf-8"?>
+<p:sld xmlns:a="http://schemas.openxmlformats.org/drawingml/2006/main" xmlns:r="http://schemas.openxmlformats.org/officeDocument/2006/relationships" xmlns:p="http://schemas.openxmlformats.org/presentationml/2006/main">
+  <p:cSld>
+    <p:spTree>
+      <p:nvGrpSpPr>
+        <p:cNvPr id="1" name=""/>
+        <p:cNvGrpSpPr/>
+        <p:nvPr/>
+      </p:nvGrpSpPr>
+      <p:grpSpPr>
+        <a:xfrm>
+          <a:off x="0" y="0"/>
+          <a:ext cx="0" cy="0"/>
+          <a:chOff x="0" y="0"/>
+          <a:chExt cx="0" cy="0"/>
+        </a:xfrm>
+      </p:grpSpPr>
+      <p:sp>
+        <p:nvSpPr>
+          <p:cNvPr id="2" name="Titel 1"/>
+          <p:cNvSpPr>
+            <a:spLocks noGrp="1"/>
+          </p:cNvSpPr>
+          <p:nvPr>
+            <p:ph type="title"/>
+          </p:nvPr>
+        </p:nvSpPr>
+        <p:spPr/>
+        <p:txBody>
+          <a:bodyPr/>
+          <a:lstStyle/>
+          <a:p>
+            <a:r>
+              <a:rPr lang="nl-BE" dirty="0" err="1" smtClean="0"/>
+              <a:t>Workflow</a:t>
+            </a:r>
+            <a:endParaRPr lang="nl-BE" dirty="0"/>
+          </a:p>
+        </p:txBody>
+      </p:sp>
+      <p:sp>
+        <p:nvSpPr>
+          <p:cNvPr id="4" name="Rectangle 4"/>
+          <p:cNvSpPr>
+            <a:spLocks noChangeArrowheads="1"/>
+          </p:cNvSpPr>
+          <p:nvPr/>
+        </p:nvSpPr>
+        <p:spPr bwMode="auto">
+          <a:xfrm>
+            <a:off x="1214414" y="3214686"/>
+            <a:ext cx="1524000" cy="914400"/>
+          </a:xfrm>
+          <a:prstGeom prst="rect">
+            <a:avLst/>
+          </a:prstGeom>
+          <a:noFill/>
+          <a:ln w="9525">
+            <a:solidFill>
+              <a:schemeClr val="tx1"/>
+            </a:solidFill>
+            <a:miter lim="800000"/>
+            <a:headEnd/>
+            <a:tailEnd/>
+          </a:ln>
+          <a:effectLst/>
+        </p:spPr>
+        <p:txBody>
+          <a:bodyPr wrap="none" anchor="ctr"/>
+          <a:lstStyle/>
+          <a:p>
+            <a:pPr algn="ctr"/>
+            <a:r>
+              <a:rPr lang="en-US" dirty="0">
+                <a:latin typeface="Tahoma" pitchFamily="34" charset="0"/>
+              </a:rPr>
+              <a:t>Base Mote </a:t>
+            </a:r>
+          </a:p>
+          <a:p>
+            <a:pPr algn="ctr"/>
+            <a:r>
+              <a:rPr lang="en-US" dirty="0">
+                <a:latin typeface="Tahoma" pitchFamily="34" charset="0"/>
+              </a:rPr>
+              <a:t>attached to PC</a:t>
+            </a:r>
+          </a:p>
+        </p:txBody>
+      </p:sp>
+      <p:sp>
+        <p:nvSpPr>
+          <p:cNvPr id="5" name="Rectangle 5"/>
+          <p:cNvSpPr>
+            <a:spLocks noChangeArrowheads="1"/>
+          </p:cNvSpPr>
+          <p:nvPr/>
+        </p:nvSpPr>
+        <p:spPr bwMode="auto">
+          <a:xfrm>
+            <a:off x="7143768" y="3286124"/>
+            <a:ext cx="990600" cy="533400"/>
+          </a:xfrm>
+          <a:prstGeom prst="rect">
+            <a:avLst/>
+          </a:prstGeom>
+          <a:noFill/>
+          <a:ln w="9525">
+            <a:solidFill>
+              <a:schemeClr val="tx1"/>
+            </a:solidFill>
+            <a:miter lim="800000"/>
+            <a:headEnd/>
+            <a:tailEnd/>
+          </a:ln>
+          <a:effectLst/>
+        </p:spPr>
+        <p:txBody>
+          <a:bodyPr wrap="none" anchor="ctr"/>
+          <a:lstStyle/>
+          <a:p>
+            <a:pPr algn="ctr"/>
+            <a:r>
+              <a:rPr lang="en-US" dirty="0" smtClean="0">
+                <a:latin typeface="Tahoma" pitchFamily="34" charset="0"/>
+              </a:rPr>
+              <a:t>Anchor</a:t>
+            </a:r>
+            <a:r>
+              <a:rPr lang="en-US" dirty="0" smtClean="0">
+                <a:latin typeface="Tahoma" pitchFamily="34" charset="0"/>
+              </a:rPr>
+              <a:t> </a:t>
+            </a:r>
+            <a:r>
+              <a:rPr lang="en-US" dirty="0">
+                <a:latin typeface="Tahoma" pitchFamily="34" charset="0"/>
+              </a:rPr>
+              <a:t>1</a:t>
+            </a:r>
+          </a:p>
+        </p:txBody>
+      </p:sp>
+      <p:sp>
+        <p:nvSpPr>
+          <p:cNvPr id="6" name="Rectangle 6"/>
+          <p:cNvSpPr>
+            <a:spLocks noChangeArrowheads="1"/>
+          </p:cNvSpPr>
+          <p:nvPr/>
+        </p:nvSpPr>
+        <p:spPr bwMode="auto">
+          <a:xfrm>
+            <a:off x="7215206" y="6143644"/>
+            <a:ext cx="990600" cy="533400"/>
+          </a:xfrm>
+          <a:prstGeom prst="rect">
+            <a:avLst/>
+          </a:prstGeom>
+          <a:noFill/>
+          <a:ln w="9525">
+            <a:solidFill>
+              <a:schemeClr val="tx1"/>
+            </a:solidFill>
+            <a:miter lim="800000"/>
+            <a:headEnd/>
+            <a:tailEnd/>
+          </a:ln>
+          <a:effectLst/>
+        </p:spPr>
+        <p:txBody>
+          <a:bodyPr wrap="none" anchor="ctr"/>
+          <a:lstStyle/>
+          <a:p>
+            <a:pPr algn="ctr"/>
+            <a:r>
+              <a:rPr lang="en-US" dirty="0" smtClean="0">
+                <a:latin typeface="Tahoma" pitchFamily="34" charset="0"/>
+              </a:rPr>
+              <a:t>Anchor2</a:t>
+            </a:r>
+            <a:endParaRPr lang="en-US" dirty="0">
+              <a:latin typeface="Tahoma" pitchFamily="34" charset="0"/>
+            </a:endParaRPr>
+          </a:p>
+        </p:txBody>
+      </p:sp>
+      <p:sp>
+        <p:nvSpPr>
+          <p:cNvPr id="7" name="Rectangle 7"/>
+          <p:cNvSpPr>
+            <a:spLocks noChangeArrowheads="1"/>
+          </p:cNvSpPr>
+          <p:nvPr/>
+        </p:nvSpPr>
+        <p:spPr bwMode="auto">
+          <a:xfrm>
+            <a:off x="1357290" y="5786454"/>
+            <a:ext cx="990600" cy="533400"/>
+          </a:xfrm>
+          <a:prstGeom prst="rect">
+            <a:avLst/>
+          </a:prstGeom>
+          <a:noFill/>
+          <a:ln w="9525">
+            <a:solidFill>
+              <a:schemeClr val="tx1"/>
+            </a:solidFill>
+            <a:miter lim="800000"/>
+            <a:headEnd/>
+            <a:tailEnd/>
+          </a:ln>
+          <a:effectLst/>
+        </p:spPr>
+        <p:txBody>
+          <a:bodyPr wrap="none" anchor="ctr"/>
+          <a:lstStyle/>
+          <a:p>
+            <a:pPr algn="ctr"/>
+            <a:r>
+              <a:rPr lang="en-US" dirty="0" smtClean="0">
+                <a:latin typeface="Tahoma" pitchFamily="34" charset="0"/>
+              </a:rPr>
+              <a:t>Anchor </a:t>
+            </a:r>
+            <a:r>
+              <a:rPr lang="en-US" dirty="0">
+                <a:latin typeface="Tahoma" pitchFamily="34" charset="0"/>
+              </a:rPr>
+              <a:t>3</a:t>
+            </a:r>
+          </a:p>
+        </p:txBody>
+      </p:sp>
+      <p:cxnSp>
+        <p:nvCxnSpPr>
+          <p:cNvPr id="9" name="AutoShape 20"/>
+          <p:cNvCxnSpPr>
+            <a:cxnSpLocks noChangeShapeType="1"/>
+            <a:stCxn id="6" idx="0"/>
+            <a:endCxn id="5" idx="2"/>
+          </p:cNvCxnSpPr>
+          <p:nvPr/>
+        </p:nvCxnSpPr>
+        <p:spPr bwMode="auto">
+          <a:xfrm rot="16200000" flipV="1">
+            <a:off x="6512727" y="4945865"/>
+            <a:ext cx="2324120" cy="71438"/>
+          </a:xfrm>
+          <a:prstGeom prst="straightConnector1">
+            <a:avLst/>
+          </a:prstGeom>
+          <a:noFill/>
+          <a:ln w="9525">
+            <a:solidFill>
+              <a:schemeClr val="tx1"/>
+            </a:solidFill>
+            <a:round/>
+            <a:headEnd/>
+            <a:tailEnd type="triangle" w="med" len="med"/>
+          </a:ln>
+          <a:effectLst/>
+        </p:spPr>
+      </p:cxnSp>
+      <p:sp>
+        <p:nvSpPr>
+          <p:cNvPr id="21" name="Tijdelijke aanduiding voor inhoud 2"/>
+          <p:cNvSpPr>
+            <a:spLocks noGrp="1"/>
+          </p:cNvSpPr>
+          <p:nvPr>
+            <p:ph idx="1"/>
+          </p:nvPr>
+        </p:nvSpPr>
+        <p:spPr>
+          <a:xfrm>
+            <a:off x="457200" y="1882808"/>
+            <a:ext cx="8686800" cy="4572000"/>
+          </a:xfrm>
+        </p:spPr>
+        <p:txBody>
+          <a:bodyPr/>
+          <a:lstStyle/>
+          <a:p>
+            <a:r>
+              <a:rPr lang="nl-BE" dirty="0" err="1" smtClean="0"/>
+              <a:t>Confirmation</a:t>
+            </a:r>
+            <a:r>
+              <a:rPr lang="nl-BE" dirty="0" smtClean="0"/>
+              <a:t> </a:t>
+            </a:r>
+            <a:r>
+              <a:rPr lang="nl-BE" dirty="0" err="1" smtClean="0"/>
+              <a:t>with</a:t>
+            </a:r>
+            <a:r>
+              <a:rPr lang="nl-BE" dirty="0" smtClean="0"/>
+              <a:t> a status message</a:t>
+            </a:r>
+          </a:p>
+        </p:txBody>
+      </p:sp>
+      <p:sp>
+        <p:nvSpPr>
+          <p:cNvPr id="24" name="Rectangle 7"/>
+          <p:cNvSpPr>
+            <a:spLocks noChangeArrowheads="1"/>
+          </p:cNvSpPr>
+          <p:nvPr/>
+        </p:nvSpPr>
+        <p:spPr bwMode="auto">
+          <a:xfrm>
+            <a:off x="6000760" y="4786322"/>
+            <a:ext cx="990600" cy="533400"/>
+          </a:xfrm>
+          <a:prstGeom prst="rect">
+            <a:avLst/>
+          </a:prstGeom>
+          <a:noFill/>
+          <a:ln w="9525">
+            <a:solidFill>
+              <a:schemeClr val="tx1"/>
+            </a:solidFill>
+            <a:miter lim="800000"/>
+            <a:headEnd/>
+            <a:tailEnd/>
+          </a:ln>
+          <a:effectLst/>
+        </p:spPr>
+        <p:txBody>
+          <a:bodyPr wrap="none" anchor="ctr"/>
+          <a:lstStyle/>
+          <a:p>
+            <a:pPr algn="ctr"/>
+            <a:r>
+              <a:rPr lang="en-US" dirty="0" smtClean="0">
+                <a:latin typeface="Tahoma" pitchFamily="34" charset="0"/>
+              </a:rPr>
+              <a:t>Blind</a:t>
+            </a:r>
+            <a:endParaRPr lang="en-US" dirty="0">
+              <a:latin typeface="Tahoma" pitchFamily="34" charset="0"/>
+            </a:endParaRPr>
+          </a:p>
+        </p:txBody>
+      </p:sp>
+      <p:cxnSp>
+        <p:nvCxnSpPr>
+          <p:cNvPr id="27" name="AutoShape 30"/>
+          <p:cNvCxnSpPr>
+            <a:cxnSpLocks noChangeShapeType="1"/>
+            <a:endCxn id="4" idx="3"/>
+          </p:cNvCxnSpPr>
+          <p:nvPr/>
+        </p:nvCxnSpPr>
+        <p:spPr bwMode="auto">
+          <a:xfrm rot="10800000" flipV="1">
+            <a:off x="2738414" y="3571876"/>
+            <a:ext cx="4410120" cy="100010"/>
+          </a:xfrm>
+          <a:prstGeom prst="straightConnector1">
+            <a:avLst/>
+          </a:prstGeom>
+          <a:noFill/>
+          <a:ln w="9525">
+            <a:solidFill>
+              <a:schemeClr val="tx1"/>
+            </a:solidFill>
+            <a:round/>
+            <a:headEnd/>
+            <a:tailEnd type="triangle" w="med" len="med"/>
+          </a:ln>
+          <a:effectLst/>
+        </p:spPr>
+      </p:cxnSp>
+      <p:cxnSp>
+        <p:nvCxnSpPr>
+          <p:cNvPr id="30" name="AutoShape 30"/>
+          <p:cNvCxnSpPr>
+            <a:cxnSpLocks noChangeShapeType="1"/>
+            <a:stCxn id="6" idx="1"/>
+            <a:endCxn id="4" idx="3"/>
+          </p:cNvCxnSpPr>
+          <p:nvPr/>
+        </p:nvCxnSpPr>
+        <p:spPr bwMode="auto">
+          <a:xfrm rot="10800000">
+            <a:off x="2738414" y="3671886"/>
+            <a:ext cx="4476792" cy="2738458"/>
+          </a:xfrm>
+          <a:prstGeom prst="straightConnector1">
+            <a:avLst/>
+          </a:prstGeom>
+          <a:noFill/>
+          <a:ln w="9525">
+            <a:solidFill>
+              <a:schemeClr val="tx1"/>
+            </a:solidFill>
+            <a:round/>
+            <a:headEnd/>
+            <a:tailEnd type="triangle" w="med" len="med"/>
+          </a:ln>
+          <a:effectLst/>
+        </p:spPr>
+      </p:cxnSp>
+      <p:cxnSp>
+        <p:nvCxnSpPr>
+          <p:cNvPr id="33" name="AutoShape 30"/>
+          <p:cNvCxnSpPr>
+            <a:cxnSpLocks noChangeShapeType="1"/>
+            <a:stCxn id="7" idx="0"/>
+            <a:endCxn id="4" idx="2"/>
+          </p:cNvCxnSpPr>
+          <p:nvPr/>
+        </p:nvCxnSpPr>
+        <p:spPr bwMode="auto">
+          <a:xfrm rot="5400000" flipH="1" flipV="1">
+            <a:off x="1085818" y="4895858"/>
+            <a:ext cx="1657368" cy="123824"/>
+          </a:xfrm>
+          <a:prstGeom prst="straightConnector1">
+            <a:avLst/>
+          </a:prstGeom>
+          <a:noFill/>
+          <a:ln w="9525">
+            <a:solidFill>
+              <a:schemeClr val="tx1"/>
+            </a:solidFill>
+            <a:round/>
+            <a:headEnd/>
+            <a:tailEnd type="triangle" w="med" len="med"/>
+          </a:ln>
+          <a:effectLst/>
+        </p:spPr>
+      </p:cxnSp>
+    </p:spTree>
+  </p:cSld>
+  <p:clrMapOvr>
+    <a:masterClrMapping/>
+  </p:clrMapOvr>
+  <p:timing>
+    <p:tnLst>
+      <p:par>
+        <p:cTn id="1" dur="indefinite" restart="never" nodeType="tmRoot">
+          <p:childTnLst>
+            <p:seq concurrent="1" nextAc="seek">
+              <p:cTn id="2" dur="indefinite" nodeType="mainSeq">
+                <p:childTnLst>
+                  <p:par>
+                    <p:cTn id="3" fill="hold">
+                      <p:stCondLst>
+                        <p:cond delay="indefinite"/>
+                        <p:cond evt="onBegin" delay="0">
+                          <p:tn val="2"/>
+                        </p:cond>
+                      </p:stCondLst>
+                      <p:childTnLst>
+                        <p:par>
+                          <p:cTn id="4" fill="hold">
+                            <p:stCondLst>
+                              <p:cond delay="0"/>
+                            </p:stCondLst>
+                            <p:childTnLst>
+                              <p:par>
+                                <p:cTn id="5" presetID="1" presetClass="entr" presetSubtype="0" fill="hold" nodeType="withEffect">
+                                  <p:stCondLst>
+                                    <p:cond delay="0"/>
+                                  </p:stCondLst>
+                                  <p:childTnLst>
+                                    <p:set>
+                                      <p:cBhvr>
+                                        <p:cTn id="6" dur="1" fill="hold">
+                                          <p:stCondLst>
+                                            <p:cond delay="0"/>
+                                          </p:stCondLst>
+                                        </p:cTn>
+                                        <p:tgtEl>
+                                          <p:spTgt spid="27"/>
+                                        </p:tgtEl>
+                                        <p:attrNameLst>
+                                          <p:attrName>style.visibility</p:attrName>
+                                        </p:attrNameLst>
+                                      </p:cBhvr>
+                                      <p:to>
+                                        <p:strVal val="visible"/>
+                                      </p:to>
+                                    </p:set>
+                                  </p:childTnLst>
+                                </p:cTn>
+                              </p:par>
+                              <p:par>
+                                <p:cTn id="7" presetID="1" presetClass="entr" presetSubtype="0" fill="hold" nodeType="withEffect">
+                                  <p:stCondLst>
+                                    <p:cond delay="0"/>
+                                  </p:stCondLst>
+                                  <p:childTnLst>
+                                    <p:set>
+                                      <p:cBhvr>
+                                        <p:cTn id="8" dur="1" fill="hold">
+                                          <p:stCondLst>
+                                            <p:cond delay="0"/>
+                                          </p:stCondLst>
+                                        </p:cTn>
+                                        <p:tgtEl>
+                                          <p:spTgt spid="30"/>
+                                        </p:tgtEl>
+                                        <p:attrNameLst>
+                                          <p:attrName>style.visibility</p:attrName>
+                                        </p:attrNameLst>
+                                      </p:cBhvr>
+                                      <p:to>
+                                        <p:strVal val="visible"/>
+                                      </p:to>
+                                    </p:set>
+                                  </p:childTnLst>
+                                </p:cTn>
+                              </p:par>
+                              <p:par>
+                                <p:cTn id="9" presetID="1" presetClass="entr" presetSubtype="0" fill="hold" nodeType="withEffect">
+                                  <p:stCondLst>
+                                    <p:cond delay="0"/>
+                                  </p:stCondLst>
+                                  <p:childTnLst>
+                                    <p:set>
+                                      <p:cBhvr>
+                                        <p:cTn id="10" dur="1" fill="hold">
+                                          <p:stCondLst>
+                                            <p:cond delay="0"/>
+                                          </p:stCondLst>
+                                        </p:cTn>
+                                        <p:tgtEl>
+                                          <p:spTgt spid="33"/>
+                                        </p:tgtEl>
+                                        <p:attrNameLst>
+                                          <p:attrName>style.visibility</p:attrName>
+                                        </p:attrNameLst>
+                                      </p:cBhvr>
+                                      <p:to>
+                                        <p:strVal val="visible"/>
+                                      </p:to>
+                                    </p:set>
+                                  </p:childTnLst>
+                                </p:cTn>
+                              </p:par>
+                            </p:childTnLst>
+                          </p:cTn>
+                        </p:par>
+                      </p:childTnLst>
+                    </p:cTn>
+                  </p:par>
+                </p:childTnLst>
+              </p:cTn>
+              <p:prevCondLst>
+                <p:cond evt="onPrev" delay="0">
+                  <p:tgtEl>
+                    <p:sldTgt/>
+                  </p:tgtEl>
+                </p:cond>
+              </p:prevCondLst>
+              <p:nextCondLst>
+                <p:cond evt="onNext" delay="0">
+                  <p:tgtEl>
+                    <p:sldTgt/>
+                  </p:tgtEl>
+                </p:cond>
+              </p:nextCondLst>
+            </p:seq>
+          </p:childTnLst>
+        </p:cTn>
+      </p:par>
+    </p:tnLst>
+  </p:timing>
+</p:sld>
+</file>
+
+<file path=ppt/slides/slide48.xml><?xml version="1.0" encoding="utf-8"?>
+<p:sld xmlns:a="http://schemas.openxmlformats.org/drawingml/2006/main" xmlns:r="http://schemas.openxmlformats.org/officeDocument/2006/relationships" xmlns:p="http://schemas.openxmlformats.org/presentationml/2006/main">
+  <p:cSld>
+    <p:spTree>
+      <p:nvGrpSpPr>
+        <p:cNvPr id="1" name=""/>
+        <p:cNvGrpSpPr/>
+        <p:nvPr/>
+      </p:nvGrpSpPr>
+      <p:grpSpPr>
+        <a:xfrm>
+          <a:off x="0" y="0"/>
+          <a:ext cx="0" cy="0"/>
+          <a:chOff x="0" y="0"/>
+          <a:chExt cx="0" cy="0"/>
+        </a:xfrm>
+      </p:grpSpPr>
+      <p:sp>
+        <p:nvSpPr>
+          <p:cNvPr id="2" name="Titel 1"/>
+          <p:cNvSpPr>
+            <a:spLocks noGrp="1"/>
+          </p:cNvSpPr>
+          <p:nvPr>
+            <p:ph type="title"/>
+          </p:nvPr>
+        </p:nvSpPr>
+        <p:spPr/>
+        <p:txBody>
+          <a:bodyPr/>
+          <a:lstStyle/>
+          <a:p>
+            <a:r>
+              <a:rPr lang="nl-BE" dirty="0" err="1" smtClean="0"/>
+              <a:t>Workflow</a:t>
+            </a:r>
+            <a:endParaRPr lang="nl-BE" dirty="0"/>
+          </a:p>
+        </p:txBody>
+      </p:sp>
+      <p:sp>
+        <p:nvSpPr>
+          <p:cNvPr id="4" name="Rectangle 4"/>
+          <p:cNvSpPr>
+            <a:spLocks noChangeArrowheads="1"/>
+          </p:cNvSpPr>
+          <p:nvPr/>
+        </p:nvSpPr>
+        <p:spPr bwMode="auto">
+          <a:xfrm>
+            <a:off x="1214414" y="3214686"/>
+            <a:ext cx="1524000" cy="914400"/>
+          </a:xfrm>
+          <a:prstGeom prst="rect">
+            <a:avLst/>
+          </a:prstGeom>
+          <a:noFill/>
+          <a:ln w="9525">
+            <a:solidFill>
+              <a:schemeClr val="tx1"/>
+            </a:solidFill>
+            <a:miter lim="800000"/>
+            <a:headEnd/>
+            <a:tailEnd/>
+          </a:ln>
+          <a:effectLst/>
+        </p:spPr>
+        <p:txBody>
+          <a:bodyPr wrap="none" anchor="ctr"/>
+          <a:lstStyle/>
+          <a:p>
+            <a:pPr algn="ctr"/>
+            <a:r>
+              <a:rPr lang="en-US" dirty="0">
+                <a:latin typeface="Tahoma" pitchFamily="34" charset="0"/>
+              </a:rPr>
+              <a:t>Base Mote </a:t>
+            </a:r>
+          </a:p>
+          <a:p>
+            <a:pPr algn="ctr"/>
+            <a:r>
+              <a:rPr lang="en-US" dirty="0">
+                <a:latin typeface="Tahoma" pitchFamily="34" charset="0"/>
+              </a:rPr>
+              <a:t>attached to PC</a:t>
+            </a:r>
+          </a:p>
+        </p:txBody>
+      </p:sp>
+      <p:sp>
+        <p:nvSpPr>
+          <p:cNvPr id="5" name="Rectangle 5"/>
+          <p:cNvSpPr>
+            <a:spLocks noChangeArrowheads="1"/>
+          </p:cNvSpPr>
+          <p:nvPr/>
+        </p:nvSpPr>
+        <p:spPr bwMode="auto">
+          <a:xfrm>
+            <a:off x="7143768" y="3286124"/>
+            <a:ext cx="990600" cy="533400"/>
+          </a:xfrm>
+          <a:prstGeom prst="rect">
+            <a:avLst/>
+          </a:prstGeom>
+          <a:noFill/>
+          <a:ln w="9525">
+            <a:solidFill>
+              <a:schemeClr val="tx1"/>
+            </a:solidFill>
+            <a:miter lim="800000"/>
+            <a:headEnd/>
+            <a:tailEnd/>
+          </a:ln>
+          <a:effectLst/>
+        </p:spPr>
+        <p:txBody>
+          <a:bodyPr wrap="none" anchor="ctr"/>
+          <a:lstStyle/>
+          <a:p>
+            <a:pPr algn="ctr"/>
+            <a:r>
+              <a:rPr lang="en-US" dirty="0" smtClean="0">
+                <a:latin typeface="Tahoma" pitchFamily="34" charset="0"/>
+              </a:rPr>
+              <a:t>Anchor</a:t>
+            </a:r>
+            <a:r>
+              <a:rPr lang="en-US" dirty="0" smtClean="0">
+                <a:latin typeface="Tahoma" pitchFamily="34" charset="0"/>
+              </a:rPr>
+              <a:t> </a:t>
+            </a:r>
+            <a:r>
+              <a:rPr lang="en-US" dirty="0">
+                <a:latin typeface="Tahoma" pitchFamily="34" charset="0"/>
+              </a:rPr>
+              <a:t>1</a:t>
+            </a:r>
+          </a:p>
+        </p:txBody>
+      </p:sp>
+      <p:sp>
+        <p:nvSpPr>
+          <p:cNvPr id="6" name="Rectangle 6"/>
+          <p:cNvSpPr>
+            <a:spLocks noChangeArrowheads="1"/>
+          </p:cNvSpPr>
+          <p:nvPr/>
+        </p:nvSpPr>
+        <p:spPr bwMode="auto">
+          <a:xfrm>
+            <a:off x="7215206" y="6143644"/>
+            <a:ext cx="990600" cy="533400"/>
+          </a:xfrm>
+          <a:prstGeom prst="rect">
+            <a:avLst/>
+          </a:prstGeom>
+          <a:noFill/>
+          <a:ln w="9525">
+            <a:solidFill>
+              <a:schemeClr val="tx1"/>
+            </a:solidFill>
+            <a:miter lim="800000"/>
+            <a:headEnd/>
+            <a:tailEnd/>
+          </a:ln>
+          <a:effectLst/>
+        </p:spPr>
+        <p:txBody>
+          <a:bodyPr wrap="none" anchor="ctr"/>
+          <a:lstStyle/>
+          <a:p>
+            <a:pPr algn="ctr"/>
+            <a:r>
+              <a:rPr lang="en-US" dirty="0" smtClean="0">
+                <a:latin typeface="Tahoma" pitchFamily="34" charset="0"/>
+              </a:rPr>
+              <a:t>Anchor2</a:t>
+            </a:r>
+            <a:endParaRPr lang="en-US" dirty="0">
+              <a:latin typeface="Tahoma" pitchFamily="34" charset="0"/>
+            </a:endParaRPr>
+          </a:p>
+        </p:txBody>
+      </p:sp>
+      <p:sp>
+        <p:nvSpPr>
+          <p:cNvPr id="7" name="Rectangle 7"/>
+          <p:cNvSpPr>
+            <a:spLocks noChangeArrowheads="1"/>
+          </p:cNvSpPr>
+          <p:nvPr/>
+        </p:nvSpPr>
+        <p:spPr bwMode="auto">
+          <a:xfrm>
+            <a:off x="1357290" y="5786454"/>
+            <a:ext cx="990600" cy="533400"/>
+          </a:xfrm>
+          <a:prstGeom prst="rect">
+            <a:avLst/>
+          </a:prstGeom>
+          <a:noFill/>
+          <a:ln w="9525">
+            <a:solidFill>
+              <a:schemeClr val="tx1"/>
+            </a:solidFill>
+            <a:miter lim="800000"/>
+            <a:headEnd/>
+            <a:tailEnd/>
+          </a:ln>
+          <a:effectLst/>
+        </p:spPr>
+        <p:txBody>
+          <a:bodyPr wrap="none" anchor="ctr"/>
+          <a:lstStyle/>
+          <a:p>
+            <a:pPr algn="ctr"/>
+            <a:r>
+              <a:rPr lang="en-US" dirty="0" smtClean="0">
+                <a:latin typeface="Tahoma" pitchFamily="34" charset="0"/>
+              </a:rPr>
+              <a:t>Anchor </a:t>
+            </a:r>
+            <a:r>
+              <a:rPr lang="en-US" dirty="0">
+                <a:latin typeface="Tahoma" pitchFamily="34" charset="0"/>
+              </a:rPr>
+              <a:t>3</a:t>
+            </a:r>
+          </a:p>
+        </p:txBody>
+      </p:sp>
+      <p:cxnSp>
+        <p:nvCxnSpPr>
+          <p:cNvPr id="9" name="AutoShape 20"/>
+          <p:cNvCxnSpPr>
+            <a:cxnSpLocks noChangeShapeType="1"/>
+            <a:stCxn id="6" idx="0"/>
+            <a:endCxn id="5" idx="2"/>
+          </p:cNvCxnSpPr>
+          <p:nvPr/>
+        </p:nvCxnSpPr>
+        <p:spPr bwMode="auto">
+          <a:xfrm rot="16200000" flipV="1">
+            <a:off x="6512727" y="4945865"/>
+            <a:ext cx="2324120" cy="71438"/>
+          </a:xfrm>
+          <a:prstGeom prst="straightConnector1">
+            <a:avLst/>
+          </a:prstGeom>
+          <a:noFill/>
+          <a:ln w="9525">
+            <a:solidFill>
+              <a:schemeClr val="tx1"/>
+            </a:solidFill>
+            <a:round/>
+            <a:headEnd/>
+            <a:tailEnd type="triangle" w="med" len="med"/>
+          </a:ln>
+          <a:effectLst/>
+        </p:spPr>
+      </p:cxnSp>
+      <p:sp>
+        <p:nvSpPr>
+          <p:cNvPr id="21" name="Tijdelijke aanduiding voor inhoud 2"/>
+          <p:cNvSpPr>
+            <a:spLocks noGrp="1"/>
+          </p:cNvSpPr>
+          <p:nvPr>
+            <p:ph idx="1"/>
+          </p:nvPr>
+        </p:nvSpPr>
+        <p:spPr>
+          <a:xfrm>
+            <a:off x="457200" y="1882808"/>
+            <a:ext cx="8686800" cy="4572000"/>
+          </a:xfrm>
+        </p:spPr>
+        <p:txBody>
+          <a:bodyPr/>
+          <a:lstStyle/>
+          <a:p>
+            <a:r>
+              <a:rPr lang="nl-BE" dirty="0" err="1" smtClean="0"/>
+              <a:t>Broadcast</a:t>
+            </a:r>
+            <a:r>
+              <a:rPr lang="nl-BE" dirty="0" smtClean="0"/>
+              <a:t> in order to </a:t>
+            </a:r>
+            <a:r>
+              <a:rPr lang="nl-BE" dirty="0" err="1" smtClean="0"/>
+              <a:t>measure</a:t>
+            </a:r>
+            <a:r>
+              <a:rPr lang="nl-BE" dirty="0" smtClean="0"/>
+              <a:t> RSSI</a:t>
+            </a:r>
+          </a:p>
+        </p:txBody>
+      </p:sp>
+      <p:cxnSp>
+        <p:nvCxnSpPr>
+          <p:cNvPr id="15" name="AutoShape 20"/>
+          <p:cNvCxnSpPr>
+            <a:cxnSpLocks noChangeShapeType="1"/>
+            <a:stCxn id="6" idx="1"/>
+            <a:endCxn id="7" idx="3"/>
+          </p:cNvCxnSpPr>
+          <p:nvPr/>
+        </p:nvCxnSpPr>
+        <p:spPr bwMode="auto">
+          <a:xfrm rot="10800000">
+            <a:off x="2347890" y="6053154"/>
+            <a:ext cx="4867316" cy="357190"/>
+          </a:xfrm>
+          <a:prstGeom prst="straightConnector1">
+            <a:avLst/>
+          </a:prstGeom>
+          <a:noFill/>
+          <a:ln w="9525">
+            <a:solidFill>
+              <a:schemeClr val="tx1"/>
+            </a:solidFill>
+            <a:round/>
+            <a:headEnd/>
+            <a:tailEnd type="triangle" w="med" len="med"/>
+          </a:ln>
+          <a:effectLst/>
+        </p:spPr>
+      </p:cxnSp>
+      <p:cxnSp>
+        <p:nvCxnSpPr>
+          <p:cNvPr id="19" name="AutoShape 20"/>
+          <p:cNvCxnSpPr>
+            <a:cxnSpLocks noChangeShapeType="1"/>
+            <a:stCxn id="7" idx="0"/>
+            <a:endCxn id="5" idx="1"/>
+          </p:cNvCxnSpPr>
+          <p:nvPr/>
+        </p:nvCxnSpPr>
+        <p:spPr bwMode="auto">
+          <a:xfrm rot="5400000" flipH="1" flipV="1">
+            <a:off x="3381364" y="2024050"/>
+            <a:ext cx="2233630" cy="5291178"/>
+          </a:xfrm>
+          <a:prstGeom prst="straightConnector1">
+            <a:avLst/>
+          </a:prstGeom>
+          <a:noFill/>
+          <a:ln w="9525">
+            <a:solidFill>
+              <a:schemeClr val="tx1"/>
+            </a:solidFill>
+            <a:round/>
+            <a:headEnd/>
+            <a:tailEnd type="triangle" w="med" len="med"/>
+          </a:ln>
+          <a:effectLst/>
+        </p:spPr>
+      </p:cxnSp>
+      <p:sp>
+        <p:nvSpPr>
+          <p:cNvPr id="24" name="Rectangle 7"/>
+          <p:cNvSpPr>
+            <a:spLocks noChangeArrowheads="1"/>
+          </p:cNvSpPr>
+          <p:nvPr/>
+        </p:nvSpPr>
+        <p:spPr bwMode="auto">
+          <a:xfrm>
+            <a:off x="6000760" y="4786322"/>
+            <a:ext cx="990600" cy="533400"/>
+          </a:xfrm>
+          <a:prstGeom prst="rect">
+            <a:avLst/>
+          </a:prstGeom>
+          <a:noFill/>
+          <a:ln w="9525">
+            <a:solidFill>
+              <a:schemeClr val="tx1"/>
+            </a:solidFill>
+            <a:miter lim="800000"/>
+            <a:headEnd/>
+            <a:tailEnd/>
+          </a:ln>
+          <a:effectLst/>
+        </p:spPr>
+        <p:txBody>
+          <a:bodyPr wrap="none" anchor="ctr"/>
+          <a:lstStyle/>
+          <a:p>
+            <a:pPr algn="ctr"/>
+            <a:r>
+              <a:rPr lang="en-US" dirty="0" smtClean="0">
+                <a:latin typeface="Tahoma" pitchFamily="34" charset="0"/>
+              </a:rPr>
+              <a:t>Blind</a:t>
+            </a:r>
+            <a:endParaRPr lang="en-US" dirty="0">
+              <a:latin typeface="Tahoma" pitchFamily="34" charset="0"/>
+            </a:endParaRPr>
+          </a:p>
+        </p:txBody>
+      </p:sp>
+      <p:cxnSp>
+        <p:nvCxnSpPr>
+          <p:cNvPr id="27" name="AutoShape 30"/>
+          <p:cNvCxnSpPr>
+            <a:cxnSpLocks noChangeShapeType="1"/>
+            <a:stCxn id="5" idx="1"/>
+            <a:endCxn id="7" idx="0"/>
+          </p:cNvCxnSpPr>
+          <p:nvPr/>
+        </p:nvCxnSpPr>
+        <p:spPr bwMode="auto">
+          <a:xfrm rot="10800000" flipV="1">
+            <a:off x="1852590" y="3552824"/>
+            <a:ext cx="5291178" cy="2233630"/>
+          </a:xfrm>
+          <a:prstGeom prst="straightConnector1">
+            <a:avLst/>
+          </a:prstGeom>
+          <a:noFill/>
+          <a:ln w="9525">
+            <a:solidFill>
+              <a:schemeClr val="tx1"/>
+            </a:solidFill>
+            <a:round/>
+            <a:headEnd/>
+            <a:tailEnd type="triangle" w="med" len="med"/>
+          </a:ln>
+          <a:effectLst/>
+        </p:spPr>
+      </p:cxnSp>
+      <p:cxnSp>
+        <p:nvCxnSpPr>
+          <p:cNvPr id="30" name="AutoShape 30"/>
+          <p:cNvCxnSpPr>
+            <a:cxnSpLocks noChangeShapeType="1"/>
+            <a:stCxn id="5" idx="2"/>
+            <a:endCxn id="6" idx="0"/>
+          </p:cNvCxnSpPr>
+          <p:nvPr/>
+        </p:nvCxnSpPr>
+        <p:spPr bwMode="auto">
+          <a:xfrm rot="16200000" flipH="1">
+            <a:off x="6512727" y="4945865"/>
+            <a:ext cx="2324120" cy="71438"/>
+          </a:xfrm>
+          <a:prstGeom prst="straightConnector1">
+            <a:avLst/>
+          </a:prstGeom>
+          <a:noFill/>
+          <a:ln w="9525">
+            <a:solidFill>
+              <a:schemeClr val="tx1"/>
+            </a:solidFill>
+            <a:round/>
+            <a:headEnd/>
+            <a:tailEnd type="triangle" w="med" len="med"/>
+          </a:ln>
+          <a:effectLst/>
+        </p:spPr>
+      </p:cxnSp>
+      <p:cxnSp>
+        <p:nvCxnSpPr>
+          <p:cNvPr id="33" name="AutoShape 30"/>
+          <p:cNvCxnSpPr>
+            <a:cxnSpLocks noChangeShapeType="1"/>
+            <a:stCxn id="7" idx="3"/>
+            <a:endCxn id="6" idx="1"/>
+          </p:cNvCxnSpPr>
+          <p:nvPr/>
+        </p:nvCxnSpPr>
+        <p:spPr bwMode="auto">
+          <a:xfrm>
+            <a:off x="2347890" y="6053154"/>
+            <a:ext cx="4867316" cy="357190"/>
+          </a:xfrm>
+          <a:prstGeom prst="straightConnector1">
+            <a:avLst/>
+          </a:prstGeom>
+          <a:noFill/>
+          <a:ln w="9525">
+            <a:solidFill>
+              <a:schemeClr val="tx1"/>
+            </a:solidFill>
+            <a:round/>
+            <a:headEnd/>
+            <a:tailEnd type="triangle" w="med" len="med"/>
+          </a:ln>
+          <a:effectLst/>
+        </p:spPr>
+      </p:cxnSp>
+    </p:spTree>
+  </p:cSld>
+  <p:clrMapOvr>
+    <a:masterClrMapping/>
+  </p:clrMapOvr>
+  <p:timing>
+    <p:tnLst>
+      <p:par>
+        <p:cTn id="1" dur="indefinite" restart="never" nodeType="tmRoot">
+          <p:childTnLst>
+            <p:seq concurrent="1" nextAc="seek">
+              <p:cTn id="2" dur="indefinite" nodeType="mainSeq">
+                <p:childTnLst>
+                  <p:par>
+                    <p:cTn id="3" fill="hold">
+                      <p:stCondLst>
+                        <p:cond delay="indefinite"/>
+                        <p:cond evt="onBegin" delay="0">
+                          <p:tn val="2"/>
+                        </p:cond>
+                      </p:stCondLst>
+                      <p:childTnLst>
+                        <p:par>
+                          <p:cTn id="4" fill="hold">
+                            <p:stCondLst>
+                              <p:cond delay="0"/>
+                            </p:stCondLst>
+                            <p:childTnLst>
+                              <p:par>
+                                <p:cTn id="5" presetID="1" presetClass="entr" presetSubtype="0" fill="hold" nodeType="withEffect">
+                                  <p:stCondLst>
+                                    <p:cond delay="0"/>
+                                  </p:stCondLst>
+                                  <p:childTnLst>
+                                    <p:set>
+                                      <p:cBhvr>
+                                        <p:cTn id="6" dur="1" fill="hold">
+                                          <p:stCondLst>
+                                            <p:cond delay="0"/>
+                                          </p:stCondLst>
+                                        </p:cTn>
+                                        <p:tgtEl>
+                                          <p:spTgt spid="27"/>
+                                        </p:tgtEl>
+                                        <p:attrNameLst>
+                                          <p:attrName>style.visibility</p:attrName>
+                                        </p:attrNameLst>
+                                      </p:cBhvr>
+                                      <p:to>
+                                        <p:strVal val="visible"/>
+                                      </p:to>
+                                    </p:set>
+                                  </p:childTnLst>
+                                </p:cTn>
+                              </p:par>
+                              <p:par>
+                                <p:cTn id="7" presetID="1" presetClass="entr" presetSubtype="0" fill="hold" nodeType="withEffect">
+                                  <p:stCondLst>
+                                    <p:cond delay="0"/>
+                                  </p:stCondLst>
+                                  <p:childTnLst>
+                                    <p:set>
+                                      <p:cBhvr>
+                                        <p:cTn id="8" dur="1" fill="hold">
+                                          <p:stCondLst>
+                                            <p:cond delay="0"/>
+                                          </p:stCondLst>
+                                        </p:cTn>
+                                        <p:tgtEl>
+                                          <p:spTgt spid="30"/>
+                                        </p:tgtEl>
+                                        <p:attrNameLst>
+                                          <p:attrName>style.visibility</p:attrName>
+                                        </p:attrNameLst>
+                                      </p:cBhvr>
+                                      <p:to>
+                                        <p:strVal val="visible"/>
+                                      </p:to>
+                                    </p:set>
+                                  </p:childTnLst>
+                                </p:cTn>
+                              </p:par>
+                              <p:par>
+                                <p:cTn id="9" presetID="1" presetClass="entr" presetSubtype="0" fill="hold" nodeType="withEffect">
+                                  <p:stCondLst>
+                                    <p:cond delay="0"/>
+                                  </p:stCondLst>
+                                  <p:childTnLst>
+                                    <p:set>
+                                      <p:cBhvr>
+                                        <p:cTn id="10" dur="1" fill="hold">
+                                          <p:stCondLst>
+                                            <p:cond delay="0"/>
+                                          </p:stCondLst>
+                                        </p:cTn>
+                                        <p:tgtEl>
+                                          <p:spTgt spid="33"/>
+                                        </p:tgtEl>
+                                        <p:attrNameLst>
+                                          <p:attrName>style.visibility</p:attrName>
+                                        </p:attrNameLst>
+                                      </p:cBhvr>
+                                      <p:to>
+                                        <p:strVal val="visible"/>
+                                      </p:to>
+                                    </p:set>
+                                  </p:childTnLst>
+                                </p:cTn>
+                              </p:par>
+                            </p:childTnLst>
+                          </p:cTn>
+                        </p:par>
+                      </p:childTnLst>
+                    </p:cTn>
+                  </p:par>
+                </p:childTnLst>
+              </p:cTn>
+              <p:prevCondLst>
+                <p:cond evt="onPrev" delay="0">
+                  <p:tgtEl>
+                    <p:sldTgt/>
+                  </p:tgtEl>
+                </p:cond>
+              </p:prevCondLst>
+              <p:nextCondLst>
+                <p:cond evt="onNext" delay="0">
+                  <p:tgtEl>
+                    <p:sldTgt/>
+                  </p:tgtEl>
+                </p:cond>
+              </p:nextCondLst>
+            </p:seq>
+          </p:childTnLst>
+        </p:cTn>
+      </p:par>
+    </p:tnLst>
+  </p:timing>
+</p:sld>
+</file>
+
+<file path=ppt/slides/slide49.xml><?xml version="1.0" encoding="utf-8"?>
+<p:sld xmlns:a="http://schemas.openxmlformats.org/drawingml/2006/main" xmlns:r="http://schemas.openxmlformats.org/officeDocument/2006/relationships" xmlns:p="http://schemas.openxmlformats.org/presentationml/2006/main">
+  <p:cSld>
+    <p:spTree>
+      <p:nvGrpSpPr>
+        <p:cNvPr id="1" name=""/>
+        <p:cNvGrpSpPr/>
+        <p:nvPr/>
+      </p:nvGrpSpPr>
+      <p:grpSpPr>
+        <a:xfrm>
+          <a:off x="0" y="0"/>
+          <a:ext cx="0" cy="0"/>
+          <a:chOff x="0" y="0"/>
+          <a:chExt cx="0" cy="0"/>
+        </a:xfrm>
+      </p:grpSpPr>
+      <p:sp>
+        <p:nvSpPr>
+          <p:cNvPr id="2" name="Titel 1"/>
+          <p:cNvSpPr>
+            <a:spLocks noGrp="1"/>
+          </p:cNvSpPr>
+          <p:nvPr>
+            <p:ph type="title"/>
+          </p:nvPr>
+        </p:nvSpPr>
+        <p:spPr/>
+        <p:txBody>
+          <a:bodyPr/>
+          <a:lstStyle/>
+          <a:p>
+            <a:r>
+              <a:rPr lang="nl-BE" dirty="0" err="1" smtClean="0"/>
+              <a:t>Workflow</a:t>
+            </a:r>
+            <a:endParaRPr lang="nl-BE" dirty="0"/>
+          </a:p>
+        </p:txBody>
+      </p:sp>
+      <p:sp>
+        <p:nvSpPr>
+          <p:cNvPr id="4" name="Rectangle 4"/>
+          <p:cNvSpPr>
+            <a:spLocks noChangeArrowheads="1"/>
+          </p:cNvSpPr>
+          <p:nvPr/>
+        </p:nvSpPr>
+        <p:spPr bwMode="auto">
+          <a:xfrm>
+            <a:off x="1214414" y="3214686"/>
+            <a:ext cx="1524000" cy="914400"/>
+          </a:xfrm>
+          <a:prstGeom prst="rect">
+            <a:avLst/>
+          </a:prstGeom>
+          <a:noFill/>
+          <a:ln w="9525">
+            <a:solidFill>
+              <a:schemeClr val="tx1"/>
+            </a:solidFill>
+            <a:miter lim="800000"/>
+            <a:headEnd/>
+            <a:tailEnd/>
+          </a:ln>
+          <a:effectLst/>
+        </p:spPr>
+        <p:txBody>
+          <a:bodyPr wrap="none" anchor="ctr"/>
+          <a:lstStyle/>
+          <a:p>
+            <a:pPr algn="ctr"/>
+            <a:r>
+              <a:rPr lang="en-US" dirty="0">
+                <a:latin typeface="Tahoma" pitchFamily="34" charset="0"/>
+              </a:rPr>
+              <a:t>Base Mote </a:t>
+            </a:r>
+          </a:p>
+          <a:p>
+            <a:pPr algn="ctr"/>
+            <a:r>
+              <a:rPr lang="en-US" dirty="0">
+                <a:latin typeface="Tahoma" pitchFamily="34" charset="0"/>
+              </a:rPr>
+              <a:t>attached to PC</a:t>
+            </a:r>
+          </a:p>
+        </p:txBody>
+      </p:sp>
+      <p:sp>
+        <p:nvSpPr>
+          <p:cNvPr id="5" name="Rectangle 5"/>
+          <p:cNvSpPr>
+            <a:spLocks noChangeArrowheads="1"/>
+          </p:cNvSpPr>
+          <p:nvPr/>
+        </p:nvSpPr>
+        <p:spPr bwMode="auto">
+          <a:xfrm>
+            <a:off x="7143768" y="3286124"/>
+            <a:ext cx="990600" cy="533400"/>
+          </a:xfrm>
+          <a:prstGeom prst="rect">
+            <a:avLst/>
+          </a:prstGeom>
+          <a:noFill/>
+          <a:ln w="9525">
+            <a:solidFill>
+              <a:schemeClr val="tx1"/>
+            </a:solidFill>
+            <a:miter lim="800000"/>
+            <a:headEnd/>
+            <a:tailEnd/>
+          </a:ln>
+          <a:effectLst/>
+        </p:spPr>
+        <p:txBody>
+          <a:bodyPr wrap="none" anchor="ctr"/>
+          <a:lstStyle/>
+          <a:p>
+            <a:pPr algn="ctr"/>
+            <a:r>
+              <a:rPr lang="en-US" dirty="0" smtClean="0">
+                <a:latin typeface="Tahoma" pitchFamily="34" charset="0"/>
+              </a:rPr>
+              <a:t>Anchor</a:t>
+            </a:r>
+            <a:r>
+              <a:rPr lang="en-US" dirty="0" smtClean="0">
+                <a:latin typeface="Tahoma" pitchFamily="34" charset="0"/>
+              </a:rPr>
+              <a:t> </a:t>
+            </a:r>
+            <a:r>
+              <a:rPr lang="en-US" dirty="0">
+                <a:latin typeface="Tahoma" pitchFamily="34" charset="0"/>
+              </a:rPr>
+              <a:t>1</a:t>
+            </a:r>
+          </a:p>
+        </p:txBody>
+      </p:sp>
+      <p:sp>
+        <p:nvSpPr>
+          <p:cNvPr id="6" name="Rectangle 6"/>
+          <p:cNvSpPr>
+            <a:spLocks noChangeArrowheads="1"/>
+          </p:cNvSpPr>
+          <p:nvPr/>
+        </p:nvSpPr>
+        <p:spPr bwMode="auto">
+          <a:xfrm>
+            <a:off x="7215206" y="6143644"/>
+            <a:ext cx="990600" cy="533400"/>
+          </a:xfrm>
+          <a:prstGeom prst="rect">
+            <a:avLst/>
+          </a:prstGeom>
+          <a:noFill/>
+          <a:ln w="9525">
+            <a:solidFill>
+              <a:schemeClr val="tx1"/>
+            </a:solidFill>
+            <a:miter lim="800000"/>
+            <a:headEnd/>
+            <a:tailEnd/>
+          </a:ln>
+          <a:effectLst/>
+        </p:spPr>
+        <p:txBody>
+          <a:bodyPr wrap="none" anchor="ctr"/>
+          <a:lstStyle/>
+          <a:p>
+            <a:pPr algn="ctr"/>
+            <a:r>
+              <a:rPr lang="en-US" dirty="0" smtClean="0">
+                <a:latin typeface="Tahoma" pitchFamily="34" charset="0"/>
+              </a:rPr>
+              <a:t>Anchor2</a:t>
+            </a:r>
+            <a:endParaRPr lang="en-US" dirty="0">
+              <a:latin typeface="Tahoma" pitchFamily="34" charset="0"/>
+            </a:endParaRPr>
+          </a:p>
+        </p:txBody>
+      </p:sp>
+      <p:sp>
+        <p:nvSpPr>
+          <p:cNvPr id="7" name="Rectangle 7"/>
+          <p:cNvSpPr>
+            <a:spLocks noChangeArrowheads="1"/>
+          </p:cNvSpPr>
+          <p:nvPr/>
+        </p:nvSpPr>
+        <p:spPr bwMode="auto">
+          <a:xfrm>
+            <a:off x="1357290" y="5786454"/>
+            <a:ext cx="990600" cy="533400"/>
+          </a:xfrm>
+          <a:prstGeom prst="rect">
+            <a:avLst/>
+          </a:prstGeom>
+          <a:noFill/>
+          <a:ln w="9525">
+            <a:solidFill>
+              <a:schemeClr val="tx1"/>
+            </a:solidFill>
+            <a:miter lim="800000"/>
+            <a:headEnd/>
+            <a:tailEnd/>
+          </a:ln>
+          <a:effectLst/>
+        </p:spPr>
+        <p:txBody>
+          <a:bodyPr wrap="none" anchor="ctr"/>
+          <a:lstStyle/>
+          <a:p>
+            <a:pPr algn="ctr"/>
+            <a:r>
+              <a:rPr lang="en-US" dirty="0" smtClean="0">
+                <a:latin typeface="Tahoma" pitchFamily="34" charset="0"/>
+              </a:rPr>
+              <a:t>Anchor </a:t>
+            </a:r>
+            <a:r>
+              <a:rPr lang="en-US" dirty="0">
+                <a:latin typeface="Tahoma" pitchFamily="34" charset="0"/>
+              </a:rPr>
+              <a:t>3</a:t>
+            </a:r>
+          </a:p>
+        </p:txBody>
+      </p:sp>
+      <p:cxnSp>
+        <p:nvCxnSpPr>
+          <p:cNvPr id="9" name="AutoShape 20"/>
+          <p:cNvCxnSpPr>
+            <a:cxnSpLocks noChangeShapeType="1"/>
+            <a:stCxn id="6" idx="0"/>
+            <a:endCxn id="5" idx="2"/>
+          </p:cNvCxnSpPr>
+          <p:nvPr/>
+        </p:nvCxnSpPr>
+        <p:spPr bwMode="auto">
+          <a:xfrm rot="16200000" flipV="1">
+            <a:off x="6512727" y="4945865"/>
+            <a:ext cx="2324120" cy="71438"/>
+          </a:xfrm>
+          <a:prstGeom prst="straightConnector1">
+            <a:avLst/>
+          </a:prstGeom>
+          <a:noFill/>
+          <a:ln w="9525">
+            <a:solidFill>
+              <a:schemeClr val="tx1"/>
+            </a:solidFill>
+            <a:round/>
+            <a:headEnd/>
+            <a:tailEnd type="triangle" w="med" len="med"/>
+          </a:ln>
+          <a:effectLst/>
+        </p:spPr>
+      </p:cxnSp>
+      <p:sp>
+        <p:nvSpPr>
+          <p:cNvPr id="21" name="Tijdelijke aanduiding voor inhoud 2"/>
+          <p:cNvSpPr>
+            <a:spLocks noGrp="1"/>
+          </p:cNvSpPr>
+          <p:nvPr>
+            <p:ph idx="1"/>
+          </p:nvPr>
+        </p:nvSpPr>
+        <p:spPr>
+          <a:xfrm>
+            <a:off x="457200" y="1882808"/>
+            <a:ext cx="8686800" cy="4572000"/>
+          </a:xfrm>
+        </p:spPr>
+        <p:txBody>
+          <a:bodyPr/>
+          <a:lstStyle/>
+          <a:p>
+            <a:r>
+              <a:rPr lang="nl-BE" dirty="0" err="1" smtClean="0"/>
+              <a:t>Send</a:t>
+            </a:r>
+            <a:r>
+              <a:rPr lang="nl-BE" dirty="0" smtClean="0"/>
+              <a:t> back RSSI </a:t>
+            </a:r>
+            <a:r>
+              <a:rPr lang="nl-BE" dirty="0" err="1" smtClean="0"/>
+              <a:t>with</a:t>
+            </a:r>
+            <a:r>
+              <a:rPr lang="nl-BE" dirty="0" smtClean="0"/>
+              <a:t> the </a:t>
+            </a:r>
+            <a:r>
+              <a:rPr lang="nl-BE" dirty="0" err="1" smtClean="0"/>
+              <a:t>collection</a:t>
+            </a:r>
+            <a:r>
+              <a:rPr lang="nl-BE" dirty="0" smtClean="0"/>
+              <a:t> protocol</a:t>
+            </a:r>
+          </a:p>
+        </p:txBody>
+      </p:sp>
+      <p:sp>
+        <p:nvSpPr>
+          <p:cNvPr id="24" name="Rectangle 7"/>
+          <p:cNvSpPr>
+            <a:spLocks noChangeArrowheads="1"/>
+          </p:cNvSpPr>
+          <p:nvPr/>
+        </p:nvSpPr>
+        <p:spPr bwMode="auto">
+          <a:xfrm>
+            <a:off x="6000760" y="4786322"/>
+            <a:ext cx="990600" cy="533400"/>
+          </a:xfrm>
+          <a:prstGeom prst="rect">
+            <a:avLst/>
+          </a:prstGeom>
+          <a:noFill/>
+          <a:ln w="9525">
+            <a:solidFill>
+              <a:schemeClr val="tx1"/>
+            </a:solidFill>
+            <a:miter lim="800000"/>
+            <a:headEnd/>
+            <a:tailEnd/>
+          </a:ln>
+          <a:effectLst/>
+        </p:spPr>
+        <p:txBody>
+          <a:bodyPr wrap="none" anchor="ctr"/>
+          <a:lstStyle/>
+          <a:p>
+            <a:pPr algn="ctr"/>
+            <a:r>
+              <a:rPr lang="en-US" dirty="0" smtClean="0">
+                <a:latin typeface="Tahoma" pitchFamily="34" charset="0"/>
+              </a:rPr>
+              <a:t>Blind</a:t>
+            </a:r>
+            <a:endParaRPr lang="en-US" dirty="0">
+              <a:latin typeface="Tahoma" pitchFamily="34" charset="0"/>
+            </a:endParaRPr>
+          </a:p>
+        </p:txBody>
+      </p:sp>
+      <p:cxnSp>
+        <p:nvCxnSpPr>
+          <p:cNvPr id="27" name="AutoShape 30"/>
+          <p:cNvCxnSpPr>
+            <a:cxnSpLocks noChangeShapeType="1"/>
+            <a:endCxn id="4" idx="3"/>
+          </p:cNvCxnSpPr>
+          <p:nvPr/>
+        </p:nvCxnSpPr>
+        <p:spPr bwMode="auto">
+          <a:xfrm rot="10800000" flipV="1">
+            <a:off x="2738414" y="3571876"/>
+            <a:ext cx="4410120" cy="100010"/>
+          </a:xfrm>
+          <a:prstGeom prst="straightConnector1">
+            <a:avLst/>
+          </a:prstGeom>
+          <a:noFill/>
+          <a:ln w="9525">
+            <a:solidFill>
+              <a:schemeClr val="tx1"/>
+            </a:solidFill>
+            <a:round/>
+            <a:headEnd/>
+            <a:tailEnd type="triangle" w="med" len="med"/>
+          </a:ln>
+          <a:effectLst/>
+        </p:spPr>
+      </p:cxnSp>
+      <p:cxnSp>
+        <p:nvCxnSpPr>
+          <p:cNvPr id="30" name="AutoShape 30"/>
+          <p:cNvCxnSpPr>
+            <a:cxnSpLocks noChangeShapeType="1"/>
+            <a:stCxn id="6" idx="1"/>
+            <a:endCxn id="4" idx="3"/>
+          </p:cNvCxnSpPr>
+          <p:nvPr/>
+        </p:nvCxnSpPr>
+        <p:spPr bwMode="auto">
+          <a:xfrm rot="10800000">
+            <a:off x="2738414" y="3671886"/>
+            <a:ext cx="4476792" cy="2738458"/>
+          </a:xfrm>
+          <a:prstGeom prst="straightConnector1">
+            <a:avLst/>
+          </a:prstGeom>
+          <a:noFill/>
+          <a:ln w="9525">
+            <a:solidFill>
+              <a:schemeClr val="tx1"/>
+            </a:solidFill>
+            <a:round/>
+            <a:headEnd/>
+            <a:tailEnd type="triangle" w="med" len="med"/>
+          </a:ln>
+          <a:effectLst/>
+        </p:spPr>
+      </p:cxnSp>
+      <p:cxnSp>
+        <p:nvCxnSpPr>
+          <p:cNvPr id="33" name="AutoShape 30"/>
+          <p:cNvCxnSpPr>
+            <a:cxnSpLocks noChangeShapeType="1"/>
+            <a:stCxn id="7" idx="0"/>
+            <a:endCxn id="4" idx="2"/>
+          </p:cNvCxnSpPr>
+          <p:nvPr/>
+        </p:nvCxnSpPr>
+        <p:spPr bwMode="auto">
+          <a:xfrm rot="5400000" flipH="1" flipV="1">
+            <a:off x="1085818" y="4895858"/>
+            <a:ext cx="1657368" cy="123824"/>
+          </a:xfrm>
+          <a:prstGeom prst="straightConnector1">
+            <a:avLst/>
+          </a:prstGeom>
+          <a:noFill/>
+          <a:ln w="9525">
+            <a:solidFill>
+              <a:schemeClr val="tx1"/>
+            </a:solidFill>
+            <a:round/>
+            <a:headEnd/>
+            <a:tailEnd type="triangle" w="med" len="med"/>
+          </a:ln>
+          <a:effectLst/>
+        </p:spPr>
+      </p:cxnSp>
+    </p:spTree>
+  </p:cSld>
+  <p:clrMapOvr>
+    <a:masterClrMapping/>
+  </p:clrMapOvr>
+  <p:timing>
+    <p:tnLst>
+      <p:par>
+        <p:cTn id="1" dur="indefinite" restart="never" nodeType="tmRoot">
+          <p:childTnLst>
+            <p:seq concurrent="1" nextAc="seek">
+              <p:cTn id="2" dur="indefinite" nodeType="mainSeq">
+                <p:childTnLst>
+                  <p:par>
+                    <p:cTn id="3" fill="hold">
+                      <p:stCondLst>
+                        <p:cond delay="indefinite"/>
+                        <p:cond evt="onBegin" delay="0">
+                          <p:tn val="2"/>
+                        </p:cond>
+                      </p:stCondLst>
+                      <p:childTnLst>
+                        <p:par>
+                          <p:cTn id="4" fill="hold">
+                            <p:stCondLst>
+                              <p:cond delay="0"/>
+                            </p:stCondLst>
+                            <p:childTnLst>
+                              <p:par>
+                                <p:cTn id="5" presetID="1" presetClass="entr" presetSubtype="0" fill="hold" nodeType="withEffect">
+                                  <p:stCondLst>
+                                    <p:cond delay="0"/>
+                                  </p:stCondLst>
+                                  <p:childTnLst>
+                                    <p:set>
+                                      <p:cBhvr>
+                                        <p:cTn id="6" dur="1" fill="hold">
+                                          <p:stCondLst>
+                                            <p:cond delay="0"/>
+                                          </p:stCondLst>
+                                        </p:cTn>
+                                        <p:tgtEl>
+                                          <p:spTgt spid="27"/>
+                                        </p:tgtEl>
+                                        <p:attrNameLst>
+                                          <p:attrName>style.visibility</p:attrName>
+                                        </p:attrNameLst>
+                                      </p:cBhvr>
+                                      <p:to>
+                                        <p:strVal val="visible"/>
+                                      </p:to>
+                                    </p:set>
+                                  </p:childTnLst>
+                                </p:cTn>
+                              </p:par>
+                              <p:par>
+                                <p:cTn id="7" presetID="1" presetClass="entr" presetSubtype="0" fill="hold" nodeType="withEffect">
+                                  <p:stCondLst>
+                                    <p:cond delay="0"/>
+                                  </p:stCondLst>
+                                  <p:childTnLst>
+                                    <p:set>
+                                      <p:cBhvr>
+                                        <p:cTn id="8" dur="1" fill="hold">
+                                          <p:stCondLst>
+                                            <p:cond delay="0"/>
+                                          </p:stCondLst>
+                                        </p:cTn>
+                                        <p:tgtEl>
+                                          <p:spTgt spid="30"/>
+                                        </p:tgtEl>
+                                        <p:attrNameLst>
+                                          <p:attrName>style.visibility</p:attrName>
+                                        </p:attrNameLst>
+                                      </p:cBhvr>
+                                      <p:to>
+                                        <p:strVal val="visible"/>
+                                      </p:to>
+                                    </p:set>
+                                  </p:childTnLst>
+                                </p:cTn>
+                              </p:par>
+                              <p:par>
+                                <p:cTn id="9" presetID="1" presetClass="entr" presetSubtype="0" fill="hold" nodeType="withEffect">
+                                  <p:stCondLst>
+                                    <p:cond delay="0"/>
+                                  </p:stCondLst>
+                                  <p:childTnLst>
+                                    <p:set>
+                                      <p:cBhvr>
+                                        <p:cTn id="10" dur="1" fill="hold">
+                                          <p:stCondLst>
+                                            <p:cond delay="0"/>
+                                          </p:stCondLst>
+                                        </p:cTn>
+                                        <p:tgtEl>
+                                          <p:spTgt spid="33"/>
+                                        </p:tgtEl>
+                                        <p:attrNameLst>
+                                          <p:attrName>style.visibility</p:attrName>
+                                        </p:attrNameLst>
+                                      </p:cBhvr>
+                                      <p:to>
+                                        <p:strVal val="visible"/>
+                                      </p:to>
+                                    </p:set>
+                                  </p:childTnLst>
+                                </p:cTn>
+                              </p:par>
+                            </p:childTnLst>
+                          </p:cTn>
+                        </p:par>
+                      </p:childTnLst>
+                    </p:cTn>
+                  </p:par>
+                </p:childTnLst>
+              </p:cTn>
+              <p:prevCondLst>
+                <p:cond evt="onPrev" delay="0">
+                  <p:tgtEl>
+                    <p:sldTgt/>
+                  </p:tgtEl>
+                </p:cond>
+              </p:prevCondLst>
+              <p:nextCondLst>
+                <p:cond evt="onNext" delay="0">
+                  <p:tgtEl>
+                    <p:sldTgt/>
+                  </p:tgtEl>
+                </p:cond>
+              </p:nextCondLst>
+            </p:seq>
+          </p:childTnLst>
+        </p:cTn>
+      </p:par>
+    </p:tnLst>
+  </p:timing>
+</p:sld>
+</file>
+
+<file path=ppt/slides/slide5.xml><?xml version="1.0" encoding="utf-8"?>
+<p:sld xmlns:a="http://schemas.openxmlformats.org/drawingml/2006/main" xmlns:r="http://schemas.openxmlformats.org/officeDocument/2006/relationships" xmlns:p="http://schemas.openxmlformats.org/presentationml/2006/main">
+  <p:cSld>
+    <p:spTree>
+      <p:nvGrpSpPr>
+        <p:cNvPr id="1" name=""/>
+        <p:cNvGrpSpPr/>
+        <p:nvPr/>
+      </p:nvGrpSpPr>
+      <p:grpSpPr>
+        <a:xfrm>
+          <a:off x="0" y="0"/>
+          <a:ext cx="0" cy="0"/>
+          <a:chOff x="0" y="0"/>
+          <a:chExt cx="0" cy="0"/>
+        </a:xfrm>
+      </p:grpSpPr>
+      <p:sp>
+        <p:nvSpPr>
+          <p:cNvPr id="2" name="Titel 1"/>
+          <p:cNvSpPr>
+            <a:spLocks noGrp="1"/>
+          </p:cNvSpPr>
+          <p:nvPr>
+            <p:ph type="title"/>
+          </p:nvPr>
+        </p:nvSpPr>
+        <p:spPr/>
+        <p:txBody>
+          <a:bodyPr/>
+          <a:lstStyle/>
+          <a:p>
+            <a:r>
+              <a:rPr lang="nl-BE" dirty="0" err="1" smtClean="0"/>
+              <a:t>Applications</a:t>
+            </a:r>
+            <a:endParaRPr lang="nl-BE" dirty="0"/>
+          </a:p>
+        </p:txBody>
+      </p:sp>
+      <p:sp>
+        <p:nvSpPr>
+          <p:cNvPr id="3" name="Tijdelijke aanduiding voor inhoud 2"/>
+          <p:cNvSpPr>
+            <a:spLocks noGrp="1"/>
+          </p:cNvSpPr>
+          <p:nvPr>
+            <p:ph idx="1"/>
+          </p:nvPr>
+        </p:nvSpPr>
+        <p:spPr/>
+        <p:txBody>
+          <a:bodyPr>
+            <a:normAutofit/>
+          </a:bodyPr>
+          <a:lstStyle/>
+          <a:p>
+            <a:r>
+              <a:rPr lang="en-US" dirty="0" smtClean="0"/>
+              <a:t>Environmental monitoring (air, water, </a:t>
+            </a:r>
+            <a:r>
+              <a:rPr lang="en-US" dirty="0" smtClean="0"/>
+              <a:t>soil </a:t>
+            </a:r>
+            <a:r>
+              <a:rPr lang="nl-BE" dirty="0" err="1" smtClean="0"/>
+              <a:t>chemistry</a:t>
+            </a:r>
+            <a:r>
+              <a:rPr lang="nl-BE" dirty="0" smtClean="0"/>
+              <a:t>,</a:t>
+            </a:r>
+            <a:r>
+              <a:rPr lang="nl-BE" dirty="0" smtClean="0"/>
+              <a:t> </a:t>
+            </a:r>
+            <a:r>
+              <a:rPr lang="nl-BE" dirty="0" smtClean="0"/>
+              <a:t>surveillance</a:t>
+            </a:r>
+            <a:r>
+              <a:rPr lang="nl-BE" dirty="0" smtClean="0"/>
+              <a:t>)</a:t>
+            </a:r>
+          </a:p>
+          <a:p>
+            <a:pPr lvl="1"/>
+            <a:r>
+              <a:rPr lang="nl-BE" dirty="0" smtClean="0"/>
+              <a:t>REDWOOD</a:t>
+            </a:r>
+            <a:endParaRPr lang="nl-BE" dirty="0" smtClean="0"/>
+          </a:p>
+          <a:p>
+            <a:r>
+              <a:rPr lang="en-US" dirty="0" smtClean="0"/>
+              <a:t>Home </a:t>
+            </a:r>
+            <a:r>
+              <a:rPr lang="en-US" dirty="0" smtClean="0"/>
+              <a:t>automation (smart </a:t>
+            </a:r>
+            <a:r>
+              <a:rPr lang="en-US" dirty="0" smtClean="0"/>
+              <a:t>ho</a:t>
+            </a:r>
+            <a:r>
+              <a:rPr lang="nl-BE" dirty="0" smtClean="0"/>
+              <a:t>me)</a:t>
+            </a:r>
+            <a:endParaRPr lang="nl-BE" dirty="0" smtClean="0"/>
+          </a:p>
+          <a:p>
+            <a:r>
+              <a:rPr lang="en-US" dirty="0" smtClean="0"/>
+              <a:t>Inventory </a:t>
+            </a:r>
+            <a:r>
+              <a:rPr lang="en-US" dirty="0" smtClean="0"/>
+              <a:t>tracking (in warehouses, laboratories</a:t>
+            </a:r>
+            <a:r>
+              <a:rPr lang="en-US" dirty="0" smtClean="0"/>
+              <a:t>)</a:t>
+            </a:r>
+            <a:endParaRPr lang="en-US" dirty="0" smtClean="0"/>
+          </a:p>
+        </p:txBody>
+      </p:sp>
+    </p:spTree>
+  </p:cSld>
+  <p:clrMapOvr>
+    <a:masterClrMapping/>
+  </p:clrMapOvr>
+  <p:timing>
+    <p:tnLst>
+      <p:par>
+        <p:cTn id="1" dur="indefinite" restart="never" nodeType="tmRoot"/>
+      </p:par>
+    </p:tnLst>
+  </p:timing>
+</p:sld>
+</file>
+
+<file path=ppt/slides/slide50.xml><?xml version="1.0" encoding="utf-8"?>
 <p:sld xmlns:a="http://schemas.openxmlformats.org/drawingml/2006/main" xmlns:r="http://schemas.openxmlformats.org/officeDocument/2006/relationships" xmlns:p="http://schemas.openxmlformats.org/presentationml/2006/main">
   <p:cSld>
     <p:spTree>
@@ -10850,7 +14315,7 @@
             <a:lstStyle/>
             <a:p>
               <a:r>
-                <a:rPr lang="en-US">
+                <a:rPr lang="en-US" dirty="0">
                   <a:latin typeface="Tahoma" pitchFamily="34" charset="0"/>
                 </a:rPr>
                 <a:t>Send back value of RSSI</a:t>
@@ -11094,7 +14559,7 @@
           <a:lstStyle/>
           <a:p>
             <a:r>
-              <a:rPr lang="en-US">
+              <a:rPr lang="en-US" dirty="0">
                 <a:latin typeface="Tahoma" pitchFamily="34" charset="0"/>
               </a:rPr>
               <a:t>Sends a notification that it is done</a:t>
@@ -11649,7 +15114,7 @@
 </p:sld>
 </file>
 
-<file path=ppt/slides/slide38.xml><?xml version="1.0" encoding="utf-8"?>
+<file path=ppt/slides/slide51.xml><?xml version="1.0" encoding="utf-8"?>
 <p:sld xmlns:a="http://schemas.openxmlformats.org/drawingml/2006/main" xmlns:r="http://schemas.openxmlformats.org/officeDocument/2006/relationships" xmlns:p="http://schemas.openxmlformats.org/presentationml/2006/main">
   <p:cSld>
     <p:spTree>
@@ -11683,7 +15148,11 @@
           <a:p>
             <a:r>
               <a:rPr lang="nl-BE" dirty="0" err="1" smtClean="0"/>
-              <a:t>Algorithms</a:t>
+              <a:t>Calibration</a:t>
+            </a:r>
+            <a:r>
+              <a:rPr lang="nl-BE" dirty="0" smtClean="0"/>
+              <a:t>(1)</a:t>
             </a:r>
             <a:endParaRPr lang="nl-BE" dirty="0"/>
           </a:p>
@@ -11705,37 +15174,155 @@
           <a:lstStyle/>
           <a:p>
             <a:r>
+              <a:rPr lang="nl-BE" dirty="0" smtClean="0"/>
+              <a:t>RSS(d) = - P(d0) – 10 n log(d / d0)</a:t>
+            </a:r>
+          </a:p>
+          <a:p>
+            <a:pPr lvl="1"/>
+            <a:r>
+              <a:rPr lang="nl-BE" dirty="0" smtClean="0"/>
+              <a:t>RSS	</a:t>
+            </a:r>
+            <a:r>
               <a:rPr lang="nl-BE" dirty="0" err="1" smtClean="0"/>
-              <a:t>Trilateration</a:t>
-            </a:r>
-            <a:endParaRPr lang="nl-BE" dirty="0" smtClean="0"/>
-          </a:p>
-          <a:p>
-            <a:endParaRPr lang="nl-BE" dirty="0" smtClean="0"/>
-          </a:p>
-          <a:p>
+              <a:t>Received</a:t>
+            </a:r>
+            <a:r>
+              <a:rPr lang="nl-BE" dirty="0" smtClean="0"/>
+              <a:t> </a:t>
+            </a:r>
             <a:r>
               <a:rPr lang="nl-BE" dirty="0" err="1" smtClean="0"/>
-              <a:t>Min-Max</a:t>
-            </a:r>
-            <a:endParaRPr lang="nl-BE" dirty="0" smtClean="0"/>
-          </a:p>
-          <a:p>
-            <a:endParaRPr lang="nl-BE" dirty="0" smtClean="0"/>
-          </a:p>
-          <a:p>
+              <a:t>Signal</a:t>
+            </a:r>
             <a:r>
               <a:rPr lang="nl-BE" dirty="0" smtClean="0"/>
-              <a:t>CL</a:t>
-            </a:r>
-          </a:p>
-          <a:p>
-            <a:endParaRPr lang="nl-BE" dirty="0" smtClean="0"/>
-          </a:p>
-          <a:p>
+              <a:t> </a:t>
+            </a:r>
+            <a:r>
+              <a:rPr lang="nl-BE" dirty="0" err="1" smtClean="0"/>
+              <a:t>Strength</a:t>
+            </a:r>
             <a:r>
               <a:rPr lang="nl-BE" dirty="0" smtClean="0"/>
-              <a:t>WCL</a:t>
+              <a:t>[</a:t>
+            </a:r>
+            <a:r>
+              <a:rPr lang="nl-BE" dirty="0" err="1" smtClean="0"/>
+              <a:t>dBm</a:t>
+            </a:r>
+            <a:r>
+              <a:rPr lang="nl-BE" dirty="0" smtClean="0"/>
+              <a:t>]</a:t>
+            </a:r>
+          </a:p>
+          <a:p>
+            <a:pPr lvl="1"/>
+            <a:r>
+              <a:rPr lang="nl-BE" dirty="0" smtClean="0"/>
+              <a:t>P(d0)	</a:t>
+            </a:r>
+            <a:r>
+              <a:rPr lang="nl-BE" dirty="0" err="1" smtClean="0"/>
+              <a:t>Path</a:t>
+            </a:r>
+            <a:r>
+              <a:rPr lang="nl-BE" dirty="0" smtClean="0"/>
+              <a:t> loss in </a:t>
+            </a:r>
+            <a:r>
+              <a:rPr lang="nl-BE" dirty="0" err="1" smtClean="0"/>
+              <a:t>dBm</a:t>
+            </a:r>
+            <a:r>
+              <a:rPr lang="nl-BE" dirty="0" smtClean="0"/>
+              <a:t> at a </a:t>
+            </a:r>
+            <a:r>
+              <a:rPr lang="nl-BE" dirty="0" err="1" smtClean="0"/>
+              <a:t>distance</a:t>
+            </a:r>
+            <a:r>
+              <a:rPr lang="nl-BE" dirty="0" smtClean="0"/>
+              <a:t> of d0</a:t>
+            </a:r>
+          </a:p>
+          <a:p>
+            <a:pPr lvl="1"/>
+            <a:r>
+              <a:rPr lang="nl-BE" dirty="0" smtClean="0"/>
+              <a:t>n	</a:t>
+            </a:r>
+            <a:r>
+              <a:rPr lang="nl-BE" dirty="0" err="1" smtClean="0"/>
+              <a:t>Path</a:t>
+            </a:r>
+            <a:r>
+              <a:rPr lang="nl-BE" dirty="0" smtClean="0"/>
+              <a:t> loss exponent</a:t>
+            </a:r>
+          </a:p>
+          <a:p>
+            <a:pPr lvl="1"/>
+            <a:r>
+              <a:rPr lang="nl-BE" dirty="0" smtClean="0"/>
+              <a:t>d	</a:t>
+            </a:r>
+            <a:r>
+              <a:rPr lang="nl-BE" dirty="0" err="1" smtClean="0"/>
+              <a:t>Distance</a:t>
+            </a:r>
+            <a:r>
+              <a:rPr lang="nl-BE" dirty="0" smtClean="0"/>
+              <a:t> </a:t>
+            </a:r>
+            <a:r>
+              <a:rPr lang="nl-BE" dirty="0" err="1" smtClean="0"/>
+              <a:t>between</a:t>
+            </a:r>
+            <a:r>
+              <a:rPr lang="nl-BE" dirty="0" smtClean="0"/>
+              <a:t> </a:t>
+            </a:r>
+            <a:r>
+              <a:rPr lang="nl-BE" dirty="0" err="1" smtClean="0"/>
+              <a:t>two</a:t>
+            </a:r>
+            <a:r>
+              <a:rPr lang="nl-BE" dirty="0" smtClean="0"/>
+              <a:t> </a:t>
+            </a:r>
+            <a:r>
+              <a:rPr lang="nl-BE" dirty="0" err="1" smtClean="0"/>
+              <a:t>nodes</a:t>
+            </a:r>
+            <a:r>
+              <a:rPr lang="nl-BE" dirty="0" smtClean="0"/>
+              <a:t>[m]</a:t>
+            </a:r>
+          </a:p>
+          <a:p>
+            <a:pPr lvl="1"/>
+            <a:r>
+              <a:rPr lang="nl-BE" dirty="0" smtClean="0"/>
+              <a:t>d(0)	</a:t>
+            </a:r>
+            <a:r>
+              <a:rPr lang="nl-BE" dirty="0" err="1" smtClean="0"/>
+              <a:t>Reference</a:t>
+            </a:r>
+            <a:r>
+              <a:rPr lang="nl-BE" dirty="0" smtClean="0"/>
+              <a:t> </a:t>
+            </a:r>
+            <a:r>
+              <a:rPr lang="nl-BE" dirty="0" err="1" smtClean="0"/>
+              <a:t>distance</a:t>
+            </a:r>
+            <a:r>
+              <a:rPr lang="nl-BE" dirty="0" smtClean="0"/>
+              <a:t>[m]: 1m</a:t>
             </a:r>
             <a:endParaRPr lang="nl-BE" dirty="0"/>
           </a:p>
@@ -11756,7 +15343,7 @@
 </p:sld>
 </file>
 
-<file path=ppt/slides/slide39.xml><?xml version="1.0" encoding="utf-8"?>
+<file path=ppt/slides/slide52.xml><?xml version="1.0" encoding="utf-8"?>
 <p:sld xmlns:a="http://schemas.openxmlformats.org/drawingml/2006/main" xmlns:r="http://schemas.openxmlformats.org/officeDocument/2006/relationships" xmlns:p="http://schemas.openxmlformats.org/presentationml/2006/main">
   <p:cSld>
     <p:spTree>
@@ -11790,228 +15377,19 @@
           <a:p>
             <a:r>
               <a:rPr lang="nl-BE" dirty="0" err="1" smtClean="0"/>
-              <a:t>Trilateration</a:t>
+              <a:t>Calibration</a:t>
+            </a:r>
+            <a:r>
+              <a:rPr lang="nl-BE" dirty="0" smtClean="0"/>
+              <a:t>(2)</a:t>
             </a:r>
             <a:endParaRPr lang="nl-BE" dirty="0"/>
-          </a:p>
-        </p:txBody>
-      </p:sp>
-      <p:sp>
-        <p:nvSpPr>
-          <p:cNvPr id="3" name="Tijdelijke aanduiding voor inhoud 2"/>
-          <p:cNvSpPr>
-            <a:spLocks noGrp="1"/>
-          </p:cNvSpPr>
-          <p:nvPr>
-            <p:ph idx="1"/>
-          </p:nvPr>
-        </p:nvSpPr>
-        <p:spPr/>
-        <p:txBody>
-          <a:bodyPr/>
-          <a:lstStyle/>
-          <a:p>
-            <a:r>
-              <a:rPr lang="en-US" dirty="0" err="1" smtClean="0"/>
-              <a:t>Lateration</a:t>
-            </a:r>
-            <a:r>
-              <a:rPr lang="en-US" dirty="0" smtClean="0"/>
-              <a:t> needs (in theory) distance measurements from</a:t>
-            </a:r>
-            <a:r>
-              <a:rPr lang="en-US" dirty="0" smtClean="0"/>
-              <a:t>:</a:t>
-            </a:r>
-          </a:p>
-          <a:p>
-            <a:pPr lvl="1"/>
-            <a:r>
-              <a:rPr lang="nl-BE" dirty="0" smtClean="0"/>
-              <a:t>3 </a:t>
-            </a:r>
-            <a:r>
-              <a:rPr lang="nl-BE" dirty="0" err="1" smtClean="0"/>
-              <a:t>non-collinear</a:t>
-            </a:r>
-            <a:r>
-              <a:rPr lang="nl-BE" dirty="0" smtClean="0"/>
-              <a:t> </a:t>
-            </a:r>
-            <a:r>
-              <a:rPr lang="nl-BE" dirty="0" err="1" smtClean="0"/>
-              <a:t>references</a:t>
-            </a:r>
-            <a:r>
-              <a:rPr lang="nl-BE" dirty="0" smtClean="0"/>
-              <a:t> to </a:t>
-            </a:r>
-            <a:r>
-              <a:rPr lang="nl-BE" dirty="0" err="1" smtClean="0"/>
-              <a:t>compute</a:t>
-            </a:r>
-            <a:r>
-              <a:rPr lang="nl-BE" dirty="0" smtClean="0"/>
-              <a:t> a 2D </a:t>
-            </a:r>
-            <a:r>
-              <a:rPr lang="nl-BE" dirty="0" err="1" smtClean="0"/>
-              <a:t>position</a:t>
-            </a:r>
-            <a:endParaRPr lang="nl-BE" dirty="0"/>
-          </a:p>
-        </p:txBody>
-      </p:sp>
-    </p:spTree>
-  </p:cSld>
-  <p:clrMapOvr>
-    <a:masterClrMapping/>
-  </p:clrMapOvr>
-  <p:timing>
-    <p:tnLst>
-      <p:par>
-        <p:cTn id="1" dur="indefinite" restart="never" nodeType="tmRoot"/>
-      </p:par>
-    </p:tnLst>
-  </p:timing>
-</p:sld>
-</file>
-
-<file path=ppt/slides/slide4.xml><?xml version="1.0" encoding="utf-8"?>
-<p:sld xmlns:a="http://schemas.openxmlformats.org/drawingml/2006/main" xmlns:r="http://schemas.openxmlformats.org/officeDocument/2006/relationships" xmlns:p="http://schemas.openxmlformats.org/presentationml/2006/main">
-  <p:cSld>
-    <p:spTree>
-      <p:nvGrpSpPr>
-        <p:cNvPr id="1" name=""/>
-        <p:cNvGrpSpPr/>
-        <p:nvPr/>
-      </p:nvGrpSpPr>
-      <p:grpSpPr>
-        <a:xfrm>
-          <a:off x="0" y="0"/>
-          <a:ext cx="0" cy="0"/>
-          <a:chOff x="0" y="0"/>
-          <a:chExt cx="0" cy="0"/>
-        </a:xfrm>
-      </p:grpSpPr>
-      <p:sp>
-        <p:nvSpPr>
-          <p:cNvPr id="2" name="Titel 1"/>
-          <p:cNvSpPr>
-            <a:spLocks noGrp="1"/>
-          </p:cNvSpPr>
-          <p:nvPr>
-            <p:ph type="title"/>
-          </p:nvPr>
-        </p:nvSpPr>
-        <p:spPr/>
-        <p:txBody>
-          <a:bodyPr/>
-          <a:lstStyle/>
-          <a:p>
-            <a:r>
-              <a:rPr lang="nl-BE" dirty="0" err="1" smtClean="0"/>
-              <a:t>Overview</a:t>
-            </a:r>
-            <a:endParaRPr lang="nl-BE" dirty="0"/>
-          </a:p>
-        </p:txBody>
-      </p:sp>
-      <p:sp>
-        <p:nvSpPr>
-          <p:cNvPr id="3" name="Tijdelijke aanduiding voor inhoud 2"/>
-          <p:cNvSpPr>
-            <a:spLocks noGrp="1"/>
-          </p:cNvSpPr>
-          <p:nvPr>
-            <p:ph idx="1"/>
-          </p:nvPr>
-        </p:nvSpPr>
-        <p:spPr/>
-        <p:txBody>
-          <a:bodyPr/>
-          <a:lstStyle/>
-          <a:p>
-            <a:r>
-              <a:rPr lang="nl-BE" sz="2800" dirty="0" err="1" smtClean="0"/>
-              <a:t>Motivation</a:t>
-            </a:r>
-            <a:endParaRPr lang="nl-BE" sz="2800" dirty="0" smtClean="0"/>
-          </a:p>
-          <a:p>
-            <a:r>
-              <a:rPr lang="nl-BE" sz="2800" dirty="0" err="1" smtClean="0">
-                <a:solidFill>
-                  <a:schemeClr val="accent1"/>
-                </a:solidFill>
-              </a:rPr>
-              <a:t>Applications</a:t>
-            </a:r>
-            <a:endParaRPr lang="nl-BE" sz="2800" dirty="0" smtClean="0">
-              <a:solidFill>
-                <a:schemeClr val="accent1"/>
-              </a:solidFill>
-            </a:endParaRPr>
-          </a:p>
-          <a:p>
-            <a:r>
-              <a:rPr lang="nl-BE" sz="2800" dirty="0" smtClean="0"/>
-              <a:t>WSN as </a:t>
-            </a:r>
-            <a:r>
-              <a:rPr lang="nl-BE" sz="2800" dirty="0" err="1" smtClean="0"/>
-              <a:t>an</a:t>
-            </a:r>
-            <a:r>
-              <a:rPr lang="nl-BE" sz="2800" dirty="0" smtClean="0"/>
-              <a:t> RTLS</a:t>
-            </a:r>
-          </a:p>
-          <a:p>
-            <a:r>
-              <a:rPr lang="nl-BE" sz="2800" dirty="0" err="1" smtClean="0"/>
-              <a:t>Framework</a:t>
-            </a:r>
-            <a:endParaRPr lang="nl-BE" sz="2800" dirty="0" smtClean="0"/>
-          </a:p>
-          <a:p>
-            <a:r>
-              <a:rPr lang="nl-BE" sz="2800" dirty="0" smtClean="0"/>
-              <a:t> </a:t>
-            </a:r>
-            <a:r>
-              <a:rPr lang="nl-BE" sz="2800" dirty="0" err="1" smtClean="0"/>
-              <a:t>Algorithms</a:t>
-            </a:r>
-            <a:endParaRPr lang="nl-BE" sz="2800" dirty="0" smtClean="0"/>
-          </a:p>
-          <a:p>
-            <a:r>
-              <a:rPr lang="nl-BE" sz="2800" dirty="0" err="1" smtClean="0"/>
-              <a:t>Conclusion</a:t>
-            </a:r>
-            <a:r>
-              <a:rPr lang="nl-BE" sz="2800" dirty="0" smtClean="0"/>
-              <a:t>  </a:t>
-            </a:r>
-          </a:p>
-          <a:p>
-            <a:r>
-              <a:rPr lang="nl-BE" sz="2800" dirty="0" smtClean="0"/>
-              <a:t>Q&amp;A</a:t>
-            </a:r>
-          </a:p>
-          <a:p>
-            <a:pPr>
-              <a:buNone/>
-            </a:pPr>
-            <a:endParaRPr lang="nl-BE" dirty="0" smtClean="0"/>
           </a:p>
         </p:txBody>
       </p:sp>
       <p:pic>
         <p:nvPicPr>
-          <p:cNvPr id="3078" name="Picture 6" descr="C:\Users\Poseidon\Documents\wsn logo high.gif"/>
+          <p:cNvPr id="1028" name="Picture 4"/>
           <p:cNvPicPr>
             <a:picLocks noChangeAspect="1" noChangeArrowheads="1"/>
           </p:cNvPicPr>
@@ -12026,29 +15404,53 @@
         </p:blipFill>
         <p:spPr bwMode="auto">
           <a:xfrm>
-            <a:off x="285720" y="5572140"/>
-            <a:ext cx="1071538" cy="1069034"/>
+            <a:off x="1643042" y="2000240"/>
+            <a:ext cx="6048375" cy="3314700"/>
           </a:xfrm>
           <a:prstGeom prst="rect">
             <a:avLst/>
           </a:prstGeom>
-          <a:ln>
+          <a:noFill/>
+          <a:ln w="9525">
             <a:noFill/>
+            <a:miter lim="800000"/>
+            <a:headEnd/>
+            <a:tailEnd/>
           </a:ln>
-          <a:effectLst>
-            <a:reflection blurRad="12700" stA="30000" endPos="30000" dist="5000" dir="5400000" sy="-100000" algn="bl" rotWithShape="0"/>
-          </a:effectLst>
-          <a:scene3d>
-            <a:camera prst="perspectiveContrastingLeftFacing">
-              <a:rot lat="300000" lon="19800000" rev="0"/>
-            </a:camera>
-            <a:lightRig rig="threePt" dir="t">
-              <a:rot lat="0" lon="0" rev="2700000"/>
-            </a:lightRig>
-          </a:scene3d>
-          <a:sp3d>
-            <a:bevelT w="63500" h="50800"/>
-          </a:sp3d>
+        </p:spPr>
+      </p:pic>
+      <p:pic>
+        <p:nvPicPr>
+          <p:cNvPr id="1029" name="Picture 5"/>
+          <p:cNvPicPr>
+            <a:picLocks noGrp="1" noChangeAspect="1" noChangeArrowheads="1"/>
+          </p:cNvPicPr>
+          <p:nvPr>
+            <p:ph idx="1"/>
+          </p:nvPr>
+        </p:nvPicPr>
+        <p:blipFill>
+          <a:blip r:embed="rId3" cstate="print"/>
+          <a:srcRect/>
+          <a:stretch>
+            <a:fillRect/>
+          </a:stretch>
+        </p:blipFill>
+        <p:spPr bwMode="auto">
+          <a:xfrm>
+            <a:off x="2571736" y="5643578"/>
+            <a:ext cx="4276725" cy="638175"/>
+          </a:xfrm>
+          <a:prstGeom prst="rect">
+            <a:avLst/>
+          </a:prstGeom>
+          <a:noFill/>
+          <a:ln w="9525">
+            <a:noFill/>
+            <a:miter lim="800000"/>
+            <a:headEnd/>
+            <a:tailEnd/>
+          </a:ln>
         </p:spPr>
       </p:pic>
     </p:spTree>
@@ -12066,7 +15468,235 @@
 </p:sld>
 </file>
 
-<file path=ppt/slides/slide40.xml><?xml version="1.0" encoding="utf-8"?>
+<file path=ppt/slides/slide53.xml><?xml version="1.0" encoding="utf-8"?>
+<p:sld xmlns:a="http://schemas.openxmlformats.org/drawingml/2006/main" xmlns:r="http://schemas.openxmlformats.org/officeDocument/2006/relationships" xmlns:p="http://schemas.openxmlformats.org/presentationml/2006/main">
+  <p:cSld>
+    <p:spTree>
+      <p:nvGrpSpPr>
+        <p:cNvPr id="1" name=""/>
+        <p:cNvGrpSpPr/>
+        <p:nvPr/>
+      </p:nvGrpSpPr>
+      <p:grpSpPr>
+        <a:xfrm>
+          <a:off x="0" y="0"/>
+          <a:ext cx="0" cy="0"/>
+          <a:chOff x="0" y="0"/>
+          <a:chExt cx="0" cy="0"/>
+        </a:xfrm>
+      </p:grpSpPr>
+      <p:sp>
+        <p:nvSpPr>
+          <p:cNvPr id="2" name="Titel 1"/>
+          <p:cNvSpPr>
+            <a:spLocks noGrp="1"/>
+          </p:cNvSpPr>
+          <p:nvPr>
+            <p:ph type="title"/>
+          </p:nvPr>
+        </p:nvSpPr>
+        <p:spPr/>
+        <p:txBody>
+          <a:bodyPr/>
+          <a:lstStyle/>
+          <a:p>
+            <a:r>
+              <a:rPr lang="nl-BE" dirty="0" err="1" smtClean="0"/>
+              <a:t>Algorithms</a:t>
+            </a:r>
+            <a:endParaRPr lang="nl-BE" dirty="0"/>
+          </a:p>
+        </p:txBody>
+      </p:sp>
+      <p:sp>
+        <p:nvSpPr>
+          <p:cNvPr id="3" name="Tijdelijke aanduiding voor inhoud 2"/>
+          <p:cNvSpPr>
+            <a:spLocks noGrp="1"/>
+          </p:cNvSpPr>
+          <p:nvPr>
+            <p:ph idx="1"/>
+          </p:nvPr>
+        </p:nvSpPr>
+        <p:spPr/>
+        <p:txBody>
+          <a:bodyPr/>
+          <a:lstStyle/>
+          <a:p>
+            <a:r>
+              <a:rPr lang="nl-BE" dirty="0" err="1" smtClean="0"/>
+              <a:t>Trilateration</a:t>
+            </a:r>
+            <a:endParaRPr lang="nl-BE" dirty="0" smtClean="0"/>
+          </a:p>
+          <a:p>
+            <a:endParaRPr lang="nl-BE" dirty="0" smtClean="0"/>
+          </a:p>
+          <a:p>
+            <a:r>
+              <a:rPr lang="nl-BE" dirty="0" err="1" smtClean="0"/>
+              <a:t>Min-Max</a:t>
+            </a:r>
+            <a:endParaRPr lang="nl-BE" dirty="0" smtClean="0"/>
+          </a:p>
+          <a:p>
+            <a:endParaRPr lang="nl-BE" dirty="0" smtClean="0"/>
+          </a:p>
+          <a:p>
+            <a:r>
+              <a:rPr lang="nl-BE" dirty="0" smtClean="0"/>
+              <a:t>CL</a:t>
+            </a:r>
+          </a:p>
+          <a:p>
+            <a:endParaRPr lang="nl-BE" dirty="0" smtClean="0"/>
+          </a:p>
+          <a:p>
+            <a:r>
+              <a:rPr lang="nl-BE" dirty="0" smtClean="0"/>
+              <a:t>WCL</a:t>
+            </a:r>
+            <a:endParaRPr lang="nl-BE" dirty="0"/>
+          </a:p>
+        </p:txBody>
+      </p:sp>
+    </p:spTree>
+  </p:cSld>
+  <p:clrMapOvr>
+    <a:masterClrMapping/>
+  </p:clrMapOvr>
+  <p:timing>
+    <p:tnLst>
+      <p:par>
+        <p:cTn id="1" dur="indefinite" restart="never" nodeType="tmRoot"/>
+      </p:par>
+    </p:tnLst>
+  </p:timing>
+</p:sld>
+</file>
+
+<file path=ppt/slides/slide54.xml><?xml version="1.0" encoding="utf-8"?>
+<p:sld xmlns:a="http://schemas.openxmlformats.org/drawingml/2006/main" xmlns:r="http://schemas.openxmlformats.org/officeDocument/2006/relationships" xmlns:p="http://schemas.openxmlformats.org/presentationml/2006/main">
+  <p:cSld>
+    <p:spTree>
+      <p:nvGrpSpPr>
+        <p:cNvPr id="1" name=""/>
+        <p:cNvGrpSpPr/>
+        <p:nvPr/>
+      </p:nvGrpSpPr>
+      <p:grpSpPr>
+        <a:xfrm>
+          <a:off x="0" y="0"/>
+          <a:ext cx="0" cy="0"/>
+          <a:chOff x="0" y="0"/>
+          <a:chExt cx="0" cy="0"/>
+        </a:xfrm>
+      </p:grpSpPr>
+      <p:sp>
+        <p:nvSpPr>
+          <p:cNvPr id="2" name="Titel 1"/>
+          <p:cNvSpPr>
+            <a:spLocks noGrp="1"/>
+          </p:cNvSpPr>
+          <p:nvPr>
+            <p:ph type="title"/>
+          </p:nvPr>
+        </p:nvSpPr>
+        <p:spPr/>
+        <p:txBody>
+          <a:bodyPr/>
+          <a:lstStyle/>
+          <a:p>
+            <a:r>
+              <a:rPr lang="nl-BE" dirty="0" err="1" smtClean="0"/>
+              <a:t>Trilateration</a:t>
+            </a:r>
+            <a:endParaRPr lang="nl-BE" dirty="0"/>
+          </a:p>
+        </p:txBody>
+      </p:sp>
+      <p:sp>
+        <p:nvSpPr>
+          <p:cNvPr id="3" name="Tijdelijke aanduiding voor inhoud 2"/>
+          <p:cNvSpPr>
+            <a:spLocks noGrp="1"/>
+          </p:cNvSpPr>
+          <p:nvPr>
+            <p:ph idx="1"/>
+          </p:nvPr>
+        </p:nvSpPr>
+        <p:spPr/>
+        <p:txBody>
+          <a:bodyPr/>
+          <a:lstStyle/>
+          <a:p>
+            <a:r>
+              <a:rPr lang="en-US" dirty="0" err="1" smtClean="0"/>
+              <a:t>Lateration</a:t>
+            </a:r>
+            <a:r>
+              <a:rPr lang="en-US" dirty="0" smtClean="0"/>
+              <a:t> needs (in theory) distance measurements from</a:t>
+            </a:r>
+            <a:r>
+              <a:rPr lang="en-US" dirty="0" smtClean="0"/>
+              <a:t>:</a:t>
+            </a:r>
+          </a:p>
+          <a:p>
+            <a:pPr lvl="1"/>
+            <a:r>
+              <a:rPr lang="nl-BE" dirty="0" smtClean="0"/>
+              <a:t>3 </a:t>
+            </a:r>
+            <a:r>
+              <a:rPr lang="nl-BE" dirty="0" err="1" smtClean="0"/>
+              <a:t>non-collinear</a:t>
+            </a:r>
+            <a:r>
+              <a:rPr lang="nl-BE" dirty="0" smtClean="0"/>
+              <a:t> </a:t>
+            </a:r>
+            <a:r>
+              <a:rPr lang="nl-BE" dirty="0" err="1" smtClean="0"/>
+              <a:t>references</a:t>
+            </a:r>
+            <a:r>
+              <a:rPr lang="nl-BE" dirty="0" smtClean="0"/>
+              <a:t> to </a:t>
+            </a:r>
+            <a:r>
+              <a:rPr lang="nl-BE" dirty="0" err="1" smtClean="0"/>
+              <a:t>compute</a:t>
+            </a:r>
+            <a:r>
+              <a:rPr lang="nl-BE" dirty="0" smtClean="0"/>
+              <a:t> a 2D </a:t>
+            </a:r>
+            <a:r>
+              <a:rPr lang="nl-BE" dirty="0" err="1" smtClean="0"/>
+              <a:t>position</a:t>
+            </a:r>
+            <a:endParaRPr lang="nl-BE" dirty="0"/>
+          </a:p>
+        </p:txBody>
+      </p:sp>
+    </p:spTree>
+  </p:cSld>
+  <p:clrMapOvr>
+    <a:masterClrMapping/>
+  </p:clrMapOvr>
+  <p:timing>
+    <p:tnLst>
+      <p:par>
+        <p:cTn id="1" dur="indefinite" restart="never" nodeType="tmRoot"/>
+      </p:par>
+    </p:tnLst>
+  </p:timing>
+</p:sld>
+</file>
+
+<file path=ppt/slides/slide55.xml><?xml version="1.0" encoding="utf-8"?>
 <p:sld xmlns:a="http://schemas.openxmlformats.org/drawingml/2006/main" xmlns:r="http://schemas.openxmlformats.org/officeDocument/2006/relationships" xmlns:p="http://schemas.openxmlformats.org/presentationml/2006/main">
   <p:cSld>
     <p:spTree>
@@ -12469,7 +16099,7 @@
 </p:sld>
 </file>
 
-<file path=ppt/slides/slide41.xml><?xml version="1.0" encoding="utf-8"?>
+<file path=ppt/slides/slide56.xml><?xml version="1.0" encoding="utf-8"?>
 <p:sld xmlns:a="http://schemas.openxmlformats.org/drawingml/2006/main" xmlns:r="http://schemas.openxmlformats.org/officeDocument/2006/relationships" xmlns:p="http://schemas.openxmlformats.org/presentationml/2006/main">
   <p:cSld>
     <p:spTree>
@@ -12892,7 +16522,7 @@
 </p:sld>
 </file>
 
-<file path=ppt/slides/slide42.xml><?xml version="1.0" encoding="utf-8"?>
+<file path=ppt/slides/slide57.xml><?xml version="1.0" encoding="utf-8"?>
 <p:sld xmlns:a="http://schemas.openxmlformats.org/drawingml/2006/main" xmlns:r="http://schemas.openxmlformats.org/officeDocument/2006/relationships" xmlns:p="http://schemas.openxmlformats.org/presentationml/2006/main">
   <p:cSld>
     <p:spTree>
@@ -12955,7 +16585,427 @@
           <a:bodyPr/>
           <a:lstStyle/>
           <a:p>
+            <a:r>
+              <a:rPr lang="nl-BE" dirty="0" err="1" smtClean="0"/>
+              <a:t>Coarse</a:t>
+            </a:r>
+            <a:r>
+              <a:rPr lang="nl-BE" dirty="0" smtClean="0"/>
+              <a:t> </a:t>
+            </a:r>
+            <a:r>
+              <a:rPr lang="nl-BE" dirty="0" err="1" smtClean="0"/>
+              <a:t>grained</a:t>
+            </a:r>
+            <a:r>
+              <a:rPr lang="nl-BE" dirty="0" smtClean="0"/>
+              <a:t> </a:t>
+            </a:r>
+            <a:r>
+              <a:rPr lang="nl-BE" dirty="0" err="1" smtClean="0"/>
+              <a:t>localization</a:t>
+            </a:r>
+            <a:endParaRPr lang="nl-BE" dirty="0" smtClean="0"/>
+          </a:p>
+          <a:p>
+            <a:r>
+              <a:rPr lang="en-US" dirty="0" smtClean="0"/>
+              <a:t>calculate </a:t>
+            </a:r>
+            <a:r>
+              <a:rPr lang="en-US" dirty="0" smtClean="0"/>
+              <a:t>the unknown position </a:t>
+            </a:r>
+            <a:r>
+              <a:rPr lang="en-US" dirty="0" smtClean="0"/>
+              <a:t>as </a:t>
+            </a:r>
+            <a:r>
+              <a:rPr lang="en-US" dirty="0" smtClean="0"/>
+              <a:t>the </a:t>
+            </a:r>
+            <a:r>
+              <a:rPr lang="en-US" dirty="0" err="1" smtClean="0"/>
+              <a:t>centroid</a:t>
+            </a:r>
+            <a:r>
+              <a:rPr lang="en-US" dirty="0" smtClean="0"/>
+              <a:t> </a:t>
+            </a:r>
+            <a:r>
+              <a:rPr lang="en-US" dirty="0" smtClean="0"/>
+              <a:t>of the anchor nodes within their </a:t>
+            </a:r>
+            <a:r>
+              <a:rPr lang="en-US" dirty="0" smtClean="0"/>
+              <a:t> communication </a:t>
+            </a:r>
+            <a:r>
+              <a:rPr lang="nl-BE" dirty="0" smtClean="0"/>
+              <a:t>range</a:t>
+            </a:r>
             <a:endParaRPr lang="nl-BE" dirty="0"/>
+          </a:p>
+        </p:txBody>
+      </p:sp>
+      <p:sp>
+        <p:nvSpPr>
+          <p:cNvPr id="4" name="Stroomdiagram: Of 3"/>
+          <p:cNvSpPr/>
+          <p:nvPr/>
+        </p:nvSpPr>
+        <p:spPr>
+          <a:xfrm>
+            <a:off x="7286644" y="3929066"/>
+            <a:ext cx="428628" cy="428628"/>
+          </a:xfrm>
+          <a:prstGeom prst="flowChartOr">
+            <a:avLst/>
+          </a:prstGeom>
+        </p:spPr>
+        <p:style>
+          <a:lnRef idx="2">
+            <a:schemeClr val="accent1">
+              <a:shade val="50000"/>
+            </a:schemeClr>
+          </a:lnRef>
+          <a:fillRef idx="1">
+            <a:schemeClr val="accent1"/>
+          </a:fillRef>
+          <a:effectRef idx="0">
+            <a:schemeClr val="accent1"/>
+          </a:effectRef>
+          <a:fontRef idx="minor">
+            <a:schemeClr val="lt1"/>
+          </a:fontRef>
+        </p:style>
+        <p:txBody>
+          <a:bodyPr rtlCol="0" anchor="ctr"/>
+          <a:lstStyle/>
+          <a:p>
+            <a:pPr algn="ctr"/>
+            <a:endParaRPr lang="nl-BE"/>
+          </a:p>
+        </p:txBody>
+      </p:sp>
+      <p:sp>
+        <p:nvSpPr>
+          <p:cNvPr id="5" name="Stroomdiagram: Of 4"/>
+          <p:cNvSpPr/>
+          <p:nvPr/>
+        </p:nvSpPr>
+        <p:spPr>
+          <a:xfrm>
+            <a:off x="5072066" y="3929066"/>
+            <a:ext cx="428628" cy="428628"/>
+          </a:xfrm>
+          <a:prstGeom prst="flowChartOr">
+            <a:avLst/>
+          </a:prstGeom>
+        </p:spPr>
+        <p:style>
+          <a:lnRef idx="2">
+            <a:schemeClr val="accent1">
+              <a:shade val="50000"/>
+            </a:schemeClr>
+          </a:lnRef>
+          <a:fillRef idx="1">
+            <a:schemeClr val="accent1"/>
+          </a:fillRef>
+          <a:effectRef idx="0">
+            <a:schemeClr val="accent1"/>
+          </a:effectRef>
+          <a:fontRef idx="minor">
+            <a:schemeClr val="lt1"/>
+          </a:fontRef>
+        </p:style>
+        <p:txBody>
+          <a:bodyPr rtlCol="0" anchor="ctr"/>
+          <a:lstStyle/>
+          <a:p>
+            <a:pPr algn="ctr"/>
+            <a:endParaRPr lang="nl-BE" dirty="0"/>
+          </a:p>
+        </p:txBody>
+      </p:sp>
+      <p:sp>
+        <p:nvSpPr>
+          <p:cNvPr id="6" name="Stroomdiagram: Of 5"/>
+          <p:cNvSpPr/>
+          <p:nvPr/>
+        </p:nvSpPr>
+        <p:spPr>
+          <a:xfrm>
+            <a:off x="7215206" y="6072206"/>
+            <a:ext cx="428628" cy="428628"/>
+          </a:xfrm>
+          <a:prstGeom prst="flowChartOr">
+            <a:avLst/>
+          </a:prstGeom>
+        </p:spPr>
+        <p:style>
+          <a:lnRef idx="2">
+            <a:schemeClr val="accent1">
+              <a:shade val="50000"/>
+            </a:schemeClr>
+          </a:lnRef>
+          <a:fillRef idx="1">
+            <a:schemeClr val="accent1"/>
+          </a:fillRef>
+          <a:effectRef idx="0">
+            <a:schemeClr val="accent1"/>
+          </a:effectRef>
+          <a:fontRef idx="minor">
+            <a:schemeClr val="lt1"/>
+          </a:fontRef>
+        </p:style>
+        <p:txBody>
+          <a:bodyPr rtlCol="0" anchor="ctr"/>
+          <a:lstStyle/>
+          <a:p>
+            <a:pPr algn="ctr"/>
+            <a:endParaRPr lang="nl-BE"/>
+          </a:p>
+        </p:txBody>
+      </p:sp>
+      <p:sp>
+        <p:nvSpPr>
+          <p:cNvPr id="7" name="Stroomdiagram: Of 6"/>
+          <p:cNvSpPr/>
+          <p:nvPr/>
+        </p:nvSpPr>
+        <p:spPr>
+          <a:xfrm>
+            <a:off x="5072066" y="6072206"/>
+            <a:ext cx="428628" cy="428628"/>
+          </a:xfrm>
+          <a:prstGeom prst="flowChartOr">
+            <a:avLst/>
+          </a:prstGeom>
+        </p:spPr>
+        <p:style>
+          <a:lnRef idx="2">
+            <a:schemeClr val="accent1">
+              <a:shade val="50000"/>
+            </a:schemeClr>
+          </a:lnRef>
+          <a:fillRef idx="1">
+            <a:schemeClr val="accent1"/>
+          </a:fillRef>
+          <a:effectRef idx="0">
+            <a:schemeClr val="accent1"/>
+          </a:effectRef>
+          <a:fontRef idx="minor">
+            <a:schemeClr val="lt1"/>
+          </a:fontRef>
+        </p:style>
+        <p:txBody>
+          <a:bodyPr rtlCol="0" anchor="ctr"/>
+          <a:lstStyle/>
+          <a:p>
+            <a:pPr algn="ctr"/>
+            <a:endParaRPr lang="nl-BE"/>
+          </a:p>
+        </p:txBody>
+      </p:sp>
+      <p:sp>
+        <p:nvSpPr>
+          <p:cNvPr id="8" name="Stroomdiagram: Of 7"/>
+          <p:cNvSpPr/>
+          <p:nvPr/>
+        </p:nvSpPr>
+        <p:spPr>
+          <a:xfrm>
+            <a:off x="6143636" y="5000636"/>
+            <a:ext cx="428628" cy="428628"/>
+          </a:xfrm>
+          <a:prstGeom prst="flowChartOr">
+            <a:avLst/>
+          </a:prstGeom>
+          <a:solidFill>
+            <a:schemeClr val="tx1"/>
+          </a:solidFill>
+        </p:spPr>
+        <p:style>
+          <a:lnRef idx="2">
+            <a:schemeClr val="accent1">
+              <a:shade val="50000"/>
+            </a:schemeClr>
+          </a:lnRef>
+          <a:fillRef idx="1">
+            <a:schemeClr val="accent1"/>
+          </a:fillRef>
+          <a:effectRef idx="0">
+            <a:schemeClr val="accent1"/>
+          </a:effectRef>
+          <a:fontRef idx="minor">
+            <a:schemeClr val="lt1"/>
+          </a:fontRef>
+        </p:style>
+        <p:txBody>
+          <a:bodyPr rtlCol="0" anchor="ctr"/>
+          <a:lstStyle/>
+          <a:p>
+            <a:pPr algn="ctr"/>
+            <a:endParaRPr lang="nl-BE"/>
+          </a:p>
+        </p:txBody>
+      </p:sp>
+      <p:sp>
+        <p:nvSpPr>
+          <p:cNvPr id="9" name="Tekstvak 8"/>
+          <p:cNvSpPr txBox="1"/>
+          <p:nvPr/>
+        </p:nvSpPr>
+        <p:spPr>
+          <a:xfrm>
+            <a:off x="4857752" y="4357694"/>
+            <a:ext cx="920445" cy="338554"/>
+          </a:xfrm>
+          <a:prstGeom prst="rect">
+            <a:avLst/>
+          </a:prstGeom>
+          <a:noFill/>
+        </p:spPr>
+        <p:txBody>
+          <a:bodyPr wrap="none" rtlCol="0">
+            <a:spAutoFit/>
+          </a:bodyPr>
+          <a:lstStyle/>
+          <a:p>
+            <a:r>
+              <a:rPr lang="nl-BE" sz="1600" dirty="0" smtClean="0"/>
+              <a:t>0.0 ; 0.0</a:t>
+            </a:r>
+            <a:endParaRPr lang="nl-BE" sz="1600" dirty="0"/>
+          </a:p>
+        </p:txBody>
+      </p:sp>
+      <p:sp>
+        <p:nvSpPr>
+          <p:cNvPr id="10" name="Tekstvak 9"/>
+          <p:cNvSpPr txBox="1"/>
+          <p:nvPr/>
+        </p:nvSpPr>
+        <p:spPr>
+          <a:xfrm>
+            <a:off x="7000892" y="4357694"/>
+            <a:ext cx="920445" cy="338554"/>
+          </a:xfrm>
+          <a:prstGeom prst="rect">
+            <a:avLst/>
+          </a:prstGeom>
+          <a:noFill/>
+        </p:spPr>
+        <p:txBody>
+          <a:bodyPr wrap="none" rtlCol="0">
+            <a:spAutoFit/>
+          </a:bodyPr>
+          <a:lstStyle/>
+          <a:p>
+            <a:r>
+              <a:rPr lang="nl-BE" sz="1600" dirty="0" smtClean="0"/>
+              <a:t>3</a:t>
+            </a:r>
+            <a:r>
+              <a:rPr lang="nl-BE" sz="1600" dirty="0" smtClean="0"/>
+              <a:t>.0 ; 0.0</a:t>
+            </a:r>
+            <a:endParaRPr lang="nl-BE" sz="1600" dirty="0"/>
+          </a:p>
+        </p:txBody>
+      </p:sp>
+      <p:sp>
+        <p:nvSpPr>
+          <p:cNvPr id="11" name="Tekstvak 10"/>
+          <p:cNvSpPr txBox="1"/>
+          <p:nvPr/>
+        </p:nvSpPr>
+        <p:spPr>
+          <a:xfrm>
+            <a:off x="4786314" y="6519446"/>
+            <a:ext cx="920445" cy="338554"/>
+          </a:xfrm>
+          <a:prstGeom prst="rect">
+            <a:avLst/>
+          </a:prstGeom>
+          <a:noFill/>
+        </p:spPr>
+        <p:txBody>
+          <a:bodyPr wrap="none" rtlCol="0">
+            <a:spAutoFit/>
+          </a:bodyPr>
+          <a:lstStyle/>
+          <a:p>
+            <a:r>
+              <a:rPr lang="nl-BE" sz="1600" dirty="0" smtClean="0"/>
+              <a:t>0.0 ; 3.0</a:t>
+            </a:r>
+            <a:endParaRPr lang="nl-BE" sz="1600" dirty="0"/>
+          </a:p>
+        </p:txBody>
+      </p:sp>
+      <p:sp>
+        <p:nvSpPr>
+          <p:cNvPr id="12" name="Tekstvak 11"/>
+          <p:cNvSpPr txBox="1"/>
+          <p:nvPr/>
+        </p:nvSpPr>
+        <p:spPr>
+          <a:xfrm>
+            <a:off x="6929454" y="6519446"/>
+            <a:ext cx="920445" cy="338554"/>
+          </a:xfrm>
+          <a:prstGeom prst="rect">
+            <a:avLst/>
+          </a:prstGeom>
+          <a:noFill/>
+        </p:spPr>
+        <p:txBody>
+          <a:bodyPr wrap="none" rtlCol="0">
+            <a:spAutoFit/>
+          </a:bodyPr>
+          <a:lstStyle/>
+          <a:p>
+            <a:r>
+              <a:rPr lang="nl-BE" sz="1600" dirty="0" smtClean="0"/>
+              <a:t>3</a:t>
+            </a:r>
+            <a:r>
+              <a:rPr lang="nl-BE" sz="1600" dirty="0" smtClean="0"/>
+              <a:t>.0 ; 3.0</a:t>
+            </a:r>
+            <a:endParaRPr lang="nl-BE" sz="1600" dirty="0"/>
+          </a:p>
+        </p:txBody>
+      </p:sp>
+      <p:sp>
+        <p:nvSpPr>
+          <p:cNvPr id="13" name="Tekstvak 12"/>
+          <p:cNvSpPr txBox="1"/>
+          <p:nvPr/>
+        </p:nvSpPr>
+        <p:spPr>
+          <a:xfrm>
+            <a:off x="5929322" y="5429264"/>
+            <a:ext cx="920445" cy="338554"/>
+          </a:xfrm>
+          <a:prstGeom prst="rect">
+            <a:avLst/>
+          </a:prstGeom>
+          <a:noFill/>
+        </p:spPr>
+        <p:txBody>
+          <a:bodyPr wrap="none" rtlCol="0">
+            <a:spAutoFit/>
+          </a:bodyPr>
+          <a:lstStyle/>
+          <a:p>
+            <a:r>
+              <a:rPr lang="nl-BE" sz="1600" dirty="0" smtClean="0"/>
+              <a:t>1.5 ; 1.5</a:t>
+            </a:r>
+            <a:endParaRPr lang="nl-BE" sz="1600" dirty="0"/>
           </a:p>
         </p:txBody>
       </p:sp>
@@ -12967,7 +17017,7 @@
 </p:sld>
 </file>
 
-<file path=ppt/slides/slide5.xml><?xml version="1.0" encoding="utf-8"?>
+<file path=ppt/slides/slide58.xml><?xml version="1.0" encoding="utf-8"?>
 <p:sld xmlns:a="http://schemas.openxmlformats.org/drawingml/2006/main" xmlns:r="http://schemas.openxmlformats.org/officeDocument/2006/relationships" xmlns:p="http://schemas.openxmlformats.org/presentationml/2006/main">
   <p:cSld>
     <p:spTree>
@@ -13001,7 +17051,11 @@
           <a:p>
             <a:r>
               <a:rPr lang="nl-BE" dirty="0" err="1" smtClean="0"/>
-              <a:t>Applications</a:t>
+              <a:t>Weighted</a:t>
+            </a:r>
+            <a:r>
+              <a:rPr lang="nl-BE" dirty="0" smtClean="0"/>
+              <a:t> CL</a:t>
             </a:r>
             <a:endParaRPr lang="nl-BE" dirty="0"/>
           </a:p>
@@ -13019,81 +17073,661 @@
         </p:nvSpPr>
         <p:spPr/>
         <p:txBody>
-          <a:bodyPr>
-            <a:normAutofit/>
+          <a:bodyPr/>
+          <a:lstStyle/>
+          <a:p>
+            <a:r>
+              <a:rPr lang="en-US" dirty="0" smtClean="0"/>
+              <a:t>A weight is coupled to the position of each anchor node by its RSS.</a:t>
+            </a:r>
+          </a:p>
+          <a:p>
+            <a:endParaRPr lang="nl-BE" dirty="0"/>
+          </a:p>
+        </p:txBody>
+      </p:sp>
+      <p:sp>
+        <p:nvSpPr>
+          <p:cNvPr id="9" name="Stroomdiagram: Of 8"/>
+          <p:cNvSpPr/>
+          <p:nvPr/>
+        </p:nvSpPr>
+        <p:spPr>
+          <a:xfrm>
+            <a:off x="8072462" y="3929066"/>
+            <a:ext cx="428628" cy="428628"/>
+          </a:xfrm>
+          <a:prstGeom prst="flowChartOr">
+            <a:avLst/>
+          </a:prstGeom>
+        </p:spPr>
+        <p:style>
+          <a:lnRef idx="2">
+            <a:schemeClr val="accent1">
+              <a:shade val="50000"/>
+            </a:schemeClr>
+          </a:lnRef>
+          <a:fillRef idx="1">
+            <a:schemeClr val="accent1"/>
+          </a:fillRef>
+          <a:effectRef idx="0">
+            <a:schemeClr val="accent1"/>
+          </a:effectRef>
+          <a:fontRef idx="minor">
+            <a:schemeClr val="lt1"/>
+          </a:fontRef>
+        </p:style>
+        <p:txBody>
+          <a:bodyPr rtlCol="0" anchor="ctr"/>
+          <a:lstStyle/>
+          <a:p>
+            <a:pPr algn="ctr"/>
+            <a:endParaRPr lang="nl-BE"/>
+          </a:p>
+        </p:txBody>
+      </p:sp>
+      <p:sp>
+        <p:nvSpPr>
+          <p:cNvPr id="10" name="Stroomdiagram: Of 9"/>
+          <p:cNvSpPr/>
+          <p:nvPr/>
+        </p:nvSpPr>
+        <p:spPr>
+          <a:xfrm>
+            <a:off x="5857884" y="3929066"/>
+            <a:ext cx="428628" cy="428628"/>
+          </a:xfrm>
+          <a:prstGeom prst="flowChartOr">
+            <a:avLst/>
+          </a:prstGeom>
+        </p:spPr>
+        <p:style>
+          <a:lnRef idx="2">
+            <a:schemeClr val="accent1">
+              <a:shade val="50000"/>
+            </a:schemeClr>
+          </a:lnRef>
+          <a:fillRef idx="1">
+            <a:schemeClr val="accent1"/>
+          </a:fillRef>
+          <a:effectRef idx="0">
+            <a:schemeClr val="accent1"/>
+          </a:effectRef>
+          <a:fontRef idx="minor">
+            <a:schemeClr val="lt1"/>
+          </a:fontRef>
+        </p:style>
+        <p:txBody>
+          <a:bodyPr rtlCol="0" anchor="ctr"/>
+          <a:lstStyle/>
+          <a:p>
+            <a:pPr algn="ctr"/>
+            <a:endParaRPr lang="nl-BE" dirty="0"/>
+          </a:p>
+        </p:txBody>
+      </p:sp>
+      <p:sp>
+        <p:nvSpPr>
+          <p:cNvPr id="11" name="Stroomdiagram: Of 10"/>
+          <p:cNvSpPr/>
+          <p:nvPr/>
+        </p:nvSpPr>
+        <p:spPr>
+          <a:xfrm>
+            <a:off x="8001024" y="6072206"/>
+            <a:ext cx="428628" cy="428628"/>
+          </a:xfrm>
+          <a:prstGeom prst="flowChartOr">
+            <a:avLst/>
+          </a:prstGeom>
+        </p:spPr>
+        <p:style>
+          <a:lnRef idx="2">
+            <a:schemeClr val="accent1">
+              <a:shade val="50000"/>
+            </a:schemeClr>
+          </a:lnRef>
+          <a:fillRef idx="1">
+            <a:schemeClr val="accent1"/>
+          </a:fillRef>
+          <a:effectRef idx="0">
+            <a:schemeClr val="accent1"/>
+          </a:effectRef>
+          <a:fontRef idx="minor">
+            <a:schemeClr val="lt1"/>
+          </a:fontRef>
+        </p:style>
+        <p:txBody>
+          <a:bodyPr rtlCol="0" anchor="ctr"/>
+          <a:lstStyle/>
+          <a:p>
+            <a:pPr algn="ctr"/>
+            <a:endParaRPr lang="nl-BE"/>
+          </a:p>
+        </p:txBody>
+      </p:sp>
+      <p:sp>
+        <p:nvSpPr>
+          <p:cNvPr id="12" name="Stroomdiagram: Of 11"/>
+          <p:cNvSpPr/>
+          <p:nvPr/>
+        </p:nvSpPr>
+        <p:spPr>
+          <a:xfrm>
+            <a:off x="5857884" y="6072206"/>
+            <a:ext cx="428628" cy="428628"/>
+          </a:xfrm>
+          <a:prstGeom prst="flowChartOr">
+            <a:avLst/>
+          </a:prstGeom>
+        </p:spPr>
+        <p:style>
+          <a:lnRef idx="2">
+            <a:schemeClr val="accent1">
+              <a:shade val="50000"/>
+            </a:schemeClr>
+          </a:lnRef>
+          <a:fillRef idx="1">
+            <a:schemeClr val="accent1"/>
+          </a:fillRef>
+          <a:effectRef idx="0">
+            <a:schemeClr val="accent1"/>
+          </a:effectRef>
+          <a:fontRef idx="minor">
+            <a:schemeClr val="lt1"/>
+          </a:fontRef>
+        </p:style>
+        <p:txBody>
+          <a:bodyPr rtlCol="0" anchor="ctr"/>
+          <a:lstStyle/>
+          <a:p>
+            <a:pPr algn="ctr"/>
+            <a:endParaRPr lang="nl-BE"/>
+          </a:p>
+        </p:txBody>
+      </p:sp>
+      <p:sp>
+        <p:nvSpPr>
+          <p:cNvPr id="13" name="Stroomdiagram: Of 12"/>
+          <p:cNvSpPr/>
+          <p:nvPr/>
+        </p:nvSpPr>
+        <p:spPr>
+          <a:xfrm>
+            <a:off x="7358082" y="4714884"/>
+            <a:ext cx="428628" cy="428628"/>
+          </a:xfrm>
+          <a:prstGeom prst="flowChartOr">
+            <a:avLst/>
+          </a:prstGeom>
+          <a:solidFill>
+            <a:schemeClr val="tx1"/>
+          </a:solidFill>
+        </p:spPr>
+        <p:style>
+          <a:lnRef idx="2">
+            <a:schemeClr val="accent1">
+              <a:shade val="50000"/>
+            </a:schemeClr>
+          </a:lnRef>
+          <a:fillRef idx="1">
+            <a:schemeClr val="accent1"/>
+          </a:fillRef>
+          <a:effectRef idx="0">
+            <a:schemeClr val="accent1"/>
+          </a:effectRef>
+          <a:fontRef idx="minor">
+            <a:schemeClr val="lt1"/>
+          </a:fontRef>
+        </p:style>
+        <p:txBody>
+          <a:bodyPr rtlCol="0" anchor="ctr"/>
+          <a:lstStyle/>
+          <a:p>
+            <a:pPr algn="ctr"/>
+            <a:endParaRPr lang="nl-BE"/>
+          </a:p>
+        </p:txBody>
+      </p:sp>
+      <p:sp>
+        <p:nvSpPr>
+          <p:cNvPr id="14" name="Tekstvak 13"/>
+          <p:cNvSpPr txBox="1"/>
+          <p:nvPr/>
+        </p:nvSpPr>
+        <p:spPr>
+          <a:xfrm>
+            <a:off x="5643570" y="4357694"/>
+            <a:ext cx="920445" cy="338554"/>
+          </a:xfrm>
+          <a:prstGeom prst="rect">
+            <a:avLst/>
+          </a:prstGeom>
+          <a:noFill/>
+        </p:spPr>
+        <p:txBody>
+          <a:bodyPr wrap="none" rtlCol="0">
+            <a:spAutoFit/>
           </a:bodyPr>
           <a:lstStyle/>
           <a:p>
             <a:r>
-              <a:rPr lang="en-US" dirty="0" smtClean="0"/>
-              <a:t>Environmental monitoring (air, water, </a:t>
-            </a:r>
-            <a:r>
-              <a:rPr lang="en-US" dirty="0" smtClean="0"/>
-              <a:t>soil </a:t>
-            </a:r>
-            <a:r>
-              <a:rPr lang="nl-BE" dirty="0" err="1" smtClean="0"/>
-              <a:t>chemistry</a:t>
-            </a:r>
+              <a:rPr lang="nl-BE" sz="1600" dirty="0" smtClean="0"/>
+              <a:t>0.0 ; 0.0</a:t>
+            </a:r>
+            <a:endParaRPr lang="nl-BE" sz="1600" dirty="0"/>
+          </a:p>
+        </p:txBody>
+      </p:sp>
+      <p:sp>
+        <p:nvSpPr>
+          <p:cNvPr id="15" name="Tekstvak 14"/>
+          <p:cNvSpPr txBox="1"/>
+          <p:nvPr/>
+        </p:nvSpPr>
+        <p:spPr>
+          <a:xfrm>
+            <a:off x="7786710" y="4357694"/>
+            <a:ext cx="920445" cy="338554"/>
+          </a:xfrm>
+          <a:prstGeom prst="rect">
+            <a:avLst/>
+          </a:prstGeom>
+          <a:noFill/>
+        </p:spPr>
+        <p:txBody>
+          <a:bodyPr wrap="none" rtlCol="0">
+            <a:spAutoFit/>
+          </a:bodyPr>
+          <a:lstStyle/>
+          <a:p>
+            <a:r>
+              <a:rPr lang="nl-BE" sz="1600" dirty="0" smtClean="0"/>
+              <a:t>3</a:t>
+            </a:r>
+            <a:r>
+              <a:rPr lang="nl-BE" sz="1600" dirty="0" smtClean="0"/>
+              <a:t>.0 ; 0.0</a:t>
+            </a:r>
+            <a:endParaRPr lang="nl-BE" sz="1600" dirty="0"/>
+          </a:p>
+        </p:txBody>
+      </p:sp>
+      <p:pic>
+        <p:nvPicPr>
+          <p:cNvPr id="18434" name="Picture 2"/>
+          <p:cNvPicPr>
+            <a:picLocks noChangeAspect="1" noChangeArrowheads="1"/>
+          </p:cNvPicPr>
+          <p:nvPr/>
+        </p:nvPicPr>
+        <p:blipFill>
+          <a:blip r:embed="rId3" cstate="print"/>
+          <a:srcRect/>
+          <a:stretch>
+            <a:fillRect/>
+          </a:stretch>
+        </p:blipFill>
+        <p:spPr bwMode="auto">
+          <a:xfrm>
+            <a:off x="1500166" y="4143380"/>
+            <a:ext cx="2524125" cy="1066800"/>
+          </a:xfrm>
+          <a:prstGeom prst="rect">
+            <a:avLst/>
+          </a:prstGeom>
+          <a:noFill/>
+          <a:ln w="9525">
+            <a:noFill/>
+            <a:miter lim="800000"/>
+            <a:headEnd/>
+            <a:tailEnd/>
+          </a:ln>
+        </p:spPr>
+      </p:pic>
+      <p:sp>
+        <p:nvSpPr>
+          <p:cNvPr id="17" name="Tekstvak 16"/>
+          <p:cNvSpPr txBox="1"/>
+          <p:nvPr/>
+        </p:nvSpPr>
+        <p:spPr>
+          <a:xfrm>
+            <a:off x="5572132" y="6519446"/>
+            <a:ext cx="920445" cy="338554"/>
+          </a:xfrm>
+          <a:prstGeom prst="rect">
+            <a:avLst/>
+          </a:prstGeom>
+          <a:noFill/>
+        </p:spPr>
+        <p:txBody>
+          <a:bodyPr wrap="none" rtlCol="0">
+            <a:spAutoFit/>
+          </a:bodyPr>
+          <a:lstStyle/>
+          <a:p>
+            <a:r>
+              <a:rPr lang="nl-BE" sz="1600" dirty="0" smtClean="0"/>
+              <a:t>0.0 ; 3.0</a:t>
+            </a:r>
+            <a:endParaRPr lang="nl-BE" sz="1600" dirty="0"/>
+          </a:p>
+        </p:txBody>
+      </p:sp>
+      <p:sp>
+        <p:nvSpPr>
+          <p:cNvPr id="18" name="Tekstvak 17"/>
+          <p:cNvSpPr txBox="1"/>
+          <p:nvPr/>
+        </p:nvSpPr>
+        <p:spPr>
+          <a:xfrm>
+            <a:off x="7715272" y="6519446"/>
+            <a:ext cx="920445" cy="338554"/>
+          </a:xfrm>
+          <a:prstGeom prst="rect">
+            <a:avLst/>
+          </a:prstGeom>
+          <a:noFill/>
+        </p:spPr>
+        <p:txBody>
+          <a:bodyPr wrap="none" rtlCol="0">
+            <a:spAutoFit/>
+          </a:bodyPr>
+          <a:lstStyle/>
+          <a:p>
+            <a:r>
+              <a:rPr lang="nl-BE" sz="1600" dirty="0" smtClean="0"/>
+              <a:t>3</a:t>
+            </a:r>
+            <a:r>
+              <a:rPr lang="nl-BE" sz="1600" dirty="0" smtClean="0"/>
+              <a:t>.0 ; 3.0</a:t>
+            </a:r>
+            <a:endParaRPr lang="nl-BE" sz="1600" dirty="0"/>
+          </a:p>
+        </p:txBody>
+      </p:sp>
+      <p:sp>
+        <p:nvSpPr>
+          <p:cNvPr id="19" name="Tekstvak 18"/>
+          <p:cNvSpPr txBox="1"/>
+          <p:nvPr/>
+        </p:nvSpPr>
+        <p:spPr>
+          <a:xfrm>
+            <a:off x="7143768" y="5143512"/>
+            <a:ext cx="920445" cy="338554"/>
+          </a:xfrm>
+          <a:prstGeom prst="rect">
+            <a:avLst/>
+          </a:prstGeom>
+          <a:noFill/>
+        </p:spPr>
+        <p:txBody>
+          <a:bodyPr wrap="none" rtlCol="0">
+            <a:spAutoFit/>
+          </a:bodyPr>
+          <a:lstStyle/>
+          <a:p>
+            <a:r>
+              <a:rPr lang="nl-BE" sz="1600" dirty="0" smtClean="0"/>
+              <a:t>2.0 ; 1.0</a:t>
+            </a:r>
+            <a:endParaRPr lang="nl-BE" sz="1600" dirty="0"/>
+          </a:p>
+        </p:txBody>
+      </p:sp>
+      <p:cxnSp>
+        <p:nvCxnSpPr>
+          <p:cNvPr id="21" name="Rechte verbindingslijn met pijl 20"/>
+          <p:cNvCxnSpPr/>
+          <p:nvPr/>
+        </p:nvCxnSpPr>
+        <p:spPr>
+          <a:xfrm>
+            <a:off x="6429388" y="4643446"/>
+            <a:ext cx="785818" cy="214314"/>
+          </a:xfrm>
+          <a:prstGeom prst="straightConnector1">
+            <a:avLst/>
+          </a:prstGeom>
+          <a:ln w="34925">
+            <a:tailEnd type="arrow"/>
+          </a:ln>
+        </p:spPr>
+        <p:style>
+          <a:lnRef idx="1">
+            <a:schemeClr val="accent1"/>
+          </a:lnRef>
+          <a:fillRef idx="0">
+            <a:schemeClr val="accent1"/>
+          </a:fillRef>
+          <a:effectRef idx="0">
+            <a:schemeClr val="accent1"/>
+          </a:effectRef>
+          <a:fontRef idx="minor">
+            <a:schemeClr val="tx1"/>
+          </a:fontRef>
+        </p:style>
+      </p:cxnSp>
+      <p:cxnSp>
+        <p:nvCxnSpPr>
+          <p:cNvPr id="23" name="Rechte verbindingslijn met pijl 22"/>
+          <p:cNvCxnSpPr/>
+          <p:nvPr/>
+        </p:nvCxnSpPr>
+        <p:spPr>
+          <a:xfrm rot="16200000" flipV="1">
+            <a:off x="7786710" y="5572140"/>
+            <a:ext cx="428628" cy="285752"/>
+          </a:xfrm>
+          <a:prstGeom prst="straightConnector1">
+            <a:avLst/>
+          </a:prstGeom>
+          <a:ln w="34925">
+            <a:tailEnd type="arrow"/>
+          </a:ln>
+        </p:spPr>
+        <p:style>
+          <a:lnRef idx="1">
+            <a:schemeClr val="accent1"/>
+          </a:lnRef>
+          <a:fillRef idx="0">
+            <a:schemeClr val="accent1"/>
+          </a:fillRef>
+          <a:effectRef idx="0">
+            <a:schemeClr val="accent1"/>
+          </a:effectRef>
+          <a:fontRef idx="minor">
+            <a:schemeClr val="tx1"/>
+          </a:fontRef>
+        </p:style>
+      </p:cxnSp>
+      <p:cxnSp>
+        <p:nvCxnSpPr>
+          <p:cNvPr id="25" name="Rechte verbindingslijn met pijl 24"/>
+          <p:cNvCxnSpPr/>
+          <p:nvPr/>
+        </p:nvCxnSpPr>
+        <p:spPr>
+          <a:xfrm rot="5400000" flipH="1" flipV="1">
+            <a:off x="6429388" y="5500702"/>
+            <a:ext cx="571504" cy="571504"/>
+          </a:xfrm>
+          <a:prstGeom prst="straightConnector1">
+            <a:avLst/>
+          </a:prstGeom>
+          <a:ln w="34925">
+            <a:tailEnd type="arrow"/>
+          </a:ln>
+        </p:spPr>
+        <p:style>
+          <a:lnRef idx="1">
+            <a:schemeClr val="accent1"/>
+          </a:lnRef>
+          <a:fillRef idx="0">
+            <a:schemeClr val="accent1"/>
+          </a:fillRef>
+          <a:effectRef idx="0">
+            <a:schemeClr val="accent1"/>
+          </a:effectRef>
+          <a:fontRef idx="minor">
+            <a:schemeClr val="tx1"/>
+          </a:fontRef>
+        </p:style>
+      </p:cxnSp>
+      <p:cxnSp>
+        <p:nvCxnSpPr>
+          <p:cNvPr id="27" name="Rechte verbindingslijn met pijl 26"/>
+          <p:cNvCxnSpPr/>
+          <p:nvPr/>
+        </p:nvCxnSpPr>
+        <p:spPr>
+          <a:xfrm rot="10800000" flipV="1">
+            <a:off x="7858148" y="4786322"/>
+            <a:ext cx="357190" cy="71438"/>
+          </a:xfrm>
+          <a:prstGeom prst="straightConnector1">
+            <a:avLst/>
+          </a:prstGeom>
+          <a:ln w="34925">
+            <a:tailEnd type="arrow"/>
+          </a:ln>
+        </p:spPr>
+        <p:style>
+          <a:lnRef idx="1">
+            <a:schemeClr val="accent1"/>
+          </a:lnRef>
+          <a:fillRef idx="0">
+            <a:schemeClr val="accent1"/>
+          </a:fillRef>
+          <a:effectRef idx="0">
+            <a:schemeClr val="accent1"/>
+          </a:effectRef>
+          <a:fontRef idx="minor">
+            <a:schemeClr val="tx1"/>
+          </a:fontRef>
+        </p:style>
+      </p:cxnSp>
+      <p:sp>
+        <p:nvSpPr>
+          <p:cNvPr id="28" name="Tekstvak 27"/>
+          <p:cNvSpPr txBox="1"/>
+          <p:nvPr/>
+        </p:nvSpPr>
+        <p:spPr>
+          <a:xfrm>
+            <a:off x="6572264" y="5643578"/>
+            <a:ext cx="312906" cy="369332"/>
+          </a:xfrm>
+          <a:prstGeom prst="rect">
+            <a:avLst/>
+          </a:prstGeom>
+          <a:noFill/>
+        </p:spPr>
+        <p:txBody>
+          <a:bodyPr wrap="none" rtlCol="0">
+            <a:spAutoFit/>
+          </a:bodyPr>
+          <a:lstStyle/>
+          <a:p>
             <a:r>
               <a:rPr lang="nl-BE" dirty="0" smtClean="0"/>
-              <a:t>,</a:t>
-            </a:r>
+              <a:t>1</a:t>
+            </a:r>
+            <a:endParaRPr lang="nl-BE" dirty="0"/>
+          </a:p>
+        </p:txBody>
+      </p:sp>
+      <p:sp>
+        <p:nvSpPr>
+          <p:cNvPr id="30" name="Tekstvak 29"/>
+          <p:cNvSpPr txBox="1"/>
+          <p:nvPr/>
+        </p:nvSpPr>
+        <p:spPr>
+          <a:xfrm>
+            <a:off x="6643702" y="4572008"/>
+            <a:ext cx="312906" cy="369332"/>
+          </a:xfrm>
+          <a:prstGeom prst="rect">
+            <a:avLst/>
+          </a:prstGeom>
+          <a:noFill/>
+        </p:spPr>
+        <p:txBody>
+          <a:bodyPr wrap="none" rtlCol="0">
+            <a:spAutoFit/>
+          </a:bodyPr>
+          <a:lstStyle/>
+          <a:p>
             <a:r>
               <a:rPr lang="nl-BE" dirty="0" smtClean="0"/>
-              <a:t> </a:t>
-            </a:r>
+              <a:t>1</a:t>
+            </a:r>
+            <a:endParaRPr lang="nl-BE" dirty="0"/>
+          </a:p>
+        </p:txBody>
+      </p:sp>
+      <p:sp>
+        <p:nvSpPr>
+          <p:cNvPr id="31" name="Tekstvak 30"/>
+          <p:cNvSpPr txBox="1"/>
+          <p:nvPr/>
+        </p:nvSpPr>
+        <p:spPr>
+          <a:xfrm>
+            <a:off x="7929586" y="5643578"/>
+            <a:ext cx="312906" cy="369332"/>
+          </a:xfrm>
+          <a:prstGeom prst="rect">
+            <a:avLst/>
+          </a:prstGeom>
+          <a:noFill/>
+        </p:spPr>
+        <p:txBody>
+          <a:bodyPr wrap="none" rtlCol="0">
+            <a:spAutoFit/>
+          </a:bodyPr>
+          <a:lstStyle/>
+          <a:p>
             <a:r>
               <a:rPr lang="nl-BE" dirty="0" smtClean="0"/>
-              <a:t>surveillance</a:t>
-            </a:r>
+              <a:t>1</a:t>
+            </a:r>
+            <a:endParaRPr lang="nl-BE" dirty="0"/>
+          </a:p>
+        </p:txBody>
+      </p:sp>
+      <p:sp>
+        <p:nvSpPr>
+          <p:cNvPr id="32" name="Tekstvak 31"/>
+          <p:cNvSpPr txBox="1"/>
+          <p:nvPr/>
+        </p:nvSpPr>
+        <p:spPr>
+          <a:xfrm>
+            <a:off x="8001024" y="4643446"/>
+            <a:ext cx="312906" cy="369332"/>
+          </a:xfrm>
+          <a:prstGeom prst="rect">
+            <a:avLst/>
+          </a:prstGeom>
+          <a:noFill/>
+        </p:spPr>
+        <p:txBody>
+          <a:bodyPr wrap="none" rtlCol="0">
+            <a:spAutoFit/>
+          </a:bodyPr>
+          <a:lstStyle/>
+          <a:p>
             <a:r>
               <a:rPr lang="nl-BE" dirty="0" smtClean="0"/>
-              <a:t>)</a:t>
-            </a:r>
-          </a:p>
-          <a:p>
-            <a:pPr lvl="1"/>
-            <a:r>
-              <a:rPr lang="nl-BE" dirty="0" smtClean="0"/>
-              <a:t>REDWOOD</a:t>
-            </a:r>
-            <a:endParaRPr lang="nl-BE" dirty="0" smtClean="0"/>
-          </a:p>
-          <a:p>
-            <a:r>
-              <a:rPr lang="en-US" dirty="0" smtClean="0"/>
-              <a:t>Home </a:t>
-            </a:r>
-            <a:r>
-              <a:rPr lang="en-US" dirty="0" smtClean="0"/>
-              <a:t>automation (smart </a:t>
-            </a:r>
-            <a:r>
-              <a:rPr lang="en-US" dirty="0" smtClean="0"/>
-              <a:t>ho</a:t>
-            </a:r>
-            <a:r>
-              <a:rPr lang="nl-BE" dirty="0" smtClean="0"/>
-              <a:t>me)</a:t>
-            </a:r>
-            <a:endParaRPr lang="nl-BE" dirty="0" smtClean="0"/>
-          </a:p>
-          <a:p>
-            <a:r>
-              <a:rPr lang="en-US" dirty="0" smtClean="0"/>
-              <a:t>Inventory </a:t>
-            </a:r>
-            <a:r>
-              <a:rPr lang="en-US" dirty="0" smtClean="0"/>
-              <a:t>tracking (in warehouses, laboratories</a:t>
-            </a:r>
-            <a:r>
-              <a:rPr lang="en-US" dirty="0" smtClean="0"/>
-              <a:t>)</a:t>
-            </a:r>
-            <a:endParaRPr lang="en-US" dirty="0" smtClean="0"/>
+              <a:t>3</a:t>
+            </a:r>
+            <a:endParaRPr lang="nl-BE" dirty="0"/>
           </a:p>
         </p:txBody>
       </p:sp>
@@ -13102,13 +17736,6 @@
   <p:clrMapOvr>
     <a:masterClrMapping/>
   </p:clrMapOvr>
-  <p:timing>
-    <p:tnLst>
-      <p:par>
-        <p:cTn id="1" dur="indefinite" restart="never" nodeType="tmRoot"/>
-      </p:par>
-    </p:tnLst>
-  </p:timing>
 </p:sld>
 </file>
 

--- a/Resources/WSN localization with Senseless framework.pptx
+++ b/Resources/WSN localization with Senseless framework.pptx
@@ -5,7 +5,7 @@
     <p:sldMasterId id="2147483672" r:id="rId1"/>
   </p:sldMasterIdLst>
   <p:notesMasterIdLst>
-    <p:notesMasterId r:id="rId60"/>
+    <p:notesMasterId r:id="rId64"/>
   </p:notesMasterIdLst>
   <p:sldIdLst>
     <p:sldId id="256" r:id="rId2"/>
@@ -48,24 +48,28 @@
     <p:sldId id="312" r:id="rId39"/>
     <p:sldId id="311" r:id="rId40"/>
     <p:sldId id="315" r:id="rId41"/>
-    <p:sldId id="313" r:id="rId42"/>
-    <p:sldId id="308" r:id="rId43"/>
-    <p:sldId id="310" r:id="rId44"/>
-    <p:sldId id="309" r:id="rId45"/>
-    <p:sldId id="266" r:id="rId46"/>
-    <p:sldId id="299" r:id="rId47"/>
-    <p:sldId id="305" r:id="rId48"/>
-    <p:sldId id="300" r:id="rId49"/>
-    <p:sldId id="301" r:id="rId50"/>
-    <p:sldId id="288" r:id="rId51"/>
-    <p:sldId id="258" r:id="rId52"/>
-    <p:sldId id="259" r:id="rId53"/>
-    <p:sldId id="291" r:id="rId54"/>
-    <p:sldId id="292" r:id="rId55"/>
-    <p:sldId id="293" r:id="rId56"/>
-    <p:sldId id="294" r:id="rId57"/>
-    <p:sldId id="297" r:id="rId58"/>
-    <p:sldId id="298" r:id="rId59"/>
+    <p:sldId id="319" r:id="rId42"/>
+    <p:sldId id="316" r:id="rId43"/>
+    <p:sldId id="317" r:id="rId44"/>
+    <p:sldId id="318" r:id="rId45"/>
+    <p:sldId id="313" r:id="rId46"/>
+    <p:sldId id="308" r:id="rId47"/>
+    <p:sldId id="310" r:id="rId48"/>
+    <p:sldId id="309" r:id="rId49"/>
+    <p:sldId id="266" r:id="rId50"/>
+    <p:sldId id="299" r:id="rId51"/>
+    <p:sldId id="305" r:id="rId52"/>
+    <p:sldId id="300" r:id="rId53"/>
+    <p:sldId id="301" r:id="rId54"/>
+    <p:sldId id="288" r:id="rId55"/>
+    <p:sldId id="258" r:id="rId56"/>
+    <p:sldId id="259" r:id="rId57"/>
+    <p:sldId id="291" r:id="rId58"/>
+    <p:sldId id="292" r:id="rId59"/>
+    <p:sldId id="293" r:id="rId60"/>
+    <p:sldId id="294" r:id="rId61"/>
+    <p:sldId id="297" r:id="rId62"/>
+    <p:sldId id="298" r:id="rId63"/>
   </p:sldIdLst>
   <p:sldSz cx="9144000" cy="6858000" type="screen4x3"/>
   <p:notesSz cx="6858000" cy="9144000"/>
@@ -249,6 +253,7 @@
           <a:p>
             <a:fld id="{17395D5A-D05A-4E73-B953-E078ADA6E82B}" type="datetimeFigureOut">
               <a:rPr lang="nl-BE" smtClean="0"/>
+              <a:pPr/>
               <a:t>14/06/2009</a:t>
             </a:fld>
             <a:endParaRPr lang="nl-BE"/>
@@ -410,7 +415,8 @@
           <a:p>
             <a:fld id="{83B4AC57-DCFC-4C3B-82CD-1D4FB8B65D24}" type="slidenum">
               <a:rPr lang="nl-BE" smtClean="0"/>
-              <a:t>‹nr.›</a:t>
+              <a:pPr/>
+              <a:t>‹#›</a:t>
             </a:fld>
             <a:endParaRPr lang="nl-BE"/>
           </a:p>
@@ -973,6 +979,7 @@
           <a:p>
             <a:fld id="{83B4AC57-DCFC-4C3B-82CD-1D4FB8B65D24}" type="slidenum">
               <a:rPr lang="nl-BE" smtClean="0"/>
+              <a:pPr/>
               <a:t>12</a:t>
             </a:fld>
             <a:endParaRPr lang="nl-BE"/>
@@ -1626,6 +1633,7 @@
           <a:p>
             <a:fld id="{83B4AC57-DCFC-4C3B-82CD-1D4FB8B65D24}" type="slidenum">
               <a:rPr lang="nl-BE" smtClean="0"/>
+              <a:pPr/>
               <a:t>18</a:t>
             </a:fld>
             <a:endParaRPr lang="nl-BE"/>
@@ -1707,7 +1715,8 @@
           <a:p>
             <a:fld id="{83B4AC57-DCFC-4C3B-82CD-1D4FB8B65D24}" type="slidenum">
               <a:rPr lang="nl-BE" smtClean="0"/>
-              <a:t>58</a:t>
+              <a:pPr/>
+              <a:t>62</a:t>
             </a:fld>
             <a:endParaRPr lang="nl-BE"/>
           </a:p>
@@ -2006,7 +2015,7 @@
             <a:fld id="{302C7C0E-9033-47B2-A5A4-039A17AF6826}" type="slidenum">
               <a:rPr lang="nl-BE" smtClean="0"/>
               <a:pPr/>
-              <a:t>‹nr.›</a:t>
+              <a:t>‹#›</a:t>
             </a:fld>
             <a:endParaRPr lang="nl-BE"/>
           </a:p>
@@ -2173,7 +2182,7 @@
             <a:fld id="{302C7C0E-9033-47B2-A5A4-039A17AF6826}" type="slidenum">
               <a:rPr lang="nl-BE" smtClean="0"/>
               <a:pPr/>
-              <a:t>‹nr.›</a:t>
+              <a:t>‹#›</a:t>
             </a:fld>
             <a:endParaRPr lang="nl-BE"/>
           </a:p>
@@ -2350,7 +2359,7 @@
             <a:fld id="{302C7C0E-9033-47B2-A5A4-039A17AF6826}" type="slidenum">
               <a:rPr lang="nl-BE" smtClean="0"/>
               <a:pPr/>
-              <a:t>‹nr.›</a:t>
+              <a:t>‹#›</a:t>
             </a:fld>
             <a:endParaRPr lang="nl-BE"/>
           </a:p>
@@ -2537,7 +2546,7 @@
             <a:fld id="{302C7C0E-9033-47B2-A5A4-039A17AF6826}" type="slidenum">
               <a:rPr lang="nl-BE" smtClean="0"/>
               <a:pPr/>
-              <a:t>‹nr.›</a:t>
+              <a:t>‹#›</a:t>
             </a:fld>
             <a:endParaRPr lang="nl-BE"/>
           </a:p>
@@ -2791,7 +2800,7 @@
             <a:fld id="{302C7C0E-9033-47B2-A5A4-039A17AF6826}" type="slidenum">
               <a:rPr lang="nl-BE" smtClean="0"/>
               <a:pPr/>
-              <a:t>‹nr.›</a:t>
+              <a:t>‹#›</a:t>
             </a:fld>
             <a:endParaRPr lang="nl-BE"/>
           </a:p>
@@ -3267,7 +3276,7 @@
             <a:fld id="{302C7C0E-9033-47B2-A5A4-039A17AF6826}" type="slidenum">
               <a:rPr lang="nl-BE" smtClean="0"/>
               <a:pPr/>
-              <a:t>‹nr.›</a:t>
+              <a:t>‹#›</a:t>
             </a:fld>
             <a:endParaRPr lang="nl-BE"/>
           </a:p>
@@ -3688,7 +3697,7 @@
             <a:fld id="{302C7C0E-9033-47B2-A5A4-039A17AF6826}" type="slidenum">
               <a:rPr lang="nl-BE" smtClean="0"/>
               <a:pPr/>
-              <a:t>‹nr.›</a:t>
+              <a:t>‹#›</a:t>
             </a:fld>
             <a:endParaRPr lang="nl-BE"/>
           </a:p>
@@ -3807,7 +3816,7 @@
             <a:fld id="{302C7C0E-9033-47B2-A5A4-039A17AF6826}" type="slidenum">
               <a:rPr lang="nl-BE" smtClean="0"/>
               <a:pPr/>
-              <a:t>‹nr.›</a:t>
+              <a:t>‹#›</a:t>
             </a:fld>
             <a:endParaRPr lang="nl-BE"/>
           </a:p>
@@ -3914,7 +3923,7 @@
             <a:fld id="{302C7C0E-9033-47B2-A5A4-039A17AF6826}" type="slidenum">
               <a:rPr lang="nl-BE" smtClean="0"/>
               <a:pPr/>
-              <a:t>‹nr.›</a:t>
+              <a:t>‹#›</a:t>
             </a:fld>
             <a:endParaRPr lang="nl-BE"/>
           </a:p>
@@ -4202,7 +4211,7 @@
             <a:fld id="{302C7C0E-9033-47B2-A5A4-039A17AF6826}" type="slidenum">
               <a:rPr lang="nl-BE" smtClean="0"/>
               <a:pPr/>
-              <a:t>‹nr.›</a:t>
+              <a:t>‹#›</a:t>
             </a:fld>
             <a:endParaRPr lang="nl-BE"/>
           </a:p>
@@ -4456,7 +4465,7 @@
             <a:fld id="{302C7C0E-9033-47B2-A5A4-039A17AF6826}" type="slidenum">
               <a:rPr lang="nl-BE" smtClean="0"/>
               <a:pPr/>
-              <a:t>‹nr.›</a:t>
+              <a:t>‹#›</a:t>
             </a:fld>
             <a:endParaRPr lang="nl-BE"/>
           </a:p>
@@ -4844,7 +4853,7 @@
             <a:fld id="{302C7C0E-9033-47B2-A5A4-039A17AF6826}" type="slidenum">
               <a:rPr lang="nl-BE" smtClean="0"/>
               <a:pPr/>
-              <a:t>‹nr.›</a:t>
+              <a:t>‹#›</a:t>
             </a:fld>
             <a:endParaRPr lang="nl-BE"/>
           </a:p>
@@ -7268,11 +7277,7 @@
             </a:r>
             <a:r>
               <a:rPr lang="en-US" sz="1800" dirty="0" smtClean="0"/>
-              <a:t>: (sin a)/A=(sin b)/B=(sin c)/</a:t>
-            </a:r>
-            <a:r>
-              <a:rPr lang="en-US" sz="1800" dirty="0" smtClean="0"/>
-              <a:t>C</a:t>
+              <a:t>: (sin a)/A=(sin b)/B=(sin c)/C</a:t>
             </a:r>
             <a:endParaRPr lang="nl-NL" dirty="0" smtClean="0"/>
           </a:p>
@@ -9550,6 +9555,13 @@
   <p:clrMapOvr>
     <a:masterClrMapping/>
   </p:clrMapOvr>
+  <p:timing>
+    <p:tnLst>
+      <p:par>
+        <p:cTn id="1" dur="indefinite" restart="never" nodeType="tmRoot"/>
+      </p:par>
+    </p:tnLst>
+  </p:timing>
 </p:sld>
 </file>
 
@@ -9647,6 +9659,13 @@
   <p:clrMapOvr>
     <a:masterClrMapping/>
   </p:clrMapOvr>
+  <p:timing>
+    <p:tnLst>
+      <p:par>
+        <p:cTn id="1" dur="indefinite" restart="never" nodeType="tmRoot"/>
+      </p:par>
+    </p:tnLst>
+  </p:timing>
 </p:sld>
 </file>
 
@@ -9713,7 +9732,6 @@
               <a:rPr lang="nl-BE" dirty="0" smtClean="0"/>
               <a:t>:</a:t>
             </a:r>
-            <a:endParaRPr lang="nl-BE" dirty="0" smtClean="0"/>
           </a:p>
           <a:p>
             <a:endParaRPr lang="nl-BE" dirty="0" smtClean="0"/>
@@ -9738,11 +9756,7 @@
             </a:r>
             <a:r>
               <a:rPr lang="nl-BE" dirty="0" smtClean="0"/>
-              <a:t> </a:t>
-            </a:r>
-            <a:r>
-              <a:rPr lang="nl-BE" dirty="0" smtClean="0"/>
-              <a:t>Views en Models</a:t>
+              <a:t> Views en Models</a:t>
             </a:r>
           </a:p>
           <a:p>
@@ -9970,6 +9984,13 @@
   <p:clrMapOvr>
     <a:masterClrMapping/>
   </p:clrMapOvr>
+  <p:timing>
+    <p:tnLst>
+      <p:par>
+        <p:cTn id="1" dur="indefinite" restart="never" nodeType="tmRoot"/>
+      </p:par>
+    </p:tnLst>
+  </p:timing>
 </p:sld>
 </file>
 
@@ -10100,6 +10121,13 @@
   <p:clrMapOvr>
     <a:masterClrMapping/>
   </p:clrMapOvr>
+  <p:timing>
+    <p:tnLst>
+      <p:par>
+        <p:cTn id="1" dur="indefinite" restart="never" nodeType="tmRoot"/>
+      </p:par>
+    </p:tnLst>
+  </p:timing>
 </p:sld>
 </file>
 
@@ -10192,6 +10220,13 @@
   <p:clrMapOvr>
     <a:masterClrMapping/>
   </p:clrMapOvr>
+  <p:timing>
+    <p:tnLst>
+      <p:par>
+        <p:cTn id="1" dur="indefinite" restart="never" nodeType="tmRoot"/>
+      </p:par>
+    </p:tnLst>
+  </p:timing>
 </p:sld>
 </file>
 
@@ -10291,6 +10326,13 @@
   <p:clrMapOvr>
     <a:masterClrMapping/>
   </p:clrMapOvr>
+  <p:timing>
+    <p:tnLst>
+      <p:par>
+        <p:cTn id="1" dur="indefinite" restart="never" nodeType="tmRoot"/>
+      </p:par>
+    </p:tnLst>
+  </p:timing>
 </p:sld>
 </file>
 
@@ -10366,6 +10408,13 @@
   <p:clrMapOvr>
     <a:masterClrMapping/>
   </p:clrMapOvr>
+  <p:timing>
+    <p:tnLst>
+      <p:par>
+        <p:cTn id="1" dur="indefinite" restart="never" nodeType="tmRoot"/>
+      </p:par>
+    </p:tnLst>
+  </p:timing>
 </p:sld>
 </file>
 
@@ -10457,6 +10506,13 @@
   <p:clrMapOvr>
     <a:masterClrMapping/>
   </p:clrMapOvr>
+  <p:timing>
+    <p:tnLst>
+      <p:par>
+        <p:cTn id="1" dur="indefinite" restart="never" nodeType="tmRoot"/>
+      </p:par>
+    </p:tnLst>
+  </p:timing>
 </p:sld>
 </file>
 
@@ -10704,7 +10760,56 @@
           <a:bodyPr/>
           <a:lstStyle/>
           <a:p>
-            <a:endParaRPr lang="en-GB"/>
+            <a:r>
+              <a:rPr lang="en-GB" dirty="0" smtClean="0"/>
+              <a:t>RTLS Middleware</a:t>
+            </a:r>
+          </a:p>
+          <a:p>
+            <a:pPr lvl="1"/>
+            <a:r>
+              <a:rPr lang="en-GB" dirty="0" smtClean="0"/>
+              <a:t>Next presentation</a:t>
+            </a:r>
+          </a:p>
+          <a:p>
+            <a:r>
+              <a:rPr lang="en-GB" dirty="0" smtClean="0"/>
+              <a:t>Seamless integration of different locating </a:t>
+            </a:r>
+            <a:r>
+              <a:rPr lang="en-GB" dirty="0" smtClean="0"/>
+              <a:t>systems</a:t>
+            </a:r>
+          </a:p>
+          <a:p>
+            <a:pPr>
+              <a:buNone/>
+            </a:pPr>
+            <a:endParaRPr lang="en-GB" dirty="0" smtClean="0"/>
+          </a:p>
+          <a:p>
+            <a:r>
+              <a:rPr lang="en-GB" dirty="0" smtClean="0"/>
+              <a:t>Engine: our system</a:t>
+            </a:r>
+          </a:p>
+          <a:p>
+            <a:r>
+              <a:rPr lang="en-GB" dirty="0" smtClean="0"/>
+              <a:t>Middleware: </a:t>
+            </a:r>
+            <a:r>
+              <a:rPr lang="en-GB" dirty="0" err="1" smtClean="0"/>
+              <a:t>Scala.Core</a:t>
+            </a:r>
+            <a:endParaRPr lang="en-GB" dirty="0" smtClean="0"/>
+          </a:p>
+          <a:p>
+            <a:r>
+              <a:rPr lang="en-GB" dirty="0" smtClean="0"/>
+              <a:t>GUI: SUI</a:t>
+            </a:r>
           </a:p>
         </p:txBody>
       </p:sp>
@@ -10713,6 +10818,13 @@
   <p:clrMapOvr>
     <a:masterClrMapping/>
   </p:clrMapOvr>
+  <p:timing>
+    <p:tnLst>
+      <p:par>
+        <p:cTn id="1" dur="indefinite" restart="never" nodeType="tmRoot"/>
+      </p:par>
+    </p:tnLst>
+  </p:timing>
 </p:sld>
 </file>
 
@@ -10735,7 +10847,7 @@
       </p:grpSpPr>
       <p:sp>
         <p:nvSpPr>
-          <p:cNvPr id="2" name="Titel 1"/>
+          <p:cNvPr id="2" name="Title 1"/>
           <p:cNvSpPr>
             <a:spLocks noGrp="1"/>
           </p:cNvSpPr>
@@ -10749,89 +10861,55 @@
           <a:lstStyle/>
           <a:p>
             <a:r>
-              <a:rPr lang="en-GB" dirty="0" smtClean="0"/>
-              <a:t>GUI	</a:t>
-            </a:r>
-            <a:endParaRPr lang="en-GB" dirty="0"/>
-          </a:p>
-        </p:txBody>
-      </p:sp>
-      <p:sp>
-        <p:nvSpPr>
-          <p:cNvPr id="3" name="Tijdelijke aanduiding voor inhoud 2"/>
-          <p:cNvSpPr>
-            <a:spLocks noGrp="1"/>
-          </p:cNvSpPr>
-          <p:nvPr>
-            <p:ph idx="1"/>
-          </p:nvPr>
-        </p:nvSpPr>
-        <p:spPr/>
-        <p:txBody>
-          <a:bodyPr/>
-          <a:lstStyle/>
-          <a:p>
-            <a:r>
-              <a:rPr lang="en-GB" dirty="0" smtClean="0"/>
-              <a:t>Monitoring</a:t>
-            </a:r>
-          </a:p>
-          <a:p>
-            <a:r>
-              <a:rPr lang="en-GB" dirty="0" smtClean="0"/>
-              <a:t>Controlling the WSN:</a:t>
-            </a:r>
-          </a:p>
-          <a:p>
-            <a:pPr lvl="1"/>
-            <a:r>
-              <a:rPr lang="en-GB" dirty="0" smtClean="0"/>
-              <a:t>Active</a:t>
-            </a:r>
-          </a:p>
-          <a:p>
-            <a:pPr lvl="1"/>
-            <a:r>
-              <a:rPr lang="en-GB" dirty="0" smtClean="0"/>
-              <a:t>Anchor node</a:t>
-            </a:r>
-          </a:p>
-          <a:p>
-            <a:pPr lvl="1"/>
-            <a:r>
-              <a:rPr lang="en-GB" dirty="0" smtClean="0"/>
-              <a:t>Coordinates</a:t>
-            </a:r>
-          </a:p>
-          <a:p>
-            <a:pPr lvl="1"/>
-            <a:r>
-              <a:rPr lang="en-GB" dirty="0" smtClean="0"/>
-              <a:t>Sample rate of location and sensor message</a:t>
-            </a:r>
-          </a:p>
-          <a:p>
-            <a:pPr lvl="1"/>
-            <a:r>
-              <a:rPr lang="en-GB" dirty="0" err="1" smtClean="0"/>
-              <a:t>Leds</a:t>
-            </a:r>
-            <a:endParaRPr lang="en-GB" dirty="0" smtClean="0"/>
-          </a:p>
-          <a:p>
-            <a:pPr lvl="1"/>
-            <a:endParaRPr lang="en-GB" dirty="0" smtClean="0"/>
-          </a:p>
-          <a:p>
-            <a:endParaRPr lang="en-GB" dirty="0"/>
-          </a:p>
-        </p:txBody>
-      </p:sp>
+              <a:rPr lang="fr-BE" dirty="0" smtClean="0"/>
+              <a:t>Scala - </a:t>
+            </a:r>
+            <a:r>
+              <a:rPr lang="fr-BE" dirty="0" err="1" smtClean="0"/>
+              <a:t>Engine</a:t>
+            </a:r>
+            <a:endParaRPr lang="en-US" dirty="0"/>
+          </a:p>
+        </p:txBody>
+      </p:sp>
+      <p:pic>
+        <p:nvPicPr>
+          <p:cNvPr id="1026" name="Picture 2" descr="C:\Documents and Settings\peter\Desktop\ScalaOverviewEngine.png"/>
+          <p:cNvPicPr>
+            <a:picLocks noChangeAspect="1" noChangeArrowheads="1"/>
+          </p:cNvPicPr>
+          <p:nvPr/>
+        </p:nvPicPr>
+        <p:blipFill>
+          <a:blip r:embed="rId2"/>
+          <a:srcRect/>
+          <a:stretch>
+            <a:fillRect/>
+          </a:stretch>
+        </p:blipFill>
+        <p:spPr bwMode="auto">
+          <a:xfrm>
+            <a:off x="2000232" y="1500174"/>
+            <a:ext cx="5011737" cy="5357826"/>
+          </a:xfrm>
+          <a:prstGeom prst="rect">
+            <a:avLst/>
+          </a:prstGeom>
+          <a:noFill/>
+        </p:spPr>
+      </p:pic>
     </p:spTree>
   </p:cSld>
   <p:clrMapOvr>
     <a:masterClrMapping/>
   </p:clrMapOvr>
+  <p:timing>
+    <p:tnLst>
+      <p:par>
+        <p:cTn id="1" dur="indefinite" restart="never" nodeType="tmRoot"/>
+      </p:par>
+    </p:tnLst>
+  </p:timing>
 </p:sld>
 </file>
 
@@ -10854,7 +10932,7 @@
       </p:grpSpPr>
       <p:sp>
         <p:nvSpPr>
-          <p:cNvPr id="2" name="Titel 1"/>
+          <p:cNvPr id="2" name="Title 1"/>
           <p:cNvSpPr>
             <a:spLocks noGrp="1"/>
           </p:cNvSpPr>
@@ -10868,16 +10946,16 @@
           <a:lstStyle/>
           <a:p>
             <a:r>
-              <a:rPr lang="en-GB" dirty="0" smtClean="0"/>
-              <a:t>Sensor message</a:t>
-            </a:r>
-            <a:endParaRPr lang="en-GB" dirty="0"/>
-          </a:p>
-        </p:txBody>
-      </p:sp>
-      <p:sp>
-        <p:nvSpPr>
-          <p:cNvPr id="3" name="Tijdelijke aanduiding voor inhoud 2"/>
+              <a:rPr lang="fr-BE" dirty="0" smtClean="0"/>
+              <a:t>Scala</a:t>
+            </a:r>
+            <a:endParaRPr lang="en-US" dirty="0"/>
+          </a:p>
+        </p:txBody>
+      </p:sp>
+      <p:sp>
+        <p:nvSpPr>
+          <p:cNvPr id="3" name="Content Placeholder 2"/>
           <p:cNvSpPr>
             <a:spLocks noGrp="1"/>
           </p:cNvSpPr>
@@ -10891,52 +10969,85 @@
           <a:lstStyle/>
           <a:p>
             <a:r>
-              <a:rPr lang="en-US" dirty="0" smtClean="0"/>
-              <a:t>Battery (voltage)	</a:t>
-            </a:r>
-            <a:endParaRPr lang="nl-BE" dirty="0" smtClean="0"/>
-          </a:p>
-          <a:p>
-            <a:r>
-              <a:rPr lang="en-US" dirty="0" smtClean="0"/>
-              <a:t>Light</a:t>
-            </a:r>
-            <a:endParaRPr lang="nl-BE" dirty="0" smtClean="0"/>
-          </a:p>
-          <a:p>
-            <a:r>
-              <a:rPr lang="en-US" dirty="0" smtClean="0"/>
-              <a:t>Humidity</a:t>
-            </a:r>
-            <a:endParaRPr lang="nl-BE" dirty="0" smtClean="0"/>
-          </a:p>
-          <a:p>
-            <a:r>
-              <a:rPr lang="en-US" dirty="0" smtClean="0"/>
-              <a:t>Temperature</a:t>
-            </a:r>
-            <a:endParaRPr lang="nl-BE" dirty="0" smtClean="0"/>
-          </a:p>
-          <a:p>
-            <a:r>
-              <a:rPr lang="en-US" dirty="0" smtClean="0"/>
-              <a:t>Button </a:t>
-            </a:r>
-            <a:r>
-              <a:rPr lang="en-US" dirty="0" smtClean="0"/>
-              <a:t>pressed</a:t>
-            </a:r>
-            <a:endParaRPr lang="nl-BE" dirty="0" smtClean="0"/>
-          </a:p>
-          <a:p>
-            <a:r>
-              <a:rPr lang="en-US" dirty="0" smtClean="0"/>
-              <a:t>Mote ID</a:t>
-            </a:r>
-            <a:endParaRPr lang="nl-BE" dirty="0" smtClean="0"/>
-          </a:p>
-          <a:p>
-            <a:endParaRPr lang="en-GB" dirty="0"/>
+              <a:rPr lang="fr-BE" dirty="0" smtClean="0"/>
+              <a:t>Communication </a:t>
+            </a:r>
+            <a:r>
+              <a:rPr lang="fr-BE" dirty="0" err="1" smtClean="0"/>
+              <a:t>happens</a:t>
+            </a:r>
+            <a:r>
+              <a:rPr lang="fr-BE" dirty="0" smtClean="0"/>
+              <a:t> via a WCF service</a:t>
+            </a:r>
+          </a:p>
+          <a:p>
+            <a:pPr lvl="1"/>
+            <a:r>
+              <a:rPr lang="fr-BE" dirty="0" smtClean="0"/>
+              <a:t>http</a:t>
+            </a:r>
+          </a:p>
+          <a:p>
+            <a:pPr lvl="1"/>
+            <a:r>
+              <a:rPr lang="fr-BE" dirty="0" err="1" smtClean="0"/>
+              <a:t>Several</a:t>
+            </a:r>
+            <a:r>
+              <a:rPr lang="fr-BE" dirty="0" smtClean="0"/>
+              <a:t> interfaces</a:t>
+            </a:r>
+          </a:p>
+          <a:p>
+            <a:pPr lvl="2"/>
+            <a:r>
+              <a:rPr lang="fr-BE" dirty="0" smtClean="0"/>
+              <a:t>Tag Information</a:t>
+            </a:r>
+          </a:p>
+          <a:p>
+            <a:pPr lvl="2"/>
+            <a:r>
+              <a:rPr lang="fr-BE" dirty="0" smtClean="0"/>
+              <a:t>Event</a:t>
+            </a:r>
+          </a:p>
+          <a:p>
+            <a:pPr lvl="2"/>
+            <a:r>
+              <a:rPr lang="fr-BE" dirty="0" err="1" smtClean="0"/>
+              <a:t>Query</a:t>
+            </a:r>
+            <a:endParaRPr lang="fr-BE" dirty="0" smtClean="0"/>
+          </a:p>
+          <a:p>
+            <a:pPr lvl="2"/>
+            <a:r>
+              <a:rPr lang="fr-BE" dirty="0" err="1" smtClean="0"/>
+              <a:t>Map</a:t>
+            </a:r>
+            <a:endParaRPr lang="fr-BE" dirty="0" smtClean="0"/>
+          </a:p>
+          <a:p>
+            <a:pPr lvl="1"/>
+            <a:r>
+              <a:rPr lang="fr-BE" dirty="0" err="1" smtClean="0"/>
+              <a:t>Roughly</a:t>
+            </a:r>
+            <a:r>
+              <a:rPr lang="fr-BE" dirty="0" smtClean="0"/>
+              <a:t> </a:t>
+            </a:r>
+            <a:r>
+              <a:rPr lang="fr-BE" dirty="0" err="1" smtClean="0"/>
+              <a:t>based</a:t>
+            </a:r>
+            <a:r>
+              <a:rPr lang="fr-BE" dirty="0" smtClean="0"/>
+              <a:t> on the ANSI RTLS API</a:t>
+            </a:r>
+            <a:endParaRPr lang="en-US" dirty="0"/>
           </a:p>
         </p:txBody>
       </p:sp>
@@ -10945,6 +11056,13 @@
   <p:clrMapOvr>
     <a:masterClrMapping/>
   </p:clrMapOvr>
+  <p:timing>
+    <p:tnLst>
+      <p:par>
+        <p:cTn id="1" dur="indefinite" restart="never" nodeType="tmRoot"/>
+      </p:par>
+    </p:tnLst>
+  </p:timing>
 </p:sld>
 </file>
 
@@ -10967,7 +11085,7 @@
       </p:grpSpPr>
       <p:sp>
         <p:nvSpPr>
-          <p:cNvPr id="2" name="Titel 1"/>
+          <p:cNvPr id="2" name="Title 1"/>
           <p:cNvSpPr>
             <a:spLocks noGrp="1"/>
           </p:cNvSpPr>
@@ -10981,16 +11099,16 @@
           <a:lstStyle/>
           <a:p>
             <a:r>
-              <a:rPr lang="en-GB" dirty="0" smtClean="0"/>
-              <a:t>Location message</a:t>
-            </a:r>
-            <a:endParaRPr lang="en-GB" dirty="0"/>
-          </a:p>
-        </p:txBody>
-      </p:sp>
-      <p:sp>
-        <p:nvSpPr>
-          <p:cNvPr id="3" name="Tijdelijke aanduiding voor inhoud 2"/>
+              <a:rPr lang="fr-BE" dirty="0" smtClean="0"/>
+              <a:t>Scala - Data</a:t>
+            </a:r>
+            <a:endParaRPr lang="en-US" dirty="0"/>
+          </a:p>
+        </p:txBody>
+      </p:sp>
+      <p:sp>
+        <p:nvSpPr>
+          <p:cNvPr id="3" name="Content Placeholder 2"/>
           <p:cNvSpPr>
             <a:spLocks noGrp="1"/>
           </p:cNvSpPr>
@@ -11004,47 +11122,39 @@
           <a:lstStyle/>
           <a:p>
             <a:r>
-              <a:rPr lang="en-US" dirty="0" smtClean="0"/>
-              <a:t>Mote id</a:t>
-            </a:r>
-            <a:endParaRPr lang="nl-BE" dirty="0" smtClean="0"/>
-          </a:p>
-          <a:p>
-            <a:r>
-              <a:rPr lang="en-US" dirty="0" err="1" smtClean="0"/>
-              <a:t>Anmoteid</a:t>
-            </a:r>
-            <a:endParaRPr lang="en-US" dirty="0" smtClean="0"/>
-          </a:p>
-          <a:p>
-            <a:r>
-              <a:rPr lang="en-US" dirty="0" smtClean="0"/>
-              <a:t>VANs</a:t>
-            </a:r>
-          </a:p>
-          <a:p>
-            <a:r>
-              <a:rPr lang="en-US" dirty="0" err="1" smtClean="0"/>
-              <a:t>VANr</a:t>
-            </a:r>
-            <a:endParaRPr lang="en-US" dirty="0" smtClean="0"/>
-          </a:p>
-          <a:p>
-            <a:r>
-              <a:rPr lang="en-US" dirty="0" smtClean="0"/>
-              <a:t>Hop count</a:t>
-            </a:r>
-            <a:endParaRPr lang="nl-BE" dirty="0" smtClean="0"/>
-          </a:p>
-          <a:p>
-            <a:r>
-              <a:rPr lang="en-US" dirty="0" smtClean="0"/>
-              <a:t>RSSI</a:t>
-            </a:r>
-            <a:endParaRPr lang="nl-BE" dirty="0" smtClean="0"/>
-          </a:p>
-          <a:p>
-            <a:endParaRPr lang="en-GB" dirty="0"/>
+              <a:rPr lang="fr-BE" dirty="0" smtClean="0"/>
+              <a:t>Location </a:t>
+            </a:r>
+          </a:p>
+          <a:p>
+            <a:pPr lvl="1"/>
+            <a:r>
+              <a:rPr lang="fr-BE" dirty="0" smtClean="0"/>
+              <a:t>X</a:t>
+            </a:r>
+          </a:p>
+          <a:p>
+            <a:pPr lvl="1"/>
+            <a:r>
+              <a:rPr lang="fr-BE" dirty="0" smtClean="0"/>
+              <a:t>Y</a:t>
+            </a:r>
+          </a:p>
+          <a:p>
+            <a:pPr lvl="1"/>
+            <a:r>
+              <a:rPr lang="fr-BE" dirty="0" err="1" smtClean="0"/>
+              <a:t>Map</a:t>
+            </a:r>
+            <a:endParaRPr lang="fr-BE" dirty="0" smtClean="0"/>
+          </a:p>
+          <a:p>
+            <a:pPr lvl="1"/>
+            <a:r>
+              <a:rPr lang="fr-BE" dirty="0" err="1" smtClean="0"/>
+              <a:t>Accuracy</a:t>
+            </a:r>
+            <a:endParaRPr lang="en-US" dirty="0"/>
           </a:p>
         </p:txBody>
       </p:sp>
@@ -11053,6 +11163,13 @@
   <p:clrMapOvr>
     <a:masterClrMapping/>
   </p:clrMapOvr>
+  <p:timing>
+    <p:tnLst>
+      <p:par>
+        <p:cTn id="1" dur="indefinite" restart="never" nodeType="tmRoot"/>
+      </p:par>
+    </p:tnLst>
+  </p:timing>
 </p:sld>
 </file>
 
@@ -11075,7 +11192,7 @@
       </p:grpSpPr>
       <p:sp>
         <p:nvSpPr>
-          <p:cNvPr id="2" name="Titel 1"/>
+          <p:cNvPr id="2" name="Title 1"/>
           <p:cNvSpPr>
             <a:spLocks noGrp="1"/>
           </p:cNvSpPr>
@@ -11089,16 +11206,16 @@
           <a:lstStyle/>
           <a:p>
             <a:r>
-              <a:rPr lang="en-GB" dirty="0" smtClean="0"/>
-              <a:t>Status message</a:t>
-            </a:r>
-            <a:endParaRPr lang="en-GB" dirty="0"/>
-          </a:p>
-        </p:txBody>
-      </p:sp>
-      <p:sp>
-        <p:nvSpPr>
-          <p:cNvPr id="3" name="Tijdelijke aanduiding voor inhoud 2"/>
+              <a:rPr lang="fr-BE" dirty="0" smtClean="0"/>
+              <a:t>Scala - Data</a:t>
+            </a:r>
+            <a:endParaRPr lang="en-US" dirty="0"/>
+          </a:p>
+        </p:txBody>
+      </p:sp>
+      <p:sp>
+        <p:nvSpPr>
+          <p:cNvPr id="3" name="Content Placeholder 2"/>
           <p:cNvSpPr>
             <a:spLocks noGrp="1"/>
           </p:cNvSpPr>
@@ -11108,86 +11225,38 @@
         </p:nvSpPr>
         <p:spPr/>
         <p:txBody>
-          <a:bodyPr>
-            <a:normAutofit fontScale="92500" lnSpcReduction="20000"/>
-          </a:bodyPr>
-          <a:lstStyle/>
-          <a:p>
-            <a:r>
-              <a:rPr lang="en-US" dirty="0" smtClean="0"/>
-              <a:t>Mote </a:t>
-            </a:r>
-            <a:r>
-              <a:rPr lang="en-US" dirty="0" smtClean="0"/>
-              <a:t>id</a:t>
-            </a:r>
-            <a:endParaRPr lang="nl-BE" dirty="0" smtClean="0"/>
-          </a:p>
-          <a:p>
-            <a:r>
-              <a:rPr lang="en-US" dirty="0" smtClean="0"/>
-              <a:t>Active </a:t>
-            </a:r>
-            <a:endParaRPr lang="nl-BE" dirty="0" smtClean="0"/>
-          </a:p>
-          <a:p>
-            <a:r>
-              <a:rPr lang="en-US" dirty="0" smtClean="0"/>
-              <a:t>AN</a:t>
-            </a:r>
-            <a:endParaRPr lang="nl-BE" dirty="0" smtClean="0"/>
-          </a:p>
-          <a:p>
-            <a:r>
-              <a:rPr lang="en-US" dirty="0" err="1" smtClean="0"/>
-              <a:t>Posx</a:t>
-            </a:r>
-            <a:endParaRPr lang="nl-BE" dirty="0" smtClean="0"/>
-          </a:p>
-          <a:p>
-            <a:r>
-              <a:rPr lang="en-US" dirty="0" smtClean="0"/>
-              <a:t>Posy</a:t>
-            </a:r>
-            <a:endParaRPr lang="nl-BE" dirty="0" smtClean="0"/>
-          </a:p>
-          <a:p>
-            <a:r>
-              <a:rPr lang="en-US" dirty="0" err="1" smtClean="0"/>
-              <a:t>Samplerate</a:t>
-            </a:r>
-            <a:endParaRPr lang="nl-BE" dirty="0" smtClean="0"/>
-          </a:p>
-          <a:p>
-            <a:r>
-              <a:rPr lang="en-US" dirty="0" err="1" smtClean="0"/>
-              <a:t>locRate</a:t>
-            </a:r>
-            <a:endParaRPr lang="nl-BE" dirty="0" smtClean="0"/>
-          </a:p>
-          <a:p>
-            <a:r>
-              <a:rPr lang="en-US" dirty="0" err="1" smtClean="0"/>
-              <a:t>leds</a:t>
-            </a:r>
-            <a:endParaRPr lang="nl-BE" dirty="0" smtClean="0"/>
-          </a:p>
-          <a:p>
-            <a:r>
-              <a:rPr lang="en-US" dirty="0" smtClean="0"/>
-              <a:t>power</a:t>
-            </a:r>
-            <a:endParaRPr lang="nl-BE" dirty="0" smtClean="0"/>
-          </a:p>
-          <a:p>
-            <a:r>
-              <a:rPr lang="en-US" dirty="0" smtClean="0"/>
-              <a:t>frequency</a:t>
-            </a:r>
-            <a:endParaRPr lang="nl-BE" dirty="0" smtClean="0"/>
-          </a:p>
-          <a:p>
-            <a:endParaRPr lang="en-GB" dirty="0"/>
+          <a:bodyPr/>
+          <a:lstStyle/>
+          <a:p>
+            <a:r>
+              <a:rPr lang="fr-BE" dirty="0" err="1" smtClean="0"/>
+              <a:t>Temperature</a:t>
+            </a:r>
+            <a:endParaRPr lang="fr-BE" dirty="0" smtClean="0"/>
+          </a:p>
+          <a:p>
+            <a:r>
+              <a:rPr lang="fr-BE" dirty="0" err="1" smtClean="0"/>
+              <a:t>Humidity</a:t>
+            </a:r>
+            <a:endParaRPr lang="fr-BE" dirty="0" smtClean="0"/>
+          </a:p>
+          <a:p>
+            <a:r>
+              <a:rPr lang="fr-BE" dirty="0" smtClean="0"/>
+              <a:t>Light</a:t>
+            </a:r>
+          </a:p>
+          <a:p>
+            <a:r>
+              <a:rPr lang="fr-BE" dirty="0" err="1" smtClean="0"/>
+              <a:t>Button</a:t>
+            </a:r>
+            <a:r>
+              <a:rPr lang="fr-BE" dirty="0" smtClean="0"/>
+              <a:t> state</a:t>
+            </a:r>
+            <a:endParaRPr lang="en-US" dirty="0"/>
           </a:p>
         </p:txBody>
       </p:sp>
@@ -11196,6 +11265,13 @@
   <p:clrMapOvr>
     <a:masterClrMapping/>
   </p:clrMapOvr>
+  <p:timing>
+    <p:tnLst>
+      <p:par>
+        <p:cTn id="1" dur="indefinite" restart="never" nodeType="tmRoot"/>
+      </p:par>
+    </p:tnLst>
+  </p:timing>
 </p:sld>
 </file>
 
@@ -11232,10 +11308,10 @@
           <a:lstStyle/>
           <a:p>
             <a:r>
-              <a:rPr lang="nl-BE" dirty="0" err="1" smtClean="0"/>
-              <a:t>Localization</a:t>
-            </a:r>
-            <a:endParaRPr lang="nl-BE" dirty="0"/>
+              <a:rPr lang="en-GB" dirty="0" smtClean="0"/>
+              <a:t>GUI	</a:t>
+            </a:r>
+            <a:endParaRPr lang="en-GB" dirty="0"/>
           </a:p>
         </p:txBody>
       </p:sp>
@@ -11254,7 +11330,59 @@
           <a:bodyPr/>
           <a:lstStyle/>
           <a:p>
-            <a:endParaRPr lang="nl-BE" dirty="0"/>
+            <a:r>
+              <a:rPr lang="en-GB" dirty="0" smtClean="0"/>
+              <a:t>Monitoring</a:t>
+            </a:r>
+          </a:p>
+          <a:p>
+            <a:r>
+              <a:rPr lang="en-GB" dirty="0" smtClean="0"/>
+              <a:t>Controlling the WSN:</a:t>
+            </a:r>
+          </a:p>
+          <a:p>
+            <a:pPr lvl="1"/>
+            <a:r>
+              <a:rPr lang="en-GB" dirty="0" smtClean="0"/>
+              <a:t>Active</a:t>
+            </a:r>
+          </a:p>
+          <a:p>
+            <a:pPr lvl="1"/>
+            <a:r>
+              <a:rPr lang="en-GB" dirty="0" smtClean="0"/>
+              <a:t>Anchor node</a:t>
+            </a:r>
+          </a:p>
+          <a:p>
+            <a:pPr lvl="1"/>
+            <a:r>
+              <a:rPr lang="en-GB" dirty="0" smtClean="0"/>
+              <a:t>Coordinates</a:t>
+            </a:r>
+          </a:p>
+          <a:p>
+            <a:pPr lvl="1"/>
+            <a:r>
+              <a:rPr lang="en-GB" dirty="0" smtClean="0"/>
+              <a:t>Sample rate of location and sensor message</a:t>
+            </a:r>
+          </a:p>
+          <a:p>
+            <a:pPr lvl="1"/>
+            <a:r>
+              <a:rPr lang="en-GB" dirty="0" err="1" smtClean="0"/>
+              <a:t>Leds</a:t>
+            </a:r>
+            <a:endParaRPr lang="en-GB" dirty="0" smtClean="0"/>
+          </a:p>
+          <a:p>
+            <a:pPr lvl="1"/>
+            <a:endParaRPr lang="en-GB" dirty="0" smtClean="0"/>
+          </a:p>
+          <a:p>
+            <a:endParaRPr lang="en-GB" dirty="0"/>
           </a:p>
         </p:txBody>
       </p:sp>
@@ -11306,6 +11434,567 @@
           <a:lstStyle/>
           <a:p>
             <a:r>
+              <a:rPr lang="en-GB" dirty="0" smtClean="0"/>
+              <a:t>Sensor message</a:t>
+            </a:r>
+            <a:endParaRPr lang="en-GB" dirty="0"/>
+          </a:p>
+        </p:txBody>
+      </p:sp>
+      <p:sp>
+        <p:nvSpPr>
+          <p:cNvPr id="3" name="Tijdelijke aanduiding voor inhoud 2"/>
+          <p:cNvSpPr>
+            <a:spLocks noGrp="1"/>
+          </p:cNvSpPr>
+          <p:nvPr>
+            <p:ph idx="1"/>
+          </p:nvPr>
+        </p:nvSpPr>
+        <p:spPr/>
+        <p:txBody>
+          <a:bodyPr/>
+          <a:lstStyle/>
+          <a:p>
+            <a:r>
+              <a:rPr lang="en-US" dirty="0" smtClean="0"/>
+              <a:t>Battery (voltage)	</a:t>
+            </a:r>
+            <a:endParaRPr lang="nl-BE" dirty="0" smtClean="0"/>
+          </a:p>
+          <a:p>
+            <a:r>
+              <a:rPr lang="en-US" dirty="0" smtClean="0"/>
+              <a:t>Light</a:t>
+            </a:r>
+            <a:endParaRPr lang="nl-BE" dirty="0" smtClean="0"/>
+          </a:p>
+          <a:p>
+            <a:r>
+              <a:rPr lang="en-US" dirty="0" smtClean="0"/>
+              <a:t>Humidity</a:t>
+            </a:r>
+            <a:endParaRPr lang="nl-BE" dirty="0" smtClean="0"/>
+          </a:p>
+          <a:p>
+            <a:r>
+              <a:rPr lang="en-US" dirty="0" smtClean="0"/>
+              <a:t>Temperature</a:t>
+            </a:r>
+            <a:endParaRPr lang="nl-BE" dirty="0" smtClean="0"/>
+          </a:p>
+          <a:p>
+            <a:r>
+              <a:rPr lang="en-US" dirty="0" smtClean="0"/>
+              <a:t>Button pressed</a:t>
+            </a:r>
+            <a:endParaRPr lang="nl-BE" dirty="0" smtClean="0"/>
+          </a:p>
+          <a:p>
+            <a:r>
+              <a:rPr lang="en-US" dirty="0" smtClean="0"/>
+              <a:t>Mote ID</a:t>
+            </a:r>
+            <a:endParaRPr lang="nl-BE" dirty="0" smtClean="0"/>
+          </a:p>
+          <a:p>
+            <a:endParaRPr lang="en-GB" dirty="0"/>
+          </a:p>
+        </p:txBody>
+      </p:sp>
+    </p:spTree>
+  </p:cSld>
+  <p:clrMapOvr>
+    <a:masterClrMapping/>
+  </p:clrMapOvr>
+  <p:timing>
+    <p:tnLst>
+      <p:par>
+        <p:cTn id="1" dur="indefinite" restart="never" nodeType="tmRoot"/>
+      </p:par>
+    </p:tnLst>
+  </p:timing>
+</p:sld>
+</file>
+
+<file path=ppt/slides/slide47.xml><?xml version="1.0" encoding="utf-8"?>
+<p:sld xmlns:a="http://schemas.openxmlformats.org/drawingml/2006/main" xmlns:r="http://schemas.openxmlformats.org/officeDocument/2006/relationships" xmlns:p="http://schemas.openxmlformats.org/presentationml/2006/main">
+  <p:cSld>
+    <p:spTree>
+      <p:nvGrpSpPr>
+        <p:cNvPr id="1" name=""/>
+        <p:cNvGrpSpPr/>
+        <p:nvPr/>
+      </p:nvGrpSpPr>
+      <p:grpSpPr>
+        <a:xfrm>
+          <a:off x="0" y="0"/>
+          <a:ext cx="0" cy="0"/>
+          <a:chOff x="0" y="0"/>
+          <a:chExt cx="0" cy="0"/>
+        </a:xfrm>
+      </p:grpSpPr>
+      <p:sp>
+        <p:nvSpPr>
+          <p:cNvPr id="2" name="Titel 1"/>
+          <p:cNvSpPr>
+            <a:spLocks noGrp="1"/>
+          </p:cNvSpPr>
+          <p:nvPr>
+            <p:ph type="title"/>
+          </p:nvPr>
+        </p:nvSpPr>
+        <p:spPr/>
+        <p:txBody>
+          <a:bodyPr/>
+          <a:lstStyle/>
+          <a:p>
+            <a:r>
+              <a:rPr lang="en-GB" dirty="0" smtClean="0"/>
+              <a:t>Location message</a:t>
+            </a:r>
+            <a:endParaRPr lang="en-GB" dirty="0"/>
+          </a:p>
+        </p:txBody>
+      </p:sp>
+      <p:sp>
+        <p:nvSpPr>
+          <p:cNvPr id="3" name="Tijdelijke aanduiding voor inhoud 2"/>
+          <p:cNvSpPr>
+            <a:spLocks noGrp="1"/>
+          </p:cNvSpPr>
+          <p:nvPr>
+            <p:ph idx="1"/>
+          </p:nvPr>
+        </p:nvSpPr>
+        <p:spPr/>
+        <p:txBody>
+          <a:bodyPr/>
+          <a:lstStyle/>
+          <a:p>
+            <a:r>
+              <a:rPr lang="en-US" dirty="0" smtClean="0"/>
+              <a:t>Mote id</a:t>
+            </a:r>
+            <a:endParaRPr lang="nl-BE" dirty="0" smtClean="0"/>
+          </a:p>
+          <a:p>
+            <a:r>
+              <a:rPr lang="en-US" dirty="0" err="1" smtClean="0"/>
+              <a:t>Anmoteid</a:t>
+            </a:r>
+            <a:endParaRPr lang="en-US" dirty="0" smtClean="0"/>
+          </a:p>
+          <a:p>
+            <a:r>
+              <a:rPr lang="en-US" dirty="0" smtClean="0"/>
+              <a:t>VANs</a:t>
+            </a:r>
+          </a:p>
+          <a:p>
+            <a:r>
+              <a:rPr lang="en-US" dirty="0" err="1" smtClean="0"/>
+              <a:t>VANr</a:t>
+            </a:r>
+            <a:endParaRPr lang="en-US" dirty="0" smtClean="0"/>
+          </a:p>
+          <a:p>
+            <a:r>
+              <a:rPr lang="en-US" dirty="0" smtClean="0"/>
+              <a:t>Hop count</a:t>
+            </a:r>
+            <a:endParaRPr lang="nl-BE" dirty="0" smtClean="0"/>
+          </a:p>
+          <a:p>
+            <a:r>
+              <a:rPr lang="en-US" dirty="0" smtClean="0"/>
+              <a:t>RSSI</a:t>
+            </a:r>
+            <a:endParaRPr lang="nl-BE" dirty="0" smtClean="0"/>
+          </a:p>
+          <a:p>
+            <a:endParaRPr lang="en-GB" dirty="0"/>
+          </a:p>
+        </p:txBody>
+      </p:sp>
+    </p:spTree>
+  </p:cSld>
+  <p:clrMapOvr>
+    <a:masterClrMapping/>
+  </p:clrMapOvr>
+  <p:timing>
+    <p:tnLst>
+      <p:par>
+        <p:cTn id="1" dur="indefinite" restart="never" nodeType="tmRoot"/>
+      </p:par>
+    </p:tnLst>
+  </p:timing>
+</p:sld>
+</file>
+
+<file path=ppt/slides/slide48.xml><?xml version="1.0" encoding="utf-8"?>
+<p:sld xmlns:a="http://schemas.openxmlformats.org/drawingml/2006/main" xmlns:r="http://schemas.openxmlformats.org/officeDocument/2006/relationships" xmlns:p="http://schemas.openxmlformats.org/presentationml/2006/main">
+  <p:cSld>
+    <p:spTree>
+      <p:nvGrpSpPr>
+        <p:cNvPr id="1" name=""/>
+        <p:cNvGrpSpPr/>
+        <p:nvPr/>
+      </p:nvGrpSpPr>
+      <p:grpSpPr>
+        <a:xfrm>
+          <a:off x="0" y="0"/>
+          <a:ext cx="0" cy="0"/>
+          <a:chOff x="0" y="0"/>
+          <a:chExt cx="0" cy="0"/>
+        </a:xfrm>
+      </p:grpSpPr>
+      <p:sp>
+        <p:nvSpPr>
+          <p:cNvPr id="2" name="Titel 1"/>
+          <p:cNvSpPr>
+            <a:spLocks noGrp="1"/>
+          </p:cNvSpPr>
+          <p:nvPr>
+            <p:ph type="title"/>
+          </p:nvPr>
+        </p:nvSpPr>
+        <p:spPr/>
+        <p:txBody>
+          <a:bodyPr/>
+          <a:lstStyle/>
+          <a:p>
+            <a:r>
+              <a:rPr lang="en-GB" dirty="0" smtClean="0"/>
+              <a:t>Status message</a:t>
+            </a:r>
+            <a:endParaRPr lang="en-GB" dirty="0"/>
+          </a:p>
+        </p:txBody>
+      </p:sp>
+      <p:sp>
+        <p:nvSpPr>
+          <p:cNvPr id="3" name="Tijdelijke aanduiding voor inhoud 2"/>
+          <p:cNvSpPr>
+            <a:spLocks noGrp="1"/>
+          </p:cNvSpPr>
+          <p:nvPr>
+            <p:ph idx="1"/>
+          </p:nvPr>
+        </p:nvSpPr>
+        <p:spPr/>
+        <p:txBody>
+          <a:bodyPr>
+            <a:normAutofit fontScale="92500" lnSpcReduction="20000"/>
+          </a:bodyPr>
+          <a:lstStyle/>
+          <a:p>
+            <a:r>
+              <a:rPr lang="en-US" dirty="0" smtClean="0"/>
+              <a:t>Mote id</a:t>
+            </a:r>
+            <a:endParaRPr lang="nl-BE" dirty="0" smtClean="0"/>
+          </a:p>
+          <a:p>
+            <a:r>
+              <a:rPr lang="en-US" dirty="0" smtClean="0"/>
+              <a:t>Active </a:t>
+            </a:r>
+            <a:endParaRPr lang="nl-BE" dirty="0" smtClean="0"/>
+          </a:p>
+          <a:p>
+            <a:r>
+              <a:rPr lang="en-US" dirty="0" smtClean="0"/>
+              <a:t>AN</a:t>
+            </a:r>
+            <a:endParaRPr lang="nl-BE" dirty="0" smtClean="0"/>
+          </a:p>
+          <a:p>
+            <a:r>
+              <a:rPr lang="en-US" dirty="0" err="1" smtClean="0"/>
+              <a:t>Posx</a:t>
+            </a:r>
+            <a:endParaRPr lang="nl-BE" dirty="0" smtClean="0"/>
+          </a:p>
+          <a:p>
+            <a:r>
+              <a:rPr lang="en-US" dirty="0" smtClean="0"/>
+              <a:t>Posy</a:t>
+            </a:r>
+            <a:endParaRPr lang="nl-BE" dirty="0" smtClean="0"/>
+          </a:p>
+          <a:p>
+            <a:r>
+              <a:rPr lang="en-US" dirty="0" err="1" smtClean="0"/>
+              <a:t>Samplerate</a:t>
+            </a:r>
+            <a:endParaRPr lang="nl-BE" dirty="0" smtClean="0"/>
+          </a:p>
+          <a:p>
+            <a:r>
+              <a:rPr lang="en-US" dirty="0" err="1" smtClean="0"/>
+              <a:t>locRate</a:t>
+            </a:r>
+            <a:endParaRPr lang="nl-BE" dirty="0" smtClean="0"/>
+          </a:p>
+          <a:p>
+            <a:r>
+              <a:rPr lang="en-US" dirty="0" err="1" smtClean="0"/>
+              <a:t>leds</a:t>
+            </a:r>
+            <a:endParaRPr lang="nl-BE" dirty="0" smtClean="0"/>
+          </a:p>
+          <a:p>
+            <a:r>
+              <a:rPr lang="en-US" dirty="0" smtClean="0"/>
+              <a:t>power</a:t>
+            </a:r>
+            <a:endParaRPr lang="nl-BE" dirty="0" smtClean="0"/>
+          </a:p>
+          <a:p>
+            <a:r>
+              <a:rPr lang="en-US" dirty="0" smtClean="0"/>
+              <a:t>frequency</a:t>
+            </a:r>
+            <a:endParaRPr lang="nl-BE" dirty="0" smtClean="0"/>
+          </a:p>
+          <a:p>
+            <a:endParaRPr lang="en-GB" dirty="0"/>
+          </a:p>
+        </p:txBody>
+      </p:sp>
+    </p:spTree>
+  </p:cSld>
+  <p:clrMapOvr>
+    <a:masterClrMapping/>
+  </p:clrMapOvr>
+  <p:timing>
+    <p:tnLst>
+      <p:par>
+        <p:cTn id="1" dur="indefinite" restart="never" nodeType="tmRoot"/>
+      </p:par>
+    </p:tnLst>
+  </p:timing>
+</p:sld>
+</file>
+
+<file path=ppt/slides/slide49.xml><?xml version="1.0" encoding="utf-8"?>
+<p:sld xmlns:a="http://schemas.openxmlformats.org/drawingml/2006/main" xmlns:r="http://schemas.openxmlformats.org/officeDocument/2006/relationships" xmlns:p="http://schemas.openxmlformats.org/presentationml/2006/main">
+  <p:cSld>
+    <p:spTree>
+      <p:nvGrpSpPr>
+        <p:cNvPr id="1" name=""/>
+        <p:cNvGrpSpPr/>
+        <p:nvPr/>
+      </p:nvGrpSpPr>
+      <p:grpSpPr>
+        <a:xfrm>
+          <a:off x="0" y="0"/>
+          <a:ext cx="0" cy="0"/>
+          <a:chOff x="0" y="0"/>
+          <a:chExt cx="0" cy="0"/>
+        </a:xfrm>
+      </p:grpSpPr>
+      <p:sp>
+        <p:nvSpPr>
+          <p:cNvPr id="2" name="Titel 1"/>
+          <p:cNvSpPr>
+            <a:spLocks noGrp="1"/>
+          </p:cNvSpPr>
+          <p:nvPr>
+            <p:ph type="title"/>
+          </p:nvPr>
+        </p:nvSpPr>
+        <p:spPr/>
+        <p:txBody>
+          <a:bodyPr/>
+          <a:lstStyle/>
+          <a:p>
+            <a:r>
+              <a:rPr lang="nl-BE" dirty="0" err="1" smtClean="0"/>
+              <a:t>Localization</a:t>
+            </a:r>
+            <a:endParaRPr lang="nl-BE" dirty="0"/>
+          </a:p>
+        </p:txBody>
+      </p:sp>
+      <p:sp>
+        <p:nvSpPr>
+          <p:cNvPr id="3" name="Tijdelijke aanduiding voor inhoud 2"/>
+          <p:cNvSpPr>
+            <a:spLocks noGrp="1"/>
+          </p:cNvSpPr>
+          <p:nvPr>
+            <p:ph idx="1"/>
+          </p:nvPr>
+        </p:nvSpPr>
+        <p:spPr/>
+        <p:txBody>
+          <a:bodyPr/>
+          <a:lstStyle/>
+          <a:p>
+            <a:endParaRPr lang="nl-BE" dirty="0"/>
+          </a:p>
+        </p:txBody>
+      </p:sp>
+    </p:spTree>
+  </p:cSld>
+  <p:clrMapOvr>
+    <a:masterClrMapping/>
+  </p:clrMapOvr>
+  <p:timing>
+    <p:tnLst>
+      <p:par>
+        <p:cTn id="1" dur="indefinite" restart="never" nodeType="tmRoot"/>
+      </p:par>
+    </p:tnLst>
+  </p:timing>
+</p:sld>
+</file>
+
+<file path=ppt/slides/slide5.xml><?xml version="1.0" encoding="utf-8"?>
+<p:sld xmlns:a="http://schemas.openxmlformats.org/drawingml/2006/main" xmlns:r="http://schemas.openxmlformats.org/officeDocument/2006/relationships" xmlns:p="http://schemas.openxmlformats.org/presentationml/2006/main">
+  <p:cSld>
+    <p:spTree>
+      <p:nvGrpSpPr>
+        <p:cNvPr id="1" name=""/>
+        <p:cNvGrpSpPr/>
+        <p:nvPr/>
+      </p:nvGrpSpPr>
+      <p:grpSpPr>
+        <a:xfrm>
+          <a:off x="0" y="0"/>
+          <a:ext cx="0" cy="0"/>
+          <a:chOff x="0" y="0"/>
+          <a:chExt cx="0" cy="0"/>
+        </a:xfrm>
+      </p:grpSpPr>
+      <p:sp>
+        <p:nvSpPr>
+          <p:cNvPr id="2" name="Titel 1"/>
+          <p:cNvSpPr>
+            <a:spLocks noGrp="1"/>
+          </p:cNvSpPr>
+          <p:nvPr>
+            <p:ph type="title"/>
+          </p:nvPr>
+        </p:nvSpPr>
+        <p:spPr/>
+        <p:txBody>
+          <a:bodyPr/>
+          <a:lstStyle/>
+          <a:p>
+            <a:r>
+              <a:rPr lang="nl-BE" dirty="0" err="1" smtClean="0"/>
+              <a:t>Applications</a:t>
+            </a:r>
+            <a:endParaRPr lang="nl-BE" dirty="0"/>
+          </a:p>
+        </p:txBody>
+      </p:sp>
+      <p:sp>
+        <p:nvSpPr>
+          <p:cNvPr id="3" name="Tijdelijke aanduiding voor inhoud 2"/>
+          <p:cNvSpPr>
+            <a:spLocks noGrp="1"/>
+          </p:cNvSpPr>
+          <p:nvPr>
+            <p:ph idx="1"/>
+          </p:nvPr>
+        </p:nvSpPr>
+        <p:spPr/>
+        <p:txBody>
+          <a:bodyPr>
+            <a:normAutofit/>
+          </a:bodyPr>
+          <a:lstStyle/>
+          <a:p>
+            <a:r>
+              <a:rPr lang="en-US" dirty="0" smtClean="0"/>
+              <a:t>Environmental monitoring (air, water, soil </a:t>
+            </a:r>
+            <a:r>
+              <a:rPr lang="nl-BE" dirty="0" err="1" smtClean="0"/>
+              <a:t>chemistry</a:t>
+            </a:r>
+            <a:r>
+              <a:rPr lang="nl-BE" dirty="0" smtClean="0"/>
+              <a:t>, surveillance)</a:t>
+            </a:r>
+          </a:p>
+          <a:p>
+            <a:pPr lvl="1"/>
+            <a:r>
+              <a:rPr lang="nl-BE" dirty="0" smtClean="0"/>
+              <a:t>REDWOOD</a:t>
+            </a:r>
+          </a:p>
+          <a:p>
+            <a:r>
+              <a:rPr lang="en-US" dirty="0" smtClean="0"/>
+              <a:t>Home automation (smart ho</a:t>
+            </a:r>
+            <a:r>
+              <a:rPr lang="nl-BE" dirty="0" smtClean="0"/>
+              <a:t>me)</a:t>
+            </a:r>
+          </a:p>
+          <a:p>
+            <a:r>
+              <a:rPr lang="en-US" dirty="0" smtClean="0"/>
+              <a:t>Inventory tracking (in warehouses, laboratories)</a:t>
+            </a:r>
+          </a:p>
+        </p:txBody>
+      </p:sp>
+    </p:spTree>
+  </p:cSld>
+  <p:clrMapOvr>
+    <a:masterClrMapping/>
+  </p:clrMapOvr>
+  <p:timing>
+    <p:tnLst>
+      <p:par>
+        <p:cTn id="1" dur="indefinite" restart="never" nodeType="tmRoot"/>
+      </p:par>
+    </p:tnLst>
+  </p:timing>
+</p:sld>
+</file>
+
+<file path=ppt/slides/slide50.xml><?xml version="1.0" encoding="utf-8"?>
+<p:sld xmlns:a="http://schemas.openxmlformats.org/drawingml/2006/main" xmlns:r="http://schemas.openxmlformats.org/officeDocument/2006/relationships" xmlns:p="http://schemas.openxmlformats.org/presentationml/2006/main">
+  <p:cSld>
+    <p:spTree>
+      <p:nvGrpSpPr>
+        <p:cNvPr id="1" name=""/>
+        <p:cNvGrpSpPr/>
+        <p:nvPr/>
+      </p:nvGrpSpPr>
+      <p:grpSpPr>
+        <a:xfrm>
+          <a:off x="0" y="0"/>
+          <a:ext cx="0" cy="0"/>
+          <a:chOff x="0" y="0"/>
+          <a:chExt cx="0" cy="0"/>
+        </a:xfrm>
+      </p:grpSpPr>
+      <p:sp>
+        <p:nvSpPr>
+          <p:cNvPr id="2" name="Titel 1"/>
+          <p:cNvSpPr>
+            <a:spLocks noGrp="1"/>
+          </p:cNvSpPr>
+          <p:nvPr>
+            <p:ph type="title"/>
+          </p:nvPr>
+        </p:nvSpPr>
+        <p:spPr/>
+        <p:txBody>
+          <a:bodyPr/>
+          <a:lstStyle/>
+          <a:p>
+            <a:r>
               <a:rPr lang="nl-BE" dirty="0" err="1" smtClean="0"/>
               <a:t>Workflow</a:t>
             </a:r>
@@ -11399,13 +12088,7 @@
               <a:rPr lang="en-US" dirty="0" smtClean="0">
                 <a:latin typeface="Tahoma" pitchFamily="34" charset="0"/>
               </a:rPr>
-              <a:t>Anchor</a:t>
-            </a:r>
-            <a:r>
-              <a:rPr lang="en-US" dirty="0" smtClean="0">
-                <a:latin typeface="Tahoma" pitchFamily="34" charset="0"/>
-              </a:rPr>
-              <a:t> </a:t>
+              <a:t>Anchor </a:t>
             </a:r>
             <a:r>
               <a:rPr lang="en-US" dirty="0">
@@ -11711,7 +12394,7 @@
 </p:sld>
 </file>
 
-<file path=ppt/slides/slide47.xml><?xml version="1.0" encoding="utf-8"?>
+<file path=ppt/slides/slide51.xml><?xml version="1.0" encoding="utf-8"?>
 <p:sld xmlns:a="http://schemas.openxmlformats.org/drawingml/2006/main" xmlns:r="http://schemas.openxmlformats.org/officeDocument/2006/relationships" xmlns:p="http://schemas.openxmlformats.org/presentationml/2006/main">
   <p:cSld>
     <p:spTree>
@@ -11837,13 +12520,7 @@
               <a:rPr lang="en-US" dirty="0" smtClean="0">
                 <a:latin typeface="Tahoma" pitchFamily="34" charset="0"/>
               </a:rPr>
-              <a:t>Anchor</a:t>
-            </a:r>
-            <a:r>
-              <a:rPr lang="en-US" dirty="0" smtClean="0">
-                <a:latin typeface="Tahoma" pitchFamily="34" charset="0"/>
-              </a:rPr>
-              <a:t> </a:t>
+              <a:t>Anchor </a:t>
             </a:r>
             <a:r>
               <a:rPr lang="en-US" dirty="0">
@@ -12287,7 +12964,7 @@
 </p:sld>
 </file>
 
-<file path=ppt/slides/slide48.xml><?xml version="1.0" encoding="utf-8"?>
+<file path=ppt/slides/slide52.xml><?xml version="1.0" encoding="utf-8"?>
 <p:sld xmlns:a="http://schemas.openxmlformats.org/drawingml/2006/main" xmlns:r="http://schemas.openxmlformats.org/officeDocument/2006/relationships" xmlns:p="http://schemas.openxmlformats.org/presentationml/2006/main">
   <p:cSld>
     <p:spTree>
@@ -12413,13 +13090,7 @@
               <a:rPr lang="en-US" dirty="0" smtClean="0">
                 <a:latin typeface="Tahoma" pitchFamily="34" charset="0"/>
               </a:rPr>
-              <a:t>Anchor</a:t>
-            </a:r>
-            <a:r>
-              <a:rPr lang="en-US" dirty="0" smtClean="0">
-                <a:latin typeface="Tahoma" pitchFamily="34" charset="0"/>
-              </a:rPr>
-              <a:t> </a:t>
+              <a:t>Anchor </a:t>
             </a:r>
             <a:r>
               <a:rPr lang="en-US" dirty="0">
@@ -12924,7 +13595,7 @@
 </p:sld>
 </file>
 
-<file path=ppt/slides/slide49.xml><?xml version="1.0" encoding="utf-8"?>
+<file path=ppt/slides/slide53.xml><?xml version="1.0" encoding="utf-8"?>
 <p:sld xmlns:a="http://schemas.openxmlformats.org/drawingml/2006/main" xmlns:r="http://schemas.openxmlformats.org/officeDocument/2006/relationships" xmlns:p="http://schemas.openxmlformats.org/presentationml/2006/main">
   <p:cSld>
     <p:spTree>
@@ -13050,13 +13721,7 @@
               <a:rPr lang="en-US" dirty="0" smtClean="0">
                 <a:latin typeface="Tahoma" pitchFamily="34" charset="0"/>
               </a:rPr>
-              <a:t>Anchor</a:t>
-            </a:r>
-            <a:r>
-              <a:rPr lang="en-US" dirty="0" smtClean="0">
-                <a:latin typeface="Tahoma" pitchFamily="34" charset="0"/>
-              </a:rPr>
-              <a:t> </a:t>
+              <a:t>Anchor </a:t>
             </a:r>
             <a:r>
               <a:rPr lang="en-US" dirty="0">
@@ -13508,152 +14173,7 @@
 </p:sld>
 </file>
 
-<file path=ppt/slides/slide5.xml><?xml version="1.0" encoding="utf-8"?>
-<p:sld xmlns:a="http://schemas.openxmlformats.org/drawingml/2006/main" xmlns:r="http://schemas.openxmlformats.org/officeDocument/2006/relationships" xmlns:p="http://schemas.openxmlformats.org/presentationml/2006/main">
-  <p:cSld>
-    <p:spTree>
-      <p:nvGrpSpPr>
-        <p:cNvPr id="1" name=""/>
-        <p:cNvGrpSpPr/>
-        <p:nvPr/>
-      </p:nvGrpSpPr>
-      <p:grpSpPr>
-        <a:xfrm>
-          <a:off x="0" y="0"/>
-          <a:ext cx="0" cy="0"/>
-          <a:chOff x="0" y="0"/>
-          <a:chExt cx="0" cy="0"/>
-        </a:xfrm>
-      </p:grpSpPr>
-      <p:sp>
-        <p:nvSpPr>
-          <p:cNvPr id="2" name="Titel 1"/>
-          <p:cNvSpPr>
-            <a:spLocks noGrp="1"/>
-          </p:cNvSpPr>
-          <p:nvPr>
-            <p:ph type="title"/>
-          </p:nvPr>
-        </p:nvSpPr>
-        <p:spPr/>
-        <p:txBody>
-          <a:bodyPr/>
-          <a:lstStyle/>
-          <a:p>
-            <a:r>
-              <a:rPr lang="nl-BE" dirty="0" err="1" smtClean="0"/>
-              <a:t>Applications</a:t>
-            </a:r>
-            <a:endParaRPr lang="nl-BE" dirty="0"/>
-          </a:p>
-        </p:txBody>
-      </p:sp>
-      <p:sp>
-        <p:nvSpPr>
-          <p:cNvPr id="3" name="Tijdelijke aanduiding voor inhoud 2"/>
-          <p:cNvSpPr>
-            <a:spLocks noGrp="1"/>
-          </p:cNvSpPr>
-          <p:nvPr>
-            <p:ph idx="1"/>
-          </p:nvPr>
-        </p:nvSpPr>
-        <p:spPr/>
-        <p:txBody>
-          <a:bodyPr>
-            <a:normAutofit/>
-          </a:bodyPr>
-          <a:lstStyle/>
-          <a:p>
-            <a:r>
-              <a:rPr lang="en-US" dirty="0" smtClean="0"/>
-              <a:t>Environmental monitoring (air, water, </a:t>
-            </a:r>
-            <a:r>
-              <a:rPr lang="en-US" dirty="0" smtClean="0"/>
-              <a:t>soil </a:t>
-            </a:r>
-            <a:r>
-              <a:rPr lang="nl-BE" dirty="0" err="1" smtClean="0"/>
-              <a:t>chemistry</a:t>
-            </a:r>
-            <a:r>
-              <a:rPr lang="nl-BE" dirty="0" smtClean="0"/>
-              <a:t>,</a:t>
-            </a:r>
-            <a:r>
-              <a:rPr lang="nl-BE" dirty="0" smtClean="0"/>
-              <a:t> </a:t>
-            </a:r>
-            <a:r>
-              <a:rPr lang="nl-BE" dirty="0" smtClean="0"/>
-              <a:t>surveillance</a:t>
-            </a:r>
-            <a:r>
-              <a:rPr lang="nl-BE" dirty="0" smtClean="0"/>
-              <a:t>)</a:t>
-            </a:r>
-          </a:p>
-          <a:p>
-            <a:pPr lvl="1"/>
-            <a:r>
-              <a:rPr lang="nl-BE" dirty="0" smtClean="0"/>
-              <a:t>REDWOOD</a:t>
-            </a:r>
-            <a:endParaRPr lang="nl-BE" dirty="0" smtClean="0"/>
-          </a:p>
-          <a:p>
-            <a:r>
-              <a:rPr lang="en-US" dirty="0" smtClean="0"/>
-              <a:t>Home </a:t>
-            </a:r>
-            <a:r>
-              <a:rPr lang="en-US" dirty="0" smtClean="0"/>
-              <a:t>automation (smart </a:t>
-            </a:r>
-            <a:r>
-              <a:rPr lang="en-US" dirty="0" smtClean="0"/>
-              <a:t>ho</a:t>
-            </a:r>
-            <a:r>
-              <a:rPr lang="nl-BE" dirty="0" smtClean="0"/>
-              <a:t>me)</a:t>
-            </a:r>
-            <a:endParaRPr lang="nl-BE" dirty="0" smtClean="0"/>
-          </a:p>
-          <a:p>
-            <a:r>
-              <a:rPr lang="en-US" dirty="0" smtClean="0"/>
-              <a:t>Inventory </a:t>
-            </a:r>
-            <a:r>
-              <a:rPr lang="en-US" dirty="0" smtClean="0"/>
-              <a:t>tracking (in warehouses, laboratories</a:t>
-            </a:r>
-            <a:r>
-              <a:rPr lang="en-US" dirty="0" smtClean="0"/>
-              <a:t>)</a:t>
-            </a:r>
-            <a:endParaRPr lang="en-US" dirty="0" smtClean="0"/>
-          </a:p>
-        </p:txBody>
-      </p:sp>
-    </p:spTree>
-  </p:cSld>
-  <p:clrMapOvr>
-    <a:masterClrMapping/>
-  </p:clrMapOvr>
-  <p:timing>
-    <p:tnLst>
-      <p:par>
-        <p:cTn id="1" dur="indefinite" restart="never" nodeType="tmRoot"/>
-      </p:par>
-    </p:tnLst>
-  </p:timing>
-</p:sld>
-</file>
-
-<file path=ppt/slides/slide50.xml><?xml version="1.0" encoding="utf-8"?>
+<file path=ppt/slides/slide54.xml><?xml version="1.0" encoding="utf-8"?>
 <p:sld xmlns:a="http://schemas.openxmlformats.org/drawingml/2006/main" xmlns:r="http://schemas.openxmlformats.org/officeDocument/2006/relationships" xmlns:p="http://schemas.openxmlformats.org/presentationml/2006/main">
   <p:cSld>
     <p:spTree>
@@ -15114,7 +15634,7 @@
 </p:sld>
 </file>
 
-<file path=ppt/slides/slide51.xml><?xml version="1.0" encoding="utf-8"?>
+<file path=ppt/slides/slide55.xml><?xml version="1.0" encoding="utf-8"?>
 <p:sld xmlns:a="http://schemas.openxmlformats.org/drawingml/2006/main" xmlns:r="http://schemas.openxmlformats.org/officeDocument/2006/relationships" xmlns:p="http://schemas.openxmlformats.org/presentationml/2006/main">
   <p:cSld>
     <p:spTree>
@@ -15343,7 +15863,7 @@
 </p:sld>
 </file>
 
-<file path=ppt/slides/slide52.xml><?xml version="1.0" encoding="utf-8"?>
+<file path=ppt/slides/slide56.xml><?xml version="1.0" encoding="utf-8"?>
 <p:sld xmlns:a="http://schemas.openxmlformats.org/drawingml/2006/main" xmlns:r="http://schemas.openxmlformats.org/officeDocument/2006/relationships" xmlns:p="http://schemas.openxmlformats.org/presentationml/2006/main">
   <p:cSld>
     <p:spTree>
@@ -15468,7 +15988,7 @@
 </p:sld>
 </file>
 
-<file path=ppt/slides/slide53.xml><?xml version="1.0" encoding="utf-8"?>
+<file path=ppt/slides/slide57.xml><?xml version="1.0" encoding="utf-8"?>
 <p:sld xmlns:a="http://schemas.openxmlformats.org/drawingml/2006/main" xmlns:r="http://schemas.openxmlformats.org/officeDocument/2006/relationships" xmlns:p="http://schemas.openxmlformats.org/presentationml/2006/main">
   <p:cSld>
     <p:spTree>
@@ -15575,7 +16095,7 @@
 </p:sld>
 </file>
 
-<file path=ppt/slides/slide54.xml><?xml version="1.0" encoding="utf-8"?>
+<file path=ppt/slides/slide58.xml><?xml version="1.0" encoding="utf-8"?>
 <p:sld xmlns:a="http://schemas.openxmlformats.org/drawingml/2006/main" xmlns:r="http://schemas.openxmlformats.org/officeDocument/2006/relationships" xmlns:p="http://schemas.openxmlformats.org/presentationml/2006/main">
   <p:cSld>
     <p:spTree>
@@ -15636,11 +16156,7 @@
             </a:r>
             <a:r>
               <a:rPr lang="en-US" dirty="0" smtClean="0"/>
-              <a:t> needs (in theory) distance measurements from</a:t>
-            </a:r>
-            <a:r>
-              <a:rPr lang="en-US" dirty="0" smtClean="0"/>
-              <a:t>:</a:t>
+              <a:t> needs (in theory) distance measurements from:</a:t>
             </a:r>
           </a:p>
           <a:p>
@@ -15696,7 +16212,7 @@
 </p:sld>
 </file>
 
-<file path=ppt/slides/slide55.xml><?xml version="1.0" encoding="utf-8"?>
+<file path=ppt/slides/slide59.xml><?xml version="1.0" encoding="utf-8"?>
 <p:sld xmlns:a="http://schemas.openxmlformats.org/drawingml/2006/main" xmlns:r="http://schemas.openxmlformats.org/officeDocument/2006/relationships" xmlns:p="http://schemas.openxmlformats.org/presentationml/2006/main">
   <p:cSld>
     <p:spTree>
@@ -15777,11 +16293,7 @@
             </a:pPr>
             <a:r>
               <a:rPr lang="en-US" baseline="30000" dirty="0" smtClean="0"/>
-              <a:t>	</a:t>
-            </a:r>
-            <a:r>
-              <a:rPr lang="en-US" baseline="30000" dirty="0" smtClean="0"/>
-              <a:t>		.</a:t>
+              <a:t>			.</a:t>
             </a:r>
           </a:p>
           <a:p>
@@ -15790,11 +16302,7 @@
             </a:pPr>
             <a:r>
               <a:rPr lang="en-US" baseline="30000" dirty="0" smtClean="0"/>
-              <a:t>	</a:t>
-            </a:r>
-            <a:r>
-              <a:rPr lang="en-US" baseline="30000" dirty="0" smtClean="0"/>
-              <a:t>		.</a:t>
+              <a:t>			.</a:t>
             </a:r>
           </a:p>
           <a:p>
@@ -15803,11 +16311,7 @@
             </a:pPr>
             <a:r>
               <a:rPr lang="en-US" baseline="30000" dirty="0" smtClean="0"/>
-              <a:t>	</a:t>
-            </a:r>
-            <a:r>
-              <a:rPr lang="en-US" baseline="30000" dirty="0" smtClean="0"/>
-              <a:t>		.</a:t>
+              <a:t>			.</a:t>
             </a:r>
           </a:p>
           <a:p>
@@ -15832,11 +16336,7 @@
             </a:r>
             <a:r>
               <a:rPr lang="en-US" dirty="0" smtClean="0"/>
-              <a:t> + (</a:t>
-            </a:r>
-            <a:r>
-              <a:rPr lang="en-US" dirty="0" smtClean="0"/>
-              <a:t>y-</a:t>
+              <a:t> + (y-</a:t>
             </a:r>
             <a:r>
               <a:rPr lang="en-US" dirty="0" err="1" smtClean="0"/>
@@ -15852,11 +16352,7 @@
             </a:r>
             <a:r>
               <a:rPr lang="en-US" dirty="0" smtClean="0"/>
-              <a:t> </a:t>
-            </a:r>
-            <a:r>
-              <a:rPr lang="en-US" dirty="0" smtClean="0"/>
-              <a:t>= </a:t>
+              <a:t> = </a:t>
             </a:r>
             <a:r>
               <a:rPr lang="en-US" dirty="0" err="1" smtClean="0"/>
@@ -15864,13 +16360,8 @@
             </a:r>
             <a:r>
               <a:rPr lang="en-US" baseline="30000" dirty="0" smtClean="0"/>
-              <a:t> </a:t>
-            </a:r>
-            <a:r>
-              <a:rPr lang="en-US" baseline="30000" dirty="0" smtClean="0"/>
-              <a:t>2</a:t>
-            </a:r>
-            <a:endParaRPr lang="en-US" baseline="30000" dirty="0" smtClean="0"/>
+              <a:t> 2</a:t>
+            </a:r>
           </a:p>
           <a:p>
             <a:pPr>
@@ -15878,11 +16369,7 @@
             </a:pPr>
             <a:r>
               <a:rPr lang="en-US" baseline="30000" dirty="0" smtClean="0"/>
-              <a:t>	</a:t>
-            </a:r>
-            <a:r>
-              <a:rPr lang="en-US" baseline="30000" dirty="0" smtClean="0"/>
-              <a:t>		</a:t>
+              <a:t>			</a:t>
             </a:r>
             <a:endParaRPr lang="nl-BE" dirty="0" smtClean="0"/>
           </a:p>
@@ -16099,7 +16586,7 @@
 </p:sld>
 </file>
 
-<file path=ppt/slides/slide56.xml><?xml version="1.0" encoding="utf-8"?>
+<file path=ppt/slides/slide6.xml><?xml version="1.0" encoding="utf-8"?>
 <p:sld xmlns:a="http://schemas.openxmlformats.org/drawingml/2006/main" xmlns:r="http://schemas.openxmlformats.org/officeDocument/2006/relationships" xmlns:p="http://schemas.openxmlformats.org/presentationml/2006/main">
   <p:cSld>
     <p:spTree>
@@ -16133,6 +16620,199 @@
           <a:p>
             <a:r>
               <a:rPr lang="nl-BE" dirty="0" err="1" smtClean="0"/>
+              <a:t>Overview</a:t>
+            </a:r>
+            <a:endParaRPr lang="nl-BE" dirty="0"/>
+          </a:p>
+        </p:txBody>
+      </p:sp>
+      <p:sp>
+        <p:nvSpPr>
+          <p:cNvPr id="3" name="Tijdelijke aanduiding voor inhoud 2"/>
+          <p:cNvSpPr>
+            <a:spLocks noGrp="1"/>
+          </p:cNvSpPr>
+          <p:nvPr>
+            <p:ph idx="1"/>
+          </p:nvPr>
+        </p:nvSpPr>
+        <p:spPr/>
+        <p:txBody>
+          <a:bodyPr/>
+          <a:lstStyle/>
+          <a:p>
+            <a:r>
+              <a:rPr lang="nl-BE" sz="2800" dirty="0" err="1" smtClean="0"/>
+              <a:t>Motivation</a:t>
+            </a:r>
+            <a:endParaRPr lang="nl-BE" sz="2800" dirty="0" smtClean="0"/>
+          </a:p>
+          <a:p>
+            <a:r>
+              <a:rPr lang="nl-BE" sz="2800" dirty="0" err="1" smtClean="0"/>
+              <a:t>Applications</a:t>
+            </a:r>
+            <a:endParaRPr lang="nl-BE" sz="2800" dirty="0" smtClean="0"/>
+          </a:p>
+          <a:p>
+            <a:r>
+              <a:rPr lang="nl-BE" sz="2800" dirty="0" smtClean="0">
+                <a:solidFill>
+                  <a:schemeClr val="accent1"/>
+                </a:solidFill>
+              </a:rPr>
+              <a:t>WSN as </a:t>
+            </a:r>
+            <a:r>
+              <a:rPr lang="nl-BE" sz="2800" dirty="0" err="1" smtClean="0">
+                <a:solidFill>
+                  <a:schemeClr val="accent1"/>
+                </a:solidFill>
+              </a:rPr>
+              <a:t>an</a:t>
+            </a:r>
+            <a:r>
+              <a:rPr lang="nl-BE" sz="2800" dirty="0" smtClean="0">
+                <a:solidFill>
+                  <a:schemeClr val="accent1"/>
+                </a:solidFill>
+              </a:rPr>
+              <a:t> RTLS</a:t>
+            </a:r>
+          </a:p>
+          <a:p>
+            <a:r>
+              <a:rPr lang="nl-BE" sz="2800" dirty="0" err="1" smtClean="0"/>
+              <a:t>Framework</a:t>
+            </a:r>
+            <a:endParaRPr lang="nl-BE" sz="2800" dirty="0" smtClean="0"/>
+          </a:p>
+          <a:p>
+            <a:r>
+              <a:rPr lang="nl-BE" sz="2800" dirty="0" smtClean="0"/>
+              <a:t> </a:t>
+            </a:r>
+            <a:r>
+              <a:rPr lang="nl-BE" sz="2800" dirty="0" err="1" smtClean="0"/>
+              <a:t>Algorithms</a:t>
+            </a:r>
+            <a:endParaRPr lang="nl-BE" sz="2800" dirty="0" smtClean="0"/>
+          </a:p>
+          <a:p>
+            <a:r>
+              <a:rPr lang="nl-BE" sz="2800" dirty="0" err="1" smtClean="0"/>
+              <a:t>Conclusion</a:t>
+            </a:r>
+            <a:r>
+              <a:rPr lang="nl-BE" sz="2800" dirty="0" smtClean="0"/>
+              <a:t>  </a:t>
+            </a:r>
+          </a:p>
+          <a:p>
+            <a:r>
+              <a:rPr lang="nl-BE" sz="2800" dirty="0" smtClean="0"/>
+              <a:t>Q&amp;A</a:t>
+            </a:r>
+          </a:p>
+          <a:p>
+            <a:pPr>
+              <a:buNone/>
+            </a:pPr>
+            <a:endParaRPr lang="nl-BE" dirty="0" smtClean="0"/>
+          </a:p>
+        </p:txBody>
+      </p:sp>
+      <p:pic>
+        <p:nvPicPr>
+          <p:cNvPr id="3078" name="Picture 6" descr="C:\Users\Poseidon\Documents\wsn logo high.gif"/>
+          <p:cNvPicPr>
+            <a:picLocks noChangeAspect="1" noChangeArrowheads="1"/>
+          </p:cNvPicPr>
+          <p:nvPr/>
+        </p:nvPicPr>
+        <p:blipFill>
+          <a:blip r:embed="rId2" cstate="print"/>
+          <a:srcRect/>
+          <a:stretch>
+            <a:fillRect/>
+          </a:stretch>
+        </p:blipFill>
+        <p:spPr bwMode="auto">
+          <a:xfrm>
+            <a:off x="285720" y="5572140"/>
+            <a:ext cx="1071538" cy="1069034"/>
+          </a:xfrm>
+          <a:prstGeom prst="rect">
+            <a:avLst/>
+          </a:prstGeom>
+          <a:ln>
+            <a:noFill/>
+          </a:ln>
+          <a:effectLst>
+            <a:reflection blurRad="12700" stA="30000" endPos="30000" dist="5000" dir="5400000" sy="-100000" algn="bl" rotWithShape="0"/>
+          </a:effectLst>
+          <a:scene3d>
+            <a:camera prst="perspectiveContrastingLeftFacing">
+              <a:rot lat="300000" lon="19800000" rev="0"/>
+            </a:camera>
+            <a:lightRig rig="threePt" dir="t">
+              <a:rot lat="0" lon="0" rev="2700000"/>
+            </a:lightRig>
+          </a:scene3d>
+          <a:sp3d>
+            <a:bevelT w="63500" h="50800"/>
+          </a:sp3d>
+        </p:spPr>
+      </p:pic>
+    </p:spTree>
+  </p:cSld>
+  <p:clrMapOvr>
+    <a:masterClrMapping/>
+  </p:clrMapOvr>
+  <p:timing>
+    <p:tnLst>
+      <p:par>
+        <p:cTn id="1" dur="indefinite" restart="never" nodeType="tmRoot"/>
+      </p:par>
+    </p:tnLst>
+  </p:timing>
+</p:sld>
+</file>
+
+<file path=ppt/slides/slide60.xml><?xml version="1.0" encoding="utf-8"?>
+<p:sld xmlns:a="http://schemas.openxmlformats.org/drawingml/2006/main" xmlns:r="http://schemas.openxmlformats.org/officeDocument/2006/relationships" xmlns:p="http://schemas.openxmlformats.org/presentationml/2006/main">
+  <p:cSld>
+    <p:spTree>
+      <p:nvGrpSpPr>
+        <p:cNvPr id="1" name=""/>
+        <p:cNvGrpSpPr/>
+        <p:nvPr/>
+      </p:nvGrpSpPr>
+      <p:grpSpPr>
+        <a:xfrm>
+          <a:off x="0" y="0"/>
+          <a:ext cx="0" cy="0"/>
+          <a:chOff x="0" y="0"/>
+          <a:chExt cx="0" cy="0"/>
+        </a:xfrm>
+      </p:grpSpPr>
+      <p:sp>
+        <p:nvSpPr>
+          <p:cNvPr id="2" name="Titel 1"/>
+          <p:cNvSpPr>
+            <a:spLocks noGrp="1"/>
+          </p:cNvSpPr>
+          <p:nvPr>
+            <p:ph type="title"/>
+          </p:nvPr>
+        </p:nvSpPr>
+        <p:spPr/>
+        <p:txBody>
+          <a:bodyPr/>
+          <a:lstStyle/>
+          <a:p>
+            <a:r>
+              <a:rPr lang="nl-BE" dirty="0" err="1" smtClean="0"/>
               <a:t>Min-Max</a:t>
             </a:r>
             <a:endParaRPr lang="nl-BE" dirty="0"/>
@@ -16173,11 +16853,7 @@
             </a:r>
             <a:r>
               <a:rPr lang="nl-BE" dirty="0" smtClean="0"/>
-              <a:t>; </a:t>
-            </a:r>
-            <a:r>
-              <a:rPr lang="nl-BE" dirty="0" smtClean="0"/>
-              <a:t>a </a:t>
+              <a:t>; a </a:t>
             </a:r>
             <a:r>
               <a:rPr lang="nl-BE" dirty="0" err="1" smtClean="0"/>
@@ -16205,23 +16881,7 @@
             </a:r>
             <a:r>
               <a:rPr lang="en-US" dirty="0" smtClean="0"/>
-              <a:t>each </a:t>
-            </a:r>
-            <a:r>
-              <a:rPr lang="en-US" dirty="0" smtClean="0"/>
-              <a:t>anchor node a bounding </a:t>
-            </a:r>
-            <a:r>
-              <a:rPr lang="en-US" dirty="0" smtClean="0"/>
-              <a:t>box and </a:t>
-            </a:r>
-            <a:r>
-              <a:rPr lang="en-US" dirty="0" smtClean="0"/>
-              <a:t>estimates position at </a:t>
-            </a:r>
-            <a:r>
-              <a:rPr lang="en-US" dirty="0" smtClean="0"/>
-              <a:t>the </a:t>
+              <a:t>each anchor node a bounding box and estimates position at the </a:t>
             </a:r>
             <a:r>
               <a:rPr lang="nl-BE" dirty="0" err="1" smtClean="0"/>
@@ -16229,11 +16889,7 @@
             </a:r>
             <a:r>
               <a:rPr lang="nl-BE" dirty="0" smtClean="0"/>
-              <a:t> </a:t>
-            </a:r>
-            <a:r>
-              <a:rPr lang="nl-BE" dirty="0" smtClean="0"/>
-              <a:t>of </a:t>
+              <a:t> of </a:t>
             </a:r>
             <a:r>
               <a:rPr lang="nl-BE" dirty="0" err="1" smtClean="0"/>
@@ -16522,7 +17178,7 @@
 </p:sld>
 </file>
 
-<file path=ppt/slides/slide57.xml><?xml version="1.0" encoding="utf-8"?>
+<file path=ppt/slides/slide61.xml><?xml version="1.0" encoding="utf-8"?>
 <p:sld xmlns:a="http://schemas.openxmlformats.org/drawingml/2006/main" xmlns:r="http://schemas.openxmlformats.org/officeDocument/2006/relationships" xmlns:p="http://schemas.openxmlformats.org/presentationml/2006/main">
   <p:cSld>
     <p:spTree>
@@ -16610,19 +17266,7 @@
           <a:p>
             <a:r>
               <a:rPr lang="en-US" dirty="0" smtClean="0"/>
-              <a:t>calculate </a:t>
-            </a:r>
-            <a:r>
-              <a:rPr lang="en-US" dirty="0" smtClean="0"/>
-              <a:t>the unknown position </a:t>
-            </a:r>
-            <a:r>
-              <a:rPr lang="en-US" dirty="0" smtClean="0"/>
-              <a:t>as </a:t>
-            </a:r>
-            <a:r>
-              <a:rPr lang="en-US" dirty="0" smtClean="0"/>
-              <a:t>the </a:t>
+              <a:t>calculate the unknown position as the </a:t>
             </a:r>
             <a:r>
               <a:rPr lang="en-US" dirty="0" err="1" smtClean="0"/>
@@ -16630,15 +17274,7 @@
             </a:r>
             <a:r>
               <a:rPr lang="en-US" dirty="0" smtClean="0"/>
-              <a:t> </a:t>
-            </a:r>
-            <a:r>
-              <a:rPr lang="en-US" dirty="0" smtClean="0"/>
-              <a:t>of the anchor nodes within their </a:t>
-            </a:r>
-            <a:r>
-              <a:rPr lang="en-US" dirty="0" smtClean="0"/>
-              <a:t> communication </a:t>
+              <a:t> of the anchor nodes within their  communication </a:t>
             </a:r>
             <a:r>
               <a:rPr lang="nl-BE" dirty="0" smtClean="0"/>
@@ -16905,11 +17541,7 @@
           <a:p>
             <a:r>
               <a:rPr lang="nl-BE" sz="1600" dirty="0" smtClean="0"/>
-              <a:t>3</a:t>
-            </a:r>
-            <a:r>
-              <a:rPr lang="nl-BE" sz="1600" dirty="0" smtClean="0"/>
-              <a:t>.0 ; 0.0</a:t>
+              <a:t>3.0 ; 0.0</a:t>
             </a:r>
             <a:endParaRPr lang="nl-BE" sz="1600" dirty="0"/>
           </a:p>
@@ -16969,11 +17601,7 @@
           <a:p>
             <a:r>
               <a:rPr lang="nl-BE" sz="1600" dirty="0" smtClean="0"/>
-              <a:t>3</a:t>
-            </a:r>
-            <a:r>
-              <a:rPr lang="nl-BE" sz="1600" dirty="0" smtClean="0"/>
-              <a:t>.0 ; 3.0</a:t>
+              <a:t>3.0 ; 3.0</a:t>
             </a:r>
             <a:endParaRPr lang="nl-BE" sz="1600" dirty="0"/>
           </a:p>
@@ -17014,10 +17642,17 @@
   <p:clrMapOvr>
     <a:masterClrMapping/>
   </p:clrMapOvr>
+  <p:timing>
+    <p:tnLst>
+      <p:par>
+        <p:cTn id="1" dur="indefinite" restart="never" nodeType="tmRoot"/>
+      </p:par>
+    </p:tnLst>
+  </p:timing>
 </p:sld>
 </file>
 
-<file path=ppt/slides/slide58.xml><?xml version="1.0" encoding="utf-8"?>
+<file path=ppt/slides/slide62.xml><?xml version="1.0" encoding="utf-8"?>
 <p:sld xmlns:a="http://schemas.openxmlformats.org/drawingml/2006/main" xmlns:r="http://schemas.openxmlformats.org/officeDocument/2006/relationships" xmlns:p="http://schemas.openxmlformats.org/presentationml/2006/main">
   <p:cSld>
     <p:spTree>
@@ -17343,11 +17978,7 @@
           <a:p>
             <a:r>
               <a:rPr lang="nl-BE" sz="1600" dirty="0" smtClean="0"/>
-              <a:t>3</a:t>
-            </a:r>
-            <a:r>
-              <a:rPr lang="nl-BE" sz="1600" dirty="0" smtClean="0"/>
-              <a:t>.0 ; 0.0</a:t>
+              <a:t>3.0 ; 0.0</a:t>
             </a:r>
             <a:endParaRPr lang="nl-BE" sz="1600" dirty="0"/>
           </a:p>
@@ -17439,11 +18070,7 @@
           <a:p>
             <a:r>
               <a:rPr lang="nl-BE" sz="1600" dirty="0" smtClean="0"/>
-              <a:t>3</a:t>
-            </a:r>
-            <a:r>
-              <a:rPr lang="nl-BE" sz="1600" dirty="0" smtClean="0"/>
-              <a:t>.0 ; 3.0</a:t>
+              <a:t>3.0 ; 3.0</a:t>
             </a:r>
             <a:endParaRPr lang="nl-BE" sz="1600" dirty="0"/>
           </a:p>
@@ -17731,192 +18358,6 @@
           </a:p>
         </p:txBody>
       </p:sp>
-    </p:spTree>
-  </p:cSld>
-  <p:clrMapOvr>
-    <a:masterClrMapping/>
-  </p:clrMapOvr>
-</p:sld>
-</file>
-
-<file path=ppt/slides/slide6.xml><?xml version="1.0" encoding="utf-8"?>
-<p:sld xmlns:a="http://schemas.openxmlformats.org/drawingml/2006/main" xmlns:r="http://schemas.openxmlformats.org/officeDocument/2006/relationships" xmlns:p="http://schemas.openxmlformats.org/presentationml/2006/main">
-  <p:cSld>
-    <p:spTree>
-      <p:nvGrpSpPr>
-        <p:cNvPr id="1" name=""/>
-        <p:cNvGrpSpPr/>
-        <p:nvPr/>
-      </p:nvGrpSpPr>
-      <p:grpSpPr>
-        <a:xfrm>
-          <a:off x="0" y="0"/>
-          <a:ext cx="0" cy="0"/>
-          <a:chOff x="0" y="0"/>
-          <a:chExt cx="0" cy="0"/>
-        </a:xfrm>
-      </p:grpSpPr>
-      <p:sp>
-        <p:nvSpPr>
-          <p:cNvPr id="2" name="Titel 1"/>
-          <p:cNvSpPr>
-            <a:spLocks noGrp="1"/>
-          </p:cNvSpPr>
-          <p:nvPr>
-            <p:ph type="title"/>
-          </p:nvPr>
-        </p:nvSpPr>
-        <p:spPr/>
-        <p:txBody>
-          <a:bodyPr/>
-          <a:lstStyle/>
-          <a:p>
-            <a:r>
-              <a:rPr lang="nl-BE" dirty="0" err="1" smtClean="0"/>
-              <a:t>Overview</a:t>
-            </a:r>
-            <a:endParaRPr lang="nl-BE" dirty="0"/>
-          </a:p>
-        </p:txBody>
-      </p:sp>
-      <p:sp>
-        <p:nvSpPr>
-          <p:cNvPr id="3" name="Tijdelijke aanduiding voor inhoud 2"/>
-          <p:cNvSpPr>
-            <a:spLocks noGrp="1"/>
-          </p:cNvSpPr>
-          <p:nvPr>
-            <p:ph idx="1"/>
-          </p:nvPr>
-        </p:nvSpPr>
-        <p:spPr/>
-        <p:txBody>
-          <a:bodyPr/>
-          <a:lstStyle/>
-          <a:p>
-            <a:r>
-              <a:rPr lang="nl-BE" sz="2800" dirty="0" err="1" smtClean="0"/>
-              <a:t>Motivation</a:t>
-            </a:r>
-            <a:endParaRPr lang="nl-BE" sz="2800" dirty="0" smtClean="0"/>
-          </a:p>
-          <a:p>
-            <a:r>
-              <a:rPr lang="nl-BE" sz="2800" dirty="0" err="1" smtClean="0"/>
-              <a:t>Applications</a:t>
-            </a:r>
-            <a:endParaRPr lang="nl-BE" sz="2800" dirty="0" smtClean="0"/>
-          </a:p>
-          <a:p>
-            <a:r>
-              <a:rPr lang="nl-BE" sz="2800" dirty="0" smtClean="0">
-                <a:solidFill>
-                  <a:schemeClr val="accent1"/>
-                </a:solidFill>
-              </a:rPr>
-              <a:t>WSN as </a:t>
-            </a:r>
-            <a:r>
-              <a:rPr lang="nl-BE" sz="2800" dirty="0" err="1" smtClean="0">
-                <a:solidFill>
-                  <a:schemeClr val="accent1"/>
-                </a:solidFill>
-              </a:rPr>
-              <a:t>an</a:t>
-            </a:r>
-            <a:r>
-              <a:rPr lang="nl-BE" sz="2800" dirty="0" smtClean="0">
-                <a:solidFill>
-                  <a:schemeClr val="accent1"/>
-                </a:solidFill>
-              </a:rPr>
-              <a:t> RTLS</a:t>
-            </a:r>
-          </a:p>
-          <a:p>
-            <a:r>
-              <a:rPr lang="nl-BE" sz="2800" dirty="0" err="1" smtClean="0"/>
-              <a:t>Framework</a:t>
-            </a:r>
-            <a:endParaRPr lang="nl-BE" sz="2800" dirty="0" smtClean="0"/>
-          </a:p>
-          <a:p>
-            <a:r>
-              <a:rPr lang="nl-BE" sz="2800" dirty="0" smtClean="0"/>
-              <a:t> </a:t>
-            </a:r>
-            <a:r>
-              <a:rPr lang="nl-BE" sz="2800" dirty="0" err="1" smtClean="0"/>
-              <a:t>Algorithms</a:t>
-            </a:r>
-            <a:endParaRPr lang="nl-BE" sz="2800" dirty="0" smtClean="0"/>
-          </a:p>
-          <a:p>
-            <a:r>
-              <a:rPr lang="nl-BE" sz="2800" dirty="0" err="1" smtClean="0"/>
-              <a:t>Conclusion</a:t>
-            </a:r>
-            <a:r>
-              <a:rPr lang="nl-BE" sz="2800" dirty="0" smtClean="0"/>
-              <a:t>  </a:t>
-            </a:r>
-          </a:p>
-          <a:p>
-            <a:r>
-              <a:rPr lang="nl-BE" sz="2800" dirty="0" smtClean="0"/>
-              <a:t>Q&amp;A</a:t>
-            </a:r>
-          </a:p>
-          <a:p>
-            <a:pPr>
-              <a:buNone/>
-            </a:pPr>
-            <a:endParaRPr lang="nl-BE" dirty="0" smtClean="0"/>
-          </a:p>
-        </p:txBody>
-      </p:sp>
-      <p:pic>
-        <p:nvPicPr>
-          <p:cNvPr id="3078" name="Picture 6" descr="C:\Users\Poseidon\Documents\wsn logo high.gif"/>
-          <p:cNvPicPr>
-            <a:picLocks noChangeAspect="1" noChangeArrowheads="1"/>
-          </p:cNvPicPr>
-          <p:nvPr/>
-        </p:nvPicPr>
-        <p:blipFill>
-          <a:blip r:embed="rId2" cstate="print"/>
-          <a:srcRect/>
-          <a:stretch>
-            <a:fillRect/>
-          </a:stretch>
-        </p:blipFill>
-        <p:spPr bwMode="auto">
-          <a:xfrm>
-            <a:off x="285720" y="5572140"/>
-            <a:ext cx="1071538" cy="1069034"/>
-          </a:xfrm>
-          <a:prstGeom prst="rect">
-            <a:avLst/>
-          </a:prstGeom>
-          <a:ln>
-            <a:noFill/>
-          </a:ln>
-          <a:effectLst>
-            <a:reflection blurRad="12700" stA="30000" endPos="30000" dist="5000" dir="5400000" sy="-100000" algn="bl" rotWithShape="0"/>
-          </a:effectLst>
-          <a:scene3d>
-            <a:camera prst="perspectiveContrastingLeftFacing">
-              <a:rot lat="300000" lon="19800000" rev="0"/>
-            </a:camera>
-            <a:lightRig rig="threePt" dir="t">
-              <a:rot lat="0" lon="0" rev="2700000"/>
-            </a:lightRig>
-          </a:scene3d>
-          <a:sp3d>
-            <a:bevelT w="63500" h="50800"/>
-          </a:sp3d>
-        </p:spPr>
-      </p:pic>
     </p:spTree>
   </p:cSld>
   <p:clrMapOvr>

--- a/Resources/WSN localization with Senseless framework.pptx
+++ b/Resources/WSN localization with Senseless framework.pptx
@@ -5,7 +5,7 @@
     <p:sldMasterId id="2147483672" r:id="rId1"/>
   </p:sldMasterIdLst>
   <p:notesMasterIdLst>
-    <p:notesMasterId r:id="rId91"/>
+    <p:notesMasterId r:id="rId93"/>
   </p:notesMasterIdLst>
   <p:sldIdLst>
     <p:sldId id="321" r:id="rId2"/>
@@ -39,10 +39,10 @@
     <p:sldId id="386" r:id="rId30"/>
     <p:sldId id="376" r:id="rId31"/>
     <p:sldId id="302" r:id="rId32"/>
-    <p:sldId id="303" r:id="rId33"/>
-    <p:sldId id="261" r:id="rId34"/>
-    <p:sldId id="260" r:id="rId35"/>
-    <p:sldId id="304" r:id="rId36"/>
+    <p:sldId id="405" r:id="rId33"/>
+    <p:sldId id="303" r:id="rId34"/>
+    <p:sldId id="261" r:id="rId35"/>
+    <p:sldId id="260" r:id="rId36"/>
     <p:sldId id="369" r:id="rId37"/>
     <p:sldId id="370" r:id="rId38"/>
     <p:sldId id="371" r:id="rId39"/>
@@ -69,11 +69,11 @@
     <p:sldId id="317" r:id="rId60"/>
     <p:sldId id="318" r:id="rId61"/>
     <p:sldId id="319" r:id="rId62"/>
-    <p:sldId id="401" r:id="rId63"/>
-    <p:sldId id="387" r:id="rId64"/>
-    <p:sldId id="388" r:id="rId65"/>
-    <p:sldId id="266" r:id="rId66"/>
-    <p:sldId id="397" r:id="rId67"/>
+    <p:sldId id="387" r:id="rId63"/>
+    <p:sldId id="388" r:id="rId64"/>
+    <p:sldId id="266" r:id="rId65"/>
+    <p:sldId id="397" r:id="rId66"/>
+    <p:sldId id="404" r:id="rId67"/>
     <p:sldId id="299" r:id="rId68"/>
     <p:sldId id="305" r:id="rId69"/>
     <p:sldId id="300" r:id="rId70"/>
@@ -87,16 +87,18 @@
     <p:sldId id="298" r:id="rId78"/>
     <p:sldId id="389" r:id="rId79"/>
     <p:sldId id="390" r:id="rId80"/>
-    <p:sldId id="391" r:id="rId81"/>
-    <p:sldId id="392" r:id="rId82"/>
-    <p:sldId id="367" r:id="rId83"/>
-    <p:sldId id="400" r:id="rId84"/>
-    <p:sldId id="393" r:id="rId85"/>
-    <p:sldId id="394" r:id="rId86"/>
-    <p:sldId id="368" r:id="rId87"/>
-    <p:sldId id="399" r:id="rId88"/>
-    <p:sldId id="395" r:id="rId89"/>
-    <p:sldId id="396" r:id="rId90"/>
+    <p:sldId id="402" r:id="rId81"/>
+    <p:sldId id="403" r:id="rId82"/>
+    <p:sldId id="391" r:id="rId83"/>
+    <p:sldId id="392" r:id="rId84"/>
+    <p:sldId id="367" r:id="rId85"/>
+    <p:sldId id="400" r:id="rId86"/>
+    <p:sldId id="393" r:id="rId87"/>
+    <p:sldId id="394" r:id="rId88"/>
+    <p:sldId id="368" r:id="rId89"/>
+    <p:sldId id="399" r:id="rId90"/>
+    <p:sldId id="395" r:id="rId91"/>
+    <p:sldId id="396" r:id="rId92"/>
   </p:sldIdLst>
   <p:sldSz cx="9144000" cy="6858000" type="screen4x3"/>
   <p:notesSz cx="6858000" cy="9144000"/>
@@ -198,6 +200,1319 @@
 </p:presentation>
 </file>
 
+<file path=ppt/charts/chart1.xml><?xml version="1.0" encoding="utf-8"?>
+<c:chartSpace xmlns:c="http://schemas.openxmlformats.org/drawingml/2006/chart" xmlns:a="http://schemas.openxmlformats.org/drawingml/2006/main" xmlns:r="http://schemas.openxmlformats.org/officeDocument/2006/relationships">
+  <c:lang val="en-US"/>
+  <c:style val="10"/>
+  <c:chart>
+    <c:autoTitleDeleted val="1"/>
+    <c:plotArea>
+      <c:layout>
+        <c:manualLayout>
+          <c:layoutTarget val="inner"/>
+          <c:xMode val="edge"/>
+          <c:yMode val="edge"/>
+          <c:x val="0.1143441071182707"/>
+          <c:y val="4.261592300962383E-2"/>
+          <c:w val="0.87978541297517754"/>
+          <c:h val="0.82727981918926863"/>
+        </c:manualLayout>
+      </c:layout>
+      <c:lineChart>
+        <c:grouping val="standard"/>
+        <c:ser>
+          <c:idx val="1"/>
+          <c:order val="1"/>
+          <c:tx>
+            <c:v>5m</c:v>
+          </c:tx>
+          <c:errBars>
+            <c:errDir val="y"/>
+            <c:errBarType val="both"/>
+            <c:errValType val="cust"/>
+            <c:plus>
+              <c:numRef>
+                <c:f>Blad2!$E$25:$E$42</c:f>
+                <c:numCache>
+                  <c:formatCode>General</c:formatCode>
+                  <c:ptCount val="18"/>
+                  <c:pt idx="0">
+                    <c:v>0.73780000000000001</c:v>
+                  </c:pt>
+                  <c:pt idx="1">
+                    <c:v>0.67490000000000006</c:v>
+                  </c:pt>
+                  <c:pt idx="2">
+                    <c:v>0.33350000000000002</c:v>
+                  </c:pt>
+                  <c:pt idx="3">
+                    <c:v>0.50070000000000003</c:v>
+                  </c:pt>
+                  <c:pt idx="4">
+                    <c:v>1.3005</c:v>
+                  </c:pt>
+                  <c:pt idx="5">
+                    <c:v>2.0575999999999999</c:v>
+                  </c:pt>
+                  <c:pt idx="6">
+                    <c:v>3.4737</c:v>
+                  </c:pt>
+                  <c:pt idx="7">
+                    <c:v>2.5642</c:v>
+                  </c:pt>
+                  <c:pt idx="8">
+                    <c:v>2.6850000000000001</c:v>
+                  </c:pt>
+                  <c:pt idx="9">
+                    <c:v>1.2806999999999999</c:v>
+                  </c:pt>
+                  <c:pt idx="10">
+                    <c:v>5.0494000000000003</c:v>
+                  </c:pt>
+                  <c:pt idx="11">
+                    <c:v>3.3849999999999998</c:v>
+                  </c:pt>
+                  <c:pt idx="12">
+                    <c:v>0.36570000000000003</c:v>
+                  </c:pt>
+                  <c:pt idx="13">
+                    <c:v>0.62150000000000005</c:v>
+                  </c:pt>
+                  <c:pt idx="14">
+                    <c:v>2.8923999999999999</c:v>
+                  </c:pt>
+                  <c:pt idx="15">
+                    <c:v>0.53139999999999998</c:v>
+                  </c:pt>
+                  <c:pt idx="16">
+                    <c:v>0.29320000000000002</c:v>
+                  </c:pt>
+                  <c:pt idx="17">
+                    <c:v>0.59209999999999996</c:v>
+                  </c:pt>
+                </c:numCache>
+              </c:numRef>
+            </c:plus>
+            <c:minus>
+              <c:numRef>
+                <c:f>Blad2!$E$25:$E$42</c:f>
+                <c:numCache>
+                  <c:formatCode>General</c:formatCode>
+                  <c:ptCount val="18"/>
+                  <c:pt idx="0">
+                    <c:v>0.73780000000000001</c:v>
+                  </c:pt>
+                  <c:pt idx="1">
+                    <c:v>0.67490000000000006</c:v>
+                  </c:pt>
+                  <c:pt idx="2">
+                    <c:v>0.33350000000000002</c:v>
+                  </c:pt>
+                  <c:pt idx="3">
+                    <c:v>0.50070000000000003</c:v>
+                  </c:pt>
+                  <c:pt idx="4">
+                    <c:v>1.3005</c:v>
+                  </c:pt>
+                  <c:pt idx="5">
+                    <c:v>2.0575999999999999</c:v>
+                  </c:pt>
+                  <c:pt idx="6">
+                    <c:v>3.4737</c:v>
+                  </c:pt>
+                  <c:pt idx="7">
+                    <c:v>2.5642</c:v>
+                  </c:pt>
+                  <c:pt idx="8">
+                    <c:v>2.6850000000000001</c:v>
+                  </c:pt>
+                  <c:pt idx="9">
+                    <c:v>1.2806999999999999</c:v>
+                  </c:pt>
+                  <c:pt idx="10">
+                    <c:v>5.0494000000000003</c:v>
+                  </c:pt>
+                  <c:pt idx="11">
+                    <c:v>3.3849999999999998</c:v>
+                  </c:pt>
+                  <c:pt idx="12">
+                    <c:v>0.36570000000000003</c:v>
+                  </c:pt>
+                  <c:pt idx="13">
+                    <c:v>0.62150000000000005</c:v>
+                  </c:pt>
+                  <c:pt idx="14">
+                    <c:v>2.8923999999999999</c:v>
+                  </c:pt>
+                  <c:pt idx="15">
+                    <c:v>0.53139999999999998</c:v>
+                  </c:pt>
+                  <c:pt idx="16">
+                    <c:v>0.29320000000000002</c:v>
+                  </c:pt>
+                  <c:pt idx="17">
+                    <c:v>0.59209999999999996</c:v>
+                  </c:pt>
+                </c:numCache>
+              </c:numRef>
+            </c:minus>
+          </c:errBars>
+          <c:cat>
+            <c:numRef>
+              <c:f>Blad2!$B$4:$B$21</c:f>
+              <c:numCache>
+                <c:formatCode>General</c:formatCode>
+                <c:ptCount val="18"/>
+                <c:pt idx="0">
+                  <c:v>0</c:v>
+                </c:pt>
+                <c:pt idx="1">
+                  <c:v>20</c:v>
+                </c:pt>
+                <c:pt idx="2">
+                  <c:v>40</c:v>
+                </c:pt>
+                <c:pt idx="3">
+                  <c:v>60</c:v>
+                </c:pt>
+                <c:pt idx="4">
+                  <c:v>80</c:v>
+                </c:pt>
+                <c:pt idx="5">
+                  <c:v>100</c:v>
+                </c:pt>
+                <c:pt idx="6">
+                  <c:v>120</c:v>
+                </c:pt>
+                <c:pt idx="7">
+                  <c:v>140</c:v>
+                </c:pt>
+                <c:pt idx="8">
+                  <c:v>160</c:v>
+                </c:pt>
+                <c:pt idx="9">
+                  <c:v>180</c:v>
+                </c:pt>
+                <c:pt idx="10">
+                  <c:v>200</c:v>
+                </c:pt>
+                <c:pt idx="11">
+                  <c:v>220</c:v>
+                </c:pt>
+                <c:pt idx="12">
+                  <c:v>240</c:v>
+                </c:pt>
+                <c:pt idx="13">
+                  <c:v>260</c:v>
+                </c:pt>
+                <c:pt idx="14">
+                  <c:v>280</c:v>
+                </c:pt>
+                <c:pt idx="15">
+                  <c:v>300</c:v>
+                </c:pt>
+                <c:pt idx="16">
+                  <c:v>320</c:v>
+                </c:pt>
+                <c:pt idx="17">
+                  <c:v>340</c:v>
+                </c:pt>
+              </c:numCache>
+            </c:numRef>
+          </c:cat>
+          <c:val>
+            <c:numRef>
+              <c:f>Blad2!$D$25:$D$42</c:f>
+              <c:numCache>
+                <c:formatCode>General</c:formatCode>
+                <c:ptCount val="18"/>
+                <c:pt idx="0">
+                  <c:v>-61.181800000000003</c:v>
+                </c:pt>
+                <c:pt idx="1">
+                  <c:v>-60.697899999999997</c:v>
+                </c:pt>
+                <c:pt idx="2">
+                  <c:v>-58.015900000000002</c:v>
+                </c:pt>
+                <c:pt idx="3">
+                  <c:v>-56.215600000000002</c:v>
+                </c:pt>
+                <c:pt idx="4">
+                  <c:v>-58.415500000000002</c:v>
+                </c:pt>
+                <c:pt idx="5">
+                  <c:v>-54.652000000000001</c:v>
+                </c:pt>
+                <c:pt idx="6">
+                  <c:v>-58.949300000000001</c:v>
+                </c:pt>
+                <c:pt idx="7">
+                  <c:v>-58.5623</c:v>
+                </c:pt>
+                <c:pt idx="8">
+                  <c:v>-58.246400000000001</c:v>
+                </c:pt>
+                <c:pt idx="9">
+                  <c:v>-73.2</c:v>
+                </c:pt>
+                <c:pt idx="10">
+                  <c:v>-64.475099999999998</c:v>
+                </c:pt>
+                <c:pt idx="11">
+                  <c:v>-61.8217</c:v>
+                </c:pt>
+                <c:pt idx="12">
+                  <c:v>-59.915799999999997</c:v>
+                </c:pt>
+                <c:pt idx="13">
+                  <c:v>-54.734200000000001</c:v>
+                </c:pt>
+                <c:pt idx="14">
+                  <c:v>-57.624200000000002</c:v>
+                </c:pt>
+                <c:pt idx="15">
+                  <c:v>-55.5762</c:v>
+                </c:pt>
+                <c:pt idx="16">
+                  <c:v>-57.016100000000002</c:v>
+                </c:pt>
+                <c:pt idx="17">
+                  <c:v>-61.725900000000003</c:v>
+                </c:pt>
+              </c:numCache>
+            </c:numRef>
+          </c:val>
+        </c:ser>
+        <c:ser>
+          <c:idx val="0"/>
+          <c:order val="0"/>
+          <c:tx>
+            <c:strRef>
+              <c:f>Blad2!$D$3</c:f>
+              <c:strCache>
+                <c:ptCount val="1"/>
+                <c:pt idx="0">
+                  <c:v>1m</c:v>
+                </c:pt>
+              </c:strCache>
+            </c:strRef>
+          </c:tx>
+          <c:errBars>
+            <c:errDir val="y"/>
+            <c:errBarType val="both"/>
+            <c:errValType val="cust"/>
+            <c:plus>
+              <c:numRef>
+                <c:f>Blad2!$E$4:$E$21</c:f>
+                <c:numCache>
+                  <c:formatCode>General</c:formatCode>
+                  <c:ptCount val="18"/>
+                  <c:pt idx="0">
+                    <c:v>0.55795995590550118</c:v>
+                  </c:pt>
+                  <c:pt idx="1">
+                    <c:v>0.99887789884811262</c:v>
+                  </c:pt>
+                  <c:pt idx="2">
+                    <c:v>0.50812925153172572</c:v>
+                  </c:pt>
+                  <c:pt idx="3">
+                    <c:v>0.30430000000000001</c:v>
+                  </c:pt>
+                  <c:pt idx="4">
+                    <c:v>0.99887789884811262</c:v>
+                  </c:pt>
+                  <c:pt idx="5">
+                    <c:v>0.2386295517873715</c:v>
+                  </c:pt>
+                  <c:pt idx="6">
+                    <c:v>1.5575279390433208</c:v>
+                  </c:pt>
+                  <c:pt idx="7">
+                    <c:v>2.4844573028908421</c:v>
+                  </c:pt>
+                  <c:pt idx="8">
+                    <c:v>0.70429969345921217</c:v>
+                  </c:pt>
+                  <c:pt idx="9">
+                    <c:v>1.3326212741605752</c:v>
+                  </c:pt>
+                  <c:pt idx="10">
+                    <c:v>2.5681318518307541</c:v>
+                  </c:pt>
+                  <c:pt idx="11">
+                    <c:v>0.88266056631733525</c:v>
+                  </c:pt>
+                  <c:pt idx="12">
+                    <c:v>0.6867814279556389</c:v>
+                  </c:pt>
+                  <c:pt idx="13">
+                    <c:v>1.1077569033468457</c:v>
+                  </c:pt>
+                  <c:pt idx="14">
+                    <c:v>1.3768838193758368</c:v>
+                  </c:pt>
+                  <c:pt idx="15">
+                    <c:v>0.8427127091510539</c:v>
+                  </c:pt>
+                  <c:pt idx="16">
+                    <c:v>0.8210691676298939</c:v>
+                  </c:pt>
+                  <c:pt idx="17">
+                    <c:v>2.6270663928634201</c:v>
+                  </c:pt>
+                </c:numCache>
+              </c:numRef>
+            </c:plus>
+            <c:minus>
+              <c:numRef>
+                <c:f>Blad2!$E$4:$E$21</c:f>
+                <c:numCache>
+                  <c:formatCode>General</c:formatCode>
+                  <c:ptCount val="18"/>
+                  <c:pt idx="0">
+                    <c:v>0.55795995590550118</c:v>
+                  </c:pt>
+                  <c:pt idx="1">
+                    <c:v>0.99887789884811262</c:v>
+                  </c:pt>
+                  <c:pt idx="2">
+                    <c:v>0.50812925153172572</c:v>
+                  </c:pt>
+                  <c:pt idx="3">
+                    <c:v>0.30430000000000001</c:v>
+                  </c:pt>
+                  <c:pt idx="4">
+                    <c:v>0.99887789884811262</c:v>
+                  </c:pt>
+                  <c:pt idx="5">
+                    <c:v>0.2386295517873715</c:v>
+                  </c:pt>
+                  <c:pt idx="6">
+                    <c:v>1.5575279390433208</c:v>
+                  </c:pt>
+                  <c:pt idx="7">
+                    <c:v>2.4844573028908421</c:v>
+                  </c:pt>
+                  <c:pt idx="8">
+                    <c:v>0.70429969345921217</c:v>
+                  </c:pt>
+                  <c:pt idx="9">
+                    <c:v>1.3326212741605752</c:v>
+                  </c:pt>
+                  <c:pt idx="10">
+                    <c:v>2.5681318518307541</c:v>
+                  </c:pt>
+                  <c:pt idx="11">
+                    <c:v>0.88266056631733525</c:v>
+                  </c:pt>
+                  <c:pt idx="12">
+                    <c:v>0.6867814279556389</c:v>
+                  </c:pt>
+                  <c:pt idx="13">
+                    <c:v>1.1077569033468457</c:v>
+                  </c:pt>
+                  <c:pt idx="14">
+                    <c:v>1.3768838193758368</c:v>
+                  </c:pt>
+                  <c:pt idx="15">
+                    <c:v>0.8427127091510539</c:v>
+                  </c:pt>
+                  <c:pt idx="16">
+                    <c:v>0.8210691676298939</c:v>
+                  </c:pt>
+                  <c:pt idx="17">
+                    <c:v>2.6270663928634201</c:v>
+                  </c:pt>
+                </c:numCache>
+              </c:numRef>
+            </c:minus>
+          </c:errBars>
+          <c:cat>
+            <c:numRef>
+              <c:f>Blad2!$B$4:$B$21</c:f>
+              <c:numCache>
+                <c:formatCode>General</c:formatCode>
+                <c:ptCount val="18"/>
+                <c:pt idx="0">
+                  <c:v>0</c:v>
+                </c:pt>
+                <c:pt idx="1">
+                  <c:v>20</c:v>
+                </c:pt>
+                <c:pt idx="2">
+                  <c:v>40</c:v>
+                </c:pt>
+                <c:pt idx="3">
+                  <c:v>60</c:v>
+                </c:pt>
+                <c:pt idx="4">
+                  <c:v>80</c:v>
+                </c:pt>
+                <c:pt idx="5">
+                  <c:v>100</c:v>
+                </c:pt>
+                <c:pt idx="6">
+                  <c:v>120</c:v>
+                </c:pt>
+                <c:pt idx="7">
+                  <c:v>140</c:v>
+                </c:pt>
+                <c:pt idx="8">
+                  <c:v>160</c:v>
+                </c:pt>
+                <c:pt idx="9">
+                  <c:v>180</c:v>
+                </c:pt>
+                <c:pt idx="10">
+                  <c:v>200</c:v>
+                </c:pt>
+                <c:pt idx="11">
+                  <c:v>220</c:v>
+                </c:pt>
+                <c:pt idx="12">
+                  <c:v>240</c:v>
+                </c:pt>
+                <c:pt idx="13">
+                  <c:v>260</c:v>
+                </c:pt>
+                <c:pt idx="14">
+                  <c:v>280</c:v>
+                </c:pt>
+                <c:pt idx="15">
+                  <c:v>300</c:v>
+                </c:pt>
+                <c:pt idx="16">
+                  <c:v>320</c:v>
+                </c:pt>
+                <c:pt idx="17">
+                  <c:v>340</c:v>
+                </c:pt>
+              </c:numCache>
+            </c:numRef>
+          </c:cat>
+          <c:val>
+            <c:numRef>
+              <c:f>Blad2!$D$4:$D$21</c:f>
+              <c:numCache>
+                <c:formatCode>General</c:formatCode>
+                <c:ptCount val="18"/>
+                <c:pt idx="0">
+                  <c:v>-52.896799999999999</c:v>
+                </c:pt>
+                <c:pt idx="1">
+                  <c:v>-53.253283302063792</c:v>
+                </c:pt>
+                <c:pt idx="2">
+                  <c:v>-43.558441558441558</c:v>
+                </c:pt>
+                <c:pt idx="3">
+                  <c:v>-41.102941176470587</c:v>
+                </c:pt>
+                <c:pt idx="4">
+                  <c:v>-53.253283302063792</c:v>
+                </c:pt>
+                <c:pt idx="5">
+                  <c:v>-41.060422960725077</c:v>
+                </c:pt>
+                <c:pt idx="6">
+                  <c:v>-43.284883720930232</c:v>
+                </c:pt>
+                <c:pt idx="7">
+                  <c:v>-44.850187265917604</c:v>
+                </c:pt>
+                <c:pt idx="8">
+                  <c:v>-47.742547425474257</c:v>
+                </c:pt>
+                <c:pt idx="9">
+                  <c:v>-52.990291262135919</c:v>
+                </c:pt>
+                <c:pt idx="10">
+                  <c:v>-58.133152173913047</c:v>
+                </c:pt>
+                <c:pt idx="11">
+                  <c:v>-53.029032258064518</c:v>
+                </c:pt>
+                <c:pt idx="12">
+                  <c:v>-51.615141955835959</c:v>
+                </c:pt>
+                <c:pt idx="13">
+                  <c:v>-50.815151515151513</c:v>
+                </c:pt>
+                <c:pt idx="14">
+                  <c:v>-52.326704545454547</c:v>
+                </c:pt>
+                <c:pt idx="15">
+                  <c:v>-58.784511784511785</c:v>
+                </c:pt>
+                <c:pt idx="16">
+                  <c:v>-56.773743016759774</c:v>
+                </c:pt>
+                <c:pt idx="17">
+                  <c:v>-56.228412256267411</c:v>
+                </c:pt>
+              </c:numCache>
+            </c:numRef>
+          </c:val>
+        </c:ser>
+        <c:marker val="1"/>
+        <c:axId val="103680640"/>
+        <c:axId val="103917440"/>
+      </c:lineChart>
+      <c:catAx>
+        <c:axId val="103680640"/>
+        <c:scaling>
+          <c:orientation val="minMax"/>
+        </c:scaling>
+        <c:axPos val="t"/>
+        <c:title>
+          <c:tx>
+            <c:rich>
+              <a:bodyPr/>
+              <a:lstStyle/>
+              <a:p>
+                <a:pPr>
+                  <a:defRPr/>
+                </a:pPr>
+                <a:r>
+                  <a:rPr lang="en-US"/>
+                  <a:t>Angle (°)</a:t>
+                </a:r>
+              </a:p>
+            </c:rich>
+          </c:tx>
+          <c:layout>
+            <c:manualLayout>
+              <c:xMode val="edge"/>
+              <c:yMode val="edge"/>
+              <c:x val="0.90751483885980144"/>
+              <c:y val="0.92592592592592549"/>
+            </c:manualLayout>
+          </c:layout>
+        </c:title>
+        <c:numFmt formatCode="General" sourceLinked="1"/>
+        <c:majorTickMark val="cross"/>
+        <c:tickLblPos val="nextTo"/>
+        <c:crossAx val="103917440"/>
+        <c:crosses val="autoZero"/>
+        <c:auto val="1"/>
+        <c:lblAlgn val="ctr"/>
+        <c:lblOffset val="100"/>
+      </c:catAx>
+      <c:valAx>
+        <c:axId val="103917440"/>
+        <c:scaling>
+          <c:orientation val="maxMin"/>
+        </c:scaling>
+        <c:axPos val="l"/>
+        <c:majorGridlines/>
+        <c:title>
+          <c:tx>
+            <c:rich>
+              <a:bodyPr rot="0" vert="wordArtVert"/>
+              <a:lstStyle/>
+              <a:p>
+                <a:pPr>
+                  <a:defRPr/>
+                </a:pPr>
+                <a:r>
+                  <a:rPr lang="nl-BE"/>
+                  <a:t>RSSI(dBm)</a:t>
+                </a:r>
+              </a:p>
+            </c:rich>
+          </c:tx>
+          <c:layout/>
+        </c:title>
+        <c:numFmt formatCode="General" sourceLinked="1"/>
+        <c:tickLblPos val="nextTo"/>
+        <c:crossAx val="103680640"/>
+        <c:crosses val="autoZero"/>
+        <c:crossBetween val="between"/>
+      </c:valAx>
+    </c:plotArea>
+    <c:legend>
+      <c:legendPos val="r"/>
+      <c:layout>
+        <c:manualLayout>
+          <c:xMode val="edge"/>
+          <c:yMode val="edge"/>
+          <c:x val="0.8927677956767176"/>
+          <c:y val="0.45794947506561701"/>
+          <c:w val="9.411778879251001E-2"/>
+          <c:h val="0.16743438320209997"/>
+        </c:manualLayout>
+      </c:layout>
+    </c:legend>
+    <c:plotVisOnly val="1"/>
+  </c:chart>
+  <c:txPr>
+    <a:bodyPr/>
+    <a:lstStyle/>
+    <a:p>
+      <a:pPr>
+        <a:defRPr sz="1800"/>
+      </a:pPr>
+      <a:endParaRPr lang="en-US"/>
+    </a:p>
+  </c:txPr>
+  <c:externalData r:id="rId1"/>
+</c:chartSpace>
+</file>
+
+<file path=ppt/charts/chart2.xml><?xml version="1.0" encoding="utf-8"?>
+<c:chartSpace xmlns:c="http://schemas.openxmlformats.org/drawingml/2006/chart" xmlns:a="http://schemas.openxmlformats.org/drawingml/2006/main" xmlns:r="http://schemas.openxmlformats.org/officeDocument/2006/relationships">
+  <c:lang val="en-US"/>
+  <c:style val="10"/>
+  <c:chart>
+    <c:plotArea>
+      <c:layout>
+        <c:manualLayout>
+          <c:layoutTarget val="inner"/>
+          <c:xMode val="edge"/>
+          <c:yMode val="edge"/>
+          <c:x val="0.10814109183532976"/>
+          <c:y val="2.8252405949256338E-2"/>
+          <c:w val="0.87962119647528714"/>
+          <c:h val="0.84627296587926415"/>
+        </c:manualLayout>
+      </c:layout>
+      <c:lineChart>
+        <c:grouping val="standard"/>
+        <c:ser>
+          <c:idx val="1"/>
+          <c:order val="1"/>
+          <c:tx>
+            <c:v>5m</c:v>
+          </c:tx>
+          <c:errBars>
+            <c:errDir val="y"/>
+            <c:errBarType val="both"/>
+            <c:errValType val="cust"/>
+            <c:plus>
+              <c:numRef>
+                <c:f>Blad2!$E$67:$E$84</c:f>
+                <c:numCache>
+                  <c:formatCode>General</c:formatCode>
+                  <c:ptCount val="18"/>
+                  <c:pt idx="0">
+                    <c:v>0.88109999999999999</c:v>
+                  </c:pt>
+                  <c:pt idx="1">
+                    <c:v>0.95099999999999996</c:v>
+                  </c:pt>
+                  <c:pt idx="2">
+                    <c:v>0.87880000000000003</c:v>
+                  </c:pt>
+                  <c:pt idx="3">
+                    <c:v>0.92249999999999999</c:v>
+                  </c:pt>
+                  <c:pt idx="4">
+                    <c:v>1.163</c:v>
+                  </c:pt>
+                  <c:pt idx="5">
+                    <c:v>1.2475000000000001</c:v>
+                  </c:pt>
+                  <c:pt idx="6">
+                    <c:v>1.0065999999999999</c:v>
+                  </c:pt>
+                  <c:pt idx="7">
+                    <c:v>0.99919999999999998</c:v>
+                  </c:pt>
+                  <c:pt idx="8">
+                    <c:v>0.89300000000000002</c:v>
+                  </c:pt>
+                  <c:pt idx="9">
+                    <c:v>0.51259999999999994</c:v>
+                  </c:pt>
+                  <c:pt idx="10">
+                    <c:v>0.82620000000000005</c:v>
+                  </c:pt>
+                  <c:pt idx="11">
+                    <c:v>0.93630000000000002</c:v>
+                  </c:pt>
+                  <c:pt idx="12">
+                    <c:v>0.80640000000000001</c:v>
+                  </c:pt>
+                  <c:pt idx="13">
+                    <c:v>0.87780000000000002</c:v>
+                  </c:pt>
+                  <c:pt idx="14">
+                    <c:v>0.82569999999999999</c:v>
+                  </c:pt>
+                  <c:pt idx="15">
+                    <c:v>0.86040000000000005</c:v>
+                  </c:pt>
+                  <c:pt idx="16">
+                    <c:v>0.88200000000000001</c:v>
+                  </c:pt>
+                  <c:pt idx="17">
+                    <c:v>0.66500000000000004</c:v>
+                  </c:pt>
+                </c:numCache>
+              </c:numRef>
+            </c:plus>
+            <c:minus>
+              <c:numRef>
+                <c:f>Blad2!$E$67:$E$84</c:f>
+                <c:numCache>
+                  <c:formatCode>General</c:formatCode>
+                  <c:ptCount val="18"/>
+                  <c:pt idx="0">
+                    <c:v>0.88109999999999999</c:v>
+                  </c:pt>
+                  <c:pt idx="1">
+                    <c:v>0.95099999999999996</c:v>
+                  </c:pt>
+                  <c:pt idx="2">
+                    <c:v>0.87880000000000003</c:v>
+                  </c:pt>
+                  <c:pt idx="3">
+                    <c:v>0.92249999999999999</c:v>
+                  </c:pt>
+                  <c:pt idx="4">
+                    <c:v>1.163</c:v>
+                  </c:pt>
+                  <c:pt idx="5">
+                    <c:v>1.2475000000000001</c:v>
+                  </c:pt>
+                  <c:pt idx="6">
+                    <c:v>1.0065999999999999</c:v>
+                  </c:pt>
+                  <c:pt idx="7">
+                    <c:v>0.99919999999999998</c:v>
+                  </c:pt>
+                  <c:pt idx="8">
+                    <c:v>0.89300000000000002</c:v>
+                  </c:pt>
+                  <c:pt idx="9">
+                    <c:v>0.51259999999999994</c:v>
+                  </c:pt>
+                  <c:pt idx="10">
+                    <c:v>0.82620000000000005</c:v>
+                  </c:pt>
+                  <c:pt idx="11">
+                    <c:v>0.93630000000000002</c:v>
+                  </c:pt>
+                  <c:pt idx="12">
+                    <c:v>0.80640000000000001</c:v>
+                  </c:pt>
+                  <c:pt idx="13">
+                    <c:v>0.87780000000000002</c:v>
+                  </c:pt>
+                  <c:pt idx="14">
+                    <c:v>0.82569999999999999</c:v>
+                  </c:pt>
+                  <c:pt idx="15">
+                    <c:v>0.86040000000000005</c:v>
+                  </c:pt>
+                  <c:pt idx="16">
+                    <c:v>0.88200000000000001</c:v>
+                  </c:pt>
+                  <c:pt idx="17">
+                    <c:v>0.66500000000000004</c:v>
+                  </c:pt>
+                </c:numCache>
+              </c:numRef>
+            </c:minus>
+          </c:errBars>
+          <c:cat>
+            <c:numRef>
+              <c:f>Blad2!$B$4:$B$21</c:f>
+              <c:numCache>
+                <c:formatCode>General</c:formatCode>
+                <c:ptCount val="18"/>
+                <c:pt idx="0">
+                  <c:v>0</c:v>
+                </c:pt>
+                <c:pt idx="1">
+                  <c:v>20</c:v>
+                </c:pt>
+                <c:pt idx="2">
+                  <c:v>40</c:v>
+                </c:pt>
+                <c:pt idx="3">
+                  <c:v>60</c:v>
+                </c:pt>
+                <c:pt idx="4">
+                  <c:v>80</c:v>
+                </c:pt>
+                <c:pt idx="5">
+                  <c:v>100</c:v>
+                </c:pt>
+                <c:pt idx="6">
+                  <c:v>120</c:v>
+                </c:pt>
+                <c:pt idx="7">
+                  <c:v>140</c:v>
+                </c:pt>
+                <c:pt idx="8">
+                  <c:v>160</c:v>
+                </c:pt>
+                <c:pt idx="9">
+                  <c:v>180</c:v>
+                </c:pt>
+                <c:pt idx="10">
+                  <c:v>200</c:v>
+                </c:pt>
+                <c:pt idx="11">
+                  <c:v>220</c:v>
+                </c:pt>
+                <c:pt idx="12">
+                  <c:v>240</c:v>
+                </c:pt>
+                <c:pt idx="13">
+                  <c:v>260</c:v>
+                </c:pt>
+                <c:pt idx="14">
+                  <c:v>280</c:v>
+                </c:pt>
+                <c:pt idx="15">
+                  <c:v>300</c:v>
+                </c:pt>
+                <c:pt idx="16">
+                  <c:v>320</c:v>
+                </c:pt>
+                <c:pt idx="17">
+                  <c:v>340</c:v>
+                </c:pt>
+              </c:numCache>
+            </c:numRef>
+          </c:cat>
+          <c:val>
+            <c:numRef>
+              <c:f>Blad2!$D$67:$D$84</c:f>
+              <c:numCache>
+                <c:formatCode>General</c:formatCode>
+                <c:ptCount val="18"/>
+                <c:pt idx="0">
+                  <c:v>-50.398699999999998</c:v>
+                </c:pt>
+                <c:pt idx="1">
+                  <c:v>-50.3217</c:v>
+                </c:pt>
+                <c:pt idx="2">
+                  <c:v>-52.514899999999997</c:v>
+                </c:pt>
+                <c:pt idx="3">
+                  <c:v>-50.345799999999997</c:v>
+                </c:pt>
+                <c:pt idx="4">
+                  <c:v>-48.875</c:v>
+                </c:pt>
+                <c:pt idx="5">
+                  <c:v>-49.877400000000002</c:v>
+                </c:pt>
+                <c:pt idx="6">
+                  <c:v>-50.246899999999997</c:v>
+                </c:pt>
+                <c:pt idx="7">
+                  <c:v>-48.247900000000001</c:v>
+                </c:pt>
+                <c:pt idx="8">
+                  <c:v>-47.584899999999998</c:v>
+                </c:pt>
+                <c:pt idx="9">
+                  <c:v>-46.820799999999998</c:v>
+                </c:pt>
+                <c:pt idx="10">
+                  <c:v>-47.439300000000003</c:v>
+                </c:pt>
+                <c:pt idx="11">
+                  <c:v>-47.704300000000003</c:v>
+                </c:pt>
+                <c:pt idx="12">
+                  <c:v>-50.839599999999997</c:v>
+                </c:pt>
+                <c:pt idx="13">
+                  <c:v>-51.756999999999998</c:v>
+                </c:pt>
+                <c:pt idx="14">
+                  <c:v>-51.1509</c:v>
+                </c:pt>
+                <c:pt idx="15">
+                  <c:v>-50.551400000000001</c:v>
+                </c:pt>
+                <c:pt idx="16">
+                  <c:v>-50.448599999999999</c:v>
+                </c:pt>
+                <c:pt idx="17">
+                  <c:v>-50.783499999999997</c:v>
+                </c:pt>
+              </c:numCache>
+            </c:numRef>
+          </c:val>
+        </c:ser>
+        <c:ser>
+          <c:idx val="0"/>
+          <c:order val="0"/>
+          <c:tx>
+            <c:v>1m</c:v>
+          </c:tx>
+          <c:errBars>
+            <c:errDir val="y"/>
+            <c:errBarType val="both"/>
+            <c:errValType val="cust"/>
+            <c:plus>
+              <c:numRef>
+                <c:f>Blad2!$E$45:$E$62</c:f>
+                <c:numCache>
+                  <c:formatCode>General</c:formatCode>
+                  <c:ptCount val="18"/>
+                  <c:pt idx="0">
+                    <c:v>0.21110000000000001</c:v>
+                  </c:pt>
+                  <c:pt idx="1">
+                    <c:v>0.20660000000000001</c:v>
+                  </c:pt>
+                  <c:pt idx="2">
+                    <c:v>0.26540000000000002</c:v>
+                  </c:pt>
+                  <c:pt idx="3">
+                    <c:v>0.2311</c:v>
+                  </c:pt>
+                  <c:pt idx="4">
+                    <c:v>0.32819999999999999</c:v>
+                  </c:pt>
+                  <c:pt idx="5">
+                    <c:v>0.1933</c:v>
+                  </c:pt>
+                  <c:pt idx="6">
+                    <c:v>0.44740000000000002</c:v>
+                  </c:pt>
+                  <c:pt idx="7">
+                    <c:v>0.32300000000000001</c:v>
+                  </c:pt>
+                  <c:pt idx="8">
+                    <c:v>0.32819999999999999</c:v>
+                  </c:pt>
+                  <c:pt idx="9">
+                    <c:v>9.7100000000000006E-2</c:v>
+                  </c:pt>
+                  <c:pt idx="10">
+                    <c:v>0.21210000000000001</c:v>
+                  </c:pt>
+                  <c:pt idx="11">
+                    <c:v>0.44159999999999999</c:v>
+                  </c:pt>
+                  <c:pt idx="12">
+                    <c:v>0.25869999999999999</c:v>
+                  </c:pt>
+                  <c:pt idx="13">
+                    <c:v>0.19059999999999999</c:v>
+                  </c:pt>
+                  <c:pt idx="14">
+                    <c:v>0</c:v>
+                  </c:pt>
+                  <c:pt idx="15">
+                    <c:v>0</c:v>
+                  </c:pt>
+                  <c:pt idx="16">
+                    <c:v>0</c:v>
+                  </c:pt>
+                  <c:pt idx="17">
+                    <c:v>0</c:v>
+                  </c:pt>
+                </c:numCache>
+              </c:numRef>
+            </c:plus>
+            <c:minus>
+              <c:numRef>
+                <c:f>Blad2!$E$45:$E$62</c:f>
+                <c:numCache>
+                  <c:formatCode>General</c:formatCode>
+                  <c:ptCount val="18"/>
+                  <c:pt idx="0">
+                    <c:v>0.21110000000000001</c:v>
+                  </c:pt>
+                  <c:pt idx="1">
+                    <c:v>0.20660000000000001</c:v>
+                  </c:pt>
+                  <c:pt idx="2">
+                    <c:v>0.26540000000000002</c:v>
+                  </c:pt>
+                  <c:pt idx="3">
+                    <c:v>0.2311</c:v>
+                  </c:pt>
+                  <c:pt idx="4">
+                    <c:v>0.32819999999999999</c:v>
+                  </c:pt>
+                  <c:pt idx="5">
+                    <c:v>0.1933</c:v>
+                  </c:pt>
+                  <c:pt idx="6">
+                    <c:v>0.44740000000000002</c:v>
+                  </c:pt>
+                  <c:pt idx="7">
+                    <c:v>0.32300000000000001</c:v>
+                  </c:pt>
+                  <c:pt idx="8">
+                    <c:v>0.32819999999999999</c:v>
+                  </c:pt>
+                  <c:pt idx="9">
+                    <c:v>9.7100000000000006E-2</c:v>
+                  </c:pt>
+                  <c:pt idx="10">
+                    <c:v>0.21210000000000001</c:v>
+                  </c:pt>
+                  <c:pt idx="11">
+                    <c:v>0.44159999999999999</c:v>
+                  </c:pt>
+                  <c:pt idx="12">
+                    <c:v>0.25869999999999999</c:v>
+                  </c:pt>
+                  <c:pt idx="13">
+                    <c:v>0.19059999999999999</c:v>
+                  </c:pt>
+                  <c:pt idx="14">
+                    <c:v>0</c:v>
+                  </c:pt>
+                  <c:pt idx="15">
+                    <c:v>0</c:v>
+                  </c:pt>
+                  <c:pt idx="16">
+                    <c:v>0</c:v>
+                  </c:pt>
+                  <c:pt idx="17">
+                    <c:v>0</c:v>
+                  </c:pt>
+                </c:numCache>
+              </c:numRef>
+            </c:minus>
+          </c:errBars>
+          <c:cat>
+            <c:numRef>
+              <c:f>Blad2!$B$4:$B$21</c:f>
+              <c:numCache>
+                <c:formatCode>General</c:formatCode>
+                <c:ptCount val="18"/>
+                <c:pt idx="0">
+                  <c:v>0</c:v>
+                </c:pt>
+                <c:pt idx="1">
+                  <c:v>20</c:v>
+                </c:pt>
+                <c:pt idx="2">
+                  <c:v>40</c:v>
+                </c:pt>
+                <c:pt idx="3">
+                  <c:v>60</c:v>
+                </c:pt>
+                <c:pt idx="4">
+                  <c:v>80</c:v>
+                </c:pt>
+                <c:pt idx="5">
+                  <c:v>100</c:v>
+                </c:pt>
+                <c:pt idx="6">
+                  <c:v>120</c:v>
+                </c:pt>
+                <c:pt idx="7">
+                  <c:v>140</c:v>
+                </c:pt>
+                <c:pt idx="8">
+                  <c:v>160</c:v>
+                </c:pt>
+                <c:pt idx="9">
+                  <c:v>180</c:v>
+                </c:pt>
+                <c:pt idx="10">
+                  <c:v>200</c:v>
+                </c:pt>
+                <c:pt idx="11">
+                  <c:v>220</c:v>
+                </c:pt>
+                <c:pt idx="12">
+                  <c:v>240</c:v>
+                </c:pt>
+                <c:pt idx="13">
+                  <c:v>260</c:v>
+                </c:pt>
+                <c:pt idx="14">
+                  <c:v>280</c:v>
+                </c:pt>
+                <c:pt idx="15">
+                  <c:v>300</c:v>
+                </c:pt>
+                <c:pt idx="16">
+                  <c:v>320</c:v>
+                </c:pt>
+                <c:pt idx="17">
+                  <c:v>340</c:v>
+                </c:pt>
+              </c:numCache>
+            </c:numRef>
+          </c:cat>
+          <c:val>
+            <c:numRef>
+              <c:f>Blad2!$D$45:$D$62</c:f>
+              <c:numCache>
+                <c:formatCode>General</c:formatCode>
+                <c:ptCount val="18"/>
+                <c:pt idx="0">
+                  <c:v>-31.046299999999999</c:v>
+                </c:pt>
+                <c:pt idx="1">
+                  <c:v>-31.0442</c:v>
+                </c:pt>
+                <c:pt idx="2">
+                  <c:v>-31.075500000000002</c:v>
+                </c:pt>
+                <c:pt idx="3">
+                  <c:v>-32.056100000000001</c:v>
+                </c:pt>
+                <c:pt idx="4">
+                  <c:v>-32.878500000000003</c:v>
+                </c:pt>
+                <c:pt idx="5">
+                  <c:v>-32.018700000000003</c:v>
+                </c:pt>
+                <c:pt idx="6">
+                  <c:v>-32.7273</c:v>
+                </c:pt>
+                <c:pt idx="7">
+                  <c:v>-32.117100000000001</c:v>
+                </c:pt>
+                <c:pt idx="8">
+                  <c:v>-31.878499999999999</c:v>
+                </c:pt>
+                <c:pt idx="9">
+                  <c:v>-31.009399999999999</c:v>
+                </c:pt>
+                <c:pt idx="10">
+                  <c:v>-31.046700000000001</c:v>
+                </c:pt>
+                <c:pt idx="11">
+                  <c:v>-31.261700000000001</c:v>
+                </c:pt>
+                <c:pt idx="12">
+                  <c:v>-31.071400000000001</c:v>
+                </c:pt>
+                <c:pt idx="13">
+                  <c:v>-31.037400000000002</c:v>
+                </c:pt>
+                <c:pt idx="14">
+                  <c:v>-31</c:v>
+                </c:pt>
+                <c:pt idx="15">
+                  <c:v>-31</c:v>
+                </c:pt>
+                <c:pt idx="16">
+                  <c:v>-31</c:v>
+                </c:pt>
+                <c:pt idx="17">
+                  <c:v>-31</c:v>
+                </c:pt>
+              </c:numCache>
+            </c:numRef>
+          </c:val>
+        </c:ser>
+        <c:marker val="1"/>
+        <c:axId val="72803456"/>
+        <c:axId val="72805760"/>
+      </c:lineChart>
+      <c:catAx>
+        <c:axId val="72803456"/>
+        <c:scaling>
+          <c:orientation val="minMax"/>
+        </c:scaling>
+        <c:axPos val="t"/>
+        <c:title>
+          <c:tx>
+            <c:rich>
+              <a:bodyPr/>
+              <a:lstStyle/>
+              <a:p>
+                <a:pPr>
+                  <a:defRPr/>
+                </a:pPr>
+                <a:r>
+                  <a:rPr lang="nl-BE"/>
+                  <a:t>Angle (°)</a:t>
+                </a:r>
+              </a:p>
+            </c:rich>
+          </c:tx>
+          <c:layout>
+            <c:manualLayout>
+              <c:xMode val="edge"/>
+              <c:yMode val="edge"/>
+              <c:x val="0.90797518243150277"/>
+              <c:y val="0.92592592592592549"/>
+            </c:manualLayout>
+          </c:layout>
+        </c:title>
+        <c:numFmt formatCode="General" sourceLinked="1"/>
+        <c:tickLblPos val="nextTo"/>
+        <c:crossAx val="72805760"/>
+        <c:crosses val="autoZero"/>
+        <c:auto val="1"/>
+        <c:lblAlgn val="ctr"/>
+        <c:lblOffset val="100"/>
+      </c:catAx>
+      <c:valAx>
+        <c:axId val="72805760"/>
+        <c:scaling>
+          <c:orientation val="maxMin"/>
+          <c:max val="0"/>
+        </c:scaling>
+        <c:axPos val="l"/>
+        <c:majorGridlines/>
+        <c:title>
+          <c:tx>
+            <c:rich>
+              <a:bodyPr rot="0" vert="wordArtVert"/>
+              <a:lstStyle/>
+              <a:p>
+                <a:pPr>
+                  <a:defRPr/>
+                </a:pPr>
+                <a:r>
+                  <a:rPr lang="nl-BE"/>
+                  <a:t>RSSI(dBm)</a:t>
+                </a:r>
+              </a:p>
+            </c:rich>
+          </c:tx>
+          <c:layout/>
+        </c:title>
+        <c:numFmt formatCode="General" sourceLinked="1"/>
+        <c:tickLblPos val="nextTo"/>
+        <c:crossAx val="72803456"/>
+        <c:crosses val="autoZero"/>
+        <c:crossBetween val="between"/>
+      </c:valAx>
+    </c:plotArea>
+    <c:legend>
+      <c:legendPos val="r"/>
+      <c:layout>
+        <c:manualLayout>
+          <c:xMode val="edge"/>
+          <c:yMode val="edge"/>
+          <c:x val="0.85813472394327461"/>
+          <c:y val="0.51350503062117303"/>
+          <c:w val="9.4117788792509996E-2"/>
+          <c:h val="0.16743438320209994"/>
+        </c:manualLayout>
+      </c:layout>
+    </c:legend>
+    <c:plotVisOnly val="1"/>
+  </c:chart>
+  <c:txPr>
+    <a:bodyPr/>
+    <a:lstStyle/>
+    <a:p>
+      <a:pPr>
+        <a:defRPr sz="1800"/>
+      </a:pPr>
+      <a:endParaRPr lang="en-US"/>
+    </a:p>
+  </c:txPr>
+  <c:externalData r:id="rId1"/>
+</c:chartSpace>
+</file>
+
 <file path=ppt/notesMasters/notesMaster1.xml><?xml version="1.0" encoding="utf-8"?>
 <p:notesMaster xmlns:a="http://schemas.openxmlformats.org/drawingml/2006/main" xmlns:r="http://schemas.openxmlformats.org/officeDocument/2006/relationships" xmlns:p="http://schemas.openxmlformats.org/presentationml/2006/main">
   <p:cSld>
@@ -280,7 +1595,8 @@
           <a:p>
             <a:fld id="{17395D5A-D05A-4E73-B953-E078ADA6E82B}" type="datetimeFigureOut">
               <a:rPr lang="nl-BE" smtClean="0"/>
-              <a:t>14/06/2009</a:t>
+              <a:pPr/>
+              <a:t>15/06/2009</a:t>
             </a:fld>
             <a:endParaRPr lang="nl-BE"/>
           </a:p>
@@ -441,7 +1757,8 @@
           <a:p>
             <a:fld id="{83B4AC57-DCFC-4C3B-82CD-1D4FB8B65D24}" type="slidenum">
               <a:rPr lang="nl-BE" smtClean="0"/>
-              <a:t>‹nr.›</a:t>
+              <a:pPr/>
+              <a:t>‹#›</a:t>
             </a:fld>
             <a:endParaRPr lang="nl-BE"/>
           </a:p>
@@ -612,6 +1929,7 @@
           <a:p>
             <a:fld id="{83B4AC57-DCFC-4C3B-82CD-1D4FB8B65D24}" type="slidenum">
               <a:rPr lang="nl-BE" smtClean="0"/>
+              <a:pPr/>
               <a:t>3</a:t>
             </a:fld>
             <a:endParaRPr lang="nl-BE"/>
@@ -1347,6 +2665,7 @@
           <a:p>
             <a:fld id="{83B4AC57-DCFC-4C3B-82CD-1D4FB8B65D24}" type="slidenum">
               <a:rPr lang="nl-BE" smtClean="0"/>
+              <a:pPr/>
               <a:t>77</a:t>
             </a:fld>
             <a:endParaRPr lang="nl-BE"/>
@@ -1580,6 +2899,7 @@
           <a:p>
             <a:fld id="{D5B711B0-9E9E-4972-B5C6-AB36D23B8520}" type="datetime1">
               <a:rPr lang="nl-BE" smtClean="0"/>
+              <a:pPr/>
               <a:t>15/06/2009</a:t>
             </a:fld>
             <a:endParaRPr lang="nl-BE"/>
@@ -1649,7 +2969,7 @@
             <a:fld id="{302C7C0E-9033-47B2-A5A4-039A17AF6826}" type="slidenum">
               <a:rPr lang="nl-BE" smtClean="0"/>
               <a:pPr/>
-              <a:t>‹nr.›</a:t>
+              <a:t>‹#›</a:t>
             </a:fld>
             <a:endParaRPr lang="nl-BE"/>
           </a:p>
@@ -1772,6 +3092,7 @@
           <a:p>
             <a:fld id="{FA8532B0-2636-44BF-82D2-11423A6A5D78}" type="datetime1">
               <a:rPr lang="nl-BE" smtClean="0"/>
+              <a:pPr/>
               <a:t>15/06/2009</a:t>
             </a:fld>
             <a:endParaRPr lang="nl-BE"/>
@@ -1819,7 +3140,7 @@
             <a:fld id="{302C7C0E-9033-47B2-A5A4-039A17AF6826}" type="slidenum">
               <a:rPr lang="nl-BE" smtClean="0"/>
               <a:pPr/>
-              <a:t>‹nr.›</a:t>
+              <a:t>‹#›</a:t>
             </a:fld>
             <a:endParaRPr lang="nl-BE"/>
           </a:p>
@@ -1952,6 +3273,7 @@
           <a:p>
             <a:fld id="{AE7A4CEF-87A5-4531-9211-35AA50228B30}" type="datetime1">
               <a:rPr lang="nl-BE" smtClean="0"/>
+              <a:pPr/>
               <a:t>15/06/2009</a:t>
             </a:fld>
             <a:endParaRPr lang="nl-BE"/>
@@ -1999,7 +3321,7 @@
             <a:fld id="{302C7C0E-9033-47B2-A5A4-039A17AF6826}" type="slidenum">
               <a:rPr lang="nl-BE" smtClean="0"/>
               <a:pPr/>
-              <a:t>‹nr.›</a:t>
+              <a:t>‹#›</a:t>
             </a:fld>
             <a:endParaRPr lang="nl-BE"/>
           </a:p>
@@ -2137,6 +3459,7 @@
           <a:p>
             <a:fld id="{C570D3D9-B1F3-4FDD-AB5B-729FD1124CDD}" type="datetime1">
               <a:rPr lang="nl-BE" smtClean="0"/>
+              <a:pPr/>
               <a:t>15/06/2009</a:t>
             </a:fld>
             <a:endParaRPr lang="nl-BE"/>
@@ -2189,7 +3512,7 @@
             <a:fld id="{302C7C0E-9033-47B2-A5A4-039A17AF6826}" type="slidenum">
               <a:rPr lang="nl-BE" smtClean="0"/>
               <a:pPr/>
-              <a:t>‹nr.›</a:t>
+              <a:t>‹#›</a:t>
             </a:fld>
             <a:endParaRPr lang="nl-BE"/>
           </a:p>
@@ -2389,6 +3712,7 @@
           <a:p>
             <a:fld id="{93988A6D-97FA-4F0C-8AC4-7751E8EF79FE}" type="datetime1">
               <a:rPr lang="nl-BE" smtClean="0"/>
+              <a:pPr/>
               <a:t>15/06/2009</a:t>
             </a:fld>
             <a:endParaRPr lang="nl-BE"/>
@@ -2446,7 +3770,7 @@
             <a:fld id="{302C7C0E-9033-47B2-A5A4-039A17AF6826}" type="slidenum">
               <a:rPr lang="nl-BE" smtClean="0"/>
               <a:pPr/>
-              <a:t>‹nr.›</a:t>
+              <a:t>‹#›</a:t>
             </a:fld>
             <a:endParaRPr lang="nl-BE"/>
           </a:p>
@@ -2868,6 +4192,7 @@
           <a:p>
             <a:fld id="{A32DE479-1781-4099-AADF-943B241B2173}" type="datetime1">
               <a:rPr lang="nl-BE" smtClean="0"/>
+              <a:pPr/>
               <a:t>15/06/2009</a:t>
             </a:fld>
             <a:endParaRPr lang="nl-BE"/>
@@ -2925,7 +4250,7 @@
             <a:fld id="{302C7C0E-9033-47B2-A5A4-039A17AF6826}" type="slidenum">
               <a:rPr lang="nl-BE" smtClean="0"/>
               <a:pPr/>
-              <a:t>‹nr.›</a:t>
+              <a:t>‹#›</a:t>
             </a:fld>
             <a:endParaRPr lang="nl-BE"/>
           </a:p>
@@ -3288,6 +4613,7 @@
           <a:p>
             <a:fld id="{E83E1FC5-950E-48FB-88E1-747D9EB7072E}" type="datetime1">
               <a:rPr lang="nl-BE" smtClean="0"/>
+              <a:pPr/>
               <a:t>15/06/2009</a:t>
             </a:fld>
             <a:endParaRPr lang="nl-BE"/>
@@ -3349,7 +4675,7 @@
             <a:fld id="{302C7C0E-9033-47B2-A5A4-039A17AF6826}" type="slidenum">
               <a:rPr lang="nl-BE" smtClean="0"/>
               <a:pPr/>
-              <a:t>‹nr.›</a:t>
+              <a:t>‹#›</a:t>
             </a:fld>
             <a:endParaRPr lang="nl-BE"/>
           </a:p>
@@ -3424,6 +4750,7 @@
           <a:p>
             <a:fld id="{4ACDC4CE-F513-47B2-BC15-8E44A04CCED2}" type="datetime1">
               <a:rPr lang="nl-BE" smtClean="0"/>
+              <a:pPr/>
               <a:t>15/06/2009</a:t>
             </a:fld>
             <a:endParaRPr lang="nl-BE"/>
@@ -3471,7 +4798,7 @@
             <a:fld id="{302C7C0E-9033-47B2-A5A4-039A17AF6826}" type="slidenum">
               <a:rPr lang="nl-BE" smtClean="0"/>
               <a:pPr/>
-              <a:t>‹nr.›</a:t>
+              <a:t>‹#›</a:t>
             </a:fld>
             <a:endParaRPr lang="nl-BE"/>
           </a:p>
@@ -3524,6 +4851,7 @@
           <a:p>
             <a:fld id="{366B92C9-B7D1-4E6E-82B9-193F402575BF}" type="datetime1">
               <a:rPr lang="nl-BE" smtClean="0"/>
+              <a:pPr/>
               <a:t>15/06/2009</a:t>
             </a:fld>
             <a:endParaRPr lang="nl-BE"/>
@@ -3581,7 +4909,7 @@
             <a:fld id="{302C7C0E-9033-47B2-A5A4-039A17AF6826}" type="slidenum">
               <a:rPr lang="nl-BE" smtClean="0"/>
               <a:pPr/>
-              <a:t>‹nr.›</a:t>
+              <a:t>‹#›</a:t>
             </a:fld>
             <a:endParaRPr lang="nl-BE"/>
           </a:p>
@@ -3807,6 +5135,7 @@
           <a:p>
             <a:fld id="{69700BE6-9C05-442B-8605-B38BD329184B}" type="datetime1">
               <a:rPr lang="nl-BE" smtClean="0"/>
+              <a:pPr/>
               <a:t>15/06/2009</a:t>
             </a:fld>
             <a:endParaRPr lang="nl-BE"/>
@@ -3872,7 +5201,7 @@
             <a:fld id="{302C7C0E-9033-47B2-A5A4-039A17AF6826}" type="slidenum">
               <a:rPr lang="nl-BE" smtClean="0"/>
               <a:pPr/>
-              <a:t>‹nr.›</a:t>
+              <a:t>‹#›</a:t>
             </a:fld>
             <a:endParaRPr lang="nl-BE"/>
           </a:p>
@@ -4064,6 +5393,7 @@
           <a:p>
             <a:fld id="{80BB1266-77C7-413E-8D21-FFDBEAACF97B}" type="datetime1">
               <a:rPr lang="nl-BE" smtClean="0"/>
+              <a:pPr/>
               <a:t>15/06/2009</a:t>
             </a:fld>
             <a:endParaRPr lang="nl-BE"/>
@@ -4129,7 +5459,7 @@
             <a:fld id="{302C7C0E-9033-47B2-A5A4-039A17AF6826}" type="slidenum">
               <a:rPr lang="nl-BE" smtClean="0"/>
               <a:pPr/>
-              <a:t>‹nr.›</a:t>
+              <a:t>‹#›</a:t>
             </a:fld>
             <a:endParaRPr lang="nl-BE"/>
           </a:p>
@@ -4441,6 +5771,7 @@
           <a:p>
             <a:fld id="{585C60AE-E368-4095-BF01-918F9044EAE4}" type="datetime1">
               <a:rPr lang="nl-BE" smtClean="0"/>
+              <a:pPr/>
               <a:t>15/06/2009</a:t>
             </a:fld>
             <a:endParaRPr lang="nl-BE"/>
@@ -4520,7 +5851,7 @@
             <a:fld id="{302C7C0E-9033-47B2-A5A4-039A17AF6826}" type="slidenum">
               <a:rPr lang="nl-BE" smtClean="0"/>
               <a:pPr/>
-              <a:t>‹nr.›</a:t>
+              <a:t>‹#›</a:t>
             </a:fld>
             <a:endParaRPr lang="nl-BE"/>
           </a:p>
@@ -5124,19 +6455,7 @@
           <a:p>
             <a:r>
               <a:rPr lang="nl-BE" sz="2800" dirty="0" smtClean="0"/>
-              <a:t>WSN </a:t>
-            </a:r>
-            <a:r>
-              <a:rPr lang="nl-BE" sz="2800" dirty="0" smtClean="0"/>
-              <a:t>as </a:t>
-            </a:r>
-            <a:r>
-              <a:rPr lang="nl-BE" sz="2800" dirty="0" smtClean="0"/>
-              <a:t>a </a:t>
-            </a:r>
-            <a:r>
-              <a:rPr lang="nl-BE" sz="2800" dirty="0" smtClean="0"/>
-              <a:t>RTLS</a:t>
+              <a:t>WSN as a RTLS</a:t>
             </a:r>
           </a:p>
           <a:p>
@@ -5169,7 +6488,6 @@
               <a:rPr lang="nl-BE" sz="2800" dirty="0" smtClean="0"/>
               <a:t> </a:t>
             </a:r>
-            <a:endParaRPr lang="nl-BE" sz="2800" dirty="0" smtClean="0"/>
           </a:p>
           <a:p>
             <a:r>
@@ -5188,7 +6506,6 @@
               <a:rPr lang="nl-BE" sz="2800" dirty="0" smtClean="0"/>
               <a:t> </a:t>
             </a:r>
-            <a:endParaRPr lang="nl-BE" sz="2800" dirty="0" smtClean="0"/>
           </a:p>
           <a:p>
             <a:r>
@@ -5307,19 +6624,7 @@
           <a:p>
             <a:r>
               <a:rPr lang="nl-BE" sz="2800" dirty="0" smtClean="0"/>
-              <a:t>WSN </a:t>
-            </a:r>
-            <a:r>
-              <a:rPr lang="nl-BE" sz="2800" dirty="0" smtClean="0"/>
-              <a:t>as </a:t>
-            </a:r>
-            <a:r>
-              <a:rPr lang="nl-BE" sz="2800" dirty="0" smtClean="0"/>
-              <a:t>a </a:t>
-            </a:r>
-            <a:r>
-              <a:rPr lang="nl-BE" sz="2800" dirty="0" smtClean="0"/>
-              <a:t>RTLS</a:t>
+              <a:t>WSN as a RTLS</a:t>
             </a:r>
           </a:p>
           <a:p>
@@ -5352,7 +6657,6 @@
               <a:rPr lang="nl-BE" sz="2800" dirty="0" smtClean="0"/>
               <a:t> </a:t>
             </a:r>
-            <a:endParaRPr lang="nl-BE" sz="2800" dirty="0" smtClean="0"/>
           </a:p>
           <a:p>
             <a:r>
@@ -5371,7 +6675,6 @@
               <a:rPr lang="nl-BE" sz="2800" dirty="0" smtClean="0"/>
               <a:t> </a:t>
             </a:r>
-            <a:endParaRPr lang="nl-BE" sz="2800" dirty="0" smtClean="0"/>
           </a:p>
           <a:p>
             <a:r>
@@ -5592,19 +6895,7 @@
           <a:p>
             <a:r>
               <a:rPr lang="nl-BE" sz="2800" dirty="0" smtClean="0"/>
-              <a:t>WSN </a:t>
-            </a:r>
-            <a:r>
-              <a:rPr lang="nl-BE" sz="2800" dirty="0" smtClean="0"/>
-              <a:t>as </a:t>
-            </a:r>
-            <a:r>
-              <a:rPr lang="nl-BE" sz="2800" dirty="0" smtClean="0"/>
-              <a:t>a </a:t>
-            </a:r>
-            <a:r>
-              <a:rPr lang="nl-BE" sz="2800" dirty="0" smtClean="0"/>
-              <a:t>RTLS</a:t>
+              <a:t>WSN as a RTLS</a:t>
             </a:r>
           </a:p>
           <a:p>
@@ -5637,7 +6928,6 @@
               <a:rPr lang="nl-BE" sz="2800" dirty="0" smtClean="0"/>
               <a:t> </a:t>
             </a:r>
-            <a:endParaRPr lang="nl-BE" sz="2800" dirty="0" smtClean="0"/>
           </a:p>
           <a:p>
             <a:r>
@@ -5656,7 +6946,6 @@
               <a:rPr lang="nl-BE" sz="2800" dirty="0" smtClean="0"/>
               <a:t> </a:t>
             </a:r>
-            <a:endParaRPr lang="nl-BE" sz="2800" dirty="0" smtClean="0"/>
           </a:p>
           <a:p>
             <a:r>
@@ -5771,31 +7060,7 @@
                   <a:srgbClr val="F66004"/>
                 </a:solidFill>
               </a:rPr>
-              <a:t>WSN </a:t>
-            </a:r>
-            <a:r>
-              <a:rPr lang="nl-BE" sz="2800" dirty="0" smtClean="0">
-                <a:solidFill>
-                  <a:srgbClr val="F66004"/>
-                </a:solidFill>
-              </a:rPr>
-              <a:t>as </a:t>
-            </a:r>
-            <a:r>
-              <a:rPr lang="nl-BE" sz="2800" dirty="0" smtClean="0">
-                <a:solidFill>
-                  <a:srgbClr val="F66004"/>
-                </a:solidFill>
-              </a:rPr>
-              <a:t>a </a:t>
-            </a:r>
-            <a:r>
-              <a:rPr lang="nl-BE" sz="2800" dirty="0" smtClean="0">
-                <a:solidFill>
-                  <a:srgbClr val="F66004"/>
-                </a:solidFill>
-              </a:rPr>
-              <a:t>RTLS</a:t>
+              <a:t>WSN as a RTLS</a:t>
             </a:r>
           </a:p>
           <a:p>
@@ -5828,7 +7093,6 @@
               <a:rPr lang="nl-BE" sz="2800" dirty="0" smtClean="0"/>
               <a:t> </a:t>
             </a:r>
-            <a:endParaRPr lang="nl-BE" sz="2800" dirty="0" smtClean="0"/>
           </a:p>
           <a:p>
             <a:r>
@@ -5847,7 +7111,6 @@
               <a:rPr lang="nl-BE" sz="2800" dirty="0" smtClean="0"/>
               <a:t> </a:t>
             </a:r>
-            <a:endParaRPr lang="nl-BE" sz="2800" dirty="0" smtClean="0"/>
           </a:p>
           <a:p>
             <a:r>
@@ -6136,15 +7399,7 @@
             </a:pPr>
             <a:r>
               <a:rPr lang="en-US" dirty="0" smtClean="0"/>
-              <a:t>1. Determine the distances between </a:t>
-            </a:r>
-            <a:r>
-              <a:rPr lang="en-US" dirty="0" smtClean="0"/>
-              <a:t>blind nodes </a:t>
-            </a:r>
-            <a:r>
-              <a:rPr lang="en-US" dirty="0" smtClean="0"/>
-              <a:t>and anchor nodes. </a:t>
+              <a:t>1. Determine the distances between blind nodes and anchor nodes. </a:t>
             </a:r>
             <a:endParaRPr lang="en-US" dirty="0" smtClean="0">
               <a:solidFill>
@@ -6255,11 +7510,7 @@
             </a:pPr>
             <a:r>
               <a:rPr lang="fr-BE" dirty="0" smtClean="0"/>
-              <a:t>RTLS - Phase </a:t>
-            </a:r>
-            <a:r>
-              <a:rPr lang="fr-BE" dirty="0" smtClean="0"/>
-              <a:t>1</a:t>
+              <a:t>RTLS - Phase 1</a:t>
             </a:r>
             <a:endParaRPr lang="en-US" dirty="0" smtClean="0">
               <a:solidFill>
@@ -6307,11 +7558,7 @@
             <a:pPr lvl="1"/>
             <a:r>
               <a:rPr lang="en-GB" dirty="0" smtClean="0"/>
-              <a:t>Hop </a:t>
-            </a:r>
-            <a:r>
-              <a:rPr lang="en-GB" dirty="0" smtClean="0"/>
-              <a:t>Count</a:t>
+              <a:t>Hop Count</a:t>
             </a:r>
           </a:p>
           <a:p>
@@ -6924,15 +8171,7 @@
           <a:p>
             <a:r>
               <a:rPr lang="fr-BE" dirty="0" smtClean="0"/>
-              <a:t>RSS </a:t>
-            </a:r>
-            <a:r>
-              <a:rPr lang="fr-BE" dirty="0" smtClean="0"/>
-              <a:t>-</a:t>
-            </a:r>
-            <a:r>
-              <a:rPr lang="fr-BE" dirty="0" smtClean="0"/>
-              <a:t> </a:t>
+              <a:t>RSS - </a:t>
             </a:r>
             <a:r>
               <a:rPr lang="fr-BE" dirty="0" err="1" smtClean="0"/>
@@ -7057,11 +8296,7 @@
           <a:p>
             <a:r>
               <a:rPr lang="fr-BE" dirty="0" smtClean="0"/>
-              <a:t>RSS </a:t>
-            </a:r>
-            <a:r>
-              <a:rPr lang="fr-BE" dirty="0" smtClean="0"/>
-              <a:t>- </a:t>
+              <a:t>RSS - </a:t>
             </a:r>
             <a:r>
               <a:rPr lang="fr-BE" dirty="0" err="1" smtClean="0"/>
@@ -7197,13 +8432,8 @@
           <a:p>
             <a:r>
               <a:rPr lang="fr-BE" dirty="0" smtClean="0"/>
-              <a:t>RSS </a:t>
-            </a:r>
-            <a:r>
-              <a:rPr lang="fr-BE" dirty="0" smtClean="0"/>
-              <a:t>- Model</a:t>
-            </a:r>
-            <a:endParaRPr lang="fr-BE" dirty="0" smtClean="0"/>
+              <a:t>RSS - Model</a:t>
+            </a:r>
           </a:p>
         </p:txBody>
       </p:sp>
@@ -7266,15 +8496,7 @@
             </a:r>
             <a:r>
               <a:rPr lang="nl-BE" dirty="0" smtClean="0"/>
-              <a:t>- </a:t>
-            </a:r>
-            <a:r>
-              <a:rPr lang="nl-BE" dirty="0" smtClean="0"/>
-              <a:t>P(d0) – 10 n log(d / d0</a:t>
-            </a:r>
-            <a:r>
-              <a:rPr lang="nl-BE" dirty="0" smtClean="0"/>
-              <a:t>)</a:t>
+              <a:t>- P(d0) – 10 n log(d / d0)</a:t>
             </a:r>
             <a:r>
               <a:rPr lang="en-US" sz="3200" dirty="0" smtClean="0"/>
@@ -7310,11 +8532,7 @@
             <a:pPr lvl="1"/>
             <a:r>
               <a:rPr lang="nl-BE" dirty="0" smtClean="0"/>
-              <a:t>RSS</a:t>
-            </a:r>
-            <a:r>
-              <a:rPr lang="nl-BE" dirty="0" smtClean="0"/>
-              <a:t>	</a:t>
+              <a:t>RSS	</a:t>
             </a:r>
             <a:r>
               <a:rPr lang="nl-BE" dirty="0" err="1" smtClean="0"/>
@@ -7454,11 +8672,7 @@
             </a:r>
             <a:r>
               <a:rPr lang="nl-BE" dirty="0" smtClean="0"/>
-              <a:t>[m]: </a:t>
-            </a:r>
-            <a:r>
-              <a:rPr lang="nl-BE" dirty="0" smtClean="0"/>
-              <a:t>1m</a:t>
+              <a:t>[m]: 1m</a:t>
             </a:r>
           </a:p>
           <a:p>
@@ -7698,11 +8912,7 @@
             </a:r>
             <a:r>
               <a:rPr lang="nl-NL" sz="2800" dirty="0" smtClean="0"/>
-              <a:t> </a:t>
-            </a:r>
-            <a:r>
-              <a:rPr lang="nl-NL" sz="2800" dirty="0" smtClean="0"/>
-              <a:t>to </a:t>
+              <a:t> to </a:t>
             </a:r>
             <a:r>
               <a:rPr lang="nl-NL" sz="2800" dirty="0" err="1" smtClean="0"/>
@@ -7748,23 +8958,7 @@
             </a:pPr>
             <a:r>
               <a:rPr lang="en-US" sz="2400" dirty="0" smtClean="0"/>
-              <a:t>	Uses </a:t>
-            </a:r>
-            <a:r>
-              <a:rPr lang="en-US" sz="2400" dirty="0" smtClean="0"/>
-              <a:t>multiple distance </a:t>
-            </a:r>
-            <a:r>
-              <a:rPr lang="en-US" sz="2400" dirty="0" smtClean="0"/>
-              <a:t> measurements </a:t>
-            </a:r>
-            <a:r>
-              <a:rPr lang="en-US" sz="2400" dirty="0" smtClean="0"/>
-              <a:t>between </a:t>
-            </a:r>
-            <a:r>
-              <a:rPr lang="en-US" sz="2400" dirty="0" smtClean="0"/>
-              <a:t> known points</a:t>
+              <a:t>	Uses multiple distance  measurements between  known points</a:t>
             </a:r>
           </a:p>
           <a:p>
@@ -7785,11 +8979,7 @@
             </a:r>
             <a:r>
               <a:rPr lang="nl-NL" sz="2400" dirty="0" smtClean="0"/>
-              <a:t> a set of </a:t>
-            </a:r>
-            <a:r>
-              <a:rPr lang="nl-NL" sz="2400" dirty="0" smtClean="0"/>
-              <a:t> </a:t>
+              <a:t> a set of  </a:t>
             </a:r>
             <a:r>
               <a:rPr lang="nl-NL" sz="2400" dirty="0" err="1" smtClean="0"/>
@@ -8457,11 +9647,7 @@
           <a:p>
             <a:r>
               <a:rPr lang="nl-BE" sz="1600" dirty="0" smtClean="0"/>
-              <a:t>3</a:t>
-            </a:r>
-            <a:r>
-              <a:rPr lang="nl-BE" sz="1600" dirty="0" smtClean="0"/>
-              <a:t>.0 ; 0.0</a:t>
+              <a:t>3.0 ; 0.0</a:t>
             </a:r>
             <a:endParaRPr lang="nl-BE" sz="1600" dirty="0"/>
           </a:p>
@@ -8521,11 +9707,7 @@
           <a:p>
             <a:r>
               <a:rPr lang="nl-BE" sz="1600" dirty="0" smtClean="0"/>
-              <a:t>3</a:t>
-            </a:r>
-            <a:r>
-              <a:rPr lang="nl-BE" sz="1600" dirty="0" smtClean="0"/>
-              <a:t>.0 ; 3.0</a:t>
+              <a:t>3.0 ; 3.0</a:t>
             </a:r>
             <a:endParaRPr lang="nl-BE" sz="1600" dirty="0"/>
           </a:p>
@@ -8787,19 +9969,7 @@
           <a:p>
             <a:r>
               <a:rPr lang="nl-BE" sz="2800" dirty="0" smtClean="0"/>
-              <a:t>WSN </a:t>
-            </a:r>
-            <a:r>
-              <a:rPr lang="nl-BE" sz="2800" dirty="0" smtClean="0"/>
-              <a:t>as </a:t>
-            </a:r>
-            <a:r>
-              <a:rPr lang="nl-BE" sz="2800" dirty="0" smtClean="0"/>
-              <a:t>a </a:t>
-            </a:r>
-            <a:r>
-              <a:rPr lang="nl-BE" sz="2800" dirty="0" smtClean="0"/>
-              <a:t>RTLS</a:t>
+              <a:t>WSN as a RTLS</a:t>
             </a:r>
           </a:p>
           <a:p>
@@ -8832,7 +10002,6 @@
               <a:rPr lang="nl-BE" sz="2800" dirty="0" smtClean="0"/>
               <a:t> </a:t>
             </a:r>
-            <a:endParaRPr lang="nl-BE" sz="2800" dirty="0" smtClean="0"/>
           </a:p>
           <a:p>
             <a:r>
@@ -8851,7 +10020,6 @@
               <a:rPr lang="nl-BE" sz="2800" dirty="0" smtClean="0"/>
               <a:t> </a:t>
             </a:r>
-            <a:endParaRPr lang="nl-BE" sz="2800" dirty="0" smtClean="0"/>
           </a:p>
           <a:p>
             <a:r>
@@ -8962,19 +10130,7 @@
           <a:p>
             <a:r>
               <a:rPr lang="nl-BE" sz="2800" dirty="0" smtClean="0"/>
-              <a:t>WSN </a:t>
-            </a:r>
-            <a:r>
-              <a:rPr lang="nl-BE" sz="2800" dirty="0" smtClean="0"/>
-              <a:t>as </a:t>
-            </a:r>
-            <a:r>
-              <a:rPr lang="nl-BE" sz="2800" dirty="0" smtClean="0"/>
-              <a:t>a </a:t>
-            </a:r>
-            <a:r>
-              <a:rPr lang="nl-BE" sz="2800" dirty="0" smtClean="0"/>
-              <a:t>RTLS</a:t>
+              <a:t>WSN as a RTLS</a:t>
             </a:r>
           </a:p>
           <a:p>
@@ -9015,7 +10171,6 @@
               <a:rPr lang="nl-BE" sz="2800" dirty="0" smtClean="0"/>
               <a:t> </a:t>
             </a:r>
-            <a:endParaRPr lang="nl-BE" sz="2800" dirty="0" smtClean="0"/>
           </a:p>
           <a:p>
             <a:r>
@@ -9034,7 +10189,6 @@
               <a:rPr lang="nl-BE" sz="2800" dirty="0" smtClean="0"/>
               <a:t> </a:t>
             </a:r>
-            <a:endParaRPr lang="nl-BE" sz="2800" dirty="0" smtClean="0"/>
           </a:p>
           <a:p>
             <a:r>
@@ -9145,19 +10299,7 @@
           <a:p>
             <a:r>
               <a:rPr lang="nl-BE" sz="2800" dirty="0" smtClean="0"/>
-              <a:t>WSN </a:t>
-            </a:r>
-            <a:r>
-              <a:rPr lang="nl-BE" sz="2800" dirty="0" smtClean="0"/>
-              <a:t>as </a:t>
-            </a:r>
-            <a:r>
-              <a:rPr lang="nl-BE" sz="2800" dirty="0" smtClean="0"/>
-              <a:t>a </a:t>
-            </a:r>
-            <a:r>
-              <a:rPr lang="nl-BE" sz="2800" dirty="0" smtClean="0"/>
-              <a:t>RTLS</a:t>
+              <a:t>WSN as a RTLS</a:t>
             </a:r>
           </a:p>
           <a:p>
@@ -9190,7 +10332,6 @@
               <a:rPr lang="nl-BE" sz="2800" dirty="0" smtClean="0"/>
               <a:t> </a:t>
             </a:r>
-            <a:endParaRPr lang="nl-BE" sz="2800" dirty="0" smtClean="0"/>
           </a:p>
           <a:p>
             <a:r>
@@ -9209,7 +10350,6 @@
               <a:rPr lang="nl-BE" sz="2800" dirty="0" smtClean="0"/>
               <a:t> </a:t>
             </a:r>
-            <a:endParaRPr lang="nl-BE" sz="2800" dirty="0" smtClean="0"/>
           </a:p>
           <a:p>
             <a:r>
@@ -9297,14 +10437,34 @@
           <a:p>
             <a:r>
               <a:rPr lang="en-GB" dirty="0" smtClean="0"/>
-              <a:t>Product of the thematic ICT week:</a:t>
+              <a:t>Product of the thematic ICT </a:t>
+            </a:r>
+            <a:r>
+              <a:rPr lang="en-GB" dirty="0" smtClean="0"/>
+              <a:t>week:</a:t>
             </a:r>
           </a:p>
           <a:p>
             <a:pPr lvl="1"/>
             <a:r>
               <a:rPr lang="en-GB" dirty="0" smtClean="0"/>
-              <a:t>Software framework:</a:t>
+              <a:t>WSN Middleware</a:t>
+            </a:r>
+            <a:endParaRPr lang="en-GB" dirty="0" smtClean="0"/>
+          </a:p>
+          <a:p>
+            <a:pPr lvl="1"/>
+            <a:r>
+              <a:rPr lang="en-GB" dirty="0" smtClean="0"/>
+              <a:t>Software </a:t>
+            </a:r>
+            <a:r>
+              <a:rPr lang="en-GB" dirty="0" smtClean="0"/>
+              <a:t>framework</a:t>
+            </a:r>
+            <a:r>
+              <a:rPr lang="en-GB" dirty="0" smtClean="0"/>
+              <a:t>:</a:t>
             </a:r>
           </a:p>
           <a:p>
@@ -9344,14 +10504,9 @@
             </a:r>
           </a:p>
           <a:p>
-            <a:pPr lvl="1"/>
-            <a:r>
-              <a:rPr lang="en-GB" dirty="0" smtClean="0"/>
-              <a:t>Environment monitoring system</a:t>
-            </a:r>
-          </a:p>
-          <a:p>
-            <a:pPr lvl="1"/>
+            <a:pPr lvl="1">
+              <a:buNone/>
+            </a:pPr>
             <a:endParaRPr lang="en-GB" dirty="0"/>
           </a:p>
         </p:txBody>
@@ -9430,14 +10585,24 @@
           <a:p>
             <a:r>
               <a:rPr lang="en-US" dirty="0" smtClean="0"/>
-              <a:t>Software framework: Senseless</a:t>
-            </a:r>
-          </a:p>
-          <a:p>
+              <a:t>Data </a:t>
+            </a:r>
             <a:r>
               <a:rPr lang="en-US" dirty="0" smtClean="0"/>
-              <a:t>Data interface to the WSNs and GUIs</a:t>
-            </a:r>
+              <a:t>interface to the WSNs and </a:t>
+            </a:r>
+            <a:r>
+              <a:rPr lang="en-US" dirty="0" smtClean="0"/>
+              <a:t>GUIs</a:t>
+            </a:r>
+          </a:p>
+          <a:p>
+            <a:pPr lvl="1"/>
+            <a:r>
+              <a:rPr lang="fr-BE" dirty="0" smtClean="0"/>
+              <a:t>XML</a:t>
+            </a:r>
+            <a:endParaRPr lang="en-US" dirty="0" smtClean="0"/>
           </a:p>
           <a:p>
             <a:r>
@@ -9446,10 +10611,38 @@
             </a:r>
           </a:p>
           <a:p>
+            <a:pPr lvl="1"/>
+            <a:r>
+              <a:rPr lang="fr-BE" dirty="0" err="1" smtClean="0"/>
+              <a:t>Stored</a:t>
+            </a:r>
+            <a:r>
+              <a:rPr lang="fr-BE" dirty="0" smtClean="0"/>
+              <a:t> </a:t>
+            </a:r>
+            <a:r>
+              <a:rPr lang="fr-BE" dirty="0" err="1" smtClean="0"/>
+              <a:t>Procedures</a:t>
+            </a:r>
+            <a:endParaRPr lang="en-US" dirty="0" smtClean="0"/>
+          </a:p>
+          <a:p>
             <a:r>
               <a:rPr lang="en-US" dirty="0" smtClean="0"/>
-              <a:t>Localization algorithms</a:t>
-            </a:r>
+              <a:t>Localization </a:t>
+            </a:r>
+            <a:r>
+              <a:rPr lang="en-US" dirty="0" smtClean="0"/>
+              <a:t>algorithms</a:t>
+            </a:r>
+          </a:p>
+          <a:p>
+            <a:pPr lvl="1"/>
+            <a:r>
+              <a:rPr lang="fr-BE" dirty="0" err="1" smtClean="0"/>
+              <a:t>Centralized</a:t>
+            </a:r>
+            <a:endParaRPr lang="en-US" dirty="0" smtClean="0"/>
           </a:p>
           <a:p>
             <a:pPr lvl="1"/>
@@ -9476,6 +10669,159 @@
 </file>
 
 <file path=ppt/slides/slide32.xml><?xml version="1.0" encoding="utf-8"?>
+<p:sld xmlns:a="http://schemas.openxmlformats.org/drawingml/2006/main" xmlns:r="http://schemas.openxmlformats.org/officeDocument/2006/relationships" xmlns:p="http://schemas.openxmlformats.org/presentationml/2006/main">
+  <p:cSld>
+    <p:spTree>
+      <p:nvGrpSpPr>
+        <p:cNvPr id="1" name=""/>
+        <p:cNvGrpSpPr/>
+        <p:nvPr/>
+      </p:nvGrpSpPr>
+      <p:grpSpPr>
+        <a:xfrm>
+          <a:off x="0" y="0"/>
+          <a:ext cx="0" cy="0"/>
+          <a:chOff x="0" y="0"/>
+          <a:chExt cx="0" cy="0"/>
+        </a:xfrm>
+      </p:grpSpPr>
+      <p:sp>
+        <p:nvSpPr>
+          <p:cNvPr id="2" name="Title 1"/>
+          <p:cNvSpPr>
+            <a:spLocks noGrp="1"/>
+          </p:cNvSpPr>
+          <p:nvPr>
+            <p:ph type="title"/>
+          </p:nvPr>
+        </p:nvSpPr>
+        <p:spPr/>
+        <p:txBody>
+          <a:bodyPr/>
+          <a:lstStyle/>
+          <a:p>
+            <a:r>
+              <a:rPr lang="fr-BE" dirty="0" smtClean="0"/>
+              <a:t>Framework - Technologies</a:t>
+            </a:r>
+            <a:endParaRPr lang="en-US" dirty="0"/>
+          </a:p>
+        </p:txBody>
+      </p:sp>
+      <p:sp>
+        <p:nvSpPr>
+          <p:cNvPr id="3" name="Content Placeholder 2"/>
+          <p:cNvSpPr>
+            <a:spLocks noGrp="1"/>
+          </p:cNvSpPr>
+          <p:nvPr>
+            <p:ph idx="1"/>
+          </p:nvPr>
+        </p:nvSpPr>
+        <p:spPr/>
+        <p:txBody>
+          <a:bodyPr>
+            <a:normAutofit fontScale="85000" lnSpcReduction="20000"/>
+          </a:bodyPr>
+          <a:lstStyle/>
+          <a:p>
+            <a:r>
+              <a:rPr lang="fr-BE" dirty="0" smtClean="0"/>
+              <a:t>WSN</a:t>
+            </a:r>
+          </a:p>
+          <a:p>
+            <a:pPr lvl="1"/>
+            <a:r>
+              <a:rPr lang="fr-BE" dirty="0" smtClean="0"/>
+              <a:t>TinyOS</a:t>
+            </a:r>
+          </a:p>
+          <a:p>
+            <a:pPr lvl="1"/>
+            <a:r>
+              <a:rPr lang="fr-BE" dirty="0" smtClean="0"/>
+              <a:t>TelosB</a:t>
+            </a:r>
+          </a:p>
+          <a:p>
+            <a:pPr lvl="1"/>
+            <a:r>
+              <a:rPr lang="fr-BE" dirty="0" err="1" smtClean="0"/>
+              <a:t>Xubuntos</a:t>
+            </a:r>
+            <a:endParaRPr lang="fr-BE" dirty="0" smtClean="0"/>
+          </a:p>
+          <a:p>
+            <a:r>
+              <a:rPr lang="fr-BE" dirty="0" smtClean="0"/>
+              <a:t>WSN XML </a:t>
+            </a:r>
+            <a:r>
+              <a:rPr lang="fr-BE" dirty="0" err="1" smtClean="0"/>
+              <a:t>Parser</a:t>
+            </a:r>
+            <a:endParaRPr lang="fr-BE" dirty="0" smtClean="0"/>
+          </a:p>
+          <a:p>
+            <a:pPr lvl="1"/>
+            <a:r>
+              <a:rPr lang="fr-BE" dirty="0" smtClean="0"/>
+              <a:t>Java</a:t>
+            </a:r>
+          </a:p>
+          <a:p>
+            <a:r>
+              <a:rPr lang="fr-BE" dirty="0" smtClean="0"/>
+              <a:t>Controller, GUI</a:t>
+            </a:r>
+          </a:p>
+          <a:p>
+            <a:pPr lvl="1"/>
+            <a:r>
+              <a:rPr lang="fr-BE" dirty="0" smtClean="0"/>
+              <a:t>C#</a:t>
+            </a:r>
+          </a:p>
+          <a:p>
+            <a:pPr lvl="1"/>
+            <a:r>
+              <a:rPr lang="fr-BE" dirty="0" smtClean="0"/>
+              <a:t>.NET 2.0</a:t>
+            </a:r>
+          </a:p>
+          <a:p>
+            <a:r>
+              <a:rPr lang="fr-BE" dirty="0" smtClean="0"/>
+              <a:t>Interfaces</a:t>
+            </a:r>
+          </a:p>
+          <a:p>
+            <a:pPr lvl="1"/>
+            <a:r>
+              <a:rPr lang="fr-BE" dirty="0" smtClean="0"/>
+              <a:t>XML over TCP</a:t>
+            </a:r>
+          </a:p>
+          <a:p>
+            <a:pPr lvl="1"/>
+            <a:r>
+              <a:rPr lang="fr-BE" dirty="0" smtClean="0"/>
+              <a:t>WCF (http)</a:t>
+            </a:r>
+            <a:endParaRPr lang="en-US" dirty="0"/>
+          </a:p>
+        </p:txBody>
+      </p:sp>
+    </p:spTree>
+  </p:cSld>
+  <p:clrMapOvr>
+    <a:masterClrMapping/>
+  </p:clrMapOvr>
+</p:sld>
+</file>
+
+<file path=ppt/slides/slide33.xml><?xml version="1.0" encoding="utf-8"?>
 <p:sld xmlns:a="http://schemas.openxmlformats.org/drawingml/2006/main" xmlns:r="http://schemas.openxmlformats.org/officeDocument/2006/relationships" xmlns:p="http://schemas.openxmlformats.org/presentationml/2006/main">
   <p:cSld>
     <p:spTree>
@@ -9579,133 +10925,6 @@
 </p:sld>
 </file>
 
-<file path=ppt/slides/slide33.xml><?xml version="1.0" encoding="utf-8"?>
-<p:sld xmlns:a="http://schemas.openxmlformats.org/drawingml/2006/main" xmlns:r="http://schemas.openxmlformats.org/officeDocument/2006/relationships" xmlns:p="http://schemas.openxmlformats.org/presentationml/2006/main">
-  <p:cSld>
-    <p:spTree>
-      <p:nvGrpSpPr>
-        <p:cNvPr id="1" name=""/>
-        <p:cNvGrpSpPr/>
-        <p:nvPr/>
-      </p:nvGrpSpPr>
-      <p:grpSpPr>
-        <a:xfrm>
-          <a:off x="0" y="0"/>
-          <a:ext cx="0" cy="0"/>
-          <a:chOff x="0" y="0"/>
-          <a:chExt cx="0" cy="0"/>
-        </a:xfrm>
-      </p:grpSpPr>
-      <p:sp>
-        <p:nvSpPr>
-          <p:cNvPr id="2" name="Titel 1"/>
-          <p:cNvSpPr>
-            <a:spLocks noGrp="1"/>
-          </p:cNvSpPr>
-          <p:nvPr>
-            <p:ph type="title"/>
-          </p:nvPr>
-        </p:nvSpPr>
-        <p:spPr/>
-        <p:txBody>
-          <a:bodyPr/>
-          <a:lstStyle/>
-          <a:p>
-            <a:r>
-              <a:rPr lang="nl-BE" dirty="0" err="1" smtClean="0"/>
-              <a:t>Framework</a:t>
-            </a:r>
-            <a:r>
-              <a:rPr lang="nl-BE" dirty="0" smtClean="0"/>
-              <a:t> - MVC</a:t>
-            </a:r>
-            <a:endParaRPr lang="nl-BE" dirty="0"/>
-          </a:p>
-        </p:txBody>
-      </p:sp>
-      <p:sp>
-        <p:nvSpPr>
-          <p:cNvPr id="3" name="Tijdelijke aanduiding voor inhoud 2"/>
-          <p:cNvSpPr>
-            <a:spLocks noGrp="1"/>
-          </p:cNvSpPr>
-          <p:nvPr>
-            <p:ph idx="1"/>
-          </p:nvPr>
-        </p:nvSpPr>
-        <p:spPr/>
-        <p:txBody>
-          <a:bodyPr/>
-          <a:lstStyle/>
-          <a:p>
-            <a:r>
-              <a:rPr lang="nl-BE" dirty="0" err="1" smtClean="0"/>
-              <a:t>Advantages</a:t>
-            </a:r>
-            <a:r>
-              <a:rPr lang="nl-BE" dirty="0" smtClean="0"/>
-              <a:t>:</a:t>
-            </a:r>
-            <a:endParaRPr lang="nl-BE" dirty="0" smtClean="0"/>
-          </a:p>
-          <a:p>
-            <a:endParaRPr lang="nl-BE" dirty="0" smtClean="0"/>
-          </a:p>
-          <a:p>
-            <a:pPr lvl="1"/>
-            <a:r>
-              <a:rPr lang="nl-BE" dirty="0" smtClean="0"/>
-              <a:t>The </a:t>
-            </a:r>
-            <a:r>
-              <a:rPr lang="nl-BE" dirty="0" err="1" smtClean="0"/>
-              <a:t>adding</a:t>
-            </a:r>
-            <a:r>
-              <a:rPr lang="nl-BE" dirty="0" smtClean="0"/>
-              <a:t> of </a:t>
-            </a:r>
-            <a:r>
-              <a:rPr lang="nl-BE" dirty="0" err="1" smtClean="0"/>
-              <a:t>new</a:t>
-            </a:r>
-            <a:r>
-              <a:rPr lang="nl-BE" dirty="0" smtClean="0"/>
-              <a:t> </a:t>
-            </a:r>
-            <a:r>
-              <a:rPr lang="nl-BE" dirty="0" smtClean="0"/>
-              <a:t>Views en Models</a:t>
-            </a:r>
-          </a:p>
-          <a:p>
-            <a:pPr lvl="1"/>
-            <a:r>
-              <a:rPr lang="nl-BE" dirty="0" err="1" smtClean="0"/>
-              <a:t>Independance</a:t>
-            </a:r>
-            <a:endParaRPr lang="nl-BE" dirty="0" smtClean="0"/>
-          </a:p>
-          <a:p>
-            <a:endParaRPr lang="nl-BE" dirty="0"/>
-          </a:p>
-        </p:txBody>
-      </p:sp>
-    </p:spTree>
-  </p:cSld>
-  <p:clrMapOvr>
-    <a:masterClrMapping/>
-  </p:clrMapOvr>
-  <p:timing>
-    <p:tnLst>
-      <p:par>
-        <p:cTn id="1" dur="indefinite" restart="never" nodeType="tmRoot"/>
-      </p:par>
-    </p:tnLst>
-  </p:timing>
-</p:sld>
-</file>
-
 <file path=ppt/slides/slide34.xml><?xml version="1.0" encoding="utf-8"?>
 <p:sld xmlns:a="http://schemas.openxmlformats.org/drawingml/2006/main" xmlns:r="http://schemas.openxmlformats.org/officeDocument/2006/relationships" xmlns:p="http://schemas.openxmlformats.org/presentationml/2006/main">
   <p:cSld>
@@ -9744,7 +10963,7 @@
             </a:r>
             <a:r>
               <a:rPr lang="nl-BE" dirty="0" smtClean="0"/>
-              <a:t> - SOA</a:t>
+              <a:t> - MVC</a:t>
             </a:r>
             <a:endParaRPr lang="nl-BE" dirty="0"/>
           </a:p>
@@ -9766,43 +10985,42 @@
           <a:lstStyle/>
           <a:p>
             <a:r>
-              <a:rPr lang="en-GB" dirty="0" smtClean="0"/>
-              <a:t>Service Oriented Architecture</a:t>
-            </a:r>
-          </a:p>
-          <a:p>
-            <a:r>
-              <a:rPr lang="en-GB" dirty="0" smtClean="0"/>
-              <a:t>Advantages:</a:t>
-            </a:r>
-          </a:p>
-          <a:p>
-            <a:endParaRPr lang="en-GB" dirty="0" smtClean="0"/>
+              <a:rPr lang="nl-BE" dirty="0" err="1" smtClean="0"/>
+              <a:t>Advantages</a:t>
+            </a:r>
+            <a:r>
+              <a:rPr lang="nl-BE" dirty="0" smtClean="0"/>
+              <a:t>:</a:t>
+            </a:r>
+          </a:p>
+          <a:p>
+            <a:endParaRPr lang="nl-BE" dirty="0" smtClean="0"/>
           </a:p>
           <a:p>
             <a:pPr lvl="1"/>
             <a:r>
-              <a:rPr lang="en-GB" dirty="0" smtClean="0"/>
-              <a:t>Modularity and flexibility</a:t>
+              <a:rPr lang="nl-BE" dirty="0" smtClean="0"/>
+              <a:t>The </a:t>
+            </a:r>
+            <a:r>
+              <a:rPr lang="nl-BE" dirty="0" smtClean="0"/>
+              <a:t>addition of </a:t>
+            </a:r>
+            <a:r>
+              <a:rPr lang="nl-BE" dirty="0" smtClean="0"/>
+              <a:t>new Views en Models</a:t>
             </a:r>
           </a:p>
           <a:p>
             <a:pPr lvl="1"/>
             <a:r>
-              <a:rPr lang="en-GB" dirty="0" smtClean="0"/>
-              <a:t>Scalability</a:t>
-            </a:r>
-          </a:p>
-          <a:p>
-            <a:pPr lvl="1"/>
-            <a:r>
-              <a:rPr lang="en-GB" dirty="0" err="1" smtClean="0"/>
-              <a:t>Reusage</a:t>
-            </a:r>
-            <a:endParaRPr lang="en-GB" dirty="0" smtClean="0"/>
-          </a:p>
-          <a:p>
-            <a:endParaRPr lang="en-GB" dirty="0"/>
+              <a:rPr lang="nl-BE" dirty="0" err="1" smtClean="0"/>
+              <a:t>Independance</a:t>
+            </a:r>
+            <a:endParaRPr lang="nl-BE" dirty="0" smtClean="0"/>
+          </a:p>
+          <a:p>
+            <a:endParaRPr lang="nl-BE" dirty="0"/>
           </a:p>
         </p:txBody>
       </p:sp>
@@ -9854,63 +11072,69 @@
           <a:lstStyle/>
           <a:p>
             <a:r>
+              <a:rPr lang="nl-BE" dirty="0" err="1" smtClean="0"/>
+              <a:t>Framework</a:t>
+            </a:r>
+            <a:r>
+              <a:rPr lang="nl-BE" dirty="0" smtClean="0"/>
+              <a:t> - SOA</a:t>
+            </a:r>
+            <a:endParaRPr lang="nl-BE" dirty="0"/>
+          </a:p>
+        </p:txBody>
+      </p:sp>
+      <p:sp>
+        <p:nvSpPr>
+          <p:cNvPr id="3" name="Tijdelijke aanduiding voor inhoud 2"/>
+          <p:cNvSpPr>
+            <a:spLocks noGrp="1"/>
+          </p:cNvSpPr>
+          <p:nvPr>
+            <p:ph idx="1"/>
+          </p:nvPr>
+        </p:nvSpPr>
+        <p:spPr/>
+        <p:txBody>
+          <a:bodyPr/>
+          <a:lstStyle/>
+          <a:p>
+            <a:r>
               <a:rPr lang="en-GB" dirty="0" smtClean="0"/>
-              <a:t>Framework - Functionality</a:t>
-            </a:r>
-            <a:endParaRPr lang="en-GB" dirty="0"/>
-          </a:p>
-        </p:txBody>
-      </p:sp>
-      <p:sp>
-        <p:nvSpPr>
-          <p:cNvPr id="3" name="Tijdelijke aanduiding voor inhoud 2"/>
-          <p:cNvSpPr>
-            <a:spLocks noGrp="1"/>
-          </p:cNvSpPr>
-          <p:nvPr>
-            <p:ph idx="1"/>
-          </p:nvPr>
-        </p:nvSpPr>
-        <p:spPr/>
-        <p:txBody>
-          <a:bodyPr/>
-          <a:lstStyle/>
+              <a:t>Service Oriented Architecture</a:t>
+            </a:r>
+          </a:p>
           <a:p>
             <a:r>
               <a:rPr lang="en-GB" dirty="0" smtClean="0"/>
-              <a:t>WSN</a:t>
-            </a:r>
-          </a:p>
-          <a:p>
+              <a:t>Advantages:</a:t>
+            </a:r>
+          </a:p>
+          <a:p>
+            <a:endParaRPr lang="en-GB" dirty="0" smtClean="0"/>
+          </a:p>
+          <a:p>
+            <a:pPr lvl="1"/>
             <a:r>
               <a:rPr lang="en-GB" dirty="0" smtClean="0"/>
-              <a:t> Database</a:t>
-            </a:r>
-          </a:p>
-          <a:p>
+              <a:t>Modularity and flexibility</a:t>
+            </a:r>
+          </a:p>
+          <a:p>
+            <a:pPr lvl="1"/>
             <a:r>
               <a:rPr lang="en-GB" dirty="0" smtClean="0"/>
-              <a:t> Graphical Unit Interface (GUI)</a:t>
-            </a:r>
-          </a:p>
-          <a:p>
-            <a:r>
-              <a:rPr lang="en-GB" dirty="0" smtClean="0"/>
-              <a:t> </a:t>
-            </a:r>
-            <a:r>
-              <a:rPr lang="en-GB" dirty="0" smtClean="0"/>
-              <a:t>Controller</a:t>
-            </a:r>
-          </a:p>
-          <a:p>
+              <a:t>Scalability</a:t>
+            </a:r>
+          </a:p>
+          <a:p>
+            <a:pPr lvl="1"/>
+            <a:r>
+              <a:rPr lang="en-GB" dirty="0" err="1" smtClean="0"/>
+              <a:t>Reusage</a:t>
+            </a:r>
             <a:endParaRPr lang="en-GB" dirty="0" smtClean="0"/>
           </a:p>
           <a:p>
-            <a:r>
-              <a:rPr lang="en-GB" dirty="0" err="1" smtClean="0"/>
-              <a:t>Scala</a:t>
-            </a:r>
             <a:endParaRPr lang="en-GB" dirty="0"/>
           </a:p>
         </p:txBody>
@@ -10540,19 +11764,7 @@
           <a:p>
             <a:r>
               <a:rPr lang="nl-BE" sz="2800" dirty="0" smtClean="0"/>
-              <a:t>WSN </a:t>
-            </a:r>
-            <a:r>
-              <a:rPr lang="nl-BE" sz="2800" dirty="0" smtClean="0"/>
-              <a:t>as </a:t>
-            </a:r>
-            <a:r>
-              <a:rPr lang="nl-BE" sz="2800" dirty="0" smtClean="0"/>
-              <a:t>a </a:t>
-            </a:r>
-            <a:r>
-              <a:rPr lang="nl-BE" sz="2800" dirty="0" smtClean="0"/>
-              <a:t>RTLS</a:t>
+              <a:t>WSN as a RTLS</a:t>
             </a:r>
           </a:p>
           <a:p>
@@ -10585,7 +11797,6 @@
               <a:rPr lang="nl-BE" sz="2800" dirty="0" smtClean="0"/>
               <a:t> </a:t>
             </a:r>
-            <a:endParaRPr lang="nl-BE" sz="2800" dirty="0" smtClean="0"/>
           </a:p>
           <a:p>
             <a:r>
@@ -10604,7 +11815,6 @@
               <a:rPr lang="nl-BE" sz="2800" dirty="0" smtClean="0"/>
               <a:t> </a:t>
             </a:r>
-            <a:endParaRPr lang="nl-BE" sz="2800" dirty="0" smtClean="0"/>
           </a:p>
           <a:p>
             <a:r>
@@ -10820,15 +12030,7 @@
             </a:r>
             <a:r>
               <a:rPr lang="nl-BE" dirty="0" smtClean="0"/>
-              <a:t> </a:t>
-            </a:r>
-            <a:r>
-              <a:rPr lang="nl-BE" dirty="0" smtClean="0"/>
-              <a:t>- </a:t>
-            </a:r>
-            <a:r>
-              <a:rPr lang="nl-BE" dirty="0" smtClean="0"/>
-              <a:t>nesC</a:t>
+              <a:t> - nesC</a:t>
             </a:r>
             <a:endParaRPr lang="nl-BE" dirty="0"/>
           </a:p>
@@ -11357,11 +12559,7 @@
           <a:p>
             <a:r>
               <a:rPr lang="en-US" dirty="0" smtClean="0"/>
-              <a:t>Button </a:t>
-            </a:r>
-            <a:r>
-              <a:rPr lang="en-US" dirty="0" smtClean="0"/>
-              <a:t>pressed</a:t>
+              <a:t>Button pressed</a:t>
             </a:r>
             <a:endParaRPr lang="nl-BE" dirty="0" smtClean="0"/>
           </a:p>
@@ -11566,11 +12764,7 @@
           <a:p>
             <a:r>
               <a:rPr lang="en-US" dirty="0" smtClean="0"/>
-              <a:t>Mote </a:t>
-            </a:r>
-            <a:r>
-              <a:rPr lang="en-US" dirty="0" smtClean="0"/>
-              <a:t>id</a:t>
+              <a:t>Mote id</a:t>
             </a:r>
             <a:endParaRPr lang="nl-BE" dirty="0" smtClean="0"/>
           </a:p>
@@ -11824,7 +13018,25 @@
             </a:r>
             <a:r>
               <a:rPr lang="en-GB" dirty="0" smtClean="0"/>
-              <a:t> 5.0 database</a:t>
+              <a:t> 5.0 </a:t>
+            </a:r>
+            <a:r>
+              <a:rPr lang="en-GB" dirty="0" smtClean="0"/>
+              <a:t>database</a:t>
+            </a:r>
+          </a:p>
+          <a:p>
+            <a:pPr lvl="1"/>
+            <a:r>
+              <a:rPr lang="en-GB" dirty="0" smtClean="0"/>
+              <a:t>ODBC</a:t>
+            </a:r>
+          </a:p>
+          <a:p>
+            <a:pPr lvl="1"/>
+            <a:r>
+              <a:rPr lang="en-GB" dirty="0" smtClean="0"/>
+              <a:t>Stored Procedures</a:t>
             </a:r>
             <a:endParaRPr lang="en-GB" dirty="0"/>
           </a:p>
@@ -11918,7 +13130,6 @@
               <a:rPr lang="en-GB" dirty="0" smtClean="0"/>
               <a:t>Test the influence of the orientation of a node</a:t>
             </a:r>
-            <a:endParaRPr lang="en-GB" dirty="0" smtClean="0"/>
           </a:p>
           <a:p>
             <a:r>
@@ -13130,19 +14341,7 @@
           <a:p>
             <a:r>
               <a:rPr lang="nl-BE" sz="2800" dirty="0" smtClean="0"/>
-              <a:t>WSN </a:t>
-            </a:r>
-            <a:r>
-              <a:rPr lang="nl-BE" sz="2800" dirty="0" smtClean="0"/>
-              <a:t>as </a:t>
-            </a:r>
-            <a:r>
-              <a:rPr lang="nl-BE" sz="2800" dirty="0" smtClean="0"/>
-              <a:t>a </a:t>
-            </a:r>
-            <a:r>
-              <a:rPr lang="nl-BE" sz="2800" dirty="0" smtClean="0"/>
-              <a:t>RTLS</a:t>
+              <a:t>WSN as a RTLS</a:t>
             </a:r>
           </a:p>
           <a:p>
@@ -13175,7 +14374,6 @@
               <a:rPr lang="nl-BE" sz="2800" dirty="0" smtClean="0"/>
               <a:t> </a:t>
             </a:r>
-            <a:endParaRPr lang="nl-BE" sz="2800" dirty="0" smtClean="0"/>
           </a:p>
           <a:p>
             <a:r>
@@ -13194,7 +14392,6 @@
               <a:rPr lang="nl-BE" sz="2800" dirty="0" smtClean="0"/>
               <a:t> </a:t>
             </a:r>
-            <a:endParaRPr lang="nl-BE" sz="2800" dirty="0" smtClean="0"/>
           </a:p>
           <a:p>
             <a:r>
@@ -13470,10 +14667,10 @@
           <a:lstStyle/>
           <a:p>
             <a:r>
-              <a:rPr lang="en-GB" dirty="0" smtClean="0"/>
-              <a:t>Framework - platforms</a:t>
-            </a:r>
-            <a:endParaRPr lang="en-GB" dirty="0"/>
+              <a:rPr lang="nl-BE" dirty="0" err="1" smtClean="0"/>
+              <a:t>Overview</a:t>
+            </a:r>
+            <a:endParaRPr lang="nl-BE" dirty="0"/>
           </a:p>
         </p:txBody>
       </p:sp>
@@ -13489,79 +14686,97 @@
         </p:nvSpPr>
         <p:spPr/>
         <p:txBody>
-          <a:bodyPr/>
-          <a:lstStyle/>
-          <a:p>
-            <a:r>
-              <a:rPr lang="en-GB" dirty="0" smtClean="0"/>
-              <a:t>C# .</a:t>
-            </a:r>
-            <a:r>
-              <a:rPr lang="en-GB" dirty="0" err="1" smtClean="0"/>
-              <a:t>net</a:t>
-            </a:r>
-            <a:r>
-              <a:rPr lang="en-GB" dirty="0" smtClean="0"/>
-              <a:t> 3.5</a:t>
-            </a:r>
-          </a:p>
-          <a:p>
-            <a:pPr lvl="1"/>
-            <a:r>
-              <a:rPr lang="en-GB" dirty="0" smtClean="0"/>
-              <a:t>Visual Studio 2008</a:t>
-            </a:r>
-          </a:p>
-          <a:p>
-            <a:endParaRPr lang="en-GB" dirty="0" smtClean="0"/>
-          </a:p>
-          <a:p>
-            <a:r>
-              <a:rPr lang="en-GB" dirty="0" smtClean="0"/>
-              <a:t>Java v1.5</a:t>
-            </a:r>
-          </a:p>
-          <a:p>
-            <a:pPr lvl="1"/>
-            <a:r>
-              <a:rPr lang="en-GB" dirty="0" err="1" smtClean="0"/>
-              <a:t>Netbeans</a:t>
-            </a:r>
-            <a:endParaRPr lang="en-GB" dirty="0" smtClean="0"/>
-          </a:p>
-          <a:p>
-            <a:pPr lvl="1"/>
-            <a:r>
-              <a:rPr lang="en-GB" dirty="0" err="1" smtClean="0"/>
-              <a:t>Xubuntos</a:t>
-            </a:r>
-            <a:r>
-              <a:rPr lang="en-GB" dirty="0" smtClean="0"/>
-              <a:t> with </a:t>
-            </a:r>
-            <a:r>
-              <a:rPr lang="en-GB" dirty="0" err="1" smtClean="0"/>
-              <a:t>Tinyos</a:t>
-            </a:r>
-            <a:r>
-              <a:rPr lang="en-GB" dirty="0" smtClean="0"/>
-              <a:t> 2.x</a:t>
-            </a:r>
-          </a:p>
-          <a:p>
-            <a:pPr lvl="1"/>
-            <a:endParaRPr lang="en-GB" dirty="0" smtClean="0"/>
-          </a:p>
-          <a:p>
-            <a:r>
-              <a:rPr lang="en-GB" dirty="0" err="1" smtClean="0"/>
-              <a:t>Telos</a:t>
-            </a:r>
-            <a:r>
-              <a:rPr lang="en-GB" dirty="0" smtClean="0"/>
-              <a:t> rev. B</a:t>
-            </a:r>
-            <a:endParaRPr lang="en-GB" dirty="0"/>
+          <a:bodyPr>
+            <a:normAutofit fontScale="92500" lnSpcReduction="10000"/>
+          </a:bodyPr>
+          <a:lstStyle/>
+          <a:p>
+            <a:r>
+              <a:rPr lang="nl-BE" sz="2800" dirty="0" err="1" smtClean="0"/>
+              <a:t>Contributions</a:t>
+            </a:r>
+            <a:endParaRPr lang="nl-BE" sz="2800" dirty="0" smtClean="0"/>
+          </a:p>
+          <a:p>
+            <a:r>
+              <a:rPr lang="nl-BE" sz="2800" dirty="0" err="1" smtClean="0"/>
+              <a:t>Motivation</a:t>
+            </a:r>
+            <a:endParaRPr lang="nl-BE" sz="2800" dirty="0" smtClean="0"/>
+          </a:p>
+          <a:p>
+            <a:r>
+              <a:rPr lang="nl-BE" sz="2800" dirty="0" err="1" smtClean="0"/>
+              <a:t>Applications</a:t>
+            </a:r>
+            <a:endParaRPr lang="nl-BE" sz="2800" dirty="0" smtClean="0"/>
+          </a:p>
+          <a:p>
+            <a:r>
+              <a:rPr lang="nl-BE" sz="2800" dirty="0" smtClean="0"/>
+              <a:t>WSN as a RTLS</a:t>
+            </a:r>
+          </a:p>
+          <a:p>
+            <a:r>
+              <a:rPr lang="nl-BE" sz="2800" dirty="0" err="1" smtClean="0"/>
+              <a:t>Framework</a:t>
+            </a:r>
+            <a:endParaRPr lang="nl-BE" sz="2800" dirty="0" smtClean="0"/>
+          </a:p>
+          <a:p>
+            <a:r>
+              <a:rPr lang="nl-BE" sz="2800" dirty="0" err="1" smtClean="0"/>
+              <a:t>Localization</a:t>
+            </a:r>
+            <a:endParaRPr lang="nl-BE" sz="2800" dirty="0" smtClean="0"/>
+          </a:p>
+          <a:p>
+            <a:r>
+              <a:rPr lang="nl-BE" sz="2800" dirty="0" err="1" smtClean="0"/>
+              <a:t>Results</a:t>
+            </a:r>
+            <a:endParaRPr lang="nl-BE" sz="2800" dirty="0" smtClean="0"/>
+          </a:p>
+          <a:p>
+            <a:r>
+              <a:rPr lang="nl-BE" sz="2800" dirty="0" err="1" smtClean="0"/>
+              <a:t>Conclusion</a:t>
+            </a:r>
+            <a:r>
+              <a:rPr lang="nl-BE" sz="2800" dirty="0" smtClean="0"/>
+              <a:t> </a:t>
+            </a:r>
+          </a:p>
+          <a:p>
+            <a:r>
+              <a:rPr lang="nl-BE" sz="2800" dirty="0" err="1" smtClean="0"/>
+              <a:t>Future</a:t>
+            </a:r>
+            <a:r>
+              <a:rPr lang="nl-BE" sz="2800" dirty="0" smtClean="0"/>
+              <a:t> </a:t>
+            </a:r>
+            <a:r>
+              <a:rPr lang="nl-BE" sz="2800" dirty="0" err="1" smtClean="0"/>
+              <a:t>work</a:t>
+            </a:r>
+            <a:r>
+              <a:rPr lang="nl-BE" sz="2800" dirty="0" smtClean="0"/>
+              <a:t> </a:t>
+            </a:r>
+          </a:p>
+          <a:p>
+            <a:r>
+              <a:rPr lang="nl-BE" sz="2800" dirty="0" smtClean="0"/>
+              <a:t>Q&amp;A</a:t>
+            </a:r>
+          </a:p>
+          <a:p>
+            <a:pPr>
+              <a:buNone/>
+            </a:pPr>
+            <a:endParaRPr lang="nl-BE" dirty="0" smtClean="0"/>
           </a:p>
         </p:txBody>
       </p:sp>
@@ -13570,6 +14785,13 @@
   <p:clrMapOvr>
     <a:masterClrMapping/>
   </p:clrMapOvr>
+  <p:timing>
+    <p:tnLst>
+      <p:par>
+        <p:cTn id="1" dur="indefinite" restart="never" nodeType="tmRoot"/>
+      </p:par>
+    </p:tnLst>
+  </p:timing>
 </p:sld>
 </file>
 
@@ -13653,19 +14875,7 @@
           <a:p>
             <a:r>
               <a:rPr lang="nl-BE" sz="2800" dirty="0" smtClean="0"/>
-              <a:t>WSN </a:t>
-            </a:r>
-            <a:r>
-              <a:rPr lang="nl-BE" sz="2800" dirty="0" smtClean="0"/>
-              <a:t>as </a:t>
-            </a:r>
-            <a:r>
-              <a:rPr lang="nl-BE" sz="2800" dirty="0" smtClean="0"/>
-              <a:t>a </a:t>
-            </a:r>
-            <a:r>
-              <a:rPr lang="nl-BE" sz="2800" dirty="0" smtClean="0"/>
-              <a:t>RTLS</a:t>
+              <a:t>WSN as a RTLS</a:t>
             </a:r>
           </a:p>
           <a:p>
@@ -13677,10 +14887,18 @@
           </a:p>
           <a:p>
             <a:r>
-              <a:rPr lang="nl-BE" sz="2800" dirty="0" err="1" smtClean="0"/>
+              <a:rPr lang="nl-BE" sz="2800" dirty="0" err="1" smtClean="0">
+                <a:solidFill>
+                  <a:srgbClr val="F66004"/>
+                </a:solidFill>
+              </a:rPr>
               <a:t>Localization</a:t>
             </a:r>
-            <a:endParaRPr lang="nl-BE" sz="2800" dirty="0" smtClean="0"/>
+            <a:endParaRPr lang="nl-BE" sz="2800" dirty="0" smtClean="0">
+              <a:solidFill>
+                <a:srgbClr val="F66004"/>
+              </a:solidFill>
+            </a:endParaRPr>
           </a:p>
           <a:p>
             <a:r>
@@ -13698,7 +14916,6 @@
               <a:rPr lang="nl-BE" sz="2800" dirty="0" smtClean="0"/>
               <a:t> </a:t>
             </a:r>
-            <a:endParaRPr lang="nl-BE" sz="2800" dirty="0" smtClean="0"/>
           </a:p>
           <a:p>
             <a:r>
@@ -13717,7 +14934,6 @@
               <a:rPr lang="nl-BE" sz="2800" dirty="0" smtClean="0"/>
               <a:t> </a:t>
             </a:r>
-            <a:endParaRPr lang="nl-BE" sz="2800" dirty="0" smtClean="0"/>
           </a:p>
           <a:p>
             <a:r>
@@ -13782,7 +14998,7 @@
           <a:p>
             <a:r>
               <a:rPr lang="nl-BE" dirty="0" err="1" smtClean="0"/>
-              <a:t>Overview</a:t>
+              <a:t>Localization</a:t>
             </a:r>
             <a:endParaRPr lang="nl-BE" dirty="0"/>
           </a:p>
@@ -13800,119 +15016,37 @@
         </p:nvSpPr>
         <p:spPr/>
         <p:txBody>
-          <a:bodyPr>
-            <a:normAutofit fontScale="92500" lnSpcReduction="10000"/>
-          </a:bodyPr>
-          <a:lstStyle/>
-          <a:p>
-            <a:r>
-              <a:rPr lang="nl-BE" sz="2800" dirty="0" err="1" smtClean="0"/>
-              <a:t>Contributions</a:t>
-            </a:r>
-            <a:endParaRPr lang="nl-BE" sz="2800" dirty="0" smtClean="0"/>
-          </a:p>
-          <a:p>
-            <a:r>
-              <a:rPr lang="nl-BE" sz="2800" dirty="0" err="1" smtClean="0"/>
-              <a:t>Motivation</a:t>
-            </a:r>
-            <a:endParaRPr lang="nl-BE" sz="2800" dirty="0" smtClean="0"/>
-          </a:p>
-          <a:p>
-            <a:r>
-              <a:rPr lang="nl-BE" sz="2800" dirty="0" err="1" smtClean="0"/>
-              <a:t>Applications</a:t>
-            </a:r>
-            <a:endParaRPr lang="nl-BE" sz="2800" dirty="0" smtClean="0"/>
-          </a:p>
-          <a:p>
-            <a:r>
-              <a:rPr lang="nl-BE" sz="2800" dirty="0" smtClean="0"/>
-              <a:t>WSN </a:t>
-            </a:r>
-            <a:r>
-              <a:rPr lang="nl-BE" sz="2800" dirty="0" smtClean="0"/>
-              <a:t>as </a:t>
-            </a:r>
-            <a:r>
-              <a:rPr lang="nl-BE" sz="2800" dirty="0" smtClean="0"/>
-              <a:t>a </a:t>
-            </a:r>
-            <a:r>
-              <a:rPr lang="nl-BE" sz="2800" dirty="0" smtClean="0"/>
-              <a:t>RTLS</a:t>
-            </a:r>
-          </a:p>
-          <a:p>
-            <a:r>
-              <a:rPr lang="nl-BE" sz="2800" dirty="0" err="1" smtClean="0"/>
-              <a:t>Framework</a:t>
-            </a:r>
-            <a:endParaRPr lang="nl-BE" sz="2800" dirty="0" smtClean="0"/>
-          </a:p>
-          <a:p>
-            <a:r>
-              <a:rPr lang="nl-BE" sz="2800" dirty="0" err="1" smtClean="0">
-                <a:solidFill>
-                  <a:srgbClr val="F66004"/>
-                </a:solidFill>
-              </a:rPr>
-              <a:t>Localization</a:t>
-            </a:r>
-            <a:endParaRPr lang="nl-BE" sz="2800" dirty="0" smtClean="0">
-              <a:solidFill>
-                <a:srgbClr val="F66004"/>
-              </a:solidFill>
-            </a:endParaRPr>
-          </a:p>
-          <a:p>
-            <a:r>
-              <a:rPr lang="nl-BE" sz="2800" dirty="0" err="1" smtClean="0"/>
-              <a:t>Results</a:t>
-            </a:r>
-            <a:endParaRPr lang="nl-BE" sz="2800" dirty="0" smtClean="0"/>
-          </a:p>
-          <a:p>
-            <a:r>
-              <a:rPr lang="nl-BE" sz="2800" dirty="0" err="1" smtClean="0"/>
-              <a:t>Conclusion</a:t>
-            </a:r>
-            <a:r>
-              <a:rPr lang="nl-BE" sz="2800" dirty="0" smtClean="0"/>
-              <a:t> </a:t>
-            </a:r>
-            <a:endParaRPr lang="nl-BE" sz="2800" dirty="0" smtClean="0"/>
-          </a:p>
-          <a:p>
-            <a:r>
-              <a:rPr lang="nl-BE" sz="2800" dirty="0" err="1" smtClean="0"/>
-              <a:t>Future</a:t>
-            </a:r>
-            <a:r>
-              <a:rPr lang="nl-BE" sz="2800" dirty="0" smtClean="0"/>
-              <a:t> </a:t>
-            </a:r>
-            <a:r>
-              <a:rPr lang="nl-BE" sz="2800" dirty="0" err="1" smtClean="0"/>
-              <a:t>work</a:t>
-            </a:r>
-            <a:r>
-              <a:rPr lang="nl-BE" sz="2800" dirty="0" smtClean="0"/>
-              <a:t> </a:t>
-            </a:r>
-            <a:endParaRPr lang="nl-BE" sz="2800" dirty="0" smtClean="0"/>
-          </a:p>
-          <a:p>
-            <a:r>
-              <a:rPr lang="nl-BE" sz="2800" dirty="0" smtClean="0"/>
-              <a:t>Q&amp;A</a:t>
-            </a:r>
-          </a:p>
-          <a:p>
-            <a:pPr>
+          <a:bodyPr/>
+          <a:lstStyle/>
+          <a:p>
+            <a:r>
+              <a:rPr lang="en-GB" dirty="0" smtClean="0"/>
+              <a:t>2 phases:</a:t>
+            </a:r>
+          </a:p>
+          <a:p>
+            <a:pPr lvl="1"/>
+            <a:r>
+              <a:rPr lang="en-GB" dirty="0" smtClean="0"/>
+              <a:t>Ranging + calibration</a:t>
+            </a:r>
+          </a:p>
+          <a:p>
+            <a:pPr lvl="1"/>
+            <a:endParaRPr lang="en-GB" dirty="0" smtClean="0"/>
+          </a:p>
+          <a:p>
+            <a:pPr lvl="1"/>
+            <a:r>
+              <a:rPr lang="en-GB" dirty="0" smtClean="0"/>
+              <a:t>Algorithms</a:t>
+            </a:r>
+          </a:p>
+          <a:p>
+            <a:pPr lvl="1">
               <a:buNone/>
             </a:pPr>
-            <a:endParaRPr lang="nl-BE" dirty="0" smtClean="0"/>
+            <a:endParaRPr lang="en-GB" dirty="0" smtClean="0"/>
           </a:p>
         </p:txBody>
       </p:sp>
@@ -13964,50 +15098,181 @@
           <a:lstStyle/>
           <a:p>
             <a:r>
+              <a:rPr lang="en-GB" dirty="0" smtClean="0"/>
+              <a:t>Localization - Ranging</a:t>
+            </a:r>
+            <a:endParaRPr lang="en-GB" dirty="0"/>
+          </a:p>
+        </p:txBody>
+      </p:sp>
+      <p:sp>
+        <p:nvSpPr>
+          <p:cNvPr id="3" name="Tijdelijke aanduiding voor inhoud 2"/>
+          <p:cNvSpPr>
+            <a:spLocks noGrp="1"/>
+          </p:cNvSpPr>
+          <p:nvPr>
+            <p:ph idx="1"/>
+          </p:nvPr>
+        </p:nvSpPr>
+        <p:spPr/>
+        <p:txBody>
+          <a:bodyPr/>
+          <a:lstStyle/>
+          <a:p>
+            <a:r>
+              <a:rPr lang="nl-BE" dirty="0" smtClean="0"/>
+              <a:t>RSS(d) = - P(d0) – 10 n log(d / d0)</a:t>
+            </a:r>
+          </a:p>
+          <a:p>
+            <a:pPr lvl="1"/>
+            <a:r>
+              <a:rPr lang="nl-BE" dirty="0" smtClean="0"/>
+              <a:t>RSS	</a:t>
+            </a:r>
+            <a:r>
               <a:rPr lang="nl-BE" dirty="0" err="1" smtClean="0"/>
-              <a:t>Localization</a:t>
-            </a:r>
-            <a:endParaRPr lang="nl-BE" dirty="0"/>
-          </a:p>
-        </p:txBody>
-      </p:sp>
-      <p:sp>
-        <p:nvSpPr>
-          <p:cNvPr id="3" name="Tijdelijke aanduiding voor inhoud 2"/>
-          <p:cNvSpPr>
-            <a:spLocks noGrp="1"/>
-          </p:cNvSpPr>
-          <p:nvPr>
-            <p:ph idx="1"/>
-          </p:nvPr>
-        </p:nvSpPr>
-        <p:spPr/>
-        <p:txBody>
-          <a:bodyPr/>
-          <a:lstStyle/>
-          <a:p>
-            <a:r>
-              <a:rPr lang="en-GB" dirty="0" smtClean="0"/>
-              <a:t>2 phases:</a:t>
+              <a:t>Received</a:t>
+            </a:r>
+            <a:r>
+              <a:rPr lang="nl-BE" dirty="0" smtClean="0"/>
+              <a:t> </a:t>
+            </a:r>
+            <a:r>
+              <a:rPr lang="nl-BE" dirty="0" err="1" smtClean="0"/>
+              <a:t>Signal</a:t>
+            </a:r>
+            <a:r>
+              <a:rPr lang="nl-BE" dirty="0" smtClean="0"/>
+              <a:t> </a:t>
+            </a:r>
+            <a:r>
+              <a:rPr lang="nl-BE" dirty="0" err="1" smtClean="0"/>
+              <a:t>Strength</a:t>
+            </a:r>
+            <a:r>
+              <a:rPr lang="nl-BE" dirty="0" smtClean="0"/>
+              <a:t>[</a:t>
+            </a:r>
+            <a:r>
+              <a:rPr lang="nl-BE" dirty="0" err="1" smtClean="0"/>
+              <a:t>dBm</a:t>
+            </a:r>
+            <a:r>
+              <a:rPr lang="nl-BE" dirty="0" smtClean="0"/>
+              <a:t>]</a:t>
             </a:r>
           </a:p>
           <a:p>
             <a:pPr lvl="1"/>
             <a:r>
-              <a:rPr lang="en-GB" dirty="0" smtClean="0"/>
-              <a:t>Ranging + calibration</a:t>
+              <a:rPr lang="nl-BE" dirty="0" smtClean="0"/>
+              <a:t>P(d0)	</a:t>
+            </a:r>
+            <a:r>
+              <a:rPr lang="nl-BE" dirty="0" err="1" smtClean="0"/>
+              <a:t>Path</a:t>
+            </a:r>
+            <a:r>
+              <a:rPr lang="nl-BE" dirty="0" smtClean="0"/>
+              <a:t> loss in </a:t>
+            </a:r>
+            <a:r>
+              <a:rPr lang="nl-BE" dirty="0" err="1" smtClean="0"/>
+              <a:t>dBm</a:t>
+            </a:r>
+            <a:r>
+              <a:rPr lang="nl-BE" dirty="0" smtClean="0"/>
+              <a:t> at a </a:t>
+            </a:r>
+            <a:r>
+              <a:rPr lang="nl-BE" dirty="0" err="1" smtClean="0"/>
+              <a:t>distance</a:t>
+            </a:r>
+            <a:r>
+              <a:rPr lang="nl-BE" dirty="0" smtClean="0"/>
+              <a:t> of d0</a:t>
             </a:r>
           </a:p>
           <a:p>
             <a:pPr lvl="1"/>
-            <a:endParaRPr lang="en-GB" dirty="0" smtClean="0"/>
+            <a:r>
+              <a:rPr lang="nl-BE" dirty="0" smtClean="0"/>
+              <a:t>n	</a:t>
+            </a:r>
+            <a:r>
+              <a:rPr lang="nl-BE" dirty="0" err="1" smtClean="0"/>
+              <a:t>Path</a:t>
+            </a:r>
+            <a:r>
+              <a:rPr lang="nl-BE" dirty="0" smtClean="0"/>
+              <a:t> loss exponent</a:t>
+            </a:r>
           </a:p>
           <a:p>
             <a:pPr lvl="1"/>
             <a:r>
-              <a:rPr lang="en-GB" dirty="0" smtClean="0"/>
-              <a:t>Algorithms</a:t>
-            </a:r>
+              <a:rPr lang="nl-BE" dirty="0" smtClean="0"/>
+              <a:t>d	</a:t>
+            </a:r>
+            <a:r>
+              <a:rPr lang="nl-BE" dirty="0" err="1" smtClean="0"/>
+              <a:t>Distance</a:t>
+            </a:r>
+            <a:r>
+              <a:rPr lang="nl-BE" dirty="0" smtClean="0"/>
+              <a:t> </a:t>
+            </a:r>
+            <a:r>
+              <a:rPr lang="nl-BE" dirty="0" err="1" smtClean="0"/>
+              <a:t>between</a:t>
+            </a:r>
+            <a:r>
+              <a:rPr lang="nl-BE" dirty="0" smtClean="0"/>
+              <a:t> </a:t>
+            </a:r>
+            <a:r>
+              <a:rPr lang="nl-BE" dirty="0" err="1" smtClean="0"/>
+              <a:t>two</a:t>
+            </a:r>
+            <a:r>
+              <a:rPr lang="nl-BE" dirty="0" smtClean="0"/>
+              <a:t> </a:t>
+            </a:r>
+            <a:r>
+              <a:rPr lang="nl-BE" dirty="0" err="1" smtClean="0"/>
+              <a:t>nodes</a:t>
+            </a:r>
+            <a:r>
+              <a:rPr lang="nl-BE" dirty="0" smtClean="0"/>
+              <a:t>[m]</a:t>
+            </a:r>
+          </a:p>
+          <a:p>
+            <a:pPr lvl="1"/>
+            <a:r>
+              <a:rPr lang="nl-BE" dirty="0" smtClean="0"/>
+              <a:t>d(0)	</a:t>
+            </a:r>
+            <a:r>
+              <a:rPr lang="nl-BE" dirty="0" err="1" smtClean="0"/>
+              <a:t>Reference</a:t>
+            </a:r>
+            <a:r>
+              <a:rPr lang="nl-BE" dirty="0" smtClean="0"/>
+              <a:t> </a:t>
+            </a:r>
+            <a:r>
+              <a:rPr lang="nl-BE" dirty="0" err="1" smtClean="0"/>
+              <a:t>distance</a:t>
+            </a:r>
+            <a:r>
+              <a:rPr lang="nl-BE" dirty="0" smtClean="0"/>
+              <a:t>[m]: 1m</a:t>
+            </a:r>
+          </a:p>
+          <a:p>
             <a:endParaRPr lang="en-GB" dirty="0"/>
           </a:p>
         </p:txBody>
@@ -14046,7 +15311,7 @@
       </p:grpSpPr>
       <p:sp>
         <p:nvSpPr>
-          <p:cNvPr id="2" name="Titel 1"/>
+          <p:cNvPr id="2" name="Title 1"/>
           <p:cNvSpPr>
             <a:spLocks noGrp="1"/>
           </p:cNvSpPr>
@@ -14060,182 +15325,74 @@
           <a:lstStyle/>
           <a:p>
             <a:r>
+              <a:rPr lang="fr-BE" dirty="0" err="1" smtClean="0"/>
+              <a:t>Localization</a:t>
+            </a:r>
+            <a:r>
+              <a:rPr lang="fr-BE" dirty="0" smtClean="0"/>
+              <a:t> - </a:t>
+            </a:r>
+            <a:r>
+              <a:rPr lang="fr-BE" dirty="0" err="1" smtClean="0"/>
+              <a:t>Ranging</a:t>
+            </a:r>
+            <a:endParaRPr lang="en-US" dirty="0"/>
+          </a:p>
+        </p:txBody>
+      </p:sp>
+      <p:sp>
+        <p:nvSpPr>
+          <p:cNvPr id="3" name="Content Placeholder 2"/>
+          <p:cNvSpPr>
+            <a:spLocks noGrp="1"/>
+          </p:cNvSpPr>
+          <p:nvPr>
+            <p:ph idx="1"/>
+          </p:nvPr>
+        </p:nvSpPr>
+        <p:spPr/>
+        <p:txBody>
+          <a:bodyPr/>
+          <a:lstStyle/>
+          <a:p>
+            <a:r>
               <a:rPr lang="en-GB" dirty="0" smtClean="0"/>
-              <a:t>Localization - Ranging</a:t>
-            </a:r>
-            <a:endParaRPr lang="en-GB" dirty="0"/>
-          </a:p>
-        </p:txBody>
-      </p:sp>
-      <p:sp>
-        <p:nvSpPr>
-          <p:cNvPr id="3" name="Tijdelijke aanduiding voor inhoud 2"/>
-          <p:cNvSpPr>
-            <a:spLocks noGrp="1"/>
-          </p:cNvSpPr>
-          <p:nvPr>
-            <p:ph idx="1"/>
-          </p:nvPr>
-        </p:nvSpPr>
-        <p:spPr/>
-        <p:txBody>
-          <a:bodyPr/>
-          <a:lstStyle/>
-          <a:p>
-            <a:r>
-              <a:rPr lang="nl-BE" dirty="0" smtClean="0"/>
-              <a:t>RSS(d) = - P(d0) – 10 n log(d / d0)</a:t>
+              <a:t>Antenna orientation</a:t>
             </a:r>
           </a:p>
           <a:p>
             <a:pPr lvl="1"/>
             <a:r>
-              <a:rPr lang="nl-BE" dirty="0" smtClean="0"/>
-              <a:t>RSS	</a:t>
-            </a:r>
-            <a:r>
-              <a:rPr lang="nl-BE" dirty="0" err="1" smtClean="0"/>
-              <a:t>Received</a:t>
-            </a:r>
-            <a:r>
-              <a:rPr lang="nl-BE" dirty="0" smtClean="0"/>
-              <a:t> </a:t>
-            </a:r>
-            <a:r>
-              <a:rPr lang="nl-BE" dirty="0" err="1" smtClean="0"/>
-              <a:t>Signal</a:t>
-            </a:r>
-            <a:r>
-              <a:rPr lang="nl-BE" dirty="0" smtClean="0"/>
-              <a:t> </a:t>
-            </a:r>
-            <a:r>
-              <a:rPr lang="nl-BE" dirty="0" err="1" smtClean="0"/>
-              <a:t>Strength</a:t>
-            </a:r>
-            <a:r>
-              <a:rPr lang="nl-BE" dirty="0" smtClean="0"/>
-              <a:t>[</a:t>
-            </a:r>
-            <a:r>
-              <a:rPr lang="nl-BE" dirty="0" err="1" smtClean="0"/>
-              <a:t>dBm</a:t>
-            </a:r>
-            <a:r>
-              <a:rPr lang="nl-BE" dirty="0" smtClean="0"/>
-              <a:t>]</a:t>
+              <a:rPr lang="en-GB" dirty="0" smtClean="0"/>
+              <a:t>Onboard - External</a:t>
             </a:r>
           </a:p>
           <a:p>
             <a:pPr lvl="1"/>
             <a:r>
-              <a:rPr lang="nl-BE" dirty="0" smtClean="0"/>
-              <a:t>P(d0)	</a:t>
-            </a:r>
-            <a:r>
-              <a:rPr lang="nl-BE" dirty="0" err="1" smtClean="0"/>
-              <a:t>Path</a:t>
-            </a:r>
-            <a:r>
-              <a:rPr lang="nl-BE" dirty="0" smtClean="0"/>
-              <a:t> loss in </a:t>
-            </a:r>
-            <a:r>
-              <a:rPr lang="nl-BE" dirty="0" err="1" smtClean="0"/>
-              <a:t>dBm</a:t>
-            </a:r>
-            <a:r>
-              <a:rPr lang="nl-BE" dirty="0" smtClean="0"/>
-              <a:t> at a </a:t>
-            </a:r>
-            <a:r>
-              <a:rPr lang="nl-BE" dirty="0" err="1" smtClean="0"/>
-              <a:t>distance</a:t>
-            </a:r>
-            <a:r>
-              <a:rPr lang="nl-BE" dirty="0" smtClean="0"/>
-              <a:t> of d0</a:t>
+              <a:rPr lang="fr-BE" dirty="0" smtClean="0"/>
+              <a:t>20°</a:t>
             </a:r>
           </a:p>
           <a:p>
             <a:pPr lvl="1"/>
             <a:r>
-              <a:rPr lang="nl-BE" dirty="0" smtClean="0"/>
-              <a:t>n	</a:t>
-            </a:r>
-            <a:r>
-              <a:rPr lang="nl-BE" dirty="0" err="1" smtClean="0"/>
-              <a:t>Path</a:t>
-            </a:r>
-            <a:r>
-              <a:rPr lang="nl-BE" dirty="0" smtClean="0"/>
-              <a:t> loss exponent</a:t>
-            </a:r>
+              <a:rPr lang="fr-BE" dirty="0" err="1" smtClean="0"/>
+              <a:t>Outdoor</a:t>
+            </a:r>
+            <a:endParaRPr lang="fr-BE" dirty="0" smtClean="0"/>
           </a:p>
           <a:p>
             <a:pPr lvl="1"/>
             <a:r>
-              <a:rPr lang="nl-BE" dirty="0" smtClean="0"/>
-              <a:t>d	</a:t>
-            </a:r>
-            <a:r>
-              <a:rPr lang="nl-BE" dirty="0" err="1" smtClean="0"/>
-              <a:t>Distance</a:t>
-            </a:r>
-            <a:r>
-              <a:rPr lang="nl-BE" dirty="0" smtClean="0"/>
-              <a:t> </a:t>
-            </a:r>
-            <a:r>
-              <a:rPr lang="nl-BE" dirty="0" err="1" smtClean="0"/>
-              <a:t>between</a:t>
-            </a:r>
-            <a:r>
-              <a:rPr lang="nl-BE" dirty="0" smtClean="0"/>
-              <a:t> </a:t>
-            </a:r>
-            <a:r>
-              <a:rPr lang="nl-BE" dirty="0" err="1" smtClean="0"/>
-              <a:t>two</a:t>
-            </a:r>
-            <a:r>
-              <a:rPr lang="nl-BE" dirty="0" smtClean="0"/>
-              <a:t> </a:t>
-            </a:r>
-            <a:r>
-              <a:rPr lang="nl-BE" dirty="0" err="1" smtClean="0"/>
-              <a:t>nodes</a:t>
-            </a:r>
-            <a:r>
-              <a:rPr lang="nl-BE" dirty="0" smtClean="0"/>
-              <a:t>[m]</a:t>
-            </a:r>
-          </a:p>
-          <a:p>
-            <a:pPr lvl="1"/>
-            <a:r>
-              <a:rPr lang="nl-BE" dirty="0" smtClean="0"/>
-              <a:t>d(0)	</a:t>
-            </a:r>
-            <a:r>
-              <a:rPr lang="nl-BE" dirty="0" err="1" smtClean="0"/>
-              <a:t>Reference</a:t>
-            </a:r>
-            <a:r>
-              <a:rPr lang="nl-BE" dirty="0" smtClean="0"/>
-              <a:t> </a:t>
-            </a:r>
-            <a:r>
-              <a:rPr lang="nl-BE" dirty="0" err="1" smtClean="0"/>
-              <a:t>distance</a:t>
-            </a:r>
-            <a:r>
-              <a:rPr lang="nl-BE" dirty="0" smtClean="0"/>
-              <a:t>[m]: 1m</a:t>
-            </a:r>
-          </a:p>
-          <a:p>
-            <a:endParaRPr lang="en-GB" dirty="0"/>
+              <a:rPr lang="fr-BE" dirty="0" smtClean="0"/>
+              <a:t>1 &amp; 5 </a:t>
+            </a:r>
+            <a:r>
+              <a:rPr lang="fr-BE" dirty="0" err="1" smtClean="0"/>
+              <a:t>meter</a:t>
+            </a:r>
+            <a:endParaRPr lang="en-US" dirty="0"/>
           </a:p>
         </p:txBody>
       </p:sp>
@@ -14244,13 +15401,6 @@
   <p:clrMapOvr>
     <a:masterClrMapping/>
   </p:clrMapOvr>
-  <p:timing>
-    <p:tnLst>
-      <p:par>
-        <p:cTn id="1" dur="indefinite" restart="never" nodeType="tmRoot"/>
-      </p:par>
-    </p:tnLst>
-  </p:timing>
 </p:sld>
 </file>
 
@@ -14388,13 +15538,7 @@
               <a:rPr lang="en-US" dirty="0" smtClean="0">
                 <a:latin typeface="Tahoma" pitchFamily="34" charset="0"/>
               </a:rPr>
-              <a:t>Anchor</a:t>
-            </a:r>
-            <a:r>
-              <a:rPr lang="en-US" dirty="0" smtClean="0">
-                <a:latin typeface="Tahoma" pitchFamily="34" charset="0"/>
-              </a:rPr>
-              <a:t> </a:t>
+              <a:t>Anchor </a:t>
             </a:r>
             <a:r>
               <a:rPr lang="en-US" dirty="0">
@@ -14834,13 +15978,7 @@
               <a:rPr lang="en-US" dirty="0" smtClean="0">
                 <a:latin typeface="Tahoma" pitchFamily="34" charset="0"/>
               </a:rPr>
-              <a:t>Anchor</a:t>
-            </a:r>
-            <a:r>
-              <a:rPr lang="en-US" dirty="0" smtClean="0">
-                <a:latin typeface="Tahoma" pitchFamily="34" charset="0"/>
-              </a:rPr>
-              <a:t> </a:t>
+              <a:t>Anchor </a:t>
             </a:r>
             <a:r>
               <a:rPr lang="en-US" dirty="0">
@@ -15388,13 +16526,7 @@
               <a:rPr lang="en-US" dirty="0" smtClean="0">
                 <a:latin typeface="Tahoma" pitchFamily="34" charset="0"/>
               </a:rPr>
-              <a:t>Anchor</a:t>
-            </a:r>
-            <a:r>
-              <a:rPr lang="en-US" dirty="0" smtClean="0">
-                <a:latin typeface="Tahoma" pitchFamily="34" charset="0"/>
-              </a:rPr>
-              <a:t> </a:t>
+              <a:t>Anchor </a:t>
             </a:r>
             <a:r>
               <a:rPr lang="en-US" dirty="0">
@@ -15987,19 +17119,7 @@
           <a:p>
             <a:r>
               <a:rPr lang="nl-BE" sz="2800" dirty="0" smtClean="0"/>
-              <a:t>WSN </a:t>
-            </a:r>
-            <a:r>
-              <a:rPr lang="nl-BE" sz="2800" dirty="0" smtClean="0"/>
-              <a:t>as </a:t>
-            </a:r>
-            <a:r>
-              <a:rPr lang="nl-BE" sz="2800" dirty="0" smtClean="0"/>
-              <a:t>a </a:t>
-            </a:r>
-            <a:r>
-              <a:rPr lang="nl-BE" sz="2800" dirty="0" smtClean="0"/>
-              <a:t>RTLS</a:t>
+              <a:t>WSN as a RTLS</a:t>
             </a:r>
           </a:p>
           <a:p>
@@ -16032,7 +17152,6 @@
               <a:rPr lang="nl-BE" sz="2800" dirty="0" smtClean="0"/>
               <a:t> </a:t>
             </a:r>
-            <a:endParaRPr lang="nl-BE" sz="2800" dirty="0" smtClean="0"/>
           </a:p>
           <a:p>
             <a:r>
@@ -16051,7 +17170,6 @@
               <a:rPr lang="nl-BE" sz="2800" dirty="0" smtClean="0"/>
               <a:t> </a:t>
             </a:r>
-            <a:endParaRPr lang="nl-BE" sz="2800" dirty="0" smtClean="0"/>
           </a:p>
           <a:p>
             <a:r>
@@ -16216,13 +17334,7 @@
               <a:rPr lang="en-US" dirty="0" smtClean="0">
                 <a:latin typeface="Tahoma" pitchFamily="34" charset="0"/>
               </a:rPr>
-              <a:t>Anchor</a:t>
-            </a:r>
-            <a:r>
-              <a:rPr lang="en-US" dirty="0" smtClean="0">
-                <a:latin typeface="Tahoma" pitchFamily="34" charset="0"/>
-              </a:rPr>
-              <a:t> </a:t>
+              <a:t>Anchor </a:t>
             </a:r>
             <a:r>
               <a:rPr lang="en-US" dirty="0">
@@ -16682,11 +17794,7 @@
             </a:r>
             <a:r>
               <a:rPr lang="nl-BE" dirty="0" smtClean="0"/>
-              <a:t> </a:t>
-            </a:r>
-            <a:r>
-              <a:rPr lang="nl-BE" dirty="0" smtClean="0"/>
-              <a:t>– </a:t>
+              <a:t> – </a:t>
             </a:r>
             <a:r>
               <a:rPr lang="nl-BE" dirty="0" err="1" smtClean="0"/>
@@ -17228,11 +18336,7 @@
             </a:r>
             <a:r>
               <a:rPr lang="en-US" dirty="0" smtClean="0"/>
-              <a:t> needs (in theory) distance measurements from</a:t>
-            </a:r>
-            <a:r>
-              <a:rPr lang="en-US" dirty="0" smtClean="0"/>
-              <a:t>:</a:t>
+              <a:t> needs (in theory) distance measurements from:</a:t>
             </a:r>
           </a:p>
           <a:p>
@@ -17369,11 +18473,7 @@
             </a:pPr>
             <a:r>
               <a:rPr lang="en-US" baseline="30000" dirty="0" smtClean="0"/>
-              <a:t>	</a:t>
-            </a:r>
-            <a:r>
-              <a:rPr lang="en-US" baseline="30000" dirty="0" smtClean="0"/>
-              <a:t>		.</a:t>
+              <a:t>			.</a:t>
             </a:r>
           </a:p>
           <a:p>
@@ -17382,11 +18482,7 @@
             </a:pPr>
             <a:r>
               <a:rPr lang="en-US" baseline="30000" dirty="0" smtClean="0"/>
-              <a:t>	</a:t>
-            </a:r>
-            <a:r>
-              <a:rPr lang="en-US" baseline="30000" dirty="0" smtClean="0"/>
-              <a:t>		.</a:t>
+              <a:t>			.</a:t>
             </a:r>
           </a:p>
           <a:p>
@@ -17395,11 +18491,7 @@
             </a:pPr>
             <a:r>
               <a:rPr lang="en-US" baseline="30000" dirty="0" smtClean="0"/>
-              <a:t>	</a:t>
-            </a:r>
-            <a:r>
-              <a:rPr lang="en-US" baseline="30000" dirty="0" smtClean="0"/>
-              <a:t>		.</a:t>
+              <a:t>			.</a:t>
             </a:r>
           </a:p>
           <a:p>
@@ -17424,11 +18516,7 @@
             </a:r>
             <a:r>
               <a:rPr lang="en-US" dirty="0" smtClean="0"/>
-              <a:t> + (</a:t>
-            </a:r>
-            <a:r>
-              <a:rPr lang="en-US" dirty="0" smtClean="0"/>
-              <a:t>y-</a:t>
+              <a:t> + (y-</a:t>
             </a:r>
             <a:r>
               <a:rPr lang="en-US" dirty="0" err="1" smtClean="0"/>
@@ -17444,11 +18532,7 @@
             </a:r>
             <a:r>
               <a:rPr lang="en-US" dirty="0" smtClean="0"/>
-              <a:t> </a:t>
-            </a:r>
-            <a:r>
-              <a:rPr lang="en-US" dirty="0" smtClean="0"/>
-              <a:t>= </a:t>
+              <a:t> = </a:t>
             </a:r>
             <a:r>
               <a:rPr lang="en-US" dirty="0" err="1" smtClean="0"/>
@@ -17456,13 +18540,8 @@
             </a:r>
             <a:r>
               <a:rPr lang="en-US" baseline="30000" dirty="0" smtClean="0"/>
-              <a:t> </a:t>
-            </a:r>
-            <a:r>
-              <a:rPr lang="en-US" baseline="30000" dirty="0" smtClean="0"/>
-              <a:t>2</a:t>
-            </a:r>
-            <a:endParaRPr lang="en-US" baseline="30000" dirty="0" smtClean="0"/>
+              <a:t> 2</a:t>
+            </a:r>
           </a:p>
           <a:p>
             <a:pPr>
@@ -17470,11 +18549,7 @@
             </a:pPr>
             <a:r>
               <a:rPr lang="en-US" baseline="30000" dirty="0" smtClean="0"/>
-              <a:t>	</a:t>
-            </a:r>
-            <a:r>
-              <a:rPr lang="en-US" baseline="30000" dirty="0" smtClean="0"/>
-              <a:t>		</a:t>
+              <a:t>			</a:t>
             </a:r>
             <a:endParaRPr lang="nl-BE" dirty="0" smtClean="0"/>
           </a:p>
@@ -17765,11 +18840,7 @@
             </a:r>
             <a:r>
               <a:rPr lang="nl-BE" dirty="0" smtClean="0"/>
-              <a:t>; </a:t>
-            </a:r>
-            <a:r>
-              <a:rPr lang="nl-BE" dirty="0" smtClean="0"/>
-              <a:t>a </a:t>
+              <a:t>; a </a:t>
             </a:r>
             <a:r>
               <a:rPr lang="nl-BE" dirty="0" err="1" smtClean="0"/>
@@ -17797,23 +18868,7 @@
             </a:r>
             <a:r>
               <a:rPr lang="en-US" dirty="0" smtClean="0"/>
-              <a:t>each </a:t>
-            </a:r>
-            <a:r>
-              <a:rPr lang="en-US" dirty="0" smtClean="0"/>
-              <a:t>anchor node a bounding </a:t>
-            </a:r>
-            <a:r>
-              <a:rPr lang="en-US" dirty="0" smtClean="0"/>
-              <a:t>box and </a:t>
-            </a:r>
-            <a:r>
-              <a:rPr lang="en-US" dirty="0" smtClean="0"/>
-              <a:t>estimates position at </a:t>
-            </a:r>
-            <a:r>
-              <a:rPr lang="en-US" dirty="0" smtClean="0"/>
-              <a:t>the </a:t>
+              <a:t>each anchor node a bounding box and estimates position at the </a:t>
             </a:r>
             <a:r>
               <a:rPr lang="nl-BE" dirty="0" err="1" smtClean="0"/>
@@ -17821,11 +18876,7 @@
             </a:r>
             <a:r>
               <a:rPr lang="nl-BE" dirty="0" smtClean="0"/>
-              <a:t> </a:t>
-            </a:r>
-            <a:r>
-              <a:rPr lang="nl-BE" dirty="0" smtClean="0"/>
-              <a:t>of </a:t>
+              <a:t> of </a:t>
             </a:r>
             <a:r>
               <a:rPr lang="nl-BE" dirty="0" err="1" smtClean="0"/>
@@ -18202,19 +19253,7 @@
           <a:p>
             <a:r>
               <a:rPr lang="en-US" dirty="0" smtClean="0"/>
-              <a:t>calculate </a:t>
-            </a:r>
-            <a:r>
-              <a:rPr lang="en-US" dirty="0" smtClean="0"/>
-              <a:t>the unknown position </a:t>
-            </a:r>
-            <a:r>
-              <a:rPr lang="en-US" dirty="0" smtClean="0"/>
-              <a:t>as </a:t>
-            </a:r>
-            <a:r>
-              <a:rPr lang="en-US" dirty="0" smtClean="0"/>
-              <a:t>the </a:t>
+              <a:t>calculate the unknown position as the </a:t>
             </a:r>
             <a:r>
               <a:rPr lang="en-US" dirty="0" err="1" smtClean="0"/>
@@ -18222,15 +19261,7 @@
             </a:r>
             <a:r>
               <a:rPr lang="en-US" dirty="0" smtClean="0"/>
-              <a:t> </a:t>
-            </a:r>
-            <a:r>
-              <a:rPr lang="en-US" dirty="0" smtClean="0"/>
-              <a:t>of the anchor nodes within their </a:t>
-            </a:r>
-            <a:r>
-              <a:rPr lang="en-US" dirty="0" smtClean="0"/>
-              <a:t> communication </a:t>
+              <a:t> of the anchor nodes within their  communication </a:t>
             </a:r>
             <a:r>
               <a:rPr lang="nl-BE" dirty="0" smtClean="0"/>
@@ -18497,11 +19528,7 @@
           <a:p>
             <a:r>
               <a:rPr lang="nl-BE" sz="1600" dirty="0" smtClean="0"/>
-              <a:t>3</a:t>
-            </a:r>
-            <a:r>
-              <a:rPr lang="nl-BE" sz="1600" dirty="0" smtClean="0"/>
-              <a:t>.0 ; 0.0</a:t>
+              <a:t>3.0 ; 0.0</a:t>
             </a:r>
             <a:endParaRPr lang="nl-BE" sz="1600" dirty="0"/>
           </a:p>
@@ -18561,11 +19588,7 @@
           <a:p>
             <a:r>
               <a:rPr lang="nl-BE" sz="1600" dirty="0" smtClean="0"/>
-              <a:t>3</a:t>
-            </a:r>
-            <a:r>
-              <a:rPr lang="nl-BE" sz="1600" dirty="0" smtClean="0"/>
-              <a:t>.0 ; 3.0</a:t>
+              <a:t>3.0 ; 3.0</a:t>
             </a:r>
             <a:endParaRPr lang="nl-BE" sz="1600" dirty="0"/>
           </a:p>
@@ -18942,11 +19965,7 @@
           <a:p>
             <a:r>
               <a:rPr lang="nl-BE" sz="1600" dirty="0" smtClean="0"/>
-              <a:t>3</a:t>
-            </a:r>
-            <a:r>
-              <a:rPr lang="nl-BE" sz="1600" dirty="0" smtClean="0"/>
-              <a:t>.0 ; 0.0</a:t>
+              <a:t>3.0 ; 0.0</a:t>
             </a:r>
             <a:endParaRPr lang="nl-BE" sz="1600" dirty="0"/>
           </a:p>
@@ -19038,11 +20057,7 @@
           <a:p>
             <a:r>
               <a:rPr lang="nl-BE" sz="1600" dirty="0" smtClean="0"/>
-              <a:t>3</a:t>
-            </a:r>
-            <a:r>
-              <a:rPr lang="nl-BE" sz="1600" dirty="0" smtClean="0"/>
-              <a:t>.0 ; 3.0</a:t>
+              <a:t>3.0 ; 3.0</a:t>
             </a:r>
             <a:endParaRPr lang="nl-BE" sz="1600" dirty="0"/>
           </a:p>
@@ -19425,19 +20440,7 @@
           <a:p>
             <a:r>
               <a:rPr lang="nl-BE" sz="2800" dirty="0" smtClean="0"/>
-              <a:t>WSN </a:t>
-            </a:r>
-            <a:r>
-              <a:rPr lang="nl-BE" sz="2800" dirty="0" smtClean="0"/>
-              <a:t>as </a:t>
-            </a:r>
-            <a:r>
-              <a:rPr lang="nl-BE" sz="2800" dirty="0" smtClean="0"/>
-              <a:t>a </a:t>
-            </a:r>
-            <a:r>
-              <a:rPr lang="nl-BE" sz="2800" dirty="0" smtClean="0"/>
-              <a:t>RTLS</a:t>
+              <a:t>WSN as a RTLS</a:t>
             </a:r>
           </a:p>
           <a:p>
@@ -19470,7 +20473,6 @@
               <a:rPr lang="nl-BE" sz="2800" dirty="0" smtClean="0"/>
               <a:t> </a:t>
             </a:r>
-            <a:endParaRPr lang="nl-BE" sz="2800" dirty="0" smtClean="0"/>
           </a:p>
           <a:p>
             <a:r>
@@ -19489,7 +20491,6 @@
               <a:rPr lang="nl-BE" sz="2800" dirty="0" smtClean="0"/>
               <a:t> </a:t>
             </a:r>
-            <a:endParaRPr lang="nl-BE" sz="2800" dirty="0" smtClean="0"/>
           </a:p>
           <a:p>
             <a:r>
@@ -19600,19 +20601,7 @@
           <a:p>
             <a:r>
               <a:rPr lang="nl-BE" sz="2800" dirty="0" smtClean="0"/>
-              <a:t>WSN </a:t>
-            </a:r>
-            <a:r>
-              <a:rPr lang="nl-BE" sz="2800" dirty="0" smtClean="0"/>
-              <a:t>as </a:t>
-            </a:r>
-            <a:r>
-              <a:rPr lang="nl-BE" sz="2800" dirty="0" smtClean="0"/>
-              <a:t>a </a:t>
-            </a:r>
-            <a:r>
-              <a:rPr lang="nl-BE" sz="2800" dirty="0" smtClean="0"/>
-              <a:t>RTLS</a:t>
+              <a:t>WSN as a RTLS</a:t>
             </a:r>
           </a:p>
           <a:p>
@@ -19653,7 +20642,6 @@
               <a:rPr lang="nl-BE" sz="2800" dirty="0" smtClean="0"/>
               <a:t> </a:t>
             </a:r>
-            <a:endParaRPr lang="nl-BE" sz="2800" dirty="0" smtClean="0"/>
           </a:p>
           <a:p>
             <a:r>
@@ -19672,7 +20660,6 @@
               <a:rPr lang="nl-BE" sz="2800" dirty="0" smtClean="0"/>
               <a:t> </a:t>
             </a:r>
-            <a:endParaRPr lang="nl-BE" sz="2800" dirty="0" smtClean="0"/>
           </a:p>
           <a:p>
             <a:r>
@@ -19768,11 +20755,7 @@
             </a:r>
             <a:r>
               <a:rPr lang="en-US" dirty="0" smtClean="0"/>
-              <a:t> (WSN) is a wireless network consisting of spatially distributed autonomous devices using sensors to cooperatively monitor physical or environmental conditions, such as temperature, sound, vibration, pressure, motion or </a:t>
-            </a:r>
-            <a:r>
-              <a:rPr lang="en-US" dirty="0" smtClean="0"/>
-              <a:t>pollutants.</a:t>
+              <a:t> (WSN) is a wireless network consisting of spatially distributed autonomous devices using sensors to cooperatively monitor physical or environmental conditions, such as temperature, sound, vibration, pressure, motion or pollutants.</a:t>
             </a:r>
             <a:endParaRPr lang="en-GB" dirty="0"/>
           </a:p>
@@ -19812,7 +20795,7 @@
       </p:grpSpPr>
       <p:sp>
         <p:nvSpPr>
-          <p:cNvPr id="2" name="Titel 1"/>
+          <p:cNvPr id="2" name="Title 1"/>
           <p:cNvSpPr>
             <a:spLocks noGrp="1"/>
           </p:cNvSpPr>
@@ -19826,133 +20809,37 @@
           <a:lstStyle/>
           <a:p>
             <a:r>
-              <a:rPr lang="nl-BE" dirty="0" err="1" smtClean="0"/>
-              <a:t>Overview</a:t>
-            </a:r>
-            <a:endParaRPr lang="nl-BE" dirty="0"/>
-          </a:p>
-        </p:txBody>
-      </p:sp>
-      <p:sp>
-        <p:nvSpPr>
-          <p:cNvPr id="3" name="Tijdelijke aanduiding voor inhoud 2"/>
-          <p:cNvSpPr>
-            <a:spLocks noGrp="1"/>
-          </p:cNvSpPr>
+              <a:rPr lang="fr-BE" dirty="0" err="1" smtClean="0"/>
+              <a:t>Results</a:t>
+            </a:r>
+            <a:r>
+              <a:rPr lang="fr-BE" dirty="0" smtClean="0"/>
+              <a:t> – Orientation </a:t>
+            </a:r>
+            <a:endParaRPr lang="en-US" dirty="0"/>
+          </a:p>
+        </p:txBody>
+      </p:sp>
+      <p:graphicFrame>
+        <p:nvGraphicFramePr>
+          <p:cNvPr id="4" name="Grafiek 4"/>
+          <p:cNvGraphicFramePr>
+            <a:graphicFrameLocks noGrp="1"/>
+          </p:cNvGraphicFramePr>
           <p:nvPr>
             <p:ph idx="1"/>
           </p:nvPr>
-        </p:nvSpPr>
-        <p:spPr/>
-        <p:txBody>
-          <a:bodyPr>
-            <a:normAutofit fontScale="92500" lnSpcReduction="10000"/>
-          </a:bodyPr>
-          <a:lstStyle/>
-          <a:p>
-            <a:r>
-              <a:rPr lang="nl-BE" sz="2800" dirty="0" err="1" smtClean="0"/>
-              <a:t>Contributions</a:t>
-            </a:r>
-            <a:endParaRPr lang="nl-BE" sz="2800" dirty="0" smtClean="0"/>
-          </a:p>
-          <a:p>
-            <a:r>
-              <a:rPr lang="nl-BE" sz="2800" dirty="0" err="1" smtClean="0"/>
-              <a:t>Motivation</a:t>
-            </a:r>
-            <a:endParaRPr lang="nl-BE" sz="2800" dirty="0" smtClean="0"/>
-          </a:p>
-          <a:p>
-            <a:r>
-              <a:rPr lang="nl-BE" sz="2800" dirty="0" err="1" smtClean="0"/>
-              <a:t>Applications</a:t>
-            </a:r>
-            <a:endParaRPr lang="nl-BE" sz="2800" dirty="0" smtClean="0"/>
-          </a:p>
-          <a:p>
-            <a:r>
-              <a:rPr lang="nl-BE" sz="2800" dirty="0" smtClean="0"/>
-              <a:t>WSN </a:t>
-            </a:r>
-            <a:r>
-              <a:rPr lang="nl-BE" sz="2800" dirty="0" smtClean="0"/>
-              <a:t>as </a:t>
-            </a:r>
-            <a:r>
-              <a:rPr lang="nl-BE" sz="2800" dirty="0" smtClean="0"/>
-              <a:t>a </a:t>
-            </a:r>
-            <a:r>
-              <a:rPr lang="nl-BE" sz="2800" dirty="0" smtClean="0"/>
-              <a:t>RTLS</a:t>
-            </a:r>
-          </a:p>
-          <a:p>
-            <a:r>
-              <a:rPr lang="nl-BE" sz="2800" dirty="0" err="1" smtClean="0"/>
-              <a:t>Framework</a:t>
-            </a:r>
-            <a:endParaRPr lang="nl-BE" sz="2800" dirty="0" smtClean="0"/>
-          </a:p>
-          <a:p>
-            <a:r>
-              <a:rPr lang="nl-BE" sz="2800" dirty="0" err="1" smtClean="0"/>
-              <a:t>Localization</a:t>
-            </a:r>
-            <a:endParaRPr lang="nl-BE" sz="2800" dirty="0" smtClean="0"/>
-          </a:p>
-          <a:p>
-            <a:r>
-              <a:rPr lang="nl-BE" sz="2800" dirty="0" err="1" smtClean="0"/>
-              <a:t>Results</a:t>
-            </a:r>
-            <a:endParaRPr lang="nl-BE" sz="2800" dirty="0" smtClean="0"/>
-          </a:p>
-          <a:p>
-            <a:r>
-              <a:rPr lang="nl-BE" sz="2800" dirty="0" err="1" smtClean="0"/>
-              <a:t>Conclusion</a:t>
-            </a:r>
-            <a:r>
-              <a:rPr lang="nl-BE" sz="2800" dirty="0" smtClean="0"/>
-              <a:t> </a:t>
-            </a:r>
-            <a:endParaRPr lang="nl-BE" sz="2800" dirty="0" smtClean="0"/>
-          </a:p>
-          <a:p>
-            <a:r>
-              <a:rPr lang="nl-BE" sz="2800" dirty="0" err="1" smtClean="0"/>
-              <a:t>Future</a:t>
-            </a:r>
-            <a:r>
-              <a:rPr lang="nl-BE" sz="2800" dirty="0" smtClean="0"/>
-              <a:t> </a:t>
-            </a:r>
-            <a:r>
-              <a:rPr lang="nl-BE" sz="2800" dirty="0" err="1" smtClean="0"/>
-              <a:t>work</a:t>
-            </a:r>
-            <a:r>
-              <a:rPr lang="nl-BE" sz="2800" dirty="0" smtClean="0"/>
-              <a:t> </a:t>
-            </a:r>
-            <a:endParaRPr lang="nl-BE" sz="2800" dirty="0" smtClean="0"/>
-          </a:p>
-          <a:p>
-            <a:r>
-              <a:rPr lang="nl-BE" sz="2800" dirty="0" smtClean="0"/>
-              <a:t>Q&amp;A</a:t>
-            </a:r>
-          </a:p>
-          <a:p>
-            <a:pPr>
-              <a:buNone/>
-            </a:pPr>
-            <a:endParaRPr lang="nl-BE" dirty="0" smtClean="0"/>
-          </a:p>
-        </p:txBody>
-      </p:sp>
+        </p:nvGraphicFramePr>
+        <p:xfrm>
+          <a:off x="457200" y="1882775"/>
+          <a:ext cx="8229600" cy="4572000"/>
+        </p:xfrm>
+        <a:graphic>
+          <a:graphicData uri="http://schemas.openxmlformats.org/drawingml/2006/chart">
+            <c:chart xmlns:c="http://schemas.openxmlformats.org/drawingml/2006/chart" xmlns:r="http://schemas.openxmlformats.org/officeDocument/2006/relationships" r:id="rId2"/>
+          </a:graphicData>
+        </a:graphic>
+      </p:graphicFrame>
     </p:spTree>
   </p:cSld>
   <p:clrMapOvr>
@@ -19987,7 +20874,7 @@
       </p:grpSpPr>
       <p:sp>
         <p:nvSpPr>
-          <p:cNvPr id="2" name="Titel 1"/>
+          <p:cNvPr id="2" name="Title 1"/>
           <p:cNvSpPr>
             <a:spLocks noGrp="1"/>
           </p:cNvSpPr>
@@ -20001,157 +20888,42 @@
           <a:lstStyle/>
           <a:p>
             <a:r>
-              <a:rPr lang="nl-BE" dirty="0" err="1" smtClean="0"/>
-              <a:t>Overview</a:t>
-            </a:r>
-            <a:endParaRPr lang="nl-BE" dirty="0"/>
-          </a:p>
-        </p:txBody>
-      </p:sp>
-      <p:sp>
-        <p:nvSpPr>
-          <p:cNvPr id="3" name="Tijdelijke aanduiding voor inhoud 2"/>
-          <p:cNvSpPr>
-            <a:spLocks noGrp="1"/>
-          </p:cNvSpPr>
+              <a:rPr lang="fr-BE" dirty="0" err="1" smtClean="0"/>
+              <a:t>Results</a:t>
+            </a:r>
+            <a:r>
+              <a:rPr lang="fr-BE" dirty="0" smtClean="0"/>
+              <a:t> - Orientation</a:t>
+            </a:r>
+            <a:endParaRPr lang="en-US" dirty="0"/>
+          </a:p>
+        </p:txBody>
+      </p:sp>
+      <p:graphicFrame>
+        <p:nvGraphicFramePr>
+          <p:cNvPr id="4" name="Grafiek 6"/>
+          <p:cNvGraphicFramePr>
+            <a:graphicFrameLocks noGrp="1"/>
+          </p:cNvGraphicFramePr>
           <p:nvPr>
             <p:ph idx="1"/>
           </p:nvPr>
-        </p:nvSpPr>
-        <p:spPr/>
-        <p:txBody>
-          <a:bodyPr>
-            <a:normAutofit fontScale="92500" lnSpcReduction="10000"/>
-          </a:bodyPr>
-          <a:lstStyle/>
-          <a:p>
-            <a:r>
-              <a:rPr lang="nl-BE" sz="2800" dirty="0" err="1" smtClean="0"/>
-              <a:t>Contributions</a:t>
-            </a:r>
-            <a:endParaRPr lang="nl-BE" sz="2800" dirty="0" smtClean="0"/>
-          </a:p>
-          <a:p>
-            <a:r>
-              <a:rPr lang="nl-BE" sz="2800" dirty="0" err="1" smtClean="0"/>
-              <a:t>Motivation</a:t>
-            </a:r>
-            <a:endParaRPr lang="nl-BE" sz="2800" dirty="0" smtClean="0"/>
-          </a:p>
-          <a:p>
-            <a:r>
-              <a:rPr lang="nl-BE" sz="2800" dirty="0" err="1" smtClean="0"/>
-              <a:t>Applications</a:t>
-            </a:r>
-            <a:endParaRPr lang="nl-BE" sz="2800" dirty="0" smtClean="0"/>
-          </a:p>
-          <a:p>
-            <a:r>
-              <a:rPr lang="nl-BE" sz="2800" dirty="0" smtClean="0"/>
-              <a:t>WSN </a:t>
-            </a:r>
-            <a:r>
-              <a:rPr lang="nl-BE" sz="2800" dirty="0" smtClean="0"/>
-              <a:t>as </a:t>
-            </a:r>
-            <a:r>
-              <a:rPr lang="nl-BE" sz="2800" dirty="0" smtClean="0"/>
-              <a:t>a </a:t>
-            </a:r>
-            <a:r>
-              <a:rPr lang="nl-BE" sz="2800" dirty="0" smtClean="0"/>
-              <a:t>RTLS</a:t>
-            </a:r>
-          </a:p>
-          <a:p>
-            <a:r>
-              <a:rPr lang="nl-BE" sz="2800" dirty="0" err="1" smtClean="0"/>
-              <a:t>Framework</a:t>
-            </a:r>
-            <a:endParaRPr lang="nl-BE" sz="2800" dirty="0" smtClean="0"/>
-          </a:p>
-          <a:p>
-            <a:r>
-              <a:rPr lang="nl-BE" sz="2800" dirty="0" err="1" smtClean="0"/>
-              <a:t>Localization</a:t>
-            </a:r>
-            <a:endParaRPr lang="nl-BE" sz="2800" dirty="0" smtClean="0"/>
-          </a:p>
-          <a:p>
-            <a:r>
-              <a:rPr lang="nl-BE" sz="2800" dirty="0" err="1" smtClean="0"/>
-              <a:t>Results</a:t>
-            </a:r>
-            <a:endParaRPr lang="nl-BE" sz="2800" dirty="0" smtClean="0"/>
-          </a:p>
-          <a:p>
-            <a:r>
-              <a:rPr lang="nl-BE" sz="2800" dirty="0" err="1" smtClean="0">
-                <a:solidFill>
-                  <a:srgbClr val="F66004"/>
-                </a:solidFill>
-              </a:rPr>
-              <a:t>Conclusion</a:t>
-            </a:r>
-            <a:r>
-              <a:rPr lang="nl-BE" sz="2800" dirty="0" smtClean="0">
-                <a:solidFill>
-                  <a:srgbClr val="F66004"/>
-                </a:solidFill>
-              </a:rPr>
-              <a:t> </a:t>
-            </a:r>
-            <a:endParaRPr lang="nl-BE" sz="2800" dirty="0" smtClean="0">
-              <a:solidFill>
-                <a:srgbClr val="F66004"/>
-              </a:solidFill>
-            </a:endParaRPr>
-          </a:p>
-          <a:p>
-            <a:r>
-              <a:rPr lang="nl-BE" sz="2800" dirty="0" err="1" smtClean="0"/>
-              <a:t>Future</a:t>
-            </a:r>
-            <a:r>
-              <a:rPr lang="nl-BE" sz="2800" dirty="0" smtClean="0"/>
-              <a:t> </a:t>
-            </a:r>
-            <a:r>
-              <a:rPr lang="nl-BE" sz="2800" dirty="0" err="1" smtClean="0"/>
-              <a:t>work</a:t>
-            </a:r>
-            <a:r>
-              <a:rPr lang="nl-BE" sz="2800" dirty="0" smtClean="0"/>
-              <a:t> </a:t>
-            </a:r>
-            <a:endParaRPr lang="nl-BE" sz="2800" dirty="0" smtClean="0"/>
-          </a:p>
-          <a:p>
-            <a:r>
-              <a:rPr lang="nl-BE" sz="2800" dirty="0" smtClean="0"/>
-              <a:t>Q&amp;A</a:t>
-            </a:r>
-          </a:p>
-          <a:p>
-            <a:pPr>
-              <a:buNone/>
-            </a:pPr>
-            <a:endParaRPr lang="nl-BE" dirty="0" smtClean="0"/>
-          </a:p>
-        </p:txBody>
-      </p:sp>
+        </p:nvGraphicFramePr>
+        <p:xfrm>
+          <a:off x="457200" y="1882775"/>
+          <a:ext cx="8229600" cy="4572000"/>
+        </p:xfrm>
+        <a:graphic>
+          <a:graphicData uri="http://schemas.openxmlformats.org/drawingml/2006/chart">
+            <c:chart xmlns:c="http://schemas.openxmlformats.org/drawingml/2006/chart" xmlns:r="http://schemas.openxmlformats.org/officeDocument/2006/relationships" r:id="rId2"/>
+          </a:graphicData>
+        </a:graphic>
+      </p:graphicFrame>
     </p:spTree>
   </p:cSld>
   <p:clrMapOvr>
     <a:masterClrMapping/>
   </p:clrMapOvr>
-  <p:timing>
-    <p:tnLst>
-      <p:par>
-        <p:cTn id="1" dur="indefinite" restart="never" nodeType="tmRoot"/>
-      </p:par>
-    </p:tnLst>
-  </p:timing>
 </p:sld>
 </file>
 
@@ -20188,81 +20960,116 @@
           <a:lstStyle/>
           <a:p>
             <a:r>
-              <a:rPr lang="en-GB" dirty="0" smtClean="0"/>
+              <a:rPr lang="nl-BE" dirty="0" err="1" smtClean="0"/>
+              <a:t>Overview</a:t>
+            </a:r>
+            <a:endParaRPr lang="nl-BE" dirty="0"/>
+          </a:p>
+        </p:txBody>
+      </p:sp>
+      <p:sp>
+        <p:nvSpPr>
+          <p:cNvPr id="3" name="Tijdelijke aanduiding voor inhoud 2"/>
+          <p:cNvSpPr>
+            <a:spLocks noGrp="1"/>
+          </p:cNvSpPr>
+          <p:nvPr>
+            <p:ph idx="1"/>
+          </p:nvPr>
+        </p:nvSpPr>
+        <p:spPr/>
+        <p:txBody>
+          <a:bodyPr>
+            <a:normAutofit fontScale="92500" lnSpcReduction="10000"/>
+          </a:bodyPr>
+          <a:lstStyle/>
+          <a:p>
+            <a:r>
+              <a:rPr lang="nl-BE" sz="2800" dirty="0" err="1" smtClean="0"/>
+              <a:t>Contributions</a:t>
+            </a:r>
+            <a:endParaRPr lang="nl-BE" sz="2800" dirty="0" smtClean="0"/>
+          </a:p>
+          <a:p>
+            <a:r>
+              <a:rPr lang="nl-BE" sz="2800" dirty="0" err="1" smtClean="0"/>
+              <a:t>Motivation</a:t>
+            </a:r>
+            <a:endParaRPr lang="nl-BE" sz="2800" dirty="0" smtClean="0"/>
+          </a:p>
+          <a:p>
+            <a:r>
+              <a:rPr lang="nl-BE" sz="2800" dirty="0" err="1" smtClean="0"/>
+              <a:t>Applications</a:t>
+            </a:r>
+            <a:endParaRPr lang="nl-BE" sz="2800" dirty="0" smtClean="0"/>
+          </a:p>
+          <a:p>
+            <a:r>
+              <a:rPr lang="nl-BE" sz="2800" dirty="0" smtClean="0"/>
+              <a:t>WSN as a RTLS</a:t>
+            </a:r>
+          </a:p>
+          <a:p>
+            <a:r>
+              <a:rPr lang="nl-BE" sz="2800" dirty="0" err="1" smtClean="0"/>
+              <a:t>Framework</a:t>
+            </a:r>
+            <a:endParaRPr lang="nl-BE" sz="2800" dirty="0" smtClean="0"/>
+          </a:p>
+          <a:p>
+            <a:r>
+              <a:rPr lang="nl-BE" sz="2800" dirty="0" err="1" smtClean="0"/>
+              <a:t>Localization</a:t>
+            </a:r>
+            <a:endParaRPr lang="nl-BE" sz="2800" dirty="0" smtClean="0"/>
+          </a:p>
+          <a:p>
+            <a:r>
+              <a:rPr lang="nl-BE" sz="2800" dirty="0" err="1" smtClean="0"/>
+              <a:t>Results</a:t>
+            </a:r>
+            <a:endParaRPr lang="nl-BE" sz="2800" dirty="0" smtClean="0"/>
+          </a:p>
+          <a:p>
+            <a:r>
+              <a:rPr lang="nl-BE" sz="2800" dirty="0" err="1" smtClean="0"/>
               <a:t>Conclusion</a:t>
             </a:r>
-            <a:endParaRPr lang="en-GB" dirty="0"/>
-          </a:p>
-        </p:txBody>
-      </p:sp>
-      <p:sp>
-        <p:nvSpPr>
-          <p:cNvPr id="3" name="Tijdelijke aanduiding voor inhoud 2"/>
-          <p:cNvSpPr>
-            <a:spLocks noGrp="1"/>
-          </p:cNvSpPr>
-          <p:nvPr>
-            <p:ph idx="1"/>
-          </p:nvPr>
-        </p:nvSpPr>
-        <p:spPr/>
-        <p:txBody>
-          <a:bodyPr/>
-          <a:lstStyle/>
-          <a:p>
-            <a:r>
-              <a:rPr lang="en-GB" dirty="0" smtClean="0"/>
-              <a:t>Successfully </a:t>
-            </a:r>
-            <a:r>
-              <a:rPr lang="en-GB" dirty="0" smtClean="0"/>
-              <a:t>enhanced the </a:t>
-            </a:r>
-            <a:r>
-              <a:rPr lang="en-GB" dirty="0" smtClean="0"/>
-              <a:t>framework and implemented different localization algorithms</a:t>
-            </a:r>
-            <a:endParaRPr lang="en-GB" dirty="0" smtClean="0"/>
-          </a:p>
-          <a:p>
-            <a:r>
-              <a:rPr lang="en-US" dirty="0" smtClean="0"/>
-              <a:t>Made a working </a:t>
-            </a:r>
-            <a:r>
-              <a:rPr lang="en-US" dirty="0" smtClean="0"/>
-              <a:t>interface to </a:t>
-            </a:r>
-            <a:r>
-              <a:rPr lang="en-US" dirty="0" err="1" smtClean="0"/>
-              <a:t>Scala</a:t>
-            </a:r>
-            <a:endParaRPr lang="en-GB" dirty="0" smtClean="0"/>
-          </a:p>
-          <a:p>
-            <a:r>
-              <a:rPr lang="en-US" dirty="0" smtClean="0"/>
-              <a:t>Made </a:t>
-            </a:r>
-            <a:r>
-              <a:rPr lang="en-US" dirty="0" smtClean="0"/>
-              <a:t>a WSN Configuration </a:t>
-            </a:r>
-            <a:r>
-              <a:rPr lang="en-US" dirty="0" smtClean="0"/>
-              <a:t>Tool</a:t>
-            </a:r>
-            <a:r>
-              <a:rPr lang="en-GB" dirty="0" smtClean="0"/>
-              <a:t>	</a:t>
-            </a:r>
-            <a:endParaRPr lang="en-GB" dirty="0" smtClean="0"/>
-          </a:p>
-          <a:p>
-            <a:endParaRPr lang="en-GB" dirty="0" smtClean="0"/>
-          </a:p>
-          <a:p>
-            <a:endParaRPr lang="en-GB" dirty="0"/>
+            <a:r>
+              <a:rPr lang="nl-BE" sz="2800" dirty="0" smtClean="0"/>
+              <a:t> </a:t>
+            </a:r>
+          </a:p>
+          <a:p>
+            <a:r>
+              <a:rPr lang="nl-BE" sz="2800" dirty="0" err="1" smtClean="0"/>
+              <a:t>Future</a:t>
+            </a:r>
+            <a:r>
+              <a:rPr lang="nl-BE" sz="2800" dirty="0" smtClean="0"/>
+              <a:t> </a:t>
+            </a:r>
+            <a:r>
+              <a:rPr lang="nl-BE" sz="2800" dirty="0" err="1" smtClean="0"/>
+              <a:t>work</a:t>
+            </a:r>
+            <a:r>
+              <a:rPr lang="nl-BE" sz="2800" dirty="0" smtClean="0"/>
+              <a:t> </a:t>
+            </a:r>
+          </a:p>
+          <a:p>
+            <a:r>
+              <a:rPr lang="nl-BE" sz="2800" dirty="0" smtClean="0"/>
+              <a:t>Q&amp;A</a:t>
+            </a:r>
+          </a:p>
+          <a:p>
+            <a:pPr>
+              <a:buNone/>
+            </a:pPr>
+            <a:endParaRPr lang="nl-BE" dirty="0" smtClean="0"/>
           </a:p>
         </p:txBody>
       </p:sp>
@@ -20314,51 +21121,124 @@
           <a:lstStyle/>
           <a:p>
             <a:r>
-              <a:rPr lang="en-GB" dirty="0" smtClean="0"/>
+              <a:rPr lang="nl-BE" dirty="0" err="1" smtClean="0"/>
+              <a:t>Overview</a:t>
+            </a:r>
+            <a:endParaRPr lang="nl-BE" dirty="0"/>
+          </a:p>
+        </p:txBody>
+      </p:sp>
+      <p:sp>
+        <p:nvSpPr>
+          <p:cNvPr id="3" name="Tijdelijke aanduiding voor inhoud 2"/>
+          <p:cNvSpPr>
+            <a:spLocks noGrp="1"/>
+          </p:cNvSpPr>
+          <p:nvPr>
+            <p:ph idx="1"/>
+          </p:nvPr>
+        </p:nvSpPr>
+        <p:spPr/>
+        <p:txBody>
+          <a:bodyPr>
+            <a:normAutofit fontScale="92500" lnSpcReduction="10000"/>
+          </a:bodyPr>
+          <a:lstStyle/>
+          <a:p>
+            <a:r>
+              <a:rPr lang="nl-BE" sz="2800" dirty="0" err="1" smtClean="0"/>
+              <a:t>Contributions</a:t>
+            </a:r>
+            <a:endParaRPr lang="nl-BE" sz="2800" dirty="0" smtClean="0"/>
+          </a:p>
+          <a:p>
+            <a:r>
+              <a:rPr lang="nl-BE" sz="2800" dirty="0" err="1" smtClean="0"/>
+              <a:t>Motivation</a:t>
+            </a:r>
+            <a:endParaRPr lang="nl-BE" sz="2800" dirty="0" smtClean="0"/>
+          </a:p>
+          <a:p>
+            <a:r>
+              <a:rPr lang="nl-BE" sz="2800" dirty="0" err="1" smtClean="0"/>
+              <a:t>Applications</a:t>
+            </a:r>
+            <a:endParaRPr lang="nl-BE" sz="2800" dirty="0" smtClean="0"/>
+          </a:p>
+          <a:p>
+            <a:r>
+              <a:rPr lang="nl-BE" sz="2800" dirty="0" smtClean="0"/>
+              <a:t>WSN as a RTLS</a:t>
+            </a:r>
+          </a:p>
+          <a:p>
+            <a:r>
+              <a:rPr lang="nl-BE" sz="2800" dirty="0" err="1" smtClean="0"/>
+              <a:t>Framework</a:t>
+            </a:r>
+            <a:endParaRPr lang="nl-BE" sz="2800" dirty="0" smtClean="0"/>
+          </a:p>
+          <a:p>
+            <a:r>
+              <a:rPr lang="nl-BE" sz="2800" dirty="0" err="1" smtClean="0"/>
+              <a:t>Localization</a:t>
+            </a:r>
+            <a:endParaRPr lang="nl-BE" sz="2800" dirty="0" smtClean="0"/>
+          </a:p>
+          <a:p>
+            <a:r>
+              <a:rPr lang="nl-BE" sz="2800" dirty="0" err="1" smtClean="0"/>
+              <a:t>Results</a:t>
+            </a:r>
+            <a:endParaRPr lang="nl-BE" sz="2800" dirty="0" smtClean="0"/>
+          </a:p>
+          <a:p>
+            <a:r>
+              <a:rPr lang="nl-BE" sz="2800" dirty="0" err="1" smtClean="0">
+                <a:solidFill>
+                  <a:srgbClr val="F66004"/>
+                </a:solidFill>
+              </a:rPr>
               <a:t>Conclusion</a:t>
             </a:r>
-            <a:endParaRPr lang="en-GB" dirty="0"/>
-          </a:p>
-        </p:txBody>
-      </p:sp>
-      <p:sp>
-        <p:nvSpPr>
-          <p:cNvPr id="3" name="Tijdelijke aanduiding voor inhoud 2"/>
-          <p:cNvSpPr>
-            <a:spLocks noGrp="1"/>
-          </p:cNvSpPr>
-          <p:nvPr>
-            <p:ph idx="1"/>
-          </p:nvPr>
-        </p:nvSpPr>
-        <p:spPr/>
-        <p:txBody>
-          <a:bodyPr/>
-          <a:lstStyle/>
-          <a:p>
-            <a:r>
-              <a:rPr lang="en-US" dirty="0" smtClean="0"/>
-              <a:t>Each algorithm has a different purpose and diverse properties. Learning from these algorithms and techniques, the correct algorithm can be chosen for the correct environment and a more advanced localization system is </a:t>
-            </a:r>
-            <a:r>
-              <a:rPr lang="en-US" dirty="0" smtClean="0"/>
-              <a:t>feasible.</a:t>
-            </a:r>
-          </a:p>
-          <a:p>
-            <a:endParaRPr lang="en-US" dirty="0" smtClean="0"/>
-          </a:p>
-          <a:p>
-            <a:r>
-              <a:rPr lang="en-US" dirty="0" smtClean="0"/>
-              <a:t>Spent too much time  on the framework, too few on the algorithms</a:t>
-            </a:r>
-          </a:p>
-          <a:p>
+            <a:r>
+              <a:rPr lang="nl-BE" sz="2800" dirty="0" smtClean="0">
+                <a:solidFill>
+                  <a:srgbClr val="F66004"/>
+                </a:solidFill>
+              </a:rPr>
+              <a:t> </a:t>
+            </a:r>
+          </a:p>
+          <a:p>
+            <a:r>
+              <a:rPr lang="nl-BE" sz="2800" dirty="0" err="1" smtClean="0"/>
+              <a:t>Future</a:t>
+            </a:r>
+            <a:r>
+              <a:rPr lang="nl-BE" sz="2800" dirty="0" smtClean="0"/>
+              <a:t> </a:t>
+            </a:r>
+            <a:r>
+              <a:rPr lang="nl-BE" sz="2800" dirty="0" err="1" smtClean="0"/>
+              <a:t>work</a:t>
+            </a:r>
+            <a:r>
+              <a:rPr lang="nl-BE" sz="2800" dirty="0" smtClean="0"/>
+              <a:t> </a:t>
+            </a:r>
+          </a:p>
+          <a:p>
+            <a:r>
+              <a:rPr lang="nl-BE" sz="2800" dirty="0" smtClean="0"/>
+              <a:t>Q&amp;A</a:t>
+            </a:r>
+          </a:p>
+          <a:p>
+            <a:pPr>
+              <a:buNone/>
+            </a:pPr>
             <a:endParaRPr lang="nl-BE" dirty="0" smtClean="0"/>
-          </a:p>
-          <a:p>
-            <a:endParaRPr lang="en-GB" dirty="0"/>
           </a:p>
         </p:txBody>
       </p:sp>
@@ -20367,6 +21247,13 @@
   <p:clrMapOvr>
     <a:masterClrMapping/>
   </p:clrMapOvr>
+  <p:timing>
+    <p:tnLst>
+      <p:par>
+        <p:cTn id="1" dur="indefinite" restart="never" nodeType="tmRoot"/>
+      </p:par>
+    </p:tnLst>
+  </p:timing>
 </p:sld>
 </file>
 
@@ -20403,10 +21290,10 @@
           <a:lstStyle/>
           <a:p>
             <a:r>
-              <a:rPr lang="nl-BE" dirty="0" err="1" smtClean="0"/>
-              <a:t>Overview</a:t>
-            </a:r>
-            <a:endParaRPr lang="nl-BE" dirty="0"/>
+              <a:rPr lang="en-GB" dirty="0" smtClean="0"/>
+              <a:t>Conclusion</a:t>
+            </a:r>
+            <a:endParaRPr lang="en-GB" dirty="0"/>
           </a:p>
         </p:txBody>
       </p:sp>
@@ -20422,111 +21309,40 @@
         </p:nvSpPr>
         <p:spPr/>
         <p:txBody>
-          <a:bodyPr>
-            <a:normAutofit fontScale="92500" lnSpcReduction="10000"/>
-          </a:bodyPr>
-          <a:lstStyle/>
-          <a:p>
-            <a:r>
-              <a:rPr lang="nl-BE" sz="2800" dirty="0" err="1" smtClean="0"/>
-              <a:t>Contributions</a:t>
-            </a:r>
-            <a:endParaRPr lang="nl-BE" sz="2800" dirty="0" smtClean="0"/>
-          </a:p>
-          <a:p>
-            <a:r>
-              <a:rPr lang="nl-BE" sz="2800" dirty="0" err="1" smtClean="0"/>
-              <a:t>Motivation</a:t>
-            </a:r>
-            <a:endParaRPr lang="nl-BE" sz="2800" dirty="0" smtClean="0"/>
-          </a:p>
-          <a:p>
-            <a:r>
-              <a:rPr lang="nl-BE" sz="2800" dirty="0" err="1" smtClean="0"/>
-              <a:t>Applications</a:t>
-            </a:r>
-            <a:endParaRPr lang="nl-BE" sz="2800" dirty="0" smtClean="0"/>
-          </a:p>
-          <a:p>
-            <a:r>
-              <a:rPr lang="nl-BE" sz="2800" dirty="0" smtClean="0"/>
-              <a:t>WSN </a:t>
-            </a:r>
-            <a:r>
-              <a:rPr lang="nl-BE" sz="2800" dirty="0" smtClean="0"/>
-              <a:t>as </a:t>
-            </a:r>
-            <a:r>
-              <a:rPr lang="nl-BE" sz="2800" dirty="0" smtClean="0"/>
-              <a:t>a </a:t>
-            </a:r>
-            <a:r>
-              <a:rPr lang="nl-BE" sz="2800" dirty="0" smtClean="0"/>
-              <a:t>RTLS</a:t>
-            </a:r>
-          </a:p>
-          <a:p>
-            <a:r>
-              <a:rPr lang="nl-BE" sz="2800" dirty="0" err="1" smtClean="0"/>
-              <a:t>Framework</a:t>
-            </a:r>
-            <a:endParaRPr lang="nl-BE" sz="2800" dirty="0" smtClean="0"/>
-          </a:p>
-          <a:p>
-            <a:r>
-              <a:rPr lang="nl-BE" sz="2800" dirty="0" err="1" smtClean="0"/>
-              <a:t>Localization</a:t>
-            </a:r>
-            <a:endParaRPr lang="nl-BE" sz="2800" dirty="0" smtClean="0"/>
-          </a:p>
-          <a:p>
-            <a:r>
-              <a:rPr lang="nl-BE" sz="2800" dirty="0" err="1" smtClean="0"/>
-              <a:t>Results</a:t>
-            </a:r>
-            <a:endParaRPr lang="nl-BE" sz="2800" dirty="0" smtClean="0"/>
-          </a:p>
-          <a:p>
-            <a:r>
-              <a:rPr lang="nl-BE" sz="2800" dirty="0" err="1" smtClean="0"/>
-              <a:t>Conclusion</a:t>
-            </a:r>
-            <a:r>
-              <a:rPr lang="nl-BE" sz="2800" dirty="0" smtClean="0"/>
-              <a:t> </a:t>
-            </a:r>
-            <a:endParaRPr lang="nl-BE" sz="2800" dirty="0" smtClean="0"/>
-          </a:p>
-          <a:p>
-            <a:r>
-              <a:rPr lang="nl-BE" sz="2800" dirty="0" err="1" smtClean="0"/>
-              <a:t>Future</a:t>
-            </a:r>
-            <a:r>
-              <a:rPr lang="nl-BE" sz="2800" dirty="0" smtClean="0"/>
-              <a:t> </a:t>
-            </a:r>
-            <a:r>
-              <a:rPr lang="nl-BE" sz="2800" dirty="0" err="1" smtClean="0"/>
-              <a:t>work</a:t>
-            </a:r>
-            <a:r>
-              <a:rPr lang="nl-BE" sz="2800" dirty="0" smtClean="0"/>
-              <a:t> </a:t>
-            </a:r>
-            <a:endParaRPr lang="nl-BE" sz="2800" dirty="0" smtClean="0"/>
-          </a:p>
-          <a:p>
-            <a:r>
-              <a:rPr lang="nl-BE" sz="2800" dirty="0" smtClean="0"/>
-              <a:t>Q&amp;A</a:t>
-            </a:r>
-          </a:p>
-          <a:p>
-            <a:pPr>
-              <a:buNone/>
-            </a:pPr>
-            <a:endParaRPr lang="nl-BE" dirty="0" smtClean="0"/>
+          <a:bodyPr/>
+          <a:lstStyle/>
+          <a:p>
+            <a:r>
+              <a:rPr lang="en-GB" dirty="0" smtClean="0"/>
+              <a:t>Successfully enhanced the framework and implemented different localization algorithms</a:t>
+            </a:r>
+          </a:p>
+          <a:p>
+            <a:r>
+              <a:rPr lang="en-US" dirty="0" smtClean="0"/>
+              <a:t>Made a working interface to </a:t>
+            </a:r>
+            <a:r>
+              <a:rPr lang="en-US" dirty="0" err="1" smtClean="0"/>
+              <a:t>Scala</a:t>
+            </a:r>
+            <a:endParaRPr lang="en-GB" dirty="0" smtClean="0"/>
+          </a:p>
+          <a:p>
+            <a:r>
+              <a:rPr lang="en-US" dirty="0" smtClean="0"/>
+              <a:t>Made a WSN Configuration Tool</a:t>
+            </a:r>
+            <a:r>
+              <a:rPr lang="en-GB" dirty="0" smtClean="0"/>
+              <a:t>	</a:t>
+            </a:r>
+          </a:p>
+          <a:p>
+            <a:endParaRPr lang="en-GB" dirty="0" smtClean="0"/>
+          </a:p>
+          <a:p>
+            <a:endParaRPr lang="en-GB" dirty="0"/>
           </a:p>
         </p:txBody>
       </p:sp>
@@ -20578,10 +21394,10 @@
           <a:lstStyle/>
           <a:p>
             <a:r>
-              <a:rPr lang="nl-BE" dirty="0" err="1" smtClean="0"/>
-              <a:t>Overview</a:t>
-            </a:r>
-            <a:endParaRPr lang="nl-BE" dirty="0"/>
+              <a:rPr lang="en-GB" dirty="0" smtClean="0"/>
+              <a:t>Conclusion</a:t>
+            </a:r>
+            <a:endParaRPr lang="en-GB" dirty="0"/>
           </a:p>
         </p:txBody>
       </p:sp>
@@ -20597,131 +21413,28 @@
         </p:nvSpPr>
         <p:spPr/>
         <p:txBody>
-          <a:bodyPr>
-            <a:normAutofit fontScale="92500" lnSpcReduction="10000"/>
-          </a:bodyPr>
-          <a:lstStyle/>
-          <a:p>
-            <a:r>
-              <a:rPr lang="nl-BE" sz="2800" dirty="0" err="1" smtClean="0"/>
-              <a:t>Contributions</a:t>
-            </a:r>
-            <a:endParaRPr lang="nl-BE" sz="2800" dirty="0" smtClean="0"/>
-          </a:p>
-          <a:p>
-            <a:r>
-              <a:rPr lang="nl-BE" sz="2800" dirty="0" err="1" smtClean="0"/>
-              <a:t>Motivation</a:t>
-            </a:r>
-            <a:endParaRPr lang="nl-BE" sz="2800" dirty="0" smtClean="0"/>
-          </a:p>
-          <a:p>
-            <a:r>
-              <a:rPr lang="nl-BE" sz="2800" dirty="0" err="1" smtClean="0"/>
-              <a:t>Applications</a:t>
-            </a:r>
-            <a:endParaRPr lang="nl-BE" sz="2800" dirty="0" smtClean="0"/>
-          </a:p>
-          <a:p>
-            <a:r>
-              <a:rPr lang="nl-BE" sz="2800" dirty="0" smtClean="0"/>
-              <a:t>WSN </a:t>
-            </a:r>
-            <a:r>
-              <a:rPr lang="nl-BE" sz="2800" dirty="0" smtClean="0"/>
-              <a:t>as </a:t>
-            </a:r>
-            <a:r>
-              <a:rPr lang="nl-BE" sz="2800" dirty="0" smtClean="0"/>
-              <a:t>a </a:t>
-            </a:r>
-            <a:r>
-              <a:rPr lang="nl-BE" sz="2800" dirty="0" smtClean="0"/>
-              <a:t>RTLS</a:t>
-            </a:r>
-          </a:p>
-          <a:p>
-            <a:r>
-              <a:rPr lang="nl-BE" sz="2800" dirty="0" err="1" smtClean="0"/>
-              <a:t>Framework</a:t>
-            </a:r>
-            <a:endParaRPr lang="nl-BE" sz="2800" dirty="0" smtClean="0"/>
-          </a:p>
-          <a:p>
-            <a:r>
-              <a:rPr lang="nl-BE" sz="2800" dirty="0" err="1" smtClean="0"/>
-              <a:t>Localization</a:t>
-            </a:r>
-            <a:endParaRPr lang="nl-BE" sz="2800" dirty="0" smtClean="0"/>
-          </a:p>
-          <a:p>
-            <a:r>
-              <a:rPr lang="nl-BE" sz="2800" dirty="0" err="1" smtClean="0"/>
-              <a:t>Results</a:t>
-            </a:r>
-            <a:endParaRPr lang="nl-BE" sz="2800" dirty="0" smtClean="0"/>
-          </a:p>
-          <a:p>
-            <a:r>
-              <a:rPr lang="nl-BE" sz="2800" dirty="0" err="1" smtClean="0"/>
-              <a:t>Conclusion</a:t>
-            </a:r>
-            <a:r>
-              <a:rPr lang="nl-BE" sz="2800" dirty="0" smtClean="0"/>
-              <a:t> </a:t>
-            </a:r>
-            <a:endParaRPr lang="nl-BE" sz="2800" dirty="0" smtClean="0"/>
-          </a:p>
-          <a:p>
-            <a:r>
-              <a:rPr lang="nl-BE" sz="2800" dirty="0" err="1" smtClean="0">
-                <a:solidFill>
-                  <a:srgbClr val="F66004"/>
-                </a:solidFill>
-              </a:rPr>
-              <a:t>Future</a:t>
-            </a:r>
-            <a:r>
-              <a:rPr lang="nl-BE" sz="2800" dirty="0" smtClean="0">
-                <a:solidFill>
-                  <a:srgbClr val="F66004"/>
-                </a:solidFill>
-              </a:rPr>
-              <a:t> </a:t>
-            </a:r>
-            <a:r>
-              <a:rPr lang="nl-BE" sz="2800" dirty="0" err="1" smtClean="0">
-                <a:solidFill>
-                  <a:srgbClr val="F66004"/>
-                </a:solidFill>
-              </a:rPr>
-              <a:t>work</a:t>
-            </a:r>
-            <a:r>
-              <a:rPr lang="nl-BE" sz="2800" dirty="0" smtClean="0">
-                <a:solidFill>
-                  <a:srgbClr val="F66004"/>
-                </a:solidFill>
-              </a:rPr>
-              <a:t> </a:t>
-            </a:r>
-            <a:endParaRPr lang="nl-BE" sz="2800" dirty="0" smtClean="0">
-              <a:solidFill>
-                <a:srgbClr val="F66004"/>
-              </a:solidFill>
-            </a:endParaRPr>
-          </a:p>
-          <a:p>
-            <a:r>
-              <a:rPr lang="nl-BE" sz="2800" dirty="0" smtClean="0"/>
-              <a:t>Q&amp;A</a:t>
-            </a:r>
-          </a:p>
-          <a:p>
-            <a:pPr>
-              <a:buNone/>
-            </a:pPr>
+          <a:bodyPr/>
+          <a:lstStyle/>
+          <a:p>
+            <a:r>
+              <a:rPr lang="en-US" dirty="0" smtClean="0"/>
+              <a:t>Each algorithm has a different purpose and diverse properties. Learning from these algorithms and techniques, the correct algorithm can be chosen for the correct environment and a more advanced localization system is feasible.</a:t>
+            </a:r>
+          </a:p>
+          <a:p>
+            <a:endParaRPr lang="en-US" dirty="0" smtClean="0"/>
+          </a:p>
+          <a:p>
+            <a:r>
+              <a:rPr lang="en-US" dirty="0" smtClean="0"/>
+              <a:t>Spent too much time  on the framework, too few on the algorithms</a:t>
+            </a:r>
+          </a:p>
+          <a:p>
             <a:endParaRPr lang="nl-BE" dirty="0" smtClean="0"/>
+          </a:p>
+          <a:p>
+            <a:endParaRPr lang="en-GB" dirty="0"/>
           </a:p>
         </p:txBody>
       </p:sp>
@@ -20773,10 +21486,10 @@
           <a:lstStyle/>
           <a:p>
             <a:r>
-              <a:rPr lang="en-GB" dirty="0" smtClean="0"/>
-              <a:t>Future work</a:t>
-            </a:r>
-            <a:endParaRPr lang="en-GB" dirty="0"/>
+              <a:rPr lang="nl-BE" dirty="0" err="1" smtClean="0"/>
+              <a:t>Overview</a:t>
+            </a:r>
+            <a:endParaRPr lang="nl-BE" dirty="0"/>
           </a:p>
         </p:txBody>
       </p:sp>
@@ -20793,125 +21506,96 @@
         <p:spPr/>
         <p:txBody>
           <a:bodyPr>
-            <a:normAutofit fontScale="92500" lnSpcReduction="20000"/>
+            <a:normAutofit fontScale="92500" lnSpcReduction="10000"/>
           </a:bodyPr>
           <a:lstStyle/>
           <a:p>
             <a:r>
-              <a:rPr lang="en-GB" dirty="0" smtClean="0"/>
-              <a:t>Simplify the framework </a:t>
-            </a:r>
-          </a:p>
-          <a:p>
-            <a:r>
-              <a:rPr lang="en-GB" dirty="0" smtClean="0"/>
-              <a:t>Distributed</a:t>
-            </a:r>
-            <a:r>
-              <a:rPr lang="en-GB" dirty="0" smtClean="0"/>
-              <a:t>?</a:t>
-            </a:r>
-          </a:p>
-          <a:p>
-            <a:r>
-              <a:rPr lang="en-US" dirty="0" smtClean="0"/>
-              <a:t>Database </a:t>
-            </a:r>
-            <a:r>
-              <a:rPr lang="en-US" dirty="0" smtClean="0"/>
-              <a:t>and </a:t>
-            </a:r>
-            <a:r>
-              <a:rPr lang="en-US" dirty="0" smtClean="0"/>
-              <a:t>object </a:t>
-            </a:r>
-            <a:r>
-              <a:rPr lang="en-US" dirty="0" smtClean="0"/>
-              <a:t>integrity / </a:t>
-            </a:r>
-            <a:r>
-              <a:rPr lang="en-US" dirty="0" smtClean="0"/>
-              <a:t>ORM</a:t>
-            </a:r>
-          </a:p>
-          <a:p>
-            <a:r>
-              <a:rPr lang="en-US" dirty="0" smtClean="0"/>
-              <a:t>Implement interfaces with WCF</a:t>
-            </a:r>
-            <a:endParaRPr lang="en-US" dirty="0" smtClean="0"/>
-          </a:p>
-          <a:p>
-            <a:r>
-              <a:rPr lang="en-GB" dirty="0" smtClean="0"/>
-              <a:t>Event-based</a:t>
-            </a:r>
-            <a:r>
-              <a:rPr lang="en-GB" dirty="0" smtClean="0"/>
-              <a:t>		</a:t>
-            </a:r>
-          </a:p>
-          <a:p>
-            <a:r>
-              <a:rPr lang="en-US" dirty="0" smtClean="0"/>
-              <a:t>C-based </a:t>
-            </a:r>
-            <a:r>
-              <a:rPr lang="en-US" dirty="0" smtClean="0"/>
-              <a:t>serial forwarder under </a:t>
-            </a:r>
-            <a:r>
-              <a:rPr lang="en-US" dirty="0" smtClean="0"/>
-              <a:t>Windows</a:t>
-            </a:r>
-            <a:endParaRPr lang="en-GB" dirty="0" smtClean="0"/>
-          </a:p>
-          <a:p>
-            <a:r>
-              <a:rPr lang="en-GB" dirty="0" smtClean="0"/>
-              <a:t>More </a:t>
-            </a:r>
-            <a:r>
-              <a:rPr lang="en-GB" dirty="0" smtClean="0"/>
-              <a:t>algorithms</a:t>
-            </a:r>
-            <a:r>
-              <a:rPr lang="en-GB" dirty="0" smtClean="0"/>
-              <a:t>!</a:t>
-            </a:r>
-            <a:r>
-              <a:rPr lang="en-GB" dirty="0" smtClean="0"/>
-              <a:t>	</a:t>
-            </a:r>
-            <a:endParaRPr lang="en-GB" dirty="0" smtClean="0"/>
-          </a:p>
-          <a:p>
-            <a:r>
-              <a:rPr lang="en-GB" dirty="0" smtClean="0"/>
-              <a:t>Implement algorithms distributed</a:t>
-            </a:r>
-            <a:endParaRPr lang="en-GB" dirty="0" smtClean="0"/>
-          </a:p>
-          <a:p>
-            <a:r>
-              <a:rPr lang="en-US" dirty="0" smtClean="0"/>
-              <a:t>Find </a:t>
-            </a:r>
-            <a:r>
-              <a:rPr lang="en-US" dirty="0" smtClean="0"/>
-              <a:t>/help develop tool to make </a:t>
-            </a:r>
-            <a:r>
-              <a:rPr lang="en-US" dirty="0" smtClean="0"/>
-              <a:t>developing </a:t>
-            </a:r>
-            <a:r>
-              <a:rPr lang="en-US" dirty="0" smtClean="0"/>
-              <a:t>WSN applications more simple and less time-consuming</a:t>
-            </a:r>
-          </a:p>
-          <a:p>
-            <a:endParaRPr lang="en-GB" dirty="0"/>
+              <a:rPr lang="nl-BE" sz="2800" dirty="0" err="1" smtClean="0"/>
+              <a:t>Contributions</a:t>
+            </a:r>
+            <a:endParaRPr lang="nl-BE" sz="2800" dirty="0" smtClean="0"/>
+          </a:p>
+          <a:p>
+            <a:r>
+              <a:rPr lang="nl-BE" sz="2800" dirty="0" err="1" smtClean="0"/>
+              <a:t>Motivation</a:t>
+            </a:r>
+            <a:endParaRPr lang="nl-BE" sz="2800" dirty="0" smtClean="0"/>
+          </a:p>
+          <a:p>
+            <a:r>
+              <a:rPr lang="nl-BE" sz="2800" dirty="0" err="1" smtClean="0"/>
+              <a:t>Applications</a:t>
+            </a:r>
+            <a:endParaRPr lang="nl-BE" sz="2800" dirty="0" smtClean="0"/>
+          </a:p>
+          <a:p>
+            <a:r>
+              <a:rPr lang="nl-BE" sz="2800" dirty="0" smtClean="0"/>
+              <a:t>WSN as a RTLS</a:t>
+            </a:r>
+          </a:p>
+          <a:p>
+            <a:r>
+              <a:rPr lang="nl-BE" sz="2800" dirty="0" err="1" smtClean="0"/>
+              <a:t>Framework</a:t>
+            </a:r>
+            <a:endParaRPr lang="nl-BE" sz="2800" dirty="0" smtClean="0"/>
+          </a:p>
+          <a:p>
+            <a:r>
+              <a:rPr lang="nl-BE" sz="2800" dirty="0" err="1" smtClean="0"/>
+              <a:t>Localization</a:t>
+            </a:r>
+            <a:endParaRPr lang="nl-BE" sz="2800" dirty="0" smtClean="0"/>
+          </a:p>
+          <a:p>
+            <a:r>
+              <a:rPr lang="nl-BE" sz="2800" dirty="0" err="1" smtClean="0"/>
+              <a:t>Results</a:t>
+            </a:r>
+            <a:endParaRPr lang="nl-BE" sz="2800" dirty="0" smtClean="0"/>
+          </a:p>
+          <a:p>
+            <a:r>
+              <a:rPr lang="nl-BE" sz="2800" dirty="0" err="1" smtClean="0"/>
+              <a:t>Conclusion</a:t>
+            </a:r>
+            <a:r>
+              <a:rPr lang="nl-BE" sz="2800" dirty="0" smtClean="0"/>
+              <a:t> </a:t>
+            </a:r>
+          </a:p>
+          <a:p>
+            <a:r>
+              <a:rPr lang="nl-BE" sz="2800" dirty="0" err="1" smtClean="0"/>
+              <a:t>Future</a:t>
+            </a:r>
+            <a:r>
+              <a:rPr lang="nl-BE" sz="2800" dirty="0" smtClean="0"/>
+              <a:t> </a:t>
+            </a:r>
+            <a:r>
+              <a:rPr lang="nl-BE" sz="2800" dirty="0" err="1" smtClean="0"/>
+              <a:t>work</a:t>
+            </a:r>
+            <a:r>
+              <a:rPr lang="nl-BE" sz="2800" dirty="0" smtClean="0"/>
+              <a:t> </a:t>
+            </a:r>
+          </a:p>
+          <a:p>
+            <a:r>
+              <a:rPr lang="nl-BE" sz="2800" dirty="0" smtClean="0"/>
+              <a:t>Q&amp;A</a:t>
+            </a:r>
+          </a:p>
+          <a:p>
+            <a:pPr>
+              <a:buNone/>
+            </a:pPr>
+            <a:endParaRPr lang="nl-BE" dirty="0" smtClean="0"/>
           </a:p>
         </p:txBody>
       </p:sp>
@@ -20963,10 +21647,10 @@
           <a:lstStyle/>
           <a:p>
             <a:r>
-              <a:rPr lang="en-GB" dirty="0" smtClean="0"/>
-              <a:t>Live Demo!</a:t>
-            </a:r>
-            <a:endParaRPr lang="en-GB" dirty="0"/>
+              <a:rPr lang="nl-BE" dirty="0" err="1" smtClean="0"/>
+              <a:t>Overview</a:t>
+            </a:r>
+            <a:endParaRPr lang="nl-BE" dirty="0"/>
           </a:p>
         </p:txBody>
       </p:sp>
@@ -20982,10 +21666,113 @@
         </p:nvSpPr>
         <p:spPr/>
         <p:txBody>
-          <a:bodyPr/>
-          <a:lstStyle/>
-          <a:p>
-            <a:endParaRPr lang="en-GB"/>
+          <a:bodyPr>
+            <a:normAutofit fontScale="92500" lnSpcReduction="10000"/>
+          </a:bodyPr>
+          <a:lstStyle/>
+          <a:p>
+            <a:r>
+              <a:rPr lang="nl-BE" sz="2800" dirty="0" err="1" smtClean="0"/>
+              <a:t>Contributions</a:t>
+            </a:r>
+            <a:endParaRPr lang="nl-BE" sz="2800" dirty="0" smtClean="0"/>
+          </a:p>
+          <a:p>
+            <a:r>
+              <a:rPr lang="nl-BE" sz="2800" dirty="0" err="1" smtClean="0"/>
+              <a:t>Motivation</a:t>
+            </a:r>
+            <a:endParaRPr lang="nl-BE" sz="2800" dirty="0" smtClean="0"/>
+          </a:p>
+          <a:p>
+            <a:r>
+              <a:rPr lang="nl-BE" sz="2800" dirty="0" err="1" smtClean="0"/>
+              <a:t>Applications</a:t>
+            </a:r>
+            <a:endParaRPr lang="nl-BE" sz="2800" dirty="0" smtClean="0"/>
+          </a:p>
+          <a:p>
+            <a:r>
+              <a:rPr lang="nl-BE" sz="2800" dirty="0" smtClean="0"/>
+              <a:t>WSN as a RTLS</a:t>
+            </a:r>
+          </a:p>
+          <a:p>
+            <a:r>
+              <a:rPr lang="nl-BE" sz="2800" dirty="0" err="1" smtClean="0"/>
+              <a:t>Framework</a:t>
+            </a:r>
+            <a:endParaRPr lang="nl-BE" sz="2800" dirty="0" smtClean="0"/>
+          </a:p>
+          <a:p>
+            <a:r>
+              <a:rPr lang="nl-BE" sz="2800" dirty="0" err="1" smtClean="0"/>
+              <a:t>Localization</a:t>
+            </a:r>
+            <a:endParaRPr lang="nl-BE" sz="2800" dirty="0" smtClean="0"/>
+          </a:p>
+          <a:p>
+            <a:r>
+              <a:rPr lang="nl-BE" sz="2800" dirty="0" err="1" smtClean="0"/>
+              <a:t>Results</a:t>
+            </a:r>
+            <a:endParaRPr lang="nl-BE" sz="2800" dirty="0" smtClean="0"/>
+          </a:p>
+          <a:p>
+            <a:r>
+              <a:rPr lang="nl-BE" sz="2800" dirty="0" err="1" smtClean="0"/>
+              <a:t>Conclusion</a:t>
+            </a:r>
+            <a:r>
+              <a:rPr lang="nl-BE" sz="2800" dirty="0" smtClean="0"/>
+              <a:t> </a:t>
+            </a:r>
+          </a:p>
+          <a:p>
+            <a:r>
+              <a:rPr lang="nl-BE" sz="2800" dirty="0" err="1" smtClean="0">
+                <a:solidFill>
+                  <a:srgbClr val="F66004"/>
+                </a:solidFill>
+              </a:rPr>
+              <a:t>Future</a:t>
+            </a:r>
+            <a:r>
+              <a:rPr lang="nl-BE" sz="2800" dirty="0" smtClean="0">
+                <a:solidFill>
+                  <a:srgbClr val="F66004"/>
+                </a:solidFill>
+              </a:rPr>
+              <a:t> </a:t>
+            </a:r>
+            <a:r>
+              <a:rPr lang="nl-BE" sz="2800" dirty="0" err="1" smtClean="0">
+                <a:solidFill>
+                  <a:srgbClr val="F66004"/>
+                </a:solidFill>
+              </a:rPr>
+              <a:t>work</a:t>
+            </a:r>
+            <a:r>
+              <a:rPr lang="nl-BE" sz="2800" dirty="0" smtClean="0">
+                <a:solidFill>
+                  <a:srgbClr val="F66004"/>
+                </a:solidFill>
+              </a:rPr>
+              <a:t> </a:t>
+            </a:r>
+          </a:p>
+          <a:p>
+            <a:r>
+              <a:rPr lang="nl-BE" sz="2800" dirty="0" smtClean="0"/>
+              <a:t>Q&amp;A</a:t>
+            </a:r>
+          </a:p>
+          <a:p>
+            <a:pPr>
+              <a:buNone/>
+            </a:pPr>
+            <a:endParaRPr lang="nl-BE" dirty="0" smtClean="0"/>
           </a:p>
         </p:txBody>
       </p:sp>
@@ -20994,6 +21781,13 @@
   <p:clrMapOvr>
     <a:masterClrMapping/>
   </p:clrMapOvr>
+  <p:timing>
+    <p:tnLst>
+      <p:par>
+        <p:cTn id="1" dur="indefinite" restart="never" nodeType="tmRoot"/>
+      </p:par>
+    </p:tnLst>
+  </p:timing>
 </p:sld>
 </file>
 
@@ -21030,10 +21824,10 @@
           <a:lstStyle/>
           <a:p>
             <a:r>
-              <a:rPr lang="nl-BE" dirty="0" err="1" smtClean="0"/>
-              <a:t>Overview</a:t>
-            </a:r>
-            <a:endParaRPr lang="nl-BE" dirty="0"/>
+              <a:rPr lang="en-GB" dirty="0" smtClean="0"/>
+              <a:t>Future work</a:t>
+            </a:r>
+            <a:endParaRPr lang="en-GB" dirty="0"/>
           </a:p>
         </p:txBody>
       </p:sp>
@@ -21050,110 +21844,66 @@
         <p:spPr/>
         <p:txBody>
           <a:bodyPr>
-            <a:normAutofit fontScale="92500" lnSpcReduction="10000"/>
+            <a:normAutofit fontScale="92500" lnSpcReduction="20000"/>
           </a:bodyPr>
           <a:lstStyle/>
           <a:p>
             <a:r>
-              <a:rPr lang="nl-BE" sz="2800" dirty="0" err="1" smtClean="0"/>
-              <a:t>Contributions</a:t>
-            </a:r>
-            <a:endParaRPr lang="nl-BE" sz="2800" dirty="0" smtClean="0"/>
-          </a:p>
-          <a:p>
-            <a:r>
-              <a:rPr lang="nl-BE" sz="2800" dirty="0" err="1" smtClean="0"/>
-              <a:t>Motivation</a:t>
-            </a:r>
-            <a:endParaRPr lang="nl-BE" sz="2800" dirty="0" smtClean="0"/>
-          </a:p>
-          <a:p>
-            <a:r>
-              <a:rPr lang="nl-BE" sz="2800" dirty="0" err="1" smtClean="0"/>
-              <a:t>Applications</a:t>
-            </a:r>
-            <a:endParaRPr lang="nl-BE" sz="2800" dirty="0" smtClean="0"/>
-          </a:p>
-          <a:p>
-            <a:r>
-              <a:rPr lang="nl-BE" sz="2800" dirty="0" smtClean="0"/>
-              <a:t>WSN </a:t>
-            </a:r>
-            <a:r>
-              <a:rPr lang="nl-BE" sz="2800" dirty="0" smtClean="0"/>
-              <a:t>as </a:t>
-            </a:r>
-            <a:r>
-              <a:rPr lang="nl-BE" sz="2800" dirty="0" smtClean="0"/>
-              <a:t>a </a:t>
-            </a:r>
-            <a:r>
-              <a:rPr lang="nl-BE" sz="2800" dirty="0" smtClean="0"/>
-              <a:t>RTLS</a:t>
-            </a:r>
-          </a:p>
-          <a:p>
-            <a:r>
-              <a:rPr lang="nl-BE" sz="2800" dirty="0" err="1" smtClean="0"/>
-              <a:t>Framework</a:t>
-            </a:r>
-            <a:endParaRPr lang="nl-BE" sz="2800" dirty="0" smtClean="0"/>
-          </a:p>
-          <a:p>
-            <a:r>
-              <a:rPr lang="nl-BE" sz="2800" dirty="0" err="1" smtClean="0"/>
-              <a:t>Localization</a:t>
-            </a:r>
-            <a:endParaRPr lang="nl-BE" sz="2800" dirty="0" smtClean="0"/>
-          </a:p>
-          <a:p>
-            <a:r>
-              <a:rPr lang="nl-BE" sz="2800" dirty="0" err="1" smtClean="0"/>
-              <a:t>Results</a:t>
-            </a:r>
-            <a:endParaRPr lang="nl-BE" sz="2800" dirty="0" smtClean="0"/>
-          </a:p>
-          <a:p>
-            <a:r>
-              <a:rPr lang="nl-BE" sz="2800" dirty="0" err="1" smtClean="0"/>
-              <a:t>Conclusion</a:t>
-            </a:r>
-            <a:r>
-              <a:rPr lang="nl-BE" sz="2800" dirty="0" smtClean="0"/>
-              <a:t> </a:t>
-            </a:r>
-            <a:endParaRPr lang="nl-BE" sz="2800" dirty="0" smtClean="0"/>
-          </a:p>
-          <a:p>
-            <a:r>
-              <a:rPr lang="nl-BE" sz="2800" dirty="0" err="1" smtClean="0"/>
-              <a:t>Future</a:t>
-            </a:r>
-            <a:r>
-              <a:rPr lang="nl-BE" sz="2800" dirty="0" smtClean="0"/>
-              <a:t> </a:t>
-            </a:r>
-            <a:r>
-              <a:rPr lang="nl-BE" sz="2800" dirty="0" err="1" smtClean="0"/>
-              <a:t>work</a:t>
-            </a:r>
-            <a:r>
-              <a:rPr lang="nl-BE" sz="2800" dirty="0" smtClean="0"/>
-              <a:t> </a:t>
-            </a:r>
-            <a:endParaRPr lang="nl-BE" sz="2800" dirty="0" smtClean="0"/>
-          </a:p>
-          <a:p>
-            <a:r>
-              <a:rPr lang="nl-BE" sz="2800" dirty="0" smtClean="0"/>
-              <a:t>Q&amp;A</a:t>
-            </a:r>
-          </a:p>
-          <a:p>
-            <a:pPr>
-              <a:buNone/>
-            </a:pPr>
-            <a:endParaRPr lang="nl-BE" dirty="0" smtClean="0"/>
+              <a:rPr lang="en-GB" dirty="0" smtClean="0"/>
+              <a:t>Simplify the framework </a:t>
+            </a:r>
+          </a:p>
+          <a:p>
+            <a:r>
+              <a:rPr lang="en-GB" dirty="0" smtClean="0"/>
+              <a:t>Distributed?</a:t>
+            </a:r>
+          </a:p>
+          <a:p>
+            <a:r>
+              <a:rPr lang="en-US" dirty="0" smtClean="0"/>
+              <a:t>Database and object integrity / ORM</a:t>
+            </a:r>
+          </a:p>
+          <a:p>
+            <a:r>
+              <a:rPr lang="en-US" dirty="0" smtClean="0"/>
+              <a:t>Implement interfaces with WCF</a:t>
+            </a:r>
+          </a:p>
+          <a:p>
+            <a:r>
+              <a:rPr lang="en-GB" dirty="0" smtClean="0"/>
+              <a:t>Event-based		</a:t>
+            </a:r>
+          </a:p>
+          <a:p>
+            <a:r>
+              <a:rPr lang="en-US" dirty="0" smtClean="0"/>
+              <a:t>C-based serial forwarder under Windows</a:t>
+            </a:r>
+            <a:endParaRPr lang="en-GB" dirty="0" smtClean="0"/>
+          </a:p>
+          <a:p>
+            <a:r>
+              <a:rPr lang="en-GB" dirty="0" smtClean="0"/>
+              <a:t>More algorithms!	</a:t>
+            </a:r>
+          </a:p>
+          <a:p>
+            <a:r>
+              <a:rPr lang="en-GB" dirty="0" smtClean="0"/>
+              <a:t>Implement algorithms distributed</a:t>
+            </a:r>
+          </a:p>
+          <a:p>
+            <a:r>
+              <a:rPr lang="en-US" dirty="0" smtClean="0"/>
+              <a:t>Find /help develop tool to make developing WSN applications more simple and less time-consuming</a:t>
+            </a:r>
+          </a:p>
+          <a:p>
+            <a:endParaRPr lang="en-GB" dirty="0"/>
           </a:p>
         </p:txBody>
       </p:sp>
@@ -21205,10 +21955,10 @@
           <a:lstStyle/>
           <a:p>
             <a:r>
-              <a:rPr lang="nl-BE" dirty="0" err="1" smtClean="0"/>
-              <a:t>Overview</a:t>
-            </a:r>
-            <a:endParaRPr lang="nl-BE" dirty="0"/>
+              <a:rPr lang="en-GB" dirty="0" smtClean="0"/>
+              <a:t>Live Demo!</a:t>
+            </a:r>
+            <a:endParaRPr lang="en-GB" dirty="0"/>
           </a:p>
         </p:txBody>
       </p:sp>
@@ -21224,115 +21974,10 @@
         </p:nvSpPr>
         <p:spPr/>
         <p:txBody>
-          <a:bodyPr>
-            <a:normAutofit fontScale="92500" lnSpcReduction="10000"/>
-          </a:bodyPr>
-          <a:lstStyle/>
-          <a:p>
-            <a:r>
-              <a:rPr lang="nl-BE" sz="2800" dirty="0" err="1" smtClean="0"/>
-              <a:t>Contributions</a:t>
-            </a:r>
-            <a:endParaRPr lang="nl-BE" sz="2800" dirty="0" smtClean="0"/>
-          </a:p>
-          <a:p>
-            <a:r>
-              <a:rPr lang="nl-BE" sz="2800" dirty="0" err="1" smtClean="0"/>
-              <a:t>Motivation</a:t>
-            </a:r>
-            <a:endParaRPr lang="nl-BE" sz="2800" dirty="0" smtClean="0"/>
-          </a:p>
-          <a:p>
-            <a:r>
-              <a:rPr lang="nl-BE" sz="2800" dirty="0" err="1" smtClean="0"/>
-              <a:t>Applications</a:t>
-            </a:r>
-            <a:endParaRPr lang="nl-BE" sz="2800" dirty="0" smtClean="0"/>
-          </a:p>
-          <a:p>
-            <a:r>
-              <a:rPr lang="nl-BE" sz="2800" dirty="0" smtClean="0"/>
-              <a:t>WSN </a:t>
-            </a:r>
-            <a:r>
-              <a:rPr lang="nl-BE" sz="2800" dirty="0" smtClean="0"/>
-              <a:t>as </a:t>
-            </a:r>
-            <a:r>
-              <a:rPr lang="nl-BE" sz="2800" dirty="0" smtClean="0"/>
-              <a:t>a </a:t>
-            </a:r>
-            <a:r>
-              <a:rPr lang="nl-BE" sz="2800" dirty="0" smtClean="0"/>
-              <a:t>RTLS</a:t>
-            </a:r>
-          </a:p>
-          <a:p>
-            <a:r>
-              <a:rPr lang="nl-BE" sz="2800" dirty="0" err="1" smtClean="0"/>
-              <a:t>Framework</a:t>
-            </a:r>
-            <a:endParaRPr lang="nl-BE" sz="2800" dirty="0" smtClean="0"/>
-          </a:p>
-          <a:p>
-            <a:r>
-              <a:rPr lang="nl-BE" sz="2800" dirty="0" err="1" smtClean="0"/>
-              <a:t>Localization</a:t>
-            </a:r>
-            <a:endParaRPr lang="nl-BE" sz="2800" dirty="0" smtClean="0"/>
-          </a:p>
-          <a:p>
-            <a:r>
-              <a:rPr lang="nl-BE" sz="2800" dirty="0" err="1" smtClean="0"/>
-              <a:t>Results</a:t>
-            </a:r>
-            <a:endParaRPr lang="nl-BE" sz="2800" dirty="0" smtClean="0"/>
-          </a:p>
-          <a:p>
-            <a:r>
-              <a:rPr lang="nl-BE" sz="2800" dirty="0" err="1" smtClean="0"/>
-              <a:t>Conclusion</a:t>
-            </a:r>
-            <a:r>
-              <a:rPr lang="nl-BE" sz="2800" dirty="0" smtClean="0"/>
-              <a:t> </a:t>
-            </a:r>
-            <a:endParaRPr lang="nl-BE" sz="2800" dirty="0" smtClean="0"/>
-          </a:p>
-          <a:p>
-            <a:r>
-              <a:rPr lang="nl-BE" sz="2800" dirty="0" err="1" smtClean="0"/>
-              <a:t>Future</a:t>
-            </a:r>
-            <a:r>
-              <a:rPr lang="nl-BE" sz="2800" dirty="0" smtClean="0"/>
-              <a:t> </a:t>
-            </a:r>
-            <a:r>
-              <a:rPr lang="nl-BE" sz="2800" dirty="0" err="1" smtClean="0"/>
-              <a:t>work</a:t>
-            </a:r>
-            <a:r>
-              <a:rPr lang="nl-BE" sz="2800" dirty="0" smtClean="0"/>
-              <a:t> </a:t>
-            </a:r>
-            <a:endParaRPr lang="nl-BE" sz="2800" dirty="0" smtClean="0"/>
-          </a:p>
-          <a:p>
-            <a:r>
-              <a:rPr lang="nl-BE" sz="2800" dirty="0" smtClean="0">
-                <a:solidFill>
-                  <a:srgbClr val="F66004"/>
-                </a:solidFill>
-              </a:rPr>
-              <a:t>Q&amp;A</a:t>
-            </a:r>
-          </a:p>
-          <a:p>
-            <a:pPr>
-              <a:buNone/>
-            </a:pPr>
-            <a:endParaRPr lang="nl-BE" dirty="0" smtClean="0"/>
+          <a:bodyPr/>
+          <a:lstStyle/>
+          <a:p>
+            <a:endParaRPr lang="en-GB"/>
           </a:p>
         </p:txBody>
       </p:sp>
@@ -21481,6 +22126,332 @@
           </a:p>
           <a:p>
             <a:endParaRPr lang="nl-BE" dirty="0"/>
+          </a:p>
+        </p:txBody>
+      </p:sp>
+    </p:spTree>
+  </p:cSld>
+  <p:clrMapOvr>
+    <a:masterClrMapping/>
+  </p:clrMapOvr>
+  <p:timing>
+    <p:tnLst>
+      <p:par>
+        <p:cTn id="1" dur="indefinite" restart="never" nodeType="tmRoot"/>
+      </p:par>
+    </p:tnLst>
+  </p:timing>
+</p:sld>
+</file>
+
+<file path=ppt/slides/slide90.xml><?xml version="1.0" encoding="utf-8"?>
+<p:sld xmlns:a="http://schemas.openxmlformats.org/drawingml/2006/main" xmlns:r="http://schemas.openxmlformats.org/officeDocument/2006/relationships" xmlns:p="http://schemas.openxmlformats.org/presentationml/2006/main">
+  <p:cSld>
+    <p:spTree>
+      <p:nvGrpSpPr>
+        <p:cNvPr id="1" name=""/>
+        <p:cNvGrpSpPr/>
+        <p:nvPr/>
+      </p:nvGrpSpPr>
+      <p:grpSpPr>
+        <a:xfrm>
+          <a:off x="0" y="0"/>
+          <a:ext cx="0" cy="0"/>
+          <a:chOff x="0" y="0"/>
+          <a:chExt cx="0" cy="0"/>
+        </a:xfrm>
+      </p:grpSpPr>
+      <p:sp>
+        <p:nvSpPr>
+          <p:cNvPr id="2" name="Titel 1"/>
+          <p:cNvSpPr>
+            <a:spLocks noGrp="1"/>
+          </p:cNvSpPr>
+          <p:nvPr>
+            <p:ph type="title"/>
+          </p:nvPr>
+        </p:nvSpPr>
+        <p:spPr/>
+        <p:txBody>
+          <a:bodyPr/>
+          <a:lstStyle/>
+          <a:p>
+            <a:r>
+              <a:rPr lang="nl-BE" dirty="0" err="1" smtClean="0"/>
+              <a:t>Overview</a:t>
+            </a:r>
+            <a:endParaRPr lang="nl-BE" dirty="0"/>
+          </a:p>
+        </p:txBody>
+      </p:sp>
+      <p:sp>
+        <p:nvSpPr>
+          <p:cNvPr id="3" name="Tijdelijke aanduiding voor inhoud 2"/>
+          <p:cNvSpPr>
+            <a:spLocks noGrp="1"/>
+          </p:cNvSpPr>
+          <p:nvPr>
+            <p:ph idx="1"/>
+          </p:nvPr>
+        </p:nvSpPr>
+        <p:spPr/>
+        <p:txBody>
+          <a:bodyPr>
+            <a:normAutofit fontScale="92500" lnSpcReduction="10000"/>
+          </a:bodyPr>
+          <a:lstStyle/>
+          <a:p>
+            <a:r>
+              <a:rPr lang="nl-BE" sz="2800" dirty="0" err="1" smtClean="0"/>
+              <a:t>Contributions</a:t>
+            </a:r>
+            <a:endParaRPr lang="nl-BE" sz="2800" dirty="0" smtClean="0"/>
+          </a:p>
+          <a:p>
+            <a:r>
+              <a:rPr lang="nl-BE" sz="2800" dirty="0" err="1" smtClean="0"/>
+              <a:t>Motivation</a:t>
+            </a:r>
+            <a:endParaRPr lang="nl-BE" sz="2800" dirty="0" smtClean="0"/>
+          </a:p>
+          <a:p>
+            <a:r>
+              <a:rPr lang="nl-BE" sz="2800" dirty="0" err="1" smtClean="0"/>
+              <a:t>Applications</a:t>
+            </a:r>
+            <a:endParaRPr lang="nl-BE" sz="2800" dirty="0" smtClean="0"/>
+          </a:p>
+          <a:p>
+            <a:r>
+              <a:rPr lang="nl-BE" sz="2800" dirty="0" smtClean="0"/>
+              <a:t>WSN as a RTLS</a:t>
+            </a:r>
+          </a:p>
+          <a:p>
+            <a:r>
+              <a:rPr lang="nl-BE" sz="2800" dirty="0" err="1" smtClean="0"/>
+              <a:t>Framework</a:t>
+            </a:r>
+            <a:endParaRPr lang="nl-BE" sz="2800" dirty="0" smtClean="0"/>
+          </a:p>
+          <a:p>
+            <a:r>
+              <a:rPr lang="nl-BE" sz="2800" dirty="0" err="1" smtClean="0"/>
+              <a:t>Localization</a:t>
+            </a:r>
+            <a:endParaRPr lang="nl-BE" sz="2800" dirty="0" smtClean="0"/>
+          </a:p>
+          <a:p>
+            <a:r>
+              <a:rPr lang="nl-BE" sz="2800" dirty="0" err="1" smtClean="0"/>
+              <a:t>Results</a:t>
+            </a:r>
+            <a:endParaRPr lang="nl-BE" sz="2800" dirty="0" smtClean="0"/>
+          </a:p>
+          <a:p>
+            <a:r>
+              <a:rPr lang="nl-BE" sz="2800" dirty="0" err="1" smtClean="0"/>
+              <a:t>Conclusion</a:t>
+            </a:r>
+            <a:r>
+              <a:rPr lang="nl-BE" sz="2800" dirty="0" smtClean="0"/>
+              <a:t> </a:t>
+            </a:r>
+          </a:p>
+          <a:p>
+            <a:r>
+              <a:rPr lang="nl-BE" sz="2800" dirty="0" err="1" smtClean="0"/>
+              <a:t>Future</a:t>
+            </a:r>
+            <a:r>
+              <a:rPr lang="nl-BE" sz="2800" dirty="0" smtClean="0"/>
+              <a:t> </a:t>
+            </a:r>
+            <a:r>
+              <a:rPr lang="nl-BE" sz="2800" dirty="0" err="1" smtClean="0"/>
+              <a:t>work</a:t>
+            </a:r>
+            <a:r>
+              <a:rPr lang="nl-BE" sz="2800" dirty="0" smtClean="0"/>
+              <a:t> </a:t>
+            </a:r>
+          </a:p>
+          <a:p>
+            <a:r>
+              <a:rPr lang="nl-BE" sz="2800" dirty="0" smtClean="0"/>
+              <a:t>Q&amp;A</a:t>
+            </a:r>
+          </a:p>
+          <a:p>
+            <a:pPr>
+              <a:buNone/>
+            </a:pPr>
+            <a:endParaRPr lang="nl-BE" dirty="0" smtClean="0"/>
+          </a:p>
+        </p:txBody>
+      </p:sp>
+    </p:spTree>
+  </p:cSld>
+  <p:clrMapOvr>
+    <a:masterClrMapping/>
+  </p:clrMapOvr>
+  <p:timing>
+    <p:tnLst>
+      <p:par>
+        <p:cTn id="1" dur="indefinite" restart="never" nodeType="tmRoot"/>
+      </p:par>
+    </p:tnLst>
+  </p:timing>
+</p:sld>
+</file>
+
+<file path=ppt/slides/slide91.xml><?xml version="1.0" encoding="utf-8"?>
+<p:sld xmlns:a="http://schemas.openxmlformats.org/drawingml/2006/main" xmlns:r="http://schemas.openxmlformats.org/officeDocument/2006/relationships" xmlns:p="http://schemas.openxmlformats.org/presentationml/2006/main">
+  <p:cSld>
+    <p:spTree>
+      <p:nvGrpSpPr>
+        <p:cNvPr id="1" name=""/>
+        <p:cNvGrpSpPr/>
+        <p:nvPr/>
+      </p:nvGrpSpPr>
+      <p:grpSpPr>
+        <a:xfrm>
+          <a:off x="0" y="0"/>
+          <a:ext cx="0" cy="0"/>
+          <a:chOff x="0" y="0"/>
+          <a:chExt cx="0" cy="0"/>
+        </a:xfrm>
+      </p:grpSpPr>
+      <p:sp>
+        <p:nvSpPr>
+          <p:cNvPr id="2" name="Titel 1"/>
+          <p:cNvSpPr>
+            <a:spLocks noGrp="1"/>
+          </p:cNvSpPr>
+          <p:nvPr>
+            <p:ph type="title"/>
+          </p:nvPr>
+        </p:nvSpPr>
+        <p:spPr/>
+        <p:txBody>
+          <a:bodyPr/>
+          <a:lstStyle/>
+          <a:p>
+            <a:r>
+              <a:rPr lang="nl-BE" dirty="0" err="1" smtClean="0"/>
+              <a:t>Overview</a:t>
+            </a:r>
+            <a:endParaRPr lang="nl-BE" dirty="0"/>
+          </a:p>
+        </p:txBody>
+      </p:sp>
+      <p:sp>
+        <p:nvSpPr>
+          <p:cNvPr id="3" name="Tijdelijke aanduiding voor inhoud 2"/>
+          <p:cNvSpPr>
+            <a:spLocks noGrp="1"/>
+          </p:cNvSpPr>
+          <p:nvPr>
+            <p:ph idx="1"/>
+          </p:nvPr>
+        </p:nvSpPr>
+        <p:spPr/>
+        <p:txBody>
+          <a:bodyPr>
+            <a:normAutofit fontScale="92500" lnSpcReduction="10000"/>
+          </a:bodyPr>
+          <a:lstStyle/>
+          <a:p>
+            <a:r>
+              <a:rPr lang="nl-BE" sz="2800" dirty="0" err="1" smtClean="0"/>
+              <a:t>Contributions</a:t>
+            </a:r>
+            <a:endParaRPr lang="nl-BE" sz="2800" dirty="0" smtClean="0"/>
+          </a:p>
+          <a:p>
+            <a:r>
+              <a:rPr lang="nl-BE" sz="2800" dirty="0" err="1" smtClean="0"/>
+              <a:t>Motivation</a:t>
+            </a:r>
+            <a:endParaRPr lang="nl-BE" sz="2800" dirty="0" smtClean="0"/>
+          </a:p>
+          <a:p>
+            <a:r>
+              <a:rPr lang="nl-BE" sz="2800" dirty="0" err="1" smtClean="0"/>
+              <a:t>Applications</a:t>
+            </a:r>
+            <a:endParaRPr lang="nl-BE" sz="2800" dirty="0" smtClean="0"/>
+          </a:p>
+          <a:p>
+            <a:r>
+              <a:rPr lang="nl-BE" sz="2800" dirty="0" smtClean="0"/>
+              <a:t>WSN as a RTLS</a:t>
+            </a:r>
+          </a:p>
+          <a:p>
+            <a:r>
+              <a:rPr lang="nl-BE" sz="2800" dirty="0" err="1" smtClean="0"/>
+              <a:t>Framework</a:t>
+            </a:r>
+            <a:endParaRPr lang="nl-BE" sz="2800" dirty="0" smtClean="0"/>
+          </a:p>
+          <a:p>
+            <a:r>
+              <a:rPr lang="nl-BE" sz="2800" dirty="0" err="1" smtClean="0"/>
+              <a:t>Localization</a:t>
+            </a:r>
+            <a:endParaRPr lang="nl-BE" sz="2800" dirty="0" smtClean="0"/>
+          </a:p>
+          <a:p>
+            <a:r>
+              <a:rPr lang="nl-BE" sz="2800" dirty="0" err="1" smtClean="0"/>
+              <a:t>Results</a:t>
+            </a:r>
+            <a:endParaRPr lang="nl-BE" sz="2800" dirty="0" smtClean="0"/>
+          </a:p>
+          <a:p>
+            <a:r>
+              <a:rPr lang="nl-BE" sz="2800" dirty="0" err="1" smtClean="0"/>
+              <a:t>Conclusion</a:t>
+            </a:r>
+            <a:r>
+              <a:rPr lang="nl-BE" sz="2800" dirty="0" smtClean="0"/>
+              <a:t> </a:t>
+            </a:r>
+          </a:p>
+          <a:p>
+            <a:r>
+              <a:rPr lang="nl-BE" sz="2800" dirty="0" err="1" smtClean="0"/>
+              <a:t>Future</a:t>
+            </a:r>
+            <a:r>
+              <a:rPr lang="nl-BE" sz="2800" dirty="0" smtClean="0"/>
+              <a:t> </a:t>
+            </a:r>
+            <a:r>
+              <a:rPr lang="nl-BE" sz="2800" dirty="0" err="1" smtClean="0"/>
+              <a:t>work</a:t>
+            </a:r>
+            <a:r>
+              <a:rPr lang="nl-BE" sz="2800" dirty="0" smtClean="0"/>
+              <a:t> </a:t>
+            </a:r>
+          </a:p>
+          <a:p>
+            <a:r>
+              <a:rPr lang="nl-BE" sz="2800" dirty="0" smtClean="0">
+                <a:solidFill>
+                  <a:srgbClr val="F66004"/>
+                </a:solidFill>
+              </a:rPr>
+              <a:t>Q&amp;A</a:t>
+            </a:r>
+          </a:p>
+          <a:p>
+            <a:pPr>
+              <a:buNone/>
+            </a:pPr>
+            <a:endParaRPr lang="nl-BE" dirty="0" smtClean="0"/>
           </a:p>
         </p:txBody>
       </p:sp>
